--- a/Java Урок 11 ООП. Класи.pptx
+++ b/Java Урок 11 ООП. Класи.pptx
@@ -278,7 +278,7 @@
           <a:p>
             <a:fld id="{BDA8E492-5DAE-4A13-8567-328CEAB41896}" type="datetimeFigureOut">
               <a:rPr lang="uk-UA" smtClean="0"/>
-              <a:t>17.01.2024</a:t>
+              <a:t>01.03.2024</a:t>
             </a:fld>
             <a:endParaRPr lang="uk-UA"/>
           </a:p>
@@ -478,7 +478,7 @@
           <a:p>
             <a:fld id="{BDA8E492-5DAE-4A13-8567-328CEAB41896}" type="datetimeFigureOut">
               <a:rPr lang="uk-UA" smtClean="0"/>
-              <a:t>17.01.2024</a:t>
+              <a:t>01.03.2024</a:t>
             </a:fld>
             <a:endParaRPr lang="uk-UA"/>
           </a:p>
@@ -688,7 +688,7 @@
           <a:p>
             <a:fld id="{BDA8E492-5DAE-4A13-8567-328CEAB41896}" type="datetimeFigureOut">
               <a:rPr lang="uk-UA" smtClean="0"/>
-              <a:t>17.01.2024</a:t>
+              <a:t>01.03.2024</a:t>
             </a:fld>
             <a:endParaRPr lang="uk-UA"/>
           </a:p>
@@ -1011,7 +1011,7 @@
           <a:p>
             <a:fld id="{BDA8E492-5DAE-4A13-8567-328CEAB41896}" type="datetimeFigureOut">
               <a:rPr lang="uk-UA" smtClean="0"/>
-              <a:t>17.01.2024</a:t>
+              <a:t>01.03.2024</a:t>
             </a:fld>
             <a:endParaRPr lang="uk-UA"/>
           </a:p>
@@ -1287,7 +1287,7 @@
           <a:p>
             <a:fld id="{BDA8E492-5DAE-4A13-8567-328CEAB41896}" type="datetimeFigureOut">
               <a:rPr lang="uk-UA" smtClean="0"/>
-              <a:t>17.01.2024</a:t>
+              <a:t>01.03.2024</a:t>
             </a:fld>
             <a:endParaRPr lang="uk-UA"/>
           </a:p>
@@ -1555,7 +1555,7 @@
           <a:p>
             <a:fld id="{BDA8E492-5DAE-4A13-8567-328CEAB41896}" type="datetimeFigureOut">
               <a:rPr lang="uk-UA" smtClean="0"/>
-              <a:t>17.01.2024</a:t>
+              <a:t>01.03.2024</a:t>
             </a:fld>
             <a:endParaRPr lang="uk-UA"/>
           </a:p>
@@ -1970,7 +1970,7 @@
           <a:p>
             <a:fld id="{BDA8E492-5DAE-4A13-8567-328CEAB41896}" type="datetimeFigureOut">
               <a:rPr lang="uk-UA" smtClean="0"/>
-              <a:t>17.01.2024</a:t>
+              <a:t>01.03.2024</a:t>
             </a:fld>
             <a:endParaRPr lang="uk-UA"/>
           </a:p>
@@ -2112,7 +2112,7 @@
           <a:p>
             <a:fld id="{BDA8E492-5DAE-4A13-8567-328CEAB41896}" type="datetimeFigureOut">
               <a:rPr lang="uk-UA" smtClean="0"/>
-              <a:t>17.01.2024</a:t>
+              <a:t>01.03.2024</a:t>
             </a:fld>
             <a:endParaRPr lang="uk-UA"/>
           </a:p>
@@ -2225,7 +2225,7 @@
           <a:p>
             <a:fld id="{BDA8E492-5DAE-4A13-8567-328CEAB41896}" type="datetimeFigureOut">
               <a:rPr lang="uk-UA" smtClean="0"/>
-              <a:t>17.01.2024</a:t>
+              <a:t>01.03.2024</a:t>
             </a:fld>
             <a:endParaRPr lang="uk-UA"/>
           </a:p>
@@ -2538,7 +2538,7 @@
           <a:p>
             <a:fld id="{BDA8E492-5DAE-4A13-8567-328CEAB41896}" type="datetimeFigureOut">
               <a:rPr lang="uk-UA" smtClean="0"/>
-              <a:t>17.01.2024</a:t>
+              <a:t>01.03.2024</a:t>
             </a:fld>
             <a:endParaRPr lang="uk-UA"/>
           </a:p>
@@ -2827,7 +2827,7 @@
           <a:p>
             <a:fld id="{BDA8E492-5DAE-4A13-8567-328CEAB41896}" type="datetimeFigureOut">
               <a:rPr lang="uk-UA" smtClean="0"/>
-              <a:t>17.01.2024</a:t>
+              <a:t>01.03.2024</a:t>
             </a:fld>
             <a:endParaRPr lang="uk-UA"/>
           </a:p>
@@ -3070,7 +3070,7 @@
           <a:p>
             <a:fld id="{BDA8E492-5DAE-4A13-8567-328CEAB41896}" type="datetimeFigureOut">
               <a:rPr lang="uk-UA" smtClean="0"/>
-              <a:t>17.01.2024</a:t>
+              <a:t>01.03.2024</a:t>
             </a:fld>
             <a:endParaRPr lang="uk-UA"/>
           </a:p>
@@ -3779,7 +3779,7 @@
           <a:graphicData uri="http://schemas.openxmlformats.org/presentationml/2006/ole">
             <mc:AlternateContent xmlns:mc="http://schemas.openxmlformats.org/markup-compatibility/2006">
               <mc:Choice xmlns:v="urn:schemas-microsoft-com:vml" Requires="v">
-                <p:oleObj spid="_x0000_s6190" name="Visio" r:id="rId3" imgW="3924399" imgH="2705355" progId="Visio.Drawing.11">
+                <p:oleObj spid="_x0000_s6194" name="Visio" r:id="rId3" imgW="3924399" imgH="2705355" progId="Visio.Drawing.11">
                   <p:embed/>
                 </p:oleObj>
               </mc:Choice>
@@ -3866,7 +3866,7 @@
           <a:graphicData uri="http://schemas.openxmlformats.org/presentationml/2006/ole">
             <mc:AlternateContent xmlns:mc="http://schemas.openxmlformats.org/markup-compatibility/2006">
               <mc:Choice xmlns:v="urn:schemas-microsoft-com:vml" Requires="v">
-                <p:oleObj spid="_x0000_s6191" name="Visio" r:id="rId5" imgW="3869611" imgH="1519238" progId="Visio.Drawing.11">
+                <p:oleObj spid="_x0000_s6195" name="Visio" r:id="rId5" imgW="3869611" imgH="1519238" progId="Visio.Drawing.11">
                   <p:embed/>
                 </p:oleObj>
               </mc:Choice>
@@ -4031,7 +4031,7 @@
           <a:graphicData uri="http://schemas.openxmlformats.org/presentationml/2006/ole">
             <mc:AlternateContent xmlns:mc="http://schemas.openxmlformats.org/markup-compatibility/2006">
               <mc:Choice xmlns:v="urn:schemas-microsoft-com:vml" Requires="v">
-                <p:oleObj spid="_x0000_s7236" name="Visio" r:id="rId3" imgW="2032989" imgH="782990" progId="Visio.Drawing.11">
+                <p:oleObj spid="_x0000_s7242" name="Visio" r:id="rId3" imgW="2032989" imgH="782990" progId="Visio.Drawing.11">
                   <p:embed/>
                 </p:oleObj>
               </mc:Choice>
@@ -4124,7 +4124,7 @@
           <a:graphicData uri="http://schemas.openxmlformats.org/presentationml/2006/ole">
             <mc:AlternateContent xmlns:mc="http://schemas.openxmlformats.org/markup-compatibility/2006">
               <mc:Choice xmlns:v="urn:schemas-microsoft-com:vml" Requires="v">
-                <p:oleObj spid="_x0000_s7237" name="Visio" r:id="rId5" imgW="4753531" imgH="3713663" progId="Visio.Drawing.11">
+                <p:oleObj spid="_x0000_s7243" name="Visio" r:id="rId5" imgW="4753531" imgH="3713663" progId="Visio.Drawing.11">
                   <p:embed/>
                 </p:oleObj>
               </mc:Choice>
@@ -4319,7 +4319,7 @@
           <a:graphicData uri="http://schemas.openxmlformats.org/presentationml/2006/ole">
             <mc:AlternateContent xmlns:mc="http://schemas.openxmlformats.org/markup-compatibility/2006">
               <mc:Choice xmlns:v="urn:schemas-microsoft-com:vml" Requires="v">
-                <p:oleObj spid="_x0000_s7238" name="Visio" r:id="rId7" imgW="4136379" imgH="1519238" progId="Visio.Drawing.11">
+                <p:oleObj spid="_x0000_s7244" name="Visio" r:id="rId7" imgW="4136379" imgH="1519238" progId="Visio.Drawing.11">
                   <p:embed/>
                 </p:oleObj>
               </mc:Choice>
@@ -4586,7 +4586,7 @@
           <a:graphicData uri="http://schemas.openxmlformats.org/presentationml/2006/ole">
             <mc:AlternateContent xmlns:mc="http://schemas.openxmlformats.org/markup-compatibility/2006">
               <mc:Choice xmlns:v="urn:schemas-microsoft-com:vml" Requires="v">
-                <p:oleObj spid="_x0000_s8238" name="Visio" r:id="rId3" imgW="4753531" imgH="3528588" progId="Visio.Drawing.11">
+                <p:oleObj spid="_x0000_s8242" name="Visio" r:id="rId3" imgW="4753531" imgH="3528588" progId="Visio.Drawing.11">
                   <p:embed/>
                 </p:oleObj>
               </mc:Choice>
@@ -4781,7 +4781,7 @@
           <a:graphicData uri="http://schemas.openxmlformats.org/presentationml/2006/ole">
             <mc:AlternateContent xmlns:mc="http://schemas.openxmlformats.org/markup-compatibility/2006">
               <mc:Choice xmlns:v="urn:schemas-microsoft-com:vml" Requires="v">
-                <p:oleObj spid="_x0000_s8239" name="Visio" r:id="rId5" imgW="3716672" imgH="1519238" progId="Visio.Drawing.11">
+                <p:oleObj spid="_x0000_s8243" name="Visio" r:id="rId5" imgW="3716672" imgH="1519238" progId="Visio.Drawing.11">
                   <p:embed/>
                 </p:oleObj>
               </mc:Choice>
@@ -5008,7 +5008,7 @@
           <a:graphicData uri="http://schemas.openxmlformats.org/presentationml/2006/ole">
             <mc:AlternateContent xmlns:mc="http://schemas.openxmlformats.org/markup-compatibility/2006">
               <mc:Choice xmlns:v="urn:schemas-microsoft-com:vml" Requires="v">
-                <p:oleObj spid="_x0000_s9262" name="Visio" r:id="rId3" imgW="3770619" imgH="1885066" progId="Visio.Drawing.11">
+                <p:oleObj spid="_x0000_s9266" name="Visio" r:id="rId3" imgW="3770619" imgH="1885066" progId="Visio.Drawing.11">
                   <p:embed/>
                 </p:oleObj>
               </mc:Choice>
@@ -5101,7 +5101,7 @@
           <a:graphicData uri="http://schemas.openxmlformats.org/presentationml/2006/ole">
             <mc:AlternateContent xmlns:mc="http://schemas.openxmlformats.org/markup-compatibility/2006">
               <mc:Choice xmlns:v="urn:schemas-microsoft-com:vml" Requires="v">
-                <p:oleObj spid="_x0000_s9263" name="Visio" r:id="rId5" imgW="5408986" imgH="2255486" progId="Visio.Drawing.11">
+                <p:oleObj spid="_x0000_s9267" name="Visio" r:id="rId5" imgW="5408986" imgH="2255486" progId="Visio.Drawing.11">
                   <p:embed/>
                 </p:oleObj>
               </mc:Choice>
@@ -5343,7 +5343,7 @@
           <a:graphicData uri="http://schemas.openxmlformats.org/presentationml/2006/ole">
             <mc:AlternateContent xmlns:mc="http://schemas.openxmlformats.org/markup-compatibility/2006">
               <mc:Choice xmlns:v="urn:schemas-microsoft-com:vml" Requires="v">
-                <p:oleObj spid="_x0000_s10264" name="Visio" r:id="rId3" imgW="5317546" imgH="3540206" progId="Visio.Drawing.11">
+                <p:oleObj spid="_x0000_s10266" name="Visio" r:id="rId3" imgW="5317546" imgH="3540206" progId="Visio.Drawing.11">
                   <p:embed/>
                 </p:oleObj>
               </mc:Choice>
@@ -5581,7 +5581,7 @@
           <a:graphicData uri="http://schemas.openxmlformats.org/presentationml/2006/ole">
             <mc:AlternateContent xmlns:mc="http://schemas.openxmlformats.org/markup-compatibility/2006">
               <mc:Choice xmlns:v="urn:schemas-microsoft-com:vml" Requires="v">
-                <p:oleObj spid="_x0000_s11310" name="Visio" r:id="rId3" imgW="5629322" imgH="1790744" progId="Visio.Drawing.11">
+                <p:oleObj spid="_x0000_s11314" name="Visio" r:id="rId3" imgW="5629322" imgH="1790744" progId="Visio.Drawing.11">
                   <p:embed/>
                 </p:oleObj>
               </mc:Choice>
@@ -5668,7 +5668,7 @@
           <a:graphicData uri="http://schemas.openxmlformats.org/presentationml/2006/ole">
             <mc:AlternateContent xmlns:mc="http://schemas.openxmlformats.org/markup-compatibility/2006">
               <mc:Choice xmlns:v="urn:schemas-microsoft-com:vml" Requires="v">
-                <p:oleObj spid="_x0000_s11311" name="Visio" r:id="rId5" imgW="4685019" imgH="2621314" progId="Visio.Drawing.11">
+                <p:oleObj spid="_x0000_s11315" name="Visio" r:id="rId5" imgW="4685019" imgH="2621314" progId="Visio.Drawing.11">
                   <p:embed/>
                 </p:oleObj>
               </mc:Choice>
@@ -5877,7 +5877,7 @@
           <a:graphicData uri="http://schemas.openxmlformats.org/presentationml/2006/ole">
             <mc:AlternateContent xmlns:mc="http://schemas.openxmlformats.org/markup-compatibility/2006">
               <mc:Choice xmlns:v="urn:schemas-microsoft-com:vml" Requires="v">
-                <p:oleObj spid="_x0000_s12334" name="Visio" r:id="rId3" imgW="3862059" imgH="972928" progId="Visio.Drawing.11">
+                <p:oleObj spid="_x0000_s12338" name="Visio" r:id="rId3" imgW="3862059" imgH="972928" progId="Visio.Drawing.11">
                   <p:embed/>
                 </p:oleObj>
               </mc:Choice>
@@ -6021,7 +6021,7 @@
           <a:graphicData uri="http://schemas.openxmlformats.org/presentationml/2006/ole">
             <mc:AlternateContent xmlns:mc="http://schemas.openxmlformats.org/markup-compatibility/2006">
               <mc:Choice xmlns:v="urn:schemas-microsoft-com:vml" Requires="v">
-                <p:oleObj spid="_x0000_s12335" name="Visio" r:id="rId5" imgW="5991445" imgH="3267315" progId="Visio.Drawing.11">
+                <p:oleObj spid="_x0000_s12339" name="Visio" r:id="rId5" imgW="5991445" imgH="3267315" progId="Visio.Drawing.11">
                   <p:embed/>
                 </p:oleObj>
               </mc:Choice>
@@ -6595,7 +6595,7 @@
           <a:graphicData uri="http://schemas.openxmlformats.org/presentationml/2006/ole">
             <mc:AlternateContent xmlns:mc="http://schemas.openxmlformats.org/markup-compatibility/2006">
               <mc:Choice xmlns:v="urn:schemas-microsoft-com:vml" Requires="v">
-                <p:oleObj spid="_x0000_s13358" name="Visio" r:id="rId3" imgW="5991445" imgH="3086338" progId="Visio.Drawing.11">
+                <p:oleObj spid="_x0000_s13362" name="Visio" r:id="rId3" imgW="5991445" imgH="3086338" progId="Visio.Drawing.11">
                   <p:embed/>
                 </p:oleObj>
               </mc:Choice>
@@ -6682,7 +6682,7 @@
           <a:graphicData uri="http://schemas.openxmlformats.org/presentationml/2006/ole">
             <mc:AlternateContent xmlns:mc="http://schemas.openxmlformats.org/markup-compatibility/2006">
               <mc:Choice xmlns:v="urn:schemas-microsoft-com:vml" Requires="v">
-                <p:oleObj spid="_x0000_s13359" name="Visio" r:id="rId5" imgW="5076875" imgH="1981447" progId="Visio.Drawing.11">
+                <p:oleObj spid="_x0000_s13363" name="Visio" r:id="rId5" imgW="5076875" imgH="1981447" progId="Visio.Drawing.11">
                   <p:embed/>
                 </p:oleObj>
               </mc:Choice>
@@ -10993,7 +10993,7 @@
           <a:graphicData uri="http://schemas.openxmlformats.org/presentationml/2006/ole">
             <mc:AlternateContent xmlns:mc="http://schemas.openxmlformats.org/markup-compatibility/2006">
               <mc:Choice xmlns:v="urn:schemas-microsoft-com:vml" Requires="v">
-                <p:oleObj spid="_x0000_s1049" name="Visio" r:id="rId3" imgW="3093192" imgH="2508626" progId="Visio.Drawing.11">
+                <p:oleObj spid="_x0000_s1051" name="Visio" r:id="rId3" imgW="3093192" imgH="2508626" progId="Visio.Drawing.11">
                   <p:embed/>
                 </p:oleObj>
               </mc:Choice>
@@ -11367,7 +11367,7 @@
           <a:graphicData uri="http://schemas.openxmlformats.org/presentationml/2006/ole">
             <mc:AlternateContent xmlns:mc="http://schemas.openxmlformats.org/markup-compatibility/2006">
               <mc:Choice xmlns:v="urn:schemas-microsoft-com:vml" Requires="v">
-                <p:oleObj spid="_x0000_s2094" name="Visio" r:id="rId3" imgW="3138091" imgH="3161139" progId="Visio.Drawing.11">
+                <p:oleObj spid="_x0000_s2098" name="Visio" r:id="rId3" imgW="3138091" imgH="3161139" progId="Visio.Drawing.11">
                   <p:embed/>
                 </p:oleObj>
               </mc:Choice>
@@ -11460,7 +11460,7 @@
           <a:graphicData uri="http://schemas.openxmlformats.org/presentationml/2006/ole">
             <mc:AlternateContent xmlns:mc="http://schemas.openxmlformats.org/markup-compatibility/2006">
               <mc:Choice xmlns:v="urn:schemas-microsoft-com:vml" Requires="v">
-                <p:oleObj spid="_x0000_s2095" name="Visio" r:id="rId5" imgW="1034702" imgH="966444" progId="Visio.Drawing.11">
+                <p:oleObj spid="_x0000_s2099" name="Visio" r:id="rId5" imgW="1034702" imgH="966444" progId="Visio.Drawing.11">
                   <p:embed/>
                 </p:oleObj>
               </mc:Choice>
@@ -17782,7 +17782,7 @@
           <a:graphicData uri="http://schemas.openxmlformats.org/presentationml/2006/ole">
             <mc:AlternateContent xmlns:mc="http://schemas.openxmlformats.org/markup-compatibility/2006">
               <mc:Choice xmlns:v="urn:schemas-microsoft-com:vml" Requires="v">
-                <p:oleObj spid="_x0000_s3096" name="Visio" r:id="rId3" imgW="3778171" imgH="3725551" progId="Visio.Drawing.11">
+                <p:oleObj spid="_x0000_s3098" name="Visio" r:id="rId3" imgW="3778171" imgH="3725551" progId="Visio.Drawing.11">
                   <p:embed/>
                 </p:oleObj>
               </mc:Choice>
@@ -17936,7 +17936,7 @@
           <a:graphicData uri="http://schemas.openxmlformats.org/presentationml/2006/ole">
             <mc:AlternateContent xmlns:mc="http://schemas.openxmlformats.org/markup-compatibility/2006">
               <mc:Choice xmlns:v="urn:schemas-microsoft-com:vml" Requires="v">
-                <p:oleObj spid="_x0000_s4274" name="Visio" r:id="rId3" imgW="4981712" imgH="1971721" progId="Visio.Drawing.11">
+                <p:oleObj spid="_x0000_s4290" name="Visio" r:id="rId3" imgW="4981712" imgH="1971721" progId="Visio.Drawing.11">
                   <p:embed/>
                 </p:oleObj>
               </mc:Choice>
@@ -18023,7 +18023,7 @@
           <a:graphicData uri="http://schemas.openxmlformats.org/presentationml/2006/ole">
             <mc:AlternateContent xmlns:mc="http://schemas.openxmlformats.org/markup-compatibility/2006">
               <mc:Choice xmlns:v="urn:schemas-microsoft-com:vml" Requires="v">
-                <p:oleObj spid="_x0000_s4275" name="Visio" r:id="rId5" imgW="3778171" imgH="2063116" progId="Visio.Drawing.11">
+                <p:oleObj spid="_x0000_s4291" name="Visio" r:id="rId5" imgW="3778171" imgH="2063116" progId="Visio.Drawing.11">
                   <p:embed/>
                 </p:oleObj>
               </mc:Choice>
@@ -18167,7 +18167,7 @@
           <a:graphicData uri="http://schemas.openxmlformats.org/presentationml/2006/ole">
             <mc:AlternateContent xmlns:mc="http://schemas.openxmlformats.org/markup-compatibility/2006">
               <mc:Choice xmlns:v="urn:schemas-microsoft-com:vml" Requires="v">
-                <p:oleObj spid="_x0000_s4276" name="Visio" r:id="rId7" imgW="368457" imgH="483627" progId="Visio.Drawing.11">
+                <p:oleObj spid="_x0000_s4292" name="Visio" r:id="rId7" imgW="368457" imgH="483627" progId="Visio.Drawing.11">
                   <p:embed/>
                 </p:oleObj>
               </mc:Choice>
@@ -18260,7 +18260,7 @@
           <a:graphicData uri="http://schemas.openxmlformats.org/presentationml/2006/ole">
             <mc:AlternateContent xmlns:mc="http://schemas.openxmlformats.org/markup-compatibility/2006">
               <mc:Choice xmlns:v="urn:schemas-microsoft-com:vml" Requires="v">
-                <p:oleObj spid="_x0000_s4277" name="Visio" r:id="rId9" imgW="368457" imgH="483627" progId="Visio.Drawing.11">
+                <p:oleObj spid="_x0000_s4293" name="Visio" r:id="rId9" imgW="368457" imgH="483627" progId="Visio.Drawing.11">
                   <p:embed/>
                 </p:oleObj>
               </mc:Choice>
@@ -18353,7 +18353,7 @@
           <a:graphicData uri="http://schemas.openxmlformats.org/presentationml/2006/ole">
             <mc:AlternateContent xmlns:mc="http://schemas.openxmlformats.org/markup-compatibility/2006">
               <mc:Choice xmlns:v="urn:schemas-microsoft-com:vml" Requires="v">
-                <p:oleObj spid="_x0000_s4278" name="Visio" r:id="rId10" imgW="368457" imgH="483627" progId="Visio.Drawing.11">
+                <p:oleObj spid="_x0000_s4294" name="Visio" r:id="rId10" imgW="368457" imgH="483627" progId="Visio.Drawing.11">
                   <p:embed/>
                 </p:oleObj>
               </mc:Choice>
@@ -18446,7 +18446,7 @@
           <a:graphicData uri="http://schemas.openxmlformats.org/presentationml/2006/ole">
             <mc:AlternateContent xmlns:mc="http://schemas.openxmlformats.org/markup-compatibility/2006">
               <mc:Choice xmlns:v="urn:schemas-microsoft-com:vml" Requires="v">
-                <p:oleObj spid="_x0000_s4279" name="Visio" r:id="rId11" imgW="440476" imgH="440398" progId="Visio.Drawing.11">
+                <p:oleObj spid="_x0000_s4295" name="Visio" r:id="rId11" imgW="440476" imgH="440398" progId="Visio.Drawing.11">
                   <p:embed/>
                 </p:oleObj>
               </mc:Choice>
@@ -18539,7 +18539,7 @@
           <a:graphicData uri="http://schemas.openxmlformats.org/presentationml/2006/ole">
             <mc:AlternateContent xmlns:mc="http://schemas.openxmlformats.org/markup-compatibility/2006">
               <mc:Choice xmlns:v="urn:schemas-microsoft-com:vml" Requires="v">
-                <p:oleObj spid="_x0000_s4280" name="Visio" r:id="rId13" imgW="368457" imgH="483627" progId="Visio.Drawing.11">
+                <p:oleObj spid="_x0000_s4296" name="Visio" r:id="rId13" imgW="368457" imgH="483627" progId="Visio.Drawing.11">
                   <p:embed/>
                 </p:oleObj>
               </mc:Choice>
@@ -18632,7 +18632,7 @@
           <a:graphicData uri="http://schemas.openxmlformats.org/presentationml/2006/ole">
             <mc:AlternateContent xmlns:mc="http://schemas.openxmlformats.org/markup-compatibility/2006">
               <mc:Choice xmlns:v="urn:schemas-microsoft-com:vml" Requires="v">
-                <p:oleObj spid="_x0000_s4281" name="Visio" r:id="rId14" imgW="440476" imgH="440398" progId="Visio.Drawing.11">
+                <p:oleObj spid="_x0000_s4297" name="Visio" r:id="rId14" imgW="440476" imgH="440398" progId="Visio.Drawing.11">
                   <p:embed/>
                 </p:oleObj>
               </mc:Choice>
@@ -18788,7 +18788,7 @@
           <a:graphicData uri="http://schemas.openxmlformats.org/presentationml/2006/ole">
             <mc:AlternateContent xmlns:mc="http://schemas.openxmlformats.org/markup-compatibility/2006">
               <mc:Choice xmlns:v="urn:schemas-microsoft-com:vml" Requires="v">
-                <p:oleObj spid="_x0000_s5166" name="Visio" r:id="rId3" imgW="3778171" imgH="4262404" progId="Visio.Drawing.11">
+                <p:oleObj spid="_x0000_s5170" name="Visio" r:id="rId3" imgW="3778171" imgH="4262404" progId="Visio.Drawing.11">
                   <p:embed/>
                 </p:oleObj>
               </mc:Choice>
@@ -18881,7 +18881,7 @@
           <a:graphicData uri="http://schemas.openxmlformats.org/presentationml/2006/ole">
             <mc:AlternateContent xmlns:mc="http://schemas.openxmlformats.org/markup-compatibility/2006">
               <mc:Choice xmlns:v="urn:schemas-microsoft-com:vml" Requires="v">
-                <p:oleObj spid="_x0000_s5167" name="Visio" r:id="rId5" imgW="3869611" imgH="3174648" progId="Visio.Drawing.11">
+                <p:oleObj spid="_x0000_s5171" name="Visio" r:id="rId5" imgW="3869611" imgH="3174648" progId="Visio.Drawing.11">
                   <p:embed/>
                 </p:oleObj>
               </mc:Choice>

--- a/Java Урок 11 ООП. Класи.pptx
+++ b/Java Урок 11 ООП. Класи.pptx
@@ -23,6 +23,12 @@
     <p:sldId id="750" r:id="rId17"/>
     <p:sldId id="751" r:id="rId18"/>
     <p:sldId id="756" r:id="rId19"/>
+    <p:sldId id="757" r:id="rId20"/>
+    <p:sldId id="758" r:id="rId21"/>
+    <p:sldId id="759" r:id="rId22"/>
+    <p:sldId id="737" r:id="rId23"/>
+    <p:sldId id="760" r:id="rId24"/>
+    <p:sldId id="761" r:id="rId25"/>
   </p:sldIdLst>
   <p:sldSz cx="12192000" cy="6858000"/>
   <p:notesSz cx="6858000" cy="9144000"/>
@@ -278,7 +284,7 @@
           <a:p>
             <a:fld id="{BDA8E492-5DAE-4A13-8567-328CEAB41896}" type="datetimeFigureOut">
               <a:rPr lang="uk-UA" smtClean="0"/>
-              <a:t>01.03.2024</a:t>
+              <a:t>03.03.2024</a:t>
             </a:fld>
             <a:endParaRPr lang="uk-UA"/>
           </a:p>
@@ -478,7 +484,7 @@
           <a:p>
             <a:fld id="{BDA8E492-5DAE-4A13-8567-328CEAB41896}" type="datetimeFigureOut">
               <a:rPr lang="uk-UA" smtClean="0"/>
-              <a:t>01.03.2024</a:t>
+              <a:t>03.03.2024</a:t>
             </a:fld>
             <a:endParaRPr lang="uk-UA"/>
           </a:p>
@@ -688,7 +694,7 @@
           <a:p>
             <a:fld id="{BDA8E492-5DAE-4A13-8567-328CEAB41896}" type="datetimeFigureOut">
               <a:rPr lang="uk-UA" smtClean="0"/>
-              <a:t>01.03.2024</a:t>
+              <a:t>03.03.2024</a:t>
             </a:fld>
             <a:endParaRPr lang="uk-UA"/>
           </a:p>
@@ -1011,7 +1017,7 @@
           <a:p>
             <a:fld id="{BDA8E492-5DAE-4A13-8567-328CEAB41896}" type="datetimeFigureOut">
               <a:rPr lang="uk-UA" smtClean="0"/>
-              <a:t>01.03.2024</a:t>
+              <a:t>03.03.2024</a:t>
             </a:fld>
             <a:endParaRPr lang="uk-UA"/>
           </a:p>
@@ -1287,7 +1293,7 @@
           <a:p>
             <a:fld id="{BDA8E492-5DAE-4A13-8567-328CEAB41896}" type="datetimeFigureOut">
               <a:rPr lang="uk-UA" smtClean="0"/>
-              <a:t>01.03.2024</a:t>
+              <a:t>03.03.2024</a:t>
             </a:fld>
             <a:endParaRPr lang="uk-UA"/>
           </a:p>
@@ -1555,7 +1561,7 @@
           <a:p>
             <a:fld id="{BDA8E492-5DAE-4A13-8567-328CEAB41896}" type="datetimeFigureOut">
               <a:rPr lang="uk-UA" smtClean="0"/>
-              <a:t>01.03.2024</a:t>
+              <a:t>03.03.2024</a:t>
             </a:fld>
             <a:endParaRPr lang="uk-UA"/>
           </a:p>
@@ -1970,7 +1976,7 @@
           <a:p>
             <a:fld id="{BDA8E492-5DAE-4A13-8567-328CEAB41896}" type="datetimeFigureOut">
               <a:rPr lang="uk-UA" smtClean="0"/>
-              <a:t>01.03.2024</a:t>
+              <a:t>03.03.2024</a:t>
             </a:fld>
             <a:endParaRPr lang="uk-UA"/>
           </a:p>
@@ -2112,7 +2118,7 @@
           <a:p>
             <a:fld id="{BDA8E492-5DAE-4A13-8567-328CEAB41896}" type="datetimeFigureOut">
               <a:rPr lang="uk-UA" smtClean="0"/>
-              <a:t>01.03.2024</a:t>
+              <a:t>03.03.2024</a:t>
             </a:fld>
             <a:endParaRPr lang="uk-UA"/>
           </a:p>
@@ -2225,7 +2231,7 @@
           <a:p>
             <a:fld id="{BDA8E492-5DAE-4A13-8567-328CEAB41896}" type="datetimeFigureOut">
               <a:rPr lang="uk-UA" smtClean="0"/>
-              <a:t>01.03.2024</a:t>
+              <a:t>03.03.2024</a:t>
             </a:fld>
             <a:endParaRPr lang="uk-UA"/>
           </a:p>
@@ -2538,7 +2544,7 @@
           <a:p>
             <a:fld id="{BDA8E492-5DAE-4A13-8567-328CEAB41896}" type="datetimeFigureOut">
               <a:rPr lang="uk-UA" smtClean="0"/>
-              <a:t>01.03.2024</a:t>
+              <a:t>03.03.2024</a:t>
             </a:fld>
             <a:endParaRPr lang="uk-UA"/>
           </a:p>
@@ -2827,7 +2833,7 @@
           <a:p>
             <a:fld id="{BDA8E492-5DAE-4A13-8567-328CEAB41896}" type="datetimeFigureOut">
               <a:rPr lang="uk-UA" smtClean="0"/>
-              <a:t>01.03.2024</a:t>
+              <a:t>03.03.2024</a:t>
             </a:fld>
             <a:endParaRPr lang="uk-UA"/>
           </a:p>
@@ -3070,7 +3076,7 @@
           <a:p>
             <a:fld id="{BDA8E492-5DAE-4A13-8567-328CEAB41896}" type="datetimeFigureOut">
               <a:rPr lang="uk-UA" smtClean="0"/>
-              <a:t>01.03.2024</a:t>
+              <a:t>03.03.2024</a:t>
             </a:fld>
             <a:endParaRPr lang="uk-UA"/>
           </a:p>
@@ -3779,7 +3785,7 @@
           <a:graphicData uri="http://schemas.openxmlformats.org/presentationml/2006/ole">
             <mc:AlternateContent xmlns:mc="http://schemas.openxmlformats.org/markup-compatibility/2006">
               <mc:Choice xmlns:v="urn:schemas-microsoft-com:vml" Requires="v">
-                <p:oleObj spid="_x0000_s6194" name="Visio" r:id="rId3" imgW="3924399" imgH="2705355" progId="Visio.Drawing.11">
+                <p:oleObj spid="_x0000_s6198" name="Visio" r:id="rId3" imgW="3924399" imgH="2705355" progId="Visio.Drawing.11">
                   <p:embed/>
                 </p:oleObj>
               </mc:Choice>
@@ -3866,7 +3872,7 @@
           <a:graphicData uri="http://schemas.openxmlformats.org/presentationml/2006/ole">
             <mc:AlternateContent xmlns:mc="http://schemas.openxmlformats.org/markup-compatibility/2006">
               <mc:Choice xmlns:v="urn:schemas-microsoft-com:vml" Requires="v">
-                <p:oleObj spid="_x0000_s6195" name="Visio" r:id="rId5" imgW="3869611" imgH="1519238" progId="Visio.Drawing.11">
+                <p:oleObj spid="_x0000_s6199" name="Visio" r:id="rId5" imgW="3869611" imgH="1519238" progId="Visio.Drawing.11">
                   <p:embed/>
                 </p:oleObj>
               </mc:Choice>
@@ -4031,7 +4037,7 @@
           <a:graphicData uri="http://schemas.openxmlformats.org/presentationml/2006/ole">
             <mc:AlternateContent xmlns:mc="http://schemas.openxmlformats.org/markup-compatibility/2006">
               <mc:Choice xmlns:v="urn:schemas-microsoft-com:vml" Requires="v">
-                <p:oleObj spid="_x0000_s7242" name="Visio" r:id="rId3" imgW="2032989" imgH="782990" progId="Visio.Drawing.11">
+                <p:oleObj spid="_x0000_s7248" name="Visio" r:id="rId3" imgW="2032989" imgH="782990" progId="Visio.Drawing.11">
                   <p:embed/>
                 </p:oleObj>
               </mc:Choice>
@@ -4124,7 +4130,7 @@
           <a:graphicData uri="http://schemas.openxmlformats.org/presentationml/2006/ole">
             <mc:AlternateContent xmlns:mc="http://schemas.openxmlformats.org/markup-compatibility/2006">
               <mc:Choice xmlns:v="urn:schemas-microsoft-com:vml" Requires="v">
-                <p:oleObj spid="_x0000_s7243" name="Visio" r:id="rId5" imgW="4753531" imgH="3713663" progId="Visio.Drawing.11">
+                <p:oleObj spid="_x0000_s7249" name="Visio" r:id="rId5" imgW="4753531" imgH="3713663" progId="Visio.Drawing.11">
                   <p:embed/>
                 </p:oleObj>
               </mc:Choice>
@@ -4319,7 +4325,7 @@
           <a:graphicData uri="http://schemas.openxmlformats.org/presentationml/2006/ole">
             <mc:AlternateContent xmlns:mc="http://schemas.openxmlformats.org/markup-compatibility/2006">
               <mc:Choice xmlns:v="urn:schemas-microsoft-com:vml" Requires="v">
-                <p:oleObj spid="_x0000_s7244" name="Visio" r:id="rId7" imgW="4136379" imgH="1519238" progId="Visio.Drawing.11">
+                <p:oleObj spid="_x0000_s7250" name="Visio" r:id="rId7" imgW="4136379" imgH="1519238" progId="Visio.Drawing.11">
                   <p:embed/>
                 </p:oleObj>
               </mc:Choice>
@@ -4586,7 +4592,7 @@
           <a:graphicData uri="http://schemas.openxmlformats.org/presentationml/2006/ole">
             <mc:AlternateContent xmlns:mc="http://schemas.openxmlformats.org/markup-compatibility/2006">
               <mc:Choice xmlns:v="urn:schemas-microsoft-com:vml" Requires="v">
-                <p:oleObj spid="_x0000_s8242" name="Visio" r:id="rId3" imgW="4753531" imgH="3528588" progId="Visio.Drawing.11">
+                <p:oleObj spid="_x0000_s8246" name="Visio" r:id="rId3" imgW="4753531" imgH="3528588" progId="Visio.Drawing.11">
                   <p:embed/>
                 </p:oleObj>
               </mc:Choice>
@@ -4781,7 +4787,7 @@
           <a:graphicData uri="http://schemas.openxmlformats.org/presentationml/2006/ole">
             <mc:AlternateContent xmlns:mc="http://schemas.openxmlformats.org/markup-compatibility/2006">
               <mc:Choice xmlns:v="urn:schemas-microsoft-com:vml" Requires="v">
-                <p:oleObj spid="_x0000_s8243" name="Visio" r:id="rId5" imgW="3716672" imgH="1519238" progId="Visio.Drawing.11">
+                <p:oleObj spid="_x0000_s8247" name="Visio" r:id="rId5" imgW="3716672" imgH="1519238" progId="Visio.Drawing.11">
                   <p:embed/>
                 </p:oleObj>
               </mc:Choice>
@@ -5008,7 +5014,7 @@
           <a:graphicData uri="http://schemas.openxmlformats.org/presentationml/2006/ole">
             <mc:AlternateContent xmlns:mc="http://schemas.openxmlformats.org/markup-compatibility/2006">
               <mc:Choice xmlns:v="urn:schemas-microsoft-com:vml" Requires="v">
-                <p:oleObj spid="_x0000_s9266" name="Visio" r:id="rId3" imgW="3770619" imgH="1885066" progId="Visio.Drawing.11">
+                <p:oleObj spid="_x0000_s9270" name="Visio" r:id="rId3" imgW="3770619" imgH="1885066" progId="Visio.Drawing.11">
                   <p:embed/>
                 </p:oleObj>
               </mc:Choice>
@@ -5101,7 +5107,7 @@
           <a:graphicData uri="http://schemas.openxmlformats.org/presentationml/2006/ole">
             <mc:AlternateContent xmlns:mc="http://schemas.openxmlformats.org/markup-compatibility/2006">
               <mc:Choice xmlns:v="urn:schemas-microsoft-com:vml" Requires="v">
-                <p:oleObj spid="_x0000_s9267" name="Visio" r:id="rId5" imgW="5408986" imgH="2255486" progId="Visio.Drawing.11">
+                <p:oleObj spid="_x0000_s9271" name="Visio" r:id="rId5" imgW="5408986" imgH="2255486" progId="Visio.Drawing.11">
                   <p:embed/>
                 </p:oleObj>
               </mc:Choice>
@@ -5343,7 +5349,7 @@
           <a:graphicData uri="http://schemas.openxmlformats.org/presentationml/2006/ole">
             <mc:AlternateContent xmlns:mc="http://schemas.openxmlformats.org/markup-compatibility/2006">
               <mc:Choice xmlns:v="urn:schemas-microsoft-com:vml" Requires="v">
-                <p:oleObj spid="_x0000_s10266" name="Visio" r:id="rId3" imgW="5317546" imgH="3540206" progId="Visio.Drawing.11">
+                <p:oleObj spid="_x0000_s10268" name="Visio" r:id="rId3" imgW="5317546" imgH="3540206" progId="Visio.Drawing.11">
                   <p:embed/>
                 </p:oleObj>
               </mc:Choice>
@@ -5581,7 +5587,7 @@
           <a:graphicData uri="http://schemas.openxmlformats.org/presentationml/2006/ole">
             <mc:AlternateContent xmlns:mc="http://schemas.openxmlformats.org/markup-compatibility/2006">
               <mc:Choice xmlns:v="urn:schemas-microsoft-com:vml" Requires="v">
-                <p:oleObj spid="_x0000_s11314" name="Visio" r:id="rId3" imgW="5629322" imgH="1790744" progId="Visio.Drawing.11">
+                <p:oleObj spid="_x0000_s11318" name="Visio" r:id="rId3" imgW="5629322" imgH="1790744" progId="Visio.Drawing.11">
                   <p:embed/>
                 </p:oleObj>
               </mc:Choice>
@@ -5668,7 +5674,7 @@
           <a:graphicData uri="http://schemas.openxmlformats.org/presentationml/2006/ole">
             <mc:AlternateContent xmlns:mc="http://schemas.openxmlformats.org/markup-compatibility/2006">
               <mc:Choice xmlns:v="urn:schemas-microsoft-com:vml" Requires="v">
-                <p:oleObj spid="_x0000_s11315" name="Visio" r:id="rId5" imgW="4685019" imgH="2621314" progId="Visio.Drawing.11">
+                <p:oleObj spid="_x0000_s11319" name="Visio" r:id="rId5" imgW="4685019" imgH="2621314" progId="Visio.Drawing.11">
                   <p:embed/>
                 </p:oleObj>
               </mc:Choice>
@@ -5877,7 +5883,7 @@
           <a:graphicData uri="http://schemas.openxmlformats.org/presentationml/2006/ole">
             <mc:AlternateContent xmlns:mc="http://schemas.openxmlformats.org/markup-compatibility/2006">
               <mc:Choice xmlns:v="urn:schemas-microsoft-com:vml" Requires="v">
-                <p:oleObj spid="_x0000_s12338" name="Visio" r:id="rId3" imgW="3862059" imgH="972928" progId="Visio.Drawing.11">
+                <p:oleObj spid="_x0000_s12342" name="Visio" r:id="rId3" imgW="3862059" imgH="972928" progId="Visio.Drawing.11">
                   <p:embed/>
                 </p:oleObj>
               </mc:Choice>
@@ -6021,7 +6027,7 @@
           <a:graphicData uri="http://schemas.openxmlformats.org/presentationml/2006/ole">
             <mc:AlternateContent xmlns:mc="http://schemas.openxmlformats.org/markup-compatibility/2006">
               <mc:Choice xmlns:v="urn:schemas-microsoft-com:vml" Requires="v">
-                <p:oleObj spid="_x0000_s12339" name="Visio" r:id="rId5" imgW="5991445" imgH="3267315" progId="Visio.Drawing.11">
+                <p:oleObj spid="_x0000_s12343" name="Visio" r:id="rId5" imgW="5991445" imgH="3267315" progId="Visio.Drawing.11">
                   <p:embed/>
                 </p:oleObj>
               </mc:Choice>
@@ -6595,7 +6601,7 @@
           <a:graphicData uri="http://schemas.openxmlformats.org/presentationml/2006/ole">
             <mc:AlternateContent xmlns:mc="http://schemas.openxmlformats.org/markup-compatibility/2006">
               <mc:Choice xmlns:v="urn:schemas-microsoft-com:vml" Requires="v">
-                <p:oleObj spid="_x0000_s13362" name="Visio" r:id="rId3" imgW="5991445" imgH="3086338" progId="Visio.Drawing.11">
+                <p:oleObj spid="_x0000_s13366" name="Visio" r:id="rId3" imgW="5991445" imgH="3086338" progId="Visio.Drawing.11">
                   <p:embed/>
                 </p:oleObj>
               </mc:Choice>
@@ -6682,7 +6688,7 @@
           <a:graphicData uri="http://schemas.openxmlformats.org/presentationml/2006/ole">
             <mc:AlternateContent xmlns:mc="http://schemas.openxmlformats.org/markup-compatibility/2006">
               <mc:Choice xmlns:v="urn:schemas-microsoft-com:vml" Requires="v">
-                <p:oleObj spid="_x0000_s13363" name="Visio" r:id="rId5" imgW="5076875" imgH="1981447" progId="Visio.Drawing.11">
+                <p:oleObj spid="_x0000_s13367" name="Visio" r:id="rId5" imgW="5076875" imgH="1981447" progId="Visio.Drawing.11">
                   <p:embed/>
                 </p:oleObj>
               </mc:Choice>
@@ -7680,58 +7686,2590 @@
       </p:grpSpPr>
       <p:sp>
         <p:nvSpPr>
-          <p:cNvPr id="2" name="Заголовок 1">
+          <p:cNvPr id="4" name="TextBox 3">
             <a:extLst>
               <a:ext uri="{FF2B5EF4-FFF2-40B4-BE49-F238E27FC236}">
-                <a16:creationId xmlns:a16="http://schemas.microsoft.com/office/drawing/2014/main" id="{C4F21A36-D07C-4B03-A6AB-E3426EF27E74}"/>
+                <a16:creationId xmlns:a16="http://schemas.microsoft.com/office/drawing/2014/main" id="{D55B1ECE-ED73-4F09-A5BE-6DDFD9DC730F}"/>
               </a:ext>
             </a:extLst>
           </p:cNvPr>
-          <p:cNvSpPr>
-            <a:spLocks noGrp="1"/>
-          </p:cNvSpPr>
-          <p:nvPr>
-            <p:ph type="title"/>
-          </p:nvPr>
+          <p:cNvSpPr txBox="1"/>
+          <p:nvPr/>
         </p:nvSpPr>
-        <p:spPr/>
+        <p:spPr>
+          <a:xfrm>
+            <a:off x="32725" y="0"/>
+            <a:ext cx="12191999" cy="830997"/>
+          </a:xfrm>
+          <a:prstGeom prst="rect">
+            <a:avLst/>
+          </a:prstGeom>
+          <a:noFill/>
+        </p:spPr>
         <p:txBody>
-          <a:bodyPr/>
+          <a:bodyPr wrap="square" rtlCol="0">
+            <a:spAutoFit/>
+          </a:bodyPr>
           <a:lstStyle/>
           <a:p>
-            <a:endParaRPr lang="uk-UA"/>
+            <a:pPr algn="ctr"/>
+            <a:r>
+              <a:rPr lang="uk-UA" sz="4800" dirty="0">
+                <a:latin typeface="Times New Roman" panose="02020603050405020304" pitchFamily="18" charset="0"/>
+                <a:cs typeface="Times New Roman" panose="02020603050405020304" pitchFamily="18" charset="0"/>
+              </a:rPr>
+              <a:t>Модифікатор </a:t>
+            </a:r>
+            <a:r>
+              <a:rPr lang="en-US" sz="4800" dirty="0">
+                <a:latin typeface="Times New Roman" panose="02020603050405020304" pitchFamily="18" charset="0"/>
+                <a:cs typeface="Times New Roman" panose="02020603050405020304" pitchFamily="18" charset="0"/>
+              </a:rPr>
+              <a:t>final</a:t>
+            </a:r>
+            <a:endParaRPr lang="uk-UA" sz="4800" dirty="0">
+              <a:latin typeface="Times New Roman" panose="02020603050405020304" pitchFamily="18" charset="0"/>
+              <a:cs typeface="Times New Roman" panose="02020603050405020304" pitchFamily="18" charset="0"/>
+            </a:endParaRPr>
           </a:p>
         </p:txBody>
       </p:sp>
       <p:sp>
         <p:nvSpPr>
-          <p:cNvPr id="3" name="Объект 2">
+          <p:cNvPr id="6" name="TextBox 5">
             <a:extLst>
               <a:ext uri="{FF2B5EF4-FFF2-40B4-BE49-F238E27FC236}">
-                <a16:creationId xmlns:a16="http://schemas.microsoft.com/office/drawing/2014/main" id="{3B8326FC-4C56-489E-AB52-DB67172EDC3D}"/>
+                <a16:creationId xmlns:a16="http://schemas.microsoft.com/office/drawing/2014/main" id="{2322442B-AA9A-4DF1-8A40-DF314468663B}"/>
+              </a:ext>
+            </a:extLst>
+          </p:cNvPr>
+          <p:cNvSpPr txBox="1"/>
+          <p:nvPr/>
+        </p:nvSpPr>
+        <p:spPr>
+          <a:xfrm>
+            <a:off x="443061" y="830997"/>
+            <a:ext cx="11359298" cy="1200329"/>
+          </a:xfrm>
+          <a:prstGeom prst="rect">
+            <a:avLst/>
+          </a:prstGeom>
+          <a:noFill/>
+        </p:spPr>
+        <p:txBody>
+          <a:bodyPr wrap="square">
+            <a:spAutoFit/>
+          </a:bodyPr>
+          <a:lstStyle/>
+          <a:p>
+            <a:r>
+              <a:rPr lang="uk-UA" sz="2400" b="0" i="0" dirty="0">
+                <a:effectLst/>
+                <a:latin typeface="Times New Roman" panose="02020603050405020304" pitchFamily="18" charset="0"/>
+                <a:cs typeface="Times New Roman" panose="02020603050405020304" pitchFamily="18" charset="0"/>
+              </a:rPr>
+              <a:t>Почнемо з </a:t>
+            </a:r>
+            <a:r>
+              <a:rPr lang="en-US" sz="2400" b="0" i="0" dirty="0">
+                <a:effectLst/>
+                <a:latin typeface="Times New Roman" panose="02020603050405020304" pitchFamily="18" charset="0"/>
+                <a:cs typeface="Times New Roman" panose="02020603050405020304" pitchFamily="18" charset="0"/>
+              </a:rPr>
+              <a:t>final-</a:t>
+            </a:r>
+            <a:r>
+              <a:rPr lang="uk-UA" sz="2400" b="0" i="0" dirty="0">
+                <a:effectLst/>
+                <a:latin typeface="Times New Roman" panose="02020603050405020304" pitchFamily="18" charset="0"/>
+                <a:cs typeface="Times New Roman" panose="02020603050405020304" pitchFamily="18" charset="0"/>
+              </a:rPr>
+              <a:t>змінних. Вони</a:t>
+            </a:r>
+            <a:r>
+              <a:rPr lang="ru-RU" sz="2400" b="0" i="0" dirty="0">
+                <a:effectLst/>
+                <a:latin typeface="Times New Roman" panose="02020603050405020304" pitchFamily="18" charset="0"/>
+                <a:cs typeface="Times New Roman" panose="02020603050405020304" pitchFamily="18" charset="0"/>
+              </a:rPr>
+              <a:t> </a:t>
+            </a:r>
+            <a:r>
+              <a:rPr lang="ru-RU" sz="2400" b="0" i="0" dirty="0" err="1">
+                <a:effectLst/>
+                <a:latin typeface="Times New Roman" panose="02020603050405020304" pitchFamily="18" charset="0"/>
+                <a:cs typeface="Times New Roman" panose="02020603050405020304" pitchFamily="18" charset="0"/>
+              </a:rPr>
+              <a:t>називаються</a:t>
+            </a:r>
+            <a:r>
+              <a:rPr lang="ru-RU" sz="2400" b="0" i="0" dirty="0">
+                <a:effectLst/>
+                <a:latin typeface="Times New Roman" panose="02020603050405020304" pitchFamily="18" charset="0"/>
+                <a:cs typeface="Times New Roman" panose="02020603050405020304" pitchFamily="18" charset="0"/>
+              </a:rPr>
+              <a:t> </a:t>
+            </a:r>
+            <a:r>
+              <a:rPr lang="ru-RU" sz="2400" b="1" i="0" dirty="0">
+                <a:effectLst/>
+                <a:latin typeface="Times New Roman" panose="02020603050405020304" pitchFamily="18" charset="0"/>
+                <a:cs typeface="Times New Roman" panose="02020603050405020304" pitchFamily="18" charset="0"/>
+              </a:rPr>
+              <a:t>константами</a:t>
+            </a:r>
+            <a:r>
+              <a:rPr lang="ru-RU" sz="2400" b="0" i="0" dirty="0">
+                <a:effectLst/>
+                <a:latin typeface="Times New Roman" panose="02020603050405020304" pitchFamily="18" charset="0"/>
+                <a:cs typeface="Times New Roman" panose="02020603050405020304" pitchFamily="18" charset="0"/>
+              </a:rPr>
+              <a:t>. </a:t>
+            </a:r>
+            <a:r>
+              <a:rPr lang="ru-RU" sz="2400" b="0" i="0" dirty="0" err="1">
+                <a:effectLst/>
+                <a:latin typeface="Times New Roman" panose="02020603050405020304" pitchFamily="18" charset="0"/>
+                <a:cs typeface="Times New Roman" panose="02020603050405020304" pitchFamily="18" charset="0"/>
+              </a:rPr>
+              <a:t>По-перше</a:t>
+            </a:r>
+            <a:r>
+              <a:rPr lang="ru-RU" sz="2400" b="0" i="0" dirty="0">
+                <a:effectLst/>
+                <a:latin typeface="Times New Roman" panose="02020603050405020304" pitchFamily="18" charset="0"/>
+                <a:cs typeface="Times New Roman" panose="02020603050405020304" pitchFamily="18" charset="0"/>
+              </a:rPr>
+              <a:t> (і </a:t>
+            </a:r>
+            <a:r>
+              <a:rPr lang="ru-RU" sz="2400" b="0" i="0" dirty="0" err="1">
+                <a:effectLst/>
+                <a:latin typeface="Times New Roman" panose="02020603050405020304" pitchFamily="18" charset="0"/>
+                <a:cs typeface="Times New Roman" panose="02020603050405020304" pitchFamily="18" charset="0"/>
+              </a:rPr>
+              <a:t>що</a:t>
+            </a:r>
+            <a:r>
+              <a:rPr lang="ru-RU" sz="2400" b="0" i="0" dirty="0">
+                <a:effectLst/>
+                <a:latin typeface="Times New Roman" panose="02020603050405020304" pitchFamily="18" charset="0"/>
+                <a:cs typeface="Times New Roman" panose="02020603050405020304" pitchFamily="18" charset="0"/>
+              </a:rPr>
+              <a:t> головне), перше </a:t>
+            </a:r>
+            <a:r>
+              <a:rPr lang="ru-RU" sz="2400" b="0" i="0" dirty="0" err="1">
+                <a:effectLst/>
+                <a:latin typeface="Times New Roman" panose="02020603050405020304" pitchFamily="18" charset="0"/>
+                <a:cs typeface="Times New Roman" panose="02020603050405020304" pitchFamily="18" charset="0"/>
+              </a:rPr>
+              <a:t>значення</a:t>
+            </a:r>
+            <a:r>
+              <a:rPr lang="ru-RU" sz="2400" b="0" i="0" dirty="0">
+                <a:effectLst/>
+                <a:latin typeface="Times New Roman" panose="02020603050405020304" pitchFamily="18" charset="0"/>
+                <a:cs typeface="Times New Roman" panose="02020603050405020304" pitchFamily="18" charset="0"/>
+              </a:rPr>
+              <a:t>, </a:t>
+            </a:r>
+            <a:r>
+              <a:rPr lang="ru-RU" sz="2400" b="0" i="0" dirty="0" err="1">
+                <a:effectLst/>
+                <a:latin typeface="Times New Roman" panose="02020603050405020304" pitchFamily="18" charset="0"/>
+                <a:cs typeface="Times New Roman" panose="02020603050405020304" pitchFamily="18" charset="0"/>
+              </a:rPr>
+              <a:t>присвоєне</a:t>
+            </a:r>
+            <a:r>
+              <a:rPr lang="ru-RU" sz="2400" b="0" i="0" dirty="0">
+                <a:effectLst/>
+                <a:latin typeface="Times New Roman" panose="02020603050405020304" pitchFamily="18" charset="0"/>
+                <a:cs typeface="Times New Roman" panose="02020603050405020304" pitchFamily="18" charset="0"/>
+              </a:rPr>
+              <a:t> </a:t>
+            </a:r>
+            <a:r>
+              <a:rPr lang="ru-RU" sz="2400" b="0" i="0" dirty="0" err="1">
+                <a:effectLst/>
+                <a:latin typeface="Times New Roman" panose="02020603050405020304" pitchFamily="18" charset="0"/>
+                <a:cs typeface="Times New Roman" panose="02020603050405020304" pitchFamily="18" charset="0"/>
+              </a:rPr>
+              <a:t>константі</a:t>
+            </a:r>
+            <a:r>
+              <a:rPr lang="ru-RU" sz="2400" b="0" i="0" dirty="0">
+                <a:effectLst/>
+                <a:latin typeface="Times New Roman" panose="02020603050405020304" pitchFamily="18" charset="0"/>
+                <a:cs typeface="Times New Roman" panose="02020603050405020304" pitchFamily="18" charset="0"/>
+              </a:rPr>
+              <a:t>, не </a:t>
+            </a:r>
+            <a:r>
+              <a:rPr lang="ru-RU" sz="2400" b="0" i="0" dirty="0" err="1">
+                <a:effectLst/>
+                <a:latin typeface="Times New Roman" panose="02020603050405020304" pitchFamily="18" charset="0"/>
+                <a:cs typeface="Times New Roman" panose="02020603050405020304" pitchFamily="18" charset="0"/>
+              </a:rPr>
+              <a:t>можна</a:t>
+            </a:r>
+            <a:r>
+              <a:rPr lang="ru-RU" sz="2400" b="0" i="0" dirty="0">
+                <a:effectLst/>
+                <a:latin typeface="Times New Roman" panose="02020603050405020304" pitchFamily="18" charset="0"/>
+                <a:cs typeface="Times New Roman" panose="02020603050405020304" pitchFamily="18" charset="0"/>
+              </a:rPr>
+              <a:t> </a:t>
+            </a:r>
+            <a:r>
+              <a:rPr lang="ru-RU" sz="2400" b="0" i="0" dirty="0" err="1">
+                <a:effectLst/>
+                <a:latin typeface="Times New Roman" panose="02020603050405020304" pitchFamily="18" charset="0"/>
+                <a:cs typeface="Times New Roman" panose="02020603050405020304" pitchFamily="18" charset="0"/>
+              </a:rPr>
+              <a:t>змінити</a:t>
+            </a:r>
+            <a:r>
+              <a:rPr lang="ru-RU" sz="2400" b="0" i="0" dirty="0">
+                <a:effectLst/>
+                <a:latin typeface="Times New Roman" panose="02020603050405020304" pitchFamily="18" charset="0"/>
+                <a:cs typeface="Times New Roman" panose="02020603050405020304" pitchFamily="18" charset="0"/>
+              </a:rPr>
+              <a:t>. </a:t>
+            </a:r>
+            <a:r>
+              <a:rPr lang="ru-RU" sz="2400" b="0" i="0" dirty="0" err="1">
+                <a:effectLst/>
+                <a:latin typeface="Times New Roman" panose="02020603050405020304" pitchFamily="18" charset="0"/>
+                <a:cs typeface="Times New Roman" panose="02020603050405020304" pitchFamily="18" charset="0"/>
+              </a:rPr>
+              <a:t>Воно</a:t>
+            </a:r>
+            <a:r>
+              <a:rPr lang="ru-RU" sz="2400" b="0" i="0" dirty="0">
+                <a:effectLst/>
+                <a:latin typeface="Times New Roman" panose="02020603050405020304" pitchFamily="18" charset="0"/>
+                <a:cs typeface="Times New Roman" panose="02020603050405020304" pitchFamily="18" charset="0"/>
+              </a:rPr>
+              <a:t> </a:t>
+            </a:r>
+            <a:r>
+              <a:rPr lang="ru-RU" sz="2400" b="0" i="0" dirty="0" err="1">
+                <a:effectLst/>
+                <a:latin typeface="Times New Roman" panose="02020603050405020304" pitchFamily="18" charset="0"/>
+                <a:cs typeface="Times New Roman" panose="02020603050405020304" pitchFamily="18" charset="0"/>
+              </a:rPr>
+              <a:t>присвоюється</a:t>
+            </a:r>
+            <a:r>
+              <a:rPr lang="ru-RU" sz="2400" b="0" i="0" dirty="0">
+                <a:effectLst/>
+                <a:latin typeface="Times New Roman" panose="02020603050405020304" pitchFamily="18" charset="0"/>
+                <a:cs typeface="Times New Roman" panose="02020603050405020304" pitchFamily="18" charset="0"/>
+              </a:rPr>
+              <a:t> один раз і </a:t>
+            </a:r>
+            <a:r>
+              <a:rPr lang="ru-RU" sz="2400" b="0" i="0" dirty="0" err="1">
+                <a:effectLst/>
+                <a:latin typeface="Times New Roman" panose="02020603050405020304" pitchFamily="18" charset="0"/>
+                <a:cs typeface="Times New Roman" panose="02020603050405020304" pitchFamily="18" charset="0"/>
+              </a:rPr>
+              <a:t>назавжди</a:t>
+            </a:r>
+            <a:r>
+              <a:rPr lang="ru-RU" sz="2400" b="0" i="0" dirty="0">
+                <a:effectLst/>
+                <a:latin typeface="Times New Roman" panose="02020603050405020304" pitchFamily="18" charset="0"/>
+                <a:cs typeface="Times New Roman" panose="02020603050405020304" pitchFamily="18" charset="0"/>
+              </a:rPr>
+              <a:t>. </a:t>
+            </a:r>
+            <a:endParaRPr lang="uk-UA" sz="2400" dirty="0">
+              <a:latin typeface="Times New Roman" panose="02020603050405020304" pitchFamily="18" charset="0"/>
+              <a:cs typeface="Times New Roman" panose="02020603050405020304" pitchFamily="18" charset="0"/>
+            </a:endParaRPr>
+          </a:p>
+        </p:txBody>
+      </p:sp>
+      <p:sp>
+        <p:nvSpPr>
+          <p:cNvPr id="8" name="TextBox 7">
+            <a:extLst>
+              <a:ext uri="{FF2B5EF4-FFF2-40B4-BE49-F238E27FC236}">
+                <a16:creationId xmlns:a16="http://schemas.microsoft.com/office/drawing/2014/main" id="{196060DC-8476-4459-90FA-D8BC03FE9475}"/>
+              </a:ext>
+            </a:extLst>
+          </p:cNvPr>
+          <p:cNvSpPr txBox="1"/>
+          <p:nvPr/>
+        </p:nvSpPr>
+        <p:spPr>
+          <a:xfrm>
+            <a:off x="443060" y="4371681"/>
+            <a:ext cx="11236749" cy="707886"/>
+          </a:xfrm>
+          <a:prstGeom prst="rect">
+            <a:avLst/>
+          </a:prstGeom>
+          <a:noFill/>
+        </p:spPr>
+        <p:txBody>
+          <a:bodyPr wrap="square">
+            <a:spAutoFit/>
+          </a:bodyPr>
+          <a:lstStyle/>
+          <a:p>
+            <a:r>
+              <a:rPr lang="ru-RU" sz="2000" b="0" i="0" dirty="0">
+                <a:effectLst/>
+                <a:latin typeface="Times New Roman" panose="02020603050405020304" pitchFamily="18" charset="0"/>
+                <a:cs typeface="Times New Roman" panose="02020603050405020304" pitchFamily="18" charset="0"/>
+              </a:rPr>
+              <a:t>Константу </a:t>
+            </a:r>
+            <a:r>
+              <a:rPr lang="ru-RU" sz="2000" b="0" i="0" dirty="0" err="1">
+                <a:effectLst/>
+                <a:latin typeface="Times New Roman" panose="02020603050405020304" pitchFamily="18" charset="0"/>
+                <a:cs typeface="Times New Roman" panose="02020603050405020304" pitchFamily="18" charset="0"/>
+              </a:rPr>
+              <a:t>необов'язково</a:t>
+            </a:r>
+            <a:r>
+              <a:rPr lang="ru-RU" sz="2000" b="0" i="0" dirty="0">
+                <a:effectLst/>
+                <a:latin typeface="Times New Roman" panose="02020603050405020304" pitchFamily="18" charset="0"/>
+                <a:cs typeface="Times New Roman" panose="02020603050405020304" pitchFamily="18" charset="0"/>
+              </a:rPr>
+              <a:t> </a:t>
+            </a:r>
+            <a:r>
+              <a:rPr lang="ru-RU" sz="2000" b="0" i="0" dirty="0" err="1">
+                <a:effectLst/>
+                <a:latin typeface="Times New Roman" panose="02020603050405020304" pitchFamily="18" charset="0"/>
+                <a:cs typeface="Times New Roman" panose="02020603050405020304" pitchFamily="18" charset="0"/>
+              </a:rPr>
+              <a:t>ініціалізувати</a:t>
+            </a:r>
+            <a:r>
+              <a:rPr lang="ru-RU" sz="2000" b="0" i="0" dirty="0">
+                <a:effectLst/>
+                <a:latin typeface="Times New Roman" panose="02020603050405020304" pitchFamily="18" charset="0"/>
+                <a:cs typeface="Times New Roman" panose="02020603050405020304" pitchFamily="18" charset="0"/>
+              </a:rPr>
+              <a:t> </a:t>
+            </a:r>
+            <a:r>
+              <a:rPr lang="ru-RU" sz="2000" b="0" i="0" dirty="0" err="1">
+                <a:effectLst/>
+                <a:latin typeface="Times New Roman" panose="02020603050405020304" pitchFamily="18" charset="0"/>
+                <a:cs typeface="Times New Roman" panose="02020603050405020304" pitchFamily="18" charset="0"/>
+              </a:rPr>
+              <a:t>відразу</a:t>
+            </a:r>
+            <a:r>
+              <a:rPr lang="ru-RU" sz="2000" b="0" i="0" dirty="0">
+                <a:effectLst/>
+                <a:latin typeface="Times New Roman" panose="02020603050405020304" pitchFamily="18" charset="0"/>
+                <a:cs typeface="Times New Roman" panose="02020603050405020304" pitchFamily="18" charset="0"/>
+              </a:rPr>
+              <a:t> ж. </a:t>
+            </a:r>
+            <a:r>
+              <a:rPr lang="ru-RU" sz="2000" b="0" i="0" dirty="0" err="1">
+                <a:effectLst/>
+                <a:latin typeface="Times New Roman" panose="02020603050405020304" pitchFamily="18" charset="0"/>
+                <a:cs typeface="Times New Roman" panose="02020603050405020304" pitchFamily="18" charset="0"/>
+              </a:rPr>
+              <a:t>Це</a:t>
+            </a:r>
+            <a:r>
+              <a:rPr lang="ru-RU" sz="2000" b="0" i="0" dirty="0">
+                <a:effectLst/>
+                <a:latin typeface="Times New Roman" panose="02020603050405020304" pitchFamily="18" charset="0"/>
+                <a:cs typeface="Times New Roman" panose="02020603050405020304" pitchFamily="18" charset="0"/>
+              </a:rPr>
+              <a:t> </a:t>
+            </a:r>
+            <a:r>
+              <a:rPr lang="ru-RU" sz="2000" b="0" i="0" dirty="0" err="1">
+                <a:effectLst/>
+                <a:latin typeface="Times New Roman" panose="02020603050405020304" pitchFamily="18" charset="0"/>
+                <a:cs typeface="Times New Roman" panose="02020603050405020304" pitchFamily="18" charset="0"/>
+              </a:rPr>
+              <a:t>можна</a:t>
+            </a:r>
+            <a:r>
+              <a:rPr lang="ru-RU" sz="2000" b="0" i="0" dirty="0">
+                <a:effectLst/>
+                <a:latin typeface="Times New Roman" panose="02020603050405020304" pitchFamily="18" charset="0"/>
+                <a:cs typeface="Times New Roman" panose="02020603050405020304" pitchFamily="18" charset="0"/>
+              </a:rPr>
+              <a:t> </a:t>
+            </a:r>
+            <a:r>
+              <a:rPr lang="ru-RU" sz="2000" b="0" i="0" dirty="0" err="1">
+                <a:effectLst/>
+                <a:latin typeface="Times New Roman" panose="02020603050405020304" pitchFamily="18" charset="0"/>
+                <a:cs typeface="Times New Roman" panose="02020603050405020304" pitchFamily="18" charset="0"/>
+              </a:rPr>
+              <a:t>зробити</a:t>
+            </a:r>
+            <a:r>
+              <a:rPr lang="ru-RU" sz="2000" b="0" i="0" dirty="0">
+                <a:effectLst/>
+                <a:latin typeface="Times New Roman" panose="02020603050405020304" pitchFamily="18" charset="0"/>
+                <a:cs typeface="Times New Roman" panose="02020603050405020304" pitchFamily="18" charset="0"/>
+              </a:rPr>
+              <a:t> і </a:t>
+            </a:r>
+            <a:r>
+              <a:rPr lang="ru-RU" sz="2000" b="0" i="0" dirty="0" err="1">
+                <a:effectLst/>
+                <a:latin typeface="Times New Roman" panose="02020603050405020304" pitchFamily="18" charset="0"/>
+                <a:cs typeface="Times New Roman" panose="02020603050405020304" pitchFamily="18" charset="0"/>
+              </a:rPr>
+              <a:t>пізніше</a:t>
+            </a:r>
+            <a:r>
+              <a:rPr lang="ru-RU" sz="2000" b="0" i="0" dirty="0">
+                <a:effectLst/>
+                <a:latin typeface="Times New Roman" panose="02020603050405020304" pitchFamily="18" charset="0"/>
+                <a:cs typeface="Times New Roman" panose="02020603050405020304" pitchFamily="18" charset="0"/>
+              </a:rPr>
+              <a:t>. Але </a:t>
+            </a:r>
+            <a:r>
+              <a:rPr lang="ru-RU" sz="2000" b="0" i="0" dirty="0" err="1">
+                <a:effectLst/>
+                <a:latin typeface="Times New Roman" panose="02020603050405020304" pitchFamily="18" charset="0"/>
+                <a:cs typeface="Times New Roman" panose="02020603050405020304" pitchFamily="18" charset="0"/>
+              </a:rPr>
+              <a:t>значення</a:t>
+            </a:r>
+            <a:r>
+              <a:rPr lang="ru-RU" sz="2000" b="0" i="0" dirty="0">
+                <a:effectLst/>
+                <a:latin typeface="Times New Roman" panose="02020603050405020304" pitchFamily="18" charset="0"/>
+                <a:cs typeface="Times New Roman" panose="02020603050405020304" pitchFamily="18" charset="0"/>
+              </a:rPr>
+              <a:t>, </a:t>
+            </a:r>
+            <a:r>
+              <a:rPr lang="ru-RU" sz="2000" b="0" i="0" dirty="0" err="1">
+                <a:effectLst/>
+                <a:latin typeface="Times New Roman" panose="02020603050405020304" pitchFamily="18" charset="0"/>
+                <a:cs typeface="Times New Roman" panose="02020603050405020304" pitchFamily="18" charset="0"/>
+              </a:rPr>
+              <a:t>присвоєне</a:t>
+            </a:r>
+            <a:r>
+              <a:rPr lang="ru-RU" sz="2000" b="0" i="0" dirty="0">
+                <a:effectLst/>
+                <a:latin typeface="Times New Roman" panose="02020603050405020304" pitchFamily="18" charset="0"/>
+                <a:cs typeface="Times New Roman" panose="02020603050405020304" pitchFamily="18" charset="0"/>
+              </a:rPr>
+              <a:t> першим, так і </a:t>
+            </a:r>
+            <a:r>
+              <a:rPr lang="ru-RU" sz="2000" b="0" i="0" dirty="0" err="1">
+                <a:effectLst/>
+                <a:latin typeface="Times New Roman" panose="02020603050405020304" pitchFamily="18" charset="0"/>
+                <a:cs typeface="Times New Roman" panose="02020603050405020304" pitchFamily="18" charset="0"/>
+              </a:rPr>
+              <a:t>залишиться</a:t>
+            </a:r>
+            <a:r>
+              <a:rPr lang="ru-RU" sz="2000" b="0" i="0" dirty="0">
+                <a:effectLst/>
+                <a:latin typeface="Times New Roman" panose="02020603050405020304" pitchFamily="18" charset="0"/>
+                <a:cs typeface="Times New Roman" panose="02020603050405020304" pitchFamily="18" charset="0"/>
+              </a:rPr>
+              <a:t> </a:t>
+            </a:r>
+            <a:r>
+              <a:rPr lang="ru-RU" sz="2000" b="0" i="0" dirty="0" err="1">
+                <a:effectLst/>
+                <a:latin typeface="Times New Roman" panose="02020603050405020304" pitchFamily="18" charset="0"/>
+                <a:cs typeface="Times New Roman" panose="02020603050405020304" pitchFamily="18" charset="0"/>
+              </a:rPr>
+              <a:t>назавжди</a:t>
+            </a:r>
+            <a:r>
+              <a:rPr lang="ru-RU" sz="2000" b="0" i="0" dirty="0">
+                <a:effectLst/>
+                <a:latin typeface="Times New Roman" panose="02020603050405020304" pitchFamily="18" charset="0"/>
+                <a:cs typeface="Times New Roman" panose="02020603050405020304" pitchFamily="18" charset="0"/>
+              </a:rPr>
+              <a:t>.</a:t>
+            </a:r>
+            <a:endParaRPr lang="uk-UA" sz="2000" dirty="0">
+              <a:latin typeface="Times New Roman" panose="02020603050405020304" pitchFamily="18" charset="0"/>
+              <a:cs typeface="Times New Roman" panose="02020603050405020304" pitchFamily="18" charset="0"/>
+            </a:endParaRPr>
+          </a:p>
+        </p:txBody>
+      </p:sp>
+      <p:sp>
+        <p:nvSpPr>
+          <p:cNvPr id="10" name="TextBox 9">
+            <a:extLst>
+              <a:ext uri="{FF2B5EF4-FFF2-40B4-BE49-F238E27FC236}">
+                <a16:creationId xmlns:a16="http://schemas.microsoft.com/office/drawing/2014/main" id="{7614AA0F-571C-4918-9C8D-0BA0639ABA94}"/>
+              </a:ext>
+            </a:extLst>
+          </p:cNvPr>
+          <p:cNvSpPr txBox="1"/>
+          <p:nvPr/>
+        </p:nvSpPr>
+        <p:spPr>
+          <a:xfrm>
+            <a:off x="443059" y="5110345"/>
+            <a:ext cx="8031637" cy="1200329"/>
+          </a:xfrm>
+          <a:prstGeom prst="rect">
+            <a:avLst/>
+          </a:prstGeom>
+          <a:noFill/>
+        </p:spPr>
+        <p:txBody>
+          <a:bodyPr wrap="square">
+            <a:spAutoFit/>
+          </a:bodyPr>
+          <a:lstStyle/>
+          <a:p>
+            <a:r>
+              <a:rPr lang="en-US" b="1" i="0" dirty="0">
+                <a:solidFill>
+                  <a:srgbClr val="000080"/>
+                </a:solidFill>
+                <a:effectLst/>
+                <a:latin typeface="Courier New" panose="02070309020205020404" pitchFamily="49" charset="0"/>
+                <a:cs typeface="Courier New" panose="02070309020205020404" pitchFamily="49" charset="0"/>
+              </a:rPr>
+              <a:t>public</a:t>
+            </a:r>
+            <a:r>
+              <a:rPr lang="en-US" b="0" i="0" dirty="0">
+                <a:solidFill>
+                  <a:srgbClr val="000000"/>
+                </a:solidFill>
+                <a:effectLst/>
+                <a:latin typeface="Courier New" panose="02070309020205020404" pitchFamily="49" charset="0"/>
+                <a:cs typeface="Courier New" panose="02070309020205020404" pitchFamily="49" charset="0"/>
+              </a:rPr>
+              <a:t> </a:t>
+            </a:r>
+            <a:r>
+              <a:rPr lang="en-US" b="1" i="0" dirty="0">
+                <a:solidFill>
+                  <a:srgbClr val="000080"/>
+                </a:solidFill>
+                <a:effectLst/>
+                <a:latin typeface="Courier New" panose="02070309020205020404" pitchFamily="49" charset="0"/>
+                <a:cs typeface="Courier New" panose="02070309020205020404" pitchFamily="49" charset="0"/>
+              </a:rPr>
+              <a:t>static</a:t>
+            </a:r>
+            <a:r>
+              <a:rPr lang="en-US" b="0" i="0" dirty="0">
+                <a:solidFill>
+                  <a:srgbClr val="000000"/>
+                </a:solidFill>
+                <a:effectLst/>
+                <a:latin typeface="Courier New" panose="02070309020205020404" pitchFamily="49" charset="0"/>
+                <a:cs typeface="Courier New" panose="02070309020205020404" pitchFamily="49" charset="0"/>
+              </a:rPr>
+              <a:t> </a:t>
+            </a:r>
+            <a:r>
+              <a:rPr lang="en-US" b="1" i="0" dirty="0">
+                <a:solidFill>
+                  <a:srgbClr val="000080"/>
+                </a:solidFill>
+                <a:effectLst/>
+                <a:latin typeface="Courier New" panose="02070309020205020404" pitchFamily="49" charset="0"/>
+                <a:cs typeface="Courier New" panose="02070309020205020404" pitchFamily="49" charset="0"/>
+              </a:rPr>
+              <a:t>void</a:t>
+            </a:r>
+            <a:r>
+              <a:rPr lang="en-US" b="0" i="0" dirty="0">
+                <a:solidFill>
+                  <a:srgbClr val="000000"/>
+                </a:solidFill>
+                <a:effectLst/>
+                <a:latin typeface="Courier New" panose="02070309020205020404" pitchFamily="49" charset="0"/>
+                <a:cs typeface="Courier New" panose="02070309020205020404" pitchFamily="49" charset="0"/>
+              </a:rPr>
+              <a:t> </a:t>
+            </a:r>
+            <a:r>
+              <a:rPr lang="en-US" b="0" i="0" dirty="0">
+                <a:solidFill>
+                  <a:srgbClr val="900606"/>
+                </a:solidFill>
+                <a:effectLst/>
+                <a:latin typeface="Courier New" panose="02070309020205020404" pitchFamily="49" charset="0"/>
+                <a:cs typeface="Courier New" panose="02070309020205020404" pitchFamily="49" charset="0"/>
+              </a:rPr>
+              <a:t>main</a:t>
+            </a:r>
+            <a:r>
+              <a:rPr lang="en-US" b="0" i="0" dirty="0">
+                <a:solidFill>
+                  <a:srgbClr val="000000"/>
+                </a:solidFill>
+                <a:effectLst/>
+                <a:latin typeface="Courier New" panose="02070309020205020404" pitchFamily="49" charset="0"/>
+                <a:cs typeface="Courier New" panose="02070309020205020404" pitchFamily="49" charset="0"/>
+              </a:rPr>
+              <a:t>(String[] </a:t>
+            </a:r>
+            <a:r>
+              <a:rPr lang="en-US" b="0" i="0" dirty="0" err="1">
+                <a:solidFill>
+                  <a:srgbClr val="000000"/>
+                </a:solidFill>
+                <a:effectLst/>
+                <a:latin typeface="Courier New" panose="02070309020205020404" pitchFamily="49" charset="0"/>
+                <a:cs typeface="Courier New" panose="02070309020205020404" pitchFamily="49" charset="0"/>
+              </a:rPr>
+              <a:t>args</a:t>
+            </a:r>
+            <a:r>
+              <a:rPr lang="en-US" b="0" i="0" dirty="0">
+                <a:solidFill>
+                  <a:srgbClr val="000000"/>
+                </a:solidFill>
+                <a:effectLst/>
+                <a:latin typeface="Courier New" panose="02070309020205020404" pitchFamily="49" charset="0"/>
+                <a:cs typeface="Courier New" panose="02070309020205020404" pitchFamily="49" charset="0"/>
+              </a:rPr>
+              <a:t>) { </a:t>
+            </a:r>
+            <a:endParaRPr lang="uk-UA" b="0" i="0" dirty="0">
+              <a:solidFill>
+                <a:srgbClr val="000000"/>
+              </a:solidFill>
+              <a:effectLst/>
+              <a:latin typeface="Courier New" panose="02070309020205020404" pitchFamily="49" charset="0"/>
+              <a:cs typeface="Courier New" panose="02070309020205020404" pitchFamily="49" charset="0"/>
+            </a:endParaRPr>
+          </a:p>
+          <a:p>
+            <a:r>
+              <a:rPr lang="uk-UA" b="1" i="0" dirty="0">
+                <a:solidFill>
+                  <a:srgbClr val="000080"/>
+                </a:solidFill>
+                <a:effectLst/>
+                <a:latin typeface="Courier New" panose="02070309020205020404" pitchFamily="49" charset="0"/>
+                <a:cs typeface="Courier New" panose="02070309020205020404" pitchFamily="49" charset="0"/>
+              </a:rPr>
+              <a:t>	</a:t>
+            </a:r>
+            <a:r>
+              <a:rPr lang="en-US" b="1" i="0" dirty="0">
+                <a:solidFill>
+                  <a:srgbClr val="000080"/>
+                </a:solidFill>
+                <a:effectLst/>
+                <a:latin typeface="Courier New" panose="02070309020205020404" pitchFamily="49" charset="0"/>
+                <a:cs typeface="Courier New" panose="02070309020205020404" pitchFamily="49" charset="0"/>
+              </a:rPr>
+              <a:t>final</a:t>
+            </a:r>
+            <a:r>
+              <a:rPr lang="en-US" b="0" i="0" dirty="0">
+                <a:solidFill>
+                  <a:srgbClr val="000000"/>
+                </a:solidFill>
+                <a:effectLst/>
+                <a:latin typeface="Courier New" panose="02070309020205020404" pitchFamily="49" charset="0"/>
+                <a:cs typeface="Courier New" panose="02070309020205020404" pitchFamily="49" charset="0"/>
+              </a:rPr>
+              <a:t> </a:t>
+            </a:r>
+            <a:r>
+              <a:rPr lang="en-US" b="1" i="0" dirty="0">
+                <a:solidFill>
+                  <a:srgbClr val="000080"/>
+                </a:solidFill>
+                <a:effectLst/>
+                <a:latin typeface="Courier New" panose="02070309020205020404" pitchFamily="49" charset="0"/>
+                <a:cs typeface="Courier New" panose="02070309020205020404" pitchFamily="49" charset="0"/>
+              </a:rPr>
+              <a:t>int</a:t>
+            </a:r>
+            <a:r>
+              <a:rPr lang="en-US" b="0" i="0" dirty="0">
+                <a:solidFill>
+                  <a:srgbClr val="000000"/>
+                </a:solidFill>
+                <a:effectLst/>
+                <a:latin typeface="Courier New" panose="02070309020205020404" pitchFamily="49" charset="0"/>
+                <a:cs typeface="Courier New" panose="02070309020205020404" pitchFamily="49" charset="0"/>
+              </a:rPr>
+              <a:t> CONSTANT_EXAMPLE; </a:t>
+            </a:r>
+            <a:endParaRPr lang="uk-UA" b="0" i="0" dirty="0">
+              <a:solidFill>
+                <a:srgbClr val="000000"/>
+              </a:solidFill>
+              <a:effectLst/>
+              <a:latin typeface="Courier New" panose="02070309020205020404" pitchFamily="49" charset="0"/>
+              <a:cs typeface="Courier New" panose="02070309020205020404" pitchFamily="49" charset="0"/>
+            </a:endParaRPr>
+          </a:p>
+          <a:p>
+            <a:r>
+              <a:rPr lang="uk-UA" b="0" i="0" dirty="0">
+                <a:solidFill>
+                  <a:srgbClr val="000000"/>
+                </a:solidFill>
+                <a:effectLst/>
+                <a:latin typeface="Courier New" panose="02070309020205020404" pitchFamily="49" charset="0"/>
+                <a:cs typeface="Courier New" panose="02070309020205020404" pitchFamily="49" charset="0"/>
+              </a:rPr>
+              <a:t>	</a:t>
+            </a:r>
+            <a:r>
+              <a:rPr lang="en-US" b="0" i="0" dirty="0">
+                <a:solidFill>
+                  <a:srgbClr val="000000"/>
+                </a:solidFill>
+                <a:effectLst/>
+                <a:latin typeface="Courier New" panose="02070309020205020404" pitchFamily="49" charset="0"/>
+                <a:cs typeface="Courier New" panose="02070309020205020404" pitchFamily="49" charset="0"/>
+              </a:rPr>
+              <a:t>CONSTANT_EXAMPLE = </a:t>
+            </a:r>
+            <a:r>
+              <a:rPr lang="en-US" b="0" i="0" dirty="0">
+                <a:solidFill>
+                  <a:srgbClr val="082C8B"/>
+                </a:solidFill>
+                <a:effectLst/>
+                <a:latin typeface="Courier New" panose="02070309020205020404" pitchFamily="49" charset="0"/>
+                <a:cs typeface="Courier New" panose="02070309020205020404" pitchFamily="49" charset="0"/>
+              </a:rPr>
+              <a:t>999</a:t>
+            </a:r>
+            <a:r>
+              <a:rPr lang="en-US" b="0" i="0" dirty="0">
+                <a:solidFill>
+                  <a:srgbClr val="000000"/>
+                </a:solidFill>
+                <a:effectLst/>
+                <a:latin typeface="Courier New" panose="02070309020205020404" pitchFamily="49" charset="0"/>
+                <a:cs typeface="Courier New" panose="02070309020205020404" pitchFamily="49" charset="0"/>
+              </a:rPr>
+              <a:t>;</a:t>
+            </a:r>
+            <a:r>
+              <a:rPr lang="en-US" b="0" i="0" dirty="0">
+                <a:effectLst/>
+                <a:latin typeface="Courier New" panose="02070309020205020404" pitchFamily="49" charset="0"/>
+                <a:cs typeface="Courier New" panose="02070309020205020404" pitchFamily="49" charset="0"/>
+              </a:rPr>
+              <a:t>//</a:t>
+            </a:r>
+            <a:r>
+              <a:rPr lang="uk-UA" b="0" i="0" dirty="0">
+                <a:effectLst/>
+                <a:latin typeface="Courier New" panose="02070309020205020404" pitchFamily="49" charset="0"/>
+                <a:cs typeface="Courier New" panose="02070309020205020404" pitchFamily="49" charset="0"/>
+              </a:rPr>
+              <a:t>так робити можна</a:t>
+            </a:r>
+            <a:r>
+              <a:rPr lang="uk-UA" b="0" i="0" dirty="0">
+                <a:solidFill>
+                  <a:srgbClr val="000000"/>
+                </a:solidFill>
+                <a:effectLst/>
+                <a:latin typeface="Courier New" panose="02070309020205020404" pitchFamily="49" charset="0"/>
+                <a:cs typeface="Courier New" panose="02070309020205020404" pitchFamily="49" charset="0"/>
+              </a:rPr>
+              <a:t> </a:t>
+            </a:r>
+          </a:p>
+          <a:p>
+            <a:r>
+              <a:rPr lang="uk-UA" b="0" i="0" dirty="0">
+                <a:solidFill>
+                  <a:srgbClr val="000000"/>
+                </a:solidFill>
+                <a:effectLst/>
+                <a:latin typeface="Courier New" panose="02070309020205020404" pitchFamily="49" charset="0"/>
+                <a:cs typeface="Courier New" panose="02070309020205020404" pitchFamily="49" charset="0"/>
+              </a:rPr>
+              <a:t>}</a:t>
+            </a:r>
+            <a:endParaRPr lang="uk-UA" dirty="0">
+              <a:latin typeface="Courier New" panose="02070309020205020404" pitchFamily="49" charset="0"/>
+              <a:cs typeface="Courier New" panose="02070309020205020404" pitchFamily="49" charset="0"/>
+            </a:endParaRPr>
+          </a:p>
+        </p:txBody>
+      </p:sp>
+      <p:sp>
+        <p:nvSpPr>
+          <p:cNvPr id="11" name="Rectangle 2">
+            <a:extLst>
+              <a:ext uri="{FF2B5EF4-FFF2-40B4-BE49-F238E27FC236}">
+                <a16:creationId xmlns:a16="http://schemas.microsoft.com/office/drawing/2014/main" id="{0EFB21B8-4930-428B-B765-AE5AAB8A33E2}"/>
               </a:ext>
             </a:extLst>
           </p:cNvPr>
           <p:cNvSpPr>
-            <a:spLocks noGrp="1"/>
+            <a:spLocks noChangeArrowheads="1"/>
           </p:cNvSpPr>
-          <p:nvPr>
-            <p:ph idx="1"/>
-          </p:nvPr>
+          <p:nvPr/>
         </p:nvSpPr>
-        <p:spPr/>
+        <p:spPr bwMode="auto">
+          <a:xfrm>
+            <a:off x="443059" y="2124912"/>
+            <a:ext cx="11359298" cy="2215991"/>
+          </a:xfrm>
+          <a:prstGeom prst="rect">
+            <a:avLst/>
+          </a:prstGeom>
+          <a:solidFill>
+            <a:srgbClr val="FFFFFF"/>
+          </a:solidFill>
+          <a:ln>
+            <a:noFill/>
+          </a:ln>
+          <a:effectLst/>
+          <a:extLst>
+            <a:ext uri="{91240B29-F687-4F45-9708-019B960494DF}">
+              <a14:hiddenLine xmlns:a14="http://schemas.microsoft.com/office/drawing/2010/main" w="9525">
+                <a:solidFill>
+                  <a:schemeClr val="tx1"/>
+                </a:solidFill>
+                <a:miter lim="800000"/>
+                <a:headEnd/>
+                <a:tailEnd/>
+              </a14:hiddenLine>
+            </a:ext>
+            <a:ext uri="{AF507438-7753-43E0-B8FC-AC1667EBCBE1}">
+              <a14:hiddenEffects xmlns:a14="http://schemas.microsoft.com/office/drawing/2010/main">
+                <a:effectLst>
+                  <a:outerShdw dist="35921" dir="2700000" algn="ctr" rotWithShape="0">
+                    <a:schemeClr val="bg2"/>
+                  </a:outerShdw>
+                </a:effectLst>
+              </a14:hiddenEffects>
+            </a:ext>
+          </a:extLst>
+        </p:spPr>
         <p:txBody>
-          <a:bodyPr/>
-          <a:lstStyle/>
+          <a:bodyPr vert="horz" wrap="square" lIns="91440" tIns="0" rIns="91440" bIns="0" numCol="1" anchor="ctr" anchorCtr="0" compatLnSpc="1">
+            <a:prstTxWarp prst="textNoShape">
+              <a:avLst/>
+            </a:prstTxWarp>
+            <a:spAutoFit/>
+          </a:bodyPr>
+          <a:lstStyle>
+            <a:lvl1pPr eaLnBrk="0" fontAlgn="base" hangingPunct="0">
+              <a:spcBef>
+                <a:spcPct val="0"/>
+              </a:spcBef>
+              <a:spcAft>
+                <a:spcPct val="0"/>
+              </a:spcAft>
+              <a:defRPr>
+                <a:solidFill>
+                  <a:schemeClr val="tx1"/>
+                </a:solidFill>
+                <a:latin typeface="Arial" panose="020B0604020202020204" pitchFamily="34" charset="0"/>
+              </a:defRPr>
+            </a:lvl1pPr>
+            <a:lvl2pPr eaLnBrk="0" fontAlgn="base" hangingPunct="0">
+              <a:spcBef>
+                <a:spcPct val="0"/>
+              </a:spcBef>
+              <a:spcAft>
+                <a:spcPct val="0"/>
+              </a:spcAft>
+              <a:defRPr>
+                <a:solidFill>
+                  <a:schemeClr val="tx1"/>
+                </a:solidFill>
+                <a:latin typeface="Arial" panose="020B0604020202020204" pitchFamily="34" charset="0"/>
+              </a:defRPr>
+            </a:lvl2pPr>
+            <a:lvl3pPr eaLnBrk="0" fontAlgn="base" hangingPunct="0">
+              <a:spcBef>
+                <a:spcPct val="0"/>
+              </a:spcBef>
+              <a:spcAft>
+                <a:spcPct val="0"/>
+              </a:spcAft>
+              <a:defRPr>
+                <a:solidFill>
+                  <a:schemeClr val="tx1"/>
+                </a:solidFill>
+                <a:latin typeface="Arial" panose="020B0604020202020204" pitchFamily="34" charset="0"/>
+              </a:defRPr>
+            </a:lvl3pPr>
+            <a:lvl4pPr eaLnBrk="0" fontAlgn="base" hangingPunct="0">
+              <a:spcBef>
+                <a:spcPct val="0"/>
+              </a:spcBef>
+              <a:spcAft>
+                <a:spcPct val="0"/>
+              </a:spcAft>
+              <a:defRPr>
+                <a:solidFill>
+                  <a:schemeClr val="tx1"/>
+                </a:solidFill>
+                <a:latin typeface="Arial" panose="020B0604020202020204" pitchFamily="34" charset="0"/>
+              </a:defRPr>
+            </a:lvl4pPr>
+            <a:lvl5pPr eaLnBrk="0" fontAlgn="base" hangingPunct="0">
+              <a:spcBef>
+                <a:spcPct val="0"/>
+              </a:spcBef>
+              <a:spcAft>
+                <a:spcPct val="0"/>
+              </a:spcAft>
+              <a:defRPr>
+                <a:solidFill>
+                  <a:schemeClr val="tx1"/>
+                </a:solidFill>
+                <a:latin typeface="Arial" panose="020B0604020202020204" pitchFamily="34" charset="0"/>
+              </a:defRPr>
+            </a:lvl5pPr>
+            <a:lvl6pPr eaLnBrk="0" fontAlgn="base" hangingPunct="0">
+              <a:spcBef>
+                <a:spcPct val="0"/>
+              </a:spcBef>
+              <a:spcAft>
+                <a:spcPct val="0"/>
+              </a:spcAft>
+              <a:defRPr>
+                <a:solidFill>
+                  <a:schemeClr val="tx1"/>
+                </a:solidFill>
+                <a:latin typeface="Arial" panose="020B0604020202020204" pitchFamily="34" charset="0"/>
+              </a:defRPr>
+            </a:lvl6pPr>
+            <a:lvl7pPr eaLnBrk="0" fontAlgn="base" hangingPunct="0">
+              <a:spcBef>
+                <a:spcPct val="0"/>
+              </a:spcBef>
+              <a:spcAft>
+                <a:spcPct val="0"/>
+              </a:spcAft>
+              <a:defRPr>
+                <a:solidFill>
+                  <a:schemeClr val="tx1"/>
+                </a:solidFill>
+                <a:latin typeface="Arial" panose="020B0604020202020204" pitchFamily="34" charset="0"/>
+              </a:defRPr>
+            </a:lvl7pPr>
+            <a:lvl8pPr eaLnBrk="0" fontAlgn="base" hangingPunct="0">
+              <a:spcBef>
+                <a:spcPct val="0"/>
+              </a:spcBef>
+              <a:spcAft>
+                <a:spcPct val="0"/>
+              </a:spcAft>
+              <a:defRPr>
+                <a:solidFill>
+                  <a:schemeClr val="tx1"/>
+                </a:solidFill>
+                <a:latin typeface="Arial" panose="020B0604020202020204" pitchFamily="34" charset="0"/>
+              </a:defRPr>
+            </a:lvl8pPr>
+            <a:lvl9pPr eaLnBrk="0" fontAlgn="base" hangingPunct="0">
+              <a:spcBef>
+                <a:spcPct val="0"/>
+              </a:spcBef>
+              <a:spcAft>
+                <a:spcPct val="0"/>
+              </a:spcAft>
+              <a:defRPr>
+                <a:solidFill>
+                  <a:schemeClr val="tx1"/>
+                </a:solidFill>
+                <a:latin typeface="Arial" panose="020B0604020202020204" pitchFamily="34" charset="0"/>
+              </a:defRPr>
+            </a:lvl9pPr>
+          </a:lstStyle>
           <a:p>
-            <a:endParaRPr lang="uk-UA"/>
+            <a:pPr marL="0" marR="0" lvl="0" indent="0" algn="l" defTabSz="914400" rtl="0" eaLnBrk="0" fontAlgn="base" latinLnBrk="0" hangingPunct="0">
+              <a:lnSpc>
+                <a:spcPct val="100000"/>
+              </a:lnSpc>
+              <a:spcBef>
+                <a:spcPct val="0"/>
+              </a:spcBef>
+              <a:spcAft>
+                <a:spcPct val="0"/>
+              </a:spcAft>
+              <a:buClrTx/>
+              <a:buSzTx/>
+              <a:buFontTx/>
+              <a:buNone/>
+              <a:tabLst/>
+            </a:pPr>
+            <a:r>
+              <a:rPr kumimoji="0" lang="uk-UA" altLang="uk-UA" b="1" i="0" u="none" strike="noStrike" cap="none" normalizeH="0" baseline="0" dirty="0" err="1">
+                <a:ln>
+                  <a:noFill/>
+                </a:ln>
+                <a:solidFill>
+                  <a:srgbClr val="000080"/>
+                </a:solidFill>
+                <a:effectLst/>
+                <a:latin typeface="Courier New" panose="02070309020205020404" pitchFamily="49" charset="0"/>
+                <a:cs typeface="Courier New" panose="02070309020205020404" pitchFamily="49" charset="0"/>
+              </a:rPr>
+              <a:t>public</a:t>
+            </a:r>
+            <a:r>
+              <a:rPr kumimoji="0" lang="uk-UA" altLang="uk-UA" b="0" i="0" u="none" strike="noStrike" cap="none" normalizeH="0" baseline="0" dirty="0">
+                <a:ln>
+                  <a:noFill/>
+                </a:ln>
+                <a:solidFill>
+                  <a:srgbClr val="000000"/>
+                </a:solidFill>
+                <a:effectLst/>
+                <a:latin typeface="Courier New" panose="02070309020205020404" pitchFamily="49" charset="0"/>
+                <a:cs typeface="Courier New" panose="02070309020205020404" pitchFamily="49" charset="0"/>
+              </a:rPr>
+              <a:t> </a:t>
+            </a:r>
+            <a:r>
+              <a:rPr kumimoji="0" lang="uk-UA" altLang="uk-UA" b="1" i="0" u="none" strike="noStrike" cap="none" normalizeH="0" baseline="0" dirty="0" err="1">
+                <a:ln>
+                  <a:noFill/>
+                </a:ln>
+                <a:solidFill>
+                  <a:srgbClr val="000080"/>
+                </a:solidFill>
+                <a:effectLst/>
+                <a:latin typeface="Courier New" panose="02070309020205020404" pitchFamily="49" charset="0"/>
+                <a:cs typeface="Courier New" panose="02070309020205020404" pitchFamily="49" charset="0"/>
+              </a:rPr>
+              <a:t>class</a:t>
+            </a:r>
+            <a:r>
+              <a:rPr kumimoji="0" lang="uk-UA" altLang="uk-UA" b="0" i="0" u="none" strike="noStrike" cap="none" normalizeH="0" baseline="0" dirty="0">
+                <a:ln>
+                  <a:noFill/>
+                </a:ln>
+                <a:solidFill>
+                  <a:srgbClr val="000000"/>
+                </a:solidFill>
+                <a:effectLst/>
+                <a:latin typeface="Courier New" panose="02070309020205020404" pitchFamily="49" charset="0"/>
+                <a:cs typeface="Courier New" panose="02070309020205020404" pitchFamily="49" charset="0"/>
+              </a:rPr>
+              <a:t> </a:t>
+            </a:r>
+            <a:r>
+              <a:rPr kumimoji="0" lang="uk-UA" altLang="uk-UA" b="0" i="0" u="none" strike="noStrike" cap="none" normalizeH="0" baseline="0" dirty="0" err="1">
+                <a:ln>
+                  <a:noFill/>
+                </a:ln>
+                <a:solidFill>
+                  <a:srgbClr val="000000"/>
+                </a:solidFill>
+                <a:effectLst/>
+                <a:latin typeface="Courier New" panose="02070309020205020404" pitchFamily="49" charset="0"/>
+                <a:cs typeface="Courier New" panose="02070309020205020404" pitchFamily="49" charset="0"/>
+              </a:rPr>
+              <a:t>Main</a:t>
+            </a:r>
+            <a:r>
+              <a:rPr kumimoji="0" lang="uk-UA" altLang="uk-UA" b="0" i="0" u="none" strike="noStrike" cap="none" normalizeH="0" baseline="0" dirty="0">
+                <a:ln>
+                  <a:noFill/>
+                </a:ln>
+                <a:solidFill>
+                  <a:srgbClr val="000000"/>
+                </a:solidFill>
+                <a:effectLst/>
+                <a:latin typeface="Courier New" panose="02070309020205020404" pitchFamily="49" charset="0"/>
+                <a:cs typeface="Courier New" panose="02070309020205020404" pitchFamily="49" charset="0"/>
+              </a:rPr>
+              <a:t> { </a:t>
+            </a:r>
+          </a:p>
+          <a:p>
+            <a:pPr marL="0" marR="0" lvl="0" indent="0" algn="l" defTabSz="914400" rtl="0" eaLnBrk="0" fontAlgn="base" latinLnBrk="0" hangingPunct="0">
+              <a:lnSpc>
+                <a:spcPct val="100000"/>
+              </a:lnSpc>
+              <a:spcBef>
+                <a:spcPct val="0"/>
+              </a:spcBef>
+              <a:spcAft>
+                <a:spcPct val="0"/>
+              </a:spcAft>
+              <a:buClrTx/>
+              <a:buSzTx/>
+              <a:buFontTx/>
+              <a:buNone/>
+              <a:tabLst/>
+            </a:pPr>
+            <a:r>
+              <a:rPr lang="uk-UA" altLang="uk-UA" dirty="0">
+                <a:solidFill>
+                  <a:srgbClr val="000000"/>
+                </a:solidFill>
+                <a:latin typeface="Courier New" panose="02070309020205020404" pitchFamily="49" charset="0"/>
+                <a:cs typeface="Courier New" panose="02070309020205020404" pitchFamily="49" charset="0"/>
+              </a:rPr>
+              <a:t>	</a:t>
+            </a:r>
+            <a:r>
+              <a:rPr kumimoji="0" lang="uk-UA" altLang="uk-UA" b="1" i="0" u="none" strike="noStrike" cap="none" normalizeH="0" baseline="0" dirty="0" err="1">
+                <a:ln>
+                  <a:noFill/>
+                </a:ln>
+                <a:solidFill>
+                  <a:srgbClr val="000080"/>
+                </a:solidFill>
+                <a:effectLst/>
+                <a:latin typeface="Courier New" panose="02070309020205020404" pitchFamily="49" charset="0"/>
+                <a:cs typeface="Courier New" panose="02070309020205020404" pitchFamily="49" charset="0"/>
+              </a:rPr>
+              <a:t>private</a:t>
+            </a:r>
+            <a:r>
+              <a:rPr kumimoji="0" lang="uk-UA" altLang="uk-UA" b="0" i="0" u="none" strike="noStrike" cap="none" normalizeH="0" baseline="0" dirty="0">
+                <a:ln>
+                  <a:noFill/>
+                </a:ln>
+                <a:solidFill>
+                  <a:srgbClr val="000000"/>
+                </a:solidFill>
+                <a:effectLst/>
+                <a:latin typeface="Courier New" panose="02070309020205020404" pitchFamily="49" charset="0"/>
+                <a:cs typeface="Courier New" panose="02070309020205020404" pitchFamily="49" charset="0"/>
+              </a:rPr>
+              <a:t> </a:t>
+            </a:r>
+            <a:r>
+              <a:rPr kumimoji="0" lang="uk-UA" altLang="uk-UA" b="1" i="0" u="none" strike="noStrike" cap="none" normalizeH="0" baseline="0" dirty="0" err="1">
+                <a:ln>
+                  <a:noFill/>
+                </a:ln>
+                <a:solidFill>
+                  <a:srgbClr val="000080"/>
+                </a:solidFill>
+                <a:effectLst/>
+                <a:latin typeface="Courier New" panose="02070309020205020404" pitchFamily="49" charset="0"/>
+                <a:cs typeface="Courier New" panose="02070309020205020404" pitchFamily="49" charset="0"/>
+              </a:rPr>
+              <a:t>static</a:t>
+            </a:r>
+            <a:r>
+              <a:rPr kumimoji="0" lang="uk-UA" altLang="uk-UA" b="0" i="0" u="none" strike="noStrike" cap="none" normalizeH="0" baseline="0" dirty="0">
+                <a:ln>
+                  <a:noFill/>
+                </a:ln>
+                <a:solidFill>
+                  <a:srgbClr val="000000"/>
+                </a:solidFill>
+                <a:effectLst/>
+                <a:latin typeface="Courier New" panose="02070309020205020404" pitchFamily="49" charset="0"/>
+                <a:cs typeface="Courier New" panose="02070309020205020404" pitchFamily="49" charset="0"/>
+              </a:rPr>
+              <a:t> </a:t>
+            </a:r>
+            <a:r>
+              <a:rPr kumimoji="0" lang="uk-UA" altLang="uk-UA" b="1" i="0" u="none" strike="noStrike" cap="none" normalizeH="0" baseline="0" dirty="0">
+                <a:ln>
+                  <a:noFill/>
+                </a:ln>
+                <a:solidFill>
+                  <a:srgbClr val="000080"/>
+                </a:solidFill>
+                <a:effectLst/>
+                <a:latin typeface="Courier New" panose="02070309020205020404" pitchFamily="49" charset="0"/>
+                <a:cs typeface="Courier New" panose="02070309020205020404" pitchFamily="49" charset="0"/>
+              </a:rPr>
+              <a:t>final</a:t>
+            </a:r>
+            <a:r>
+              <a:rPr kumimoji="0" lang="uk-UA" altLang="uk-UA" b="0" i="0" u="none" strike="noStrike" cap="none" normalizeH="0" baseline="0" dirty="0">
+                <a:ln>
+                  <a:noFill/>
+                </a:ln>
+                <a:solidFill>
+                  <a:srgbClr val="000000"/>
+                </a:solidFill>
+                <a:effectLst/>
+                <a:latin typeface="Courier New" panose="02070309020205020404" pitchFamily="49" charset="0"/>
+                <a:cs typeface="Courier New" panose="02070309020205020404" pitchFamily="49" charset="0"/>
+              </a:rPr>
+              <a:t> </a:t>
+            </a:r>
+            <a:r>
+              <a:rPr kumimoji="0" lang="uk-UA" altLang="uk-UA" b="1" i="0" u="none" strike="noStrike" cap="none" normalizeH="0" baseline="0" dirty="0" err="1">
+                <a:ln>
+                  <a:noFill/>
+                </a:ln>
+                <a:solidFill>
+                  <a:srgbClr val="000080"/>
+                </a:solidFill>
+                <a:effectLst/>
+                <a:latin typeface="Courier New" panose="02070309020205020404" pitchFamily="49" charset="0"/>
+                <a:cs typeface="Courier New" panose="02070309020205020404" pitchFamily="49" charset="0"/>
+              </a:rPr>
+              <a:t>int</a:t>
+            </a:r>
+            <a:r>
+              <a:rPr kumimoji="0" lang="uk-UA" altLang="uk-UA" b="0" i="0" u="none" strike="noStrike" cap="none" normalizeH="0" baseline="0" dirty="0">
+                <a:ln>
+                  <a:noFill/>
+                </a:ln>
+                <a:solidFill>
+                  <a:srgbClr val="000000"/>
+                </a:solidFill>
+                <a:effectLst/>
+                <a:latin typeface="Courier New" panose="02070309020205020404" pitchFamily="49" charset="0"/>
+                <a:cs typeface="Courier New" panose="02070309020205020404" pitchFamily="49" charset="0"/>
+              </a:rPr>
+              <a:t> CONSTANT_EXAMPLE = </a:t>
+            </a:r>
+            <a:r>
+              <a:rPr kumimoji="0" lang="uk-UA" altLang="uk-UA" b="0" i="0" u="none" strike="noStrike" cap="none" normalizeH="0" baseline="0" dirty="0">
+                <a:ln>
+                  <a:noFill/>
+                </a:ln>
+                <a:solidFill>
+                  <a:srgbClr val="082C8B"/>
+                </a:solidFill>
+                <a:effectLst/>
+                <a:latin typeface="Courier New" panose="02070309020205020404" pitchFamily="49" charset="0"/>
+                <a:cs typeface="Courier New" panose="02070309020205020404" pitchFamily="49" charset="0"/>
+              </a:rPr>
+              <a:t>333</a:t>
+            </a:r>
+            <a:r>
+              <a:rPr kumimoji="0" lang="uk-UA" altLang="uk-UA" b="0" i="0" u="none" strike="noStrike" cap="none" normalizeH="0" baseline="0" dirty="0">
+                <a:ln>
+                  <a:noFill/>
+                </a:ln>
+                <a:solidFill>
+                  <a:srgbClr val="000000"/>
+                </a:solidFill>
+                <a:effectLst/>
+                <a:latin typeface="Courier New" panose="02070309020205020404" pitchFamily="49" charset="0"/>
+                <a:cs typeface="Courier New" panose="02070309020205020404" pitchFamily="49" charset="0"/>
+              </a:rPr>
+              <a:t>; </a:t>
+            </a:r>
+          </a:p>
+          <a:p>
+            <a:pPr marL="0" marR="0" lvl="0" indent="0" algn="l" defTabSz="914400" rtl="0" eaLnBrk="0" fontAlgn="base" latinLnBrk="0" hangingPunct="0">
+              <a:lnSpc>
+                <a:spcPct val="100000"/>
+              </a:lnSpc>
+              <a:spcBef>
+                <a:spcPct val="0"/>
+              </a:spcBef>
+              <a:spcAft>
+                <a:spcPct val="0"/>
+              </a:spcAft>
+              <a:buClrTx/>
+              <a:buSzTx/>
+              <a:buFontTx/>
+              <a:buNone/>
+              <a:tabLst/>
+            </a:pPr>
+            <a:r>
+              <a:rPr lang="uk-UA" altLang="uk-UA" dirty="0">
+                <a:solidFill>
+                  <a:srgbClr val="000000"/>
+                </a:solidFill>
+                <a:latin typeface="Courier New" panose="02070309020205020404" pitchFamily="49" charset="0"/>
+                <a:cs typeface="Courier New" panose="02070309020205020404" pitchFamily="49" charset="0"/>
+              </a:rPr>
+              <a:t>	</a:t>
+            </a:r>
+            <a:r>
+              <a:rPr kumimoji="0" lang="uk-UA" altLang="uk-UA" b="1" i="0" u="none" strike="noStrike" cap="none" normalizeH="0" baseline="0" dirty="0" err="1">
+                <a:ln>
+                  <a:noFill/>
+                </a:ln>
+                <a:solidFill>
+                  <a:srgbClr val="000080"/>
+                </a:solidFill>
+                <a:effectLst/>
+                <a:latin typeface="Courier New" panose="02070309020205020404" pitchFamily="49" charset="0"/>
+                <a:cs typeface="Courier New" panose="02070309020205020404" pitchFamily="49" charset="0"/>
+              </a:rPr>
+              <a:t>public</a:t>
+            </a:r>
+            <a:r>
+              <a:rPr kumimoji="0" lang="uk-UA" altLang="uk-UA" b="0" i="0" u="none" strike="noStrike" cap="none" normalizeH="0" baseline="0" dirty="0">
+                <a:ln>
+                  <a:noFill/>
+                </a:ln>
+                <a:solidFill>
+                  <a:srgbClr val="000000"/>
+                </a:solidFill>
+                <a:effectLst/>
+                <a:latin typeface="Courier New" panose="02070309020205020404" pitchFamily="49" charset="0"/>
+                <a:cs typeface="Courier New" panose="02070309020205020404" pitchFamily="49" charset="0"/>
+              </a:rPr>
+              <a:t> </a:t>
+            </a:r>
+            <a:r>
+              <a:rPr kumimoji="0" lang="uk-UA" altLang="uk-UA" b="1" i="0" u="none" strike="noStrike" cap="none" normalizeH="0" baseline="0" dirty="0" err="1">
+                <a:ln>
+                  <a:noFill/>
+                </a:ln>
+                <a:solidFill>
+                  <a:srgbClr val="000080"/>
+                </a:solidFill>
+                <a:effectLst/>
+                <a:latin typeface="Courier New" panose="02070309020205020404" pitchFamily="49" charset="0"/>
+                <a:cs typeface="Courier New" panose="02070309020205020404" pitchFamily="49" charset="0"/>
+              </a:rPr>
+              <a:t>static</a:t>
+            </a:r>
+            <a:r>
+              <a:rPr kumimoji="0" lang="uk-UA" altLang="uk-UA" b="0" i="0" u="none" strike="noStrike" cap="none" normalizeH="0" baseline="0" dirty="0">
+                <a:ln>
+                  <a:noFill/>
+                </a:ln>
+                <a:solidFill>
+                  <a:srgbClr val="000000"/>
+                </a:solidFill>
+                <a:effectLst/>
+                <a:latin typeface="Courier New" panose="02070309020205020404" pitchFamily="49" charset="0"/>
+                <a:cs typeface="Courier New" panose="02070309020205020404" pitchFamily="49" charset="0"/>
+              </a:rPr>
+              <a:t> </a:t>
+            </a:r>
+            <a:r>
+              <a:rPr kumimoji="0" lang="uk-UA" altLang="uk-UA" b="1" i="0" u="none" strike="noStrike" cap="none" normalizeH="0" baseline="0" dirty="0" err="1">
+                <a:ln>
+                  <a:noFill/>
+                </a:ln>
+                <a:solidFill>
+                  <a:srgbClr val="000080"/>
+                </a:solidFill>
+                <a:effectLst/>
+                <a:latin typeface="Courier New" panose="02070309020205020404" pitchFamily="49" charset="0"/>
+                <a:cs typeface="Courier New" panose="02070309020205020404" pitchFamily="49" charset="0"/>
+              </a:rPr>
+              <a:t>void</a:t>
+            </a:r>
+            <a:r>
+              <a:rPr kumimoji="0" lang="uk-UA" altLang="uk-UA" b="0" i="0" u="none" strike="noStrike" cap="none" normalizeH="0" baseline="0" dirty="0">
+                <a:ln>
+                  <a:noFill/>
+                </a:ln>
+                <a:solidFill>
+                  <a:srgbClr val="000000"/>
+                </a:solidFill>
+                <a:effectLst/>
+                <a:latin typeface="Courier New" panose="02070309020205020404" pitchFamily="49" charset="0"/>
+                <a:cs typeface="Courier New" panose="02070309020205020404" pitchFamily="49" charset="0"/>
+              </a:rPr>
+              <a:t> </a:t>
+            </a:r>
+            <a:r>
+              <a:rPr kumimoji="0" lang="uk-UA" altLang="uk-UA" b="0" i="0" u="none" strike="noStrike" cap="none" normalizeH="0" baseline="0" dirty="0" err="1">
+                <a:ln>
+                  <a:noFill/>
+                </a:ln>
+                <a:solidFill>
+                  <a:srgbClr val="900606"/>
+                </a:solidFill>
+                <a:effectLst/>
+                <a:latin typeface="Courier New" panose="02070309020205020404" pitchFamily="49" charset="0"/>
+                <a:cs typeface="Courier New" panose="02070309020205020404" pitchFamily="49" charset="0"/>
+              </a:rPr>
+              <a:t>main</a:t>
+            </a:r>
+            <a:r>
+              <a:rPr kumimoji="0" lang="uk-UA" altLang="uk-UA" b="0" i="0" u="none" strike="noStrike" cap="none" normalizeH="0" baseline="0" dirty="0">
+                <a:ln>
+                  <a:noFill/>
+                </a:ln>
+                <a:solidFill>
+                  <a:srgbClr val="000000"/>
+                </a:solidFill>
+                <a:effectLst/>
+                <a:latin typeface="Courier New" panose="02070309020205020404" pitchFamily="49" charset="0"/>
+                <a:cs typeface="Courier New" panose="02070309020205020404" pitchFamily="49" charset="0"/>
+              </a:rPr>
+              <a:t>(</a:t>
+            </a:r>
+            <a:r>
+              <a:rPr kumimoji="0" lang="uk-UA" altLang="uk-UA" b="0" i="0" u="none" strike="noStrike" cap="none" normalizeH="0" baseline="0" dirty="0" err="1">
+                <a:ln>
+                  <a:noFill/>
+                </a:ln>
+                <a:solidFill>
+                  <a:srgbClr val="000000"/>
+                </a:solidFill>
+                <a:effectLst/>
+                <a:latin typeface="Courier New" panose="02070309020205020404" pitchFamily="49" charset="0"/>
+                <a:cs typeface="Courier New" panose="02070309020205020404" pitchFamily="49" charset="0"/>
+              </a:rPr>
+              <a:t>String</a:t>
+            </a:r>
+            <a:r>
+              <a:rPr kumimoji="0" lang="uk-UA" altLang="uk-UA" b="0" i="0" u="none" strike="noStrike" cap="none" normalizeH="0" baseline="0" dirty="0">
+                <a:ln>
+                  <a:noFill/>
+                </a:ln>
+                <a:solidFill>
+                  <a:srgbClr val="000000"/>
+                </a:solidFill>
+                <a:effectLst/>
+                <a:latin typeface="Courier New" panose="02070309020205020404" pitchFamily="49" charset="0"/>
+                <a:cs typeface="Courier New" panose="02070309020205020404" pitchFamily="49" charset="0"/>
+              </a:rPr>
+              <a:t>[] </a:t>
+            </a:r>
+            <a:r>
+              <a:rPr kumimoji="0" lang="uk-UA" altLang="uk-UA" b="0" i="0" u="none" strike="noStrike" cap="none" normalizeH="0" baseline="0" dirty="0" err="1">
+                <a:ln>
+                  <a:noFill/>
+                </a:ln>
+                <a:solidFill>
+                  <a:srgbClr val="000000"/>
+                </a:solidFill>
+                <a:effectLst/>
+                <a:latin typeface="Courier New" panose="02070309020205020404" pitchFamily="49" charset="0"/>
+                <a:cs typeface="Courier New" panose="02070309020205020404" pitchFamily="49" charset="0"/>
+              </a:rPr>
+              <a:t>args</a:t>
+            </a:r>
+            <a:r>
+              <a:rPr kumimoji="0" lang="uk-UA" altLang="uk-UA" b="0" i="0" u="none" strike="noStrike" cap="none" normalizeH="0" baseline="0" dirty="0">
+                <a:ln>
+                  <a:noFill/>
+                </a:ln>
+                <a:solidFill>
+                  <a:srgbClr val="000000"/>
+                </a:solidFill>
+                <a:effectLst/>
+                <a:latin typeface="Courier New" panose="02070309020205020404" pitchFamily="49" charset="0"/>
+                <a:cs typeface="Courier New" panose="02070309020205020404" pitchFamily="49" charset="0"/>
+              </a:rPr>
+              <a:t>) { </a:t>
+            </a:r>
+          </a:p>
+          <a:p>
+            <a:pPr marL="0" marR="0" lvl="0" indent="0" algn="l" defTabSz="914400" rtl="0" eaLnBrk="0" fontAlgn="base" latinLnBrk="0" hangingPunct="0">
+              <a:lnSpc>
+                <a:spcPct val="100000"/>
+              </a:lnSpc>
+              <a:spcBef>
+                <a:spcPct val="0"/>
+              </a:spcBef>
+              <a:spcAft>
+                <a:spcPct val="0"/>
+              </a:spcAft>
+              <a:buClrTx/>
+              <a:buSzTx/>
+              <a:buFontTx/>
+              <a:buNone/>
+              <a:tabLst/>
+            </a:pPr>
+            <a:r>
+              <a:rPr lang="uk-UA" altLang="uk-UA" dirty="0">
+                <a:solidFill>
+                  <a:srgbClr val="000000"/>
+                </a:solidFill>
+                <a:latin typeface="Courier New" panose="02070309020205020404" pitchFamily="49" charset="0"/>
+                <a:cs typeface="Courier New" panose="02070309020205020404" pitchFamily="49" charset="0"/>
+              </a:rPr>
+              <a:t>		</a:t>
+            </a:r>
+            <a:r>
+              <a:rPr kumimoji="0" lang="uk-UA" altLang="uk-UA" b="0" i="0" u="none" strike="noStrike" cap="none" normalizeH="0" baseline="0" dirty="0">
+                <a:ln>
+                  <a:noFill/>
+                </a:ln>
+                <a:solidFill>
+                  <a:srgbClr val="000000"/>
+                </a:solidFill>
+                <a:effectLst/>
+                <a:latin typeface="Courier New" panose="02070309020205020404" pitchFamily="49" charset="0"/>
+                <a:cs typeface="Courier New" panose="02070309020205020404" pitchFamily="49" charset="0"/>
+              </a:rPr>
+              <a:t>CONSTANT_EXAMPLE = </a:t>
+            </a:r>
+            <a:r>
+              <a:rPr kumimoji="0" lang="uk-UA" altLang="uk-UA" b="0" i="0" u="none" strike="noStrike" cap="none" normalizeH="0" baseline="0" dirty="0">
+                <a:ln>
+                  <a:noFill/>
+                </a:ln>
+                <a:solidFill>
+                  <a:srgbClr val="082C8B"/>
+                </a:solidFill>
+                <a:effectLst/>
+                <a:latin typeface="Courier New" panose="02070309020205020404" pitchFamily="49" charset="0"/>
+                <a:cs typeface="Courier New" panose="02070309020205020404" pitchFamily="49" charset="0"/>
+              </a:rPr>
+              <a:t>999</a:t>
+            </a:r>
+            <a:r>
+              <a:rPr kumimoji="0" lang="uk-UA" altLang="uk-UA" b="0" i="0" u="none" strike="noStrike" cap="none" normalizeH="0" baseline="0" dirty="0">
+                <a:ln>
+                  <a:noFill/>
+                </a:ln>
+                <a:solidFill>
+                  <a:srgbClr val="000000"/>
+                </a:solidFill>
+                <a:effectLst/>
+                <a:latin typeface="Courier New" panose="02070309020205020404" pitchFamily="49" charset="0"/>
+                <a:cs typeface="Courier New" panose="02070309020205020404" pitchFamily="49" charset="0"/>
+              </a:rPr>
+              <a:t>;//помилка! Не можна присвоїти нове значення final-змінній! </a:t>
+            </a:r>
+          </a:p>
+          <a:p>
+            <a:pPr marL="0" marR="0" lvl="0" indent="0" algn="l" defTabSz="914400" rtl="0" eaLnBrk="0" fontAlgn="base" latinLnBrk="0" hangingPunct="0">
+              <a:lnSpc>
+                <a:spcPct val="100000"/>
+              </a:lnSpc>
+              <a:spcBef>
+                <a:spcPct val="0"/>
+              </a:spcBef>
+              <a:spcAft>
+                <a:spcPct val="0"/>
+              </a:spcAft>
+              <a:buClrTx/>
+              <a:buSzTx/>
+              <a:buFontTx/>
+              <a:buNone/>
+              <a:tabLst/>
+            </a:pPr>
+            <a:r>
+              <a:rPr kumimoji="0" lang="uk-UA" altLang="uk-UA" b="0" i="0" u="none" strike="noStrike" cap="none" normalizeH="0" baseline="0" dirty="0">
+                <a:ln>
+                  <a:noFill/>
+                </a:ln>
+                <a:solidFill>
+                  <a:srgbClr val="000000"/>
+                </a:solidFill>
+                <a:effectLst/>
+                <a:latin typeface="Courier New" panose="02070309020205020404" pitchFamily="49" charset="0"/>
+                <a:cs typeface="Courier New" panose="02070309020205020404" pitchFamily="49" charset="0"/>
+              </a:rPr>
+              <a:t>	} </a:t>
+            </a:r>
+          </a:p>
+          <a:p>
+            <a:pPr marL="0" marR="0" lvl="0" indent="0" algn="l" defTabSz="914400" rtl="0" eaLnBrk="0" fontAlgn="base" latinLnBrk="0" hangingPunct="0">
+              <a:lnSpc>
+                <a:spcPct val="100000"/>
+              </a:lnSpc>
+              <a:spcBef>
+                <a:spcPct val="0"/>
+              </a:spcBef>
+              <a:spcAft>
+                <a:spcPct val="0"/>
+              </a:spcAft>
+              <a:buClrTx/>
+              <a:buSzTx/>
+              <a:buFontTx/>
+              <a:buNone/>
+              <a:tabLst/>
+            </a:pPr>
+            <a:r>
+              <a:rPr kumimoji="0" lang="uk-UA" altLang="uk-UA" b="0" i="0" u="none" strike="noStrike" cap="none" normalizeH="0" baseline="0" dirty="0">
+                <a:ln>
+                  <a:noFill/>
+                </a:ln>
+                <a:solidFill>
+                  <a:srgbClr val="000000"/>
+                </a:solidFill>
+                <a:effectLst/>
+                <a:latin typeface="Courier New" panose="02070309020205020404" pitchFamily="49" charset="0"/>
+                <a:cs typeface="Courier New" panose="02070309020205020404" pitchFamily="49" charset="0"/>
+              </a:rPr>
+              <a:t>}</a:t>
+            </a:r>
+            <a:br>
+              <a:rPr kumimoji="0" lang="uk-UA" altLang="uk-UA" b="0" i="0" u="none" strike="noStrike" cap="none" normalizeH="0" baseline="0" dirty="0">
+                <a:ln>
+                  <a:noFill/>
+                </a:ln>
+                <a:solidFill>
+                  <a:schemeClr val="tx1"/>
+                </a:solidFill>
+                <a:effectLst/>
+                <a:latin typeface="Courier New" panose="02070309020205020404" pitchFamily="49" charset="0"/>
+                <a:cs typeface="Courier New" panose="02070309020205020404" pitchFamily="49" charset="0"/>
+              </a:rPr>
+            </a:br>
+            <a:endParaRPr kumimoji="0" lang="uk-UA" altLang="uk-UA" b="0" i="0" u="none" strike="noStrike" cap="none" normalizeH="0" baseline="0" dirty="0">
+              <a:ln>
+                <a:noFill/>
+              </a:ln>
+              <a:solidFill>
+                <a:schemeClr val="tx1"/>
+              </a:solidFill>
+              <a:effectLst/>
+              <a:latin typeface="Courier New" panose="02070309020205020404" pitchFamily="49" charset="0"/>
+              <a:cs typeface="Courier New" panose="02070309020205020404" pitchFamily="49" charset="0"/>
+            </a:endParaRPr>
           </a:p>
         </p:txBody>
       </p:sp>
     </p:spTree>
     <p:extLst>
       <p:ext uri="{BB962C8B-B14F-4D97-AF65-F5344CB8AC3E}">
-        <p14:creationId xmlns:p14="http://schemas.microsoft.com/office/powerpoint/2010/main" val="2453487314"/>
+        <p14:creationId xmlns:p14="http://schemas.microsoft.com/office/powerpoint/2010/main" val="758753095"/>
+      </p:ext>
+    </p:extLst>
+  </p:cSld>
+  <p:clrMapOvr>
+    <a:masterClrMapping/>
+  </p:clrMapOvr>
+</p:sld>
+</file>
+
+<file path=ppt/slides/slide19.xml><?xml version="1.0" encoding="utf-8"?>
+<p:sld xmlns:a="http://schemas.openxmlformats.org/drawingml/2006/main" xmlns:r="http://schemas.openxmlformats.org/officeDocument/2006/relationships" xmlns:p="http://schemas.openxmlformats.org/presentationml/2006/main">
+  <p:cSld>
+    <p:spTree>
+      <p:nvGrpSpPr>
+        <p:cNvPr id="1" name=""/>
+        <p:cNvGrpSpPr/>
+        <p:nvPr/>
+      </p:nvGrpSpPr>
+      <p:grpSpPr>
+        <a:xfrm>
+          <a:off x="0" y="0"/>
+          <a:ext cx="0" cy="0"/>
+          <a:chOff x="0" y="0"/>
+          <a:chExt cx="0" cy="0"/>
+        </a:xfrm>
+      </p:grpSpPr>
+      <p:sp>
+        <p:nvSpPr>
+          <p:cNvPr id="5" name="TextBox 4">
+            <a:extLst>
+              <a:ext uri="{FF2B5EF4-FFF2-40B4-BE49-F238E27FC236}">
+                <a16:creationId xmlns:a16="http://schemas.microsoft.com/office/drawing/2014/main" id="{D220EA4F-51B1-451D-AF39-8DC048380323}"/>
+              </a:ext>
+            </a:extLst>
+          </p:cNvPr>
+          <p:cNvSpPr txBox="1"/>
+          <p:nvPr/>
+        </p:nvSpPr>
+        <p:spPr>
+          <a:xfrm>
+            <a:off x="483123" y="926259"/>
+            <a:ext cx="11177833" cy="1938992"/>
+          </a:xfrm>
+          <a:prstGeom prst="rect">
+            <a:avLst/>
+          </a:prstGeom>
+          <a:noFill/>
+        </p:spPr>
+        <p:txBody>
+          <a:bodyPr wrap="square">
+            <a:spAutoFit/>
+          </a:bodyPr>
+          <a:lstStyle/>
+          <a:p>
+            <a:r>
+              <a:rPr lang="uk-UA" sz="2400" b="0" i="0" dirty="0">
+                <a:effectLst/>
+                <a:latin typeface="Times New Roman" panose="02020603050405020304" pitchFamily="18" charset="0"/>
+                <a:cs typeface="Times New Roman" panose="02020603050405020304" pitchFamily="18" charset="0"/>
+              </a:rPr>
+              <a:t>По-друге, зверни увагу на назву нашої змінної. Для констант у </a:t>
+            </a:r>
+            <a:r>
+              <a:rPr lang="en-US" sz="2400" b="0" i="0" dirty="0">
+                <a:effectLst/>
+                <a:latin typeface="Times New Roman" panose="02020603050405020304" pitchFamily="18" charset="0"/>
+                <a:cs typeface="Times New Roman" panose="02020603050405020304" pitchFamily="18" charset="0"/>
+              </a:rPr>
+              <a:t>Java </a:t>
+            </a:r>
+            <a:r>
+              <a:rPr lang="uk-UA" sz="2400" b="0" i="0" dirty="0">
+                <a:effectLst/>
+                <a:latin typeface="Times New Roman" panose="02020603050405020304" pitchFamily="18" charset="0"/>
+                <a:cs typeface="Times New Roman" panose="02020603050405020304" pitchFamily="18" charset="0"/>
+              </a:rPr>
+              <a:t>прийнята інша угода про іменування. Це не звичний нам </a:t>
+            </a:r>
+            <a:r>
+              <a:rPr lang="en-US" sz="2400" b="0" i="0" dirty="0">
+                <a:effectLst/>
+                <a:latin typeface="Times New Roman" panose="02020603050405020304" pitchFamily="18" charset="0"/>
+                <a:cs typeface="Times New Roman" panose="02020603050405020304" pitchFamily="18" charset="0"/>
+              </a:rPr>
+              <a:t>camelCase. </a:t>
+            </a:r>
+            <a:r>
+              <a:rPr lang="uk-UA" sz="2400" b="0" i="0" dirty="0">
+                <a:effectLst/>
+                <a:latin typeface="Times New Roman" panose="02020603050405020304" pitchFamily="18" charset="0"/>
+                <a:cs typeface="Times New Roman" panose="02020603050405020304" pitchFamily="18" charset="0"/>
+              </a:rPr>
+              <a:t>У випадку зі звичайною змінною ми б назвали її </a:t>
+            </a:r>
+            <a:r>
+              <a:rPr lang="en-US" sz="2400" b="0" i="0" dirty="0" err="1">
+                <a:effectLst/>
+                <a:latin typeface="Times New Roman" panose="02020603050405020304" pitchFamily="18" charset="0"/>
+                <a:cs typeface="Times New Roman" panose="02020603050405020304" pitchFamily="18" charset="0"/>
+              </a:rPr>
+              <a:t>constantExample</a:t>
+            </a:r>
+            <a:r>
+              <a:rPr lang="en-US" sz="2400" b="0" i="0" dirty="0">
+                <a:effectLst/>
+                <a:latin typeface="Times New Roman" panose="02020603050405020304" pitchFamily="18" charset="0"/>
+                <a:cs typeface="Times New Roman" panose="02020603050405020304" pitchFamily="18" charset="0"/>
+              </a:rPr>
+              <a:t>, </a:t>
+            </a:r>
+            <a:r>
+              <a:rPr lang="uk-UA" sz="2400" b="0" i="0" dirty="0">
+                <a:effectLst/>
+                <a:latin typeface="Times New Roman" panose="02020603050405020304" pitchFamily="18" charset="0"/>
+                <a:cs typeface="Times New Roman" panose="02020603050405020304" pitchFamily="18" charset="0"/>
+              </a:rPr>
+              <a:t>але назви констант пишуться </a:t>
+            </a:r>
+            <a:r>
+              <a:rPr lang="uk-UA" sz="2400" b="0" i="0" dirty="0" err="1">
+                <a:effectLst/>
+                <a:latin typeface="Times New Roman" panose="02020603050405020304" pitchFamily="18" charset="0"/>
+                <a:cs typeface="Times New Roman" panose="02020603050405020304" pitchFamily="18" charset="0"/>
+              </a:rPr>
+              <a:t>капсом</a:t>
+            </a:r>
+            <a:r>
+              <a:rPr lang="uk-UA" sz="2400" b="0" i="0" dirty="0">
+                <a:effectLst/>
+                <a:latin typeface="Times New Roman" panose="02020603050405020304" pitchFamily="18" charset="0"/>
+                <a:cs typeface="Times New Roman" panose="02020603050405020304" pitchFamily="18" charset="0"/>
+              </a:rPr>
+              <a:t>, а між словами (якщо їх кілька) ставиться нижнє підкреслення – "</a:t>
+            </a:r>
+            <a:r>
+              <a:rPr lang="en-US" sz="2400" b="0" i="0" dirty="0">
+                <a:effectLst/>
+                <a:latin typeface="Times New Roman" panose="02020603050405020304" pitchFamily="18" charset="0"/>
+                <a:cs typeface="Times New Roman" panose="02020603050405020304" pitchFamily="18" charset="0"/>
+              </a:rPr>
+              <a:t>CONSTANT_EXAMPLE". </a:t>
+            </a:r>
+            <a:endParaRPr lang="uk-UA" sz="2400" dirty="0">
+              <a:latin typeface="Times New Roman" panose="02020603050405020304" pitchFamily="18" charset="0"/>
+              <a:cs typeface="Times New Roman" panose="02020603050405020304" pitchFamily="18" charset="0"/>
+            </a:endParaRPr>
+          </a:p>
+        </p:txBody>
+      </p:sp>
+      <p:sp>
+        <p:nvSpPr>
+          <p:cNvPr id="6" name="TextBox 5">
+            <a:extLst>
+              <a:ext uri="{FF2B5EF4-FFF2-40B4-BE49-F238E27FC236}">
+                <a16:creationId xmlns:a16="http://schemas.microsoft.com/office/drawing/2014/main" id="{A7DA6FCB-9674-41C3-8C7A-1887A085984E}"/>
+              </a:ext>
+            </a:extLst>
+          </p:cNvPr>
+          <p:cNvSpPr txBox="1"/>
+          <p:nvPr/>
+        </p:nvSpPr>
+        <p:spPr>
+          <a:xfrm>
+            <a:off x="32725" y="0"/>
+            <a:ext cx="12191999" cy="830997"/>
+          </a:xfrm>
+          <a:prstGeom prst="rect">
+            <a:avLst/>
+          </a:prstGeom>
+          <a:noFill/>
+        </p:spPr>
+        <p:txBody>
+          <a:bodyPr wrap="square" rtlCol="0">
+            <a:spAutoFit/>
+          </a:bodyPr>
+          <a:lstStyle/>
+          <a:p>
+            <a:pPr algn="ctr"/>
+            <a:r>
+              <a:rPr lang="uk-UA" sz="4800" dirty="0">
+                <a:latin typeface="Times New Roman" panose="02020603050405020304" pitchFamily="18" charset="0"/>
+                <a:cs typeface="Times New Roman" panose="02020603050405020304" pitchFamily="18" charset="0"/>
+              </a:rPr>
+              <a:t>Модифікатор </a:t>
+            </a:r>
+            <a:r>
+              <a:rPr lang="en-US" sz="4800" dirty="0">
+                <a:latin typeface="Times New Roman" panose="02020603050405020304" pitchFamily="18" charset="0"/>
+                <a:cs typeface="Times New Roman" panose="02020603050405020304" pitchFamily="18" charset="0"/>
+              </a:rPr>
+              <a:t>final</a:t>
+            </a:r>
+            <a:endParaRPr lang="uk-UA" sz="4800" dirty="0">
+              <a:latin typeface="Times New Roman" panose="02020603050405020304" pitchFamily="18" charset="0"/>
+              <a:cs typeface="Times New Roman" panose="02020603050405020304" pitchFamily="18" charset="0"/>
+            </a:endParaRPr>
+          </a:p>
+        </p:txBody>
+      </p:sp>
+      <p:sp>
+        <p:nvSpPr>
+          <p:cNvPr id="8" name="TextBox 7">
+            <a:extLst>
+              <a:ext uri="{FF2B5EF4-FFF2-40B4-BE49-F238E27FC236}">
+                <a16:creationId xmlns:a16="http://schemas.microsoft.com/office/drawing/2014/main" id="{8485588F-2097-4B35-9A3B-CBC9C14E15B9}"/>
+              </a:ext>
+            </a:extLst>
+          </p:cNvPr>
+          <p:cNvSpPr txBox="1"/>
+          <p:nvPr/>
+        </p:nvSpPr>
+        <p:spPr>
+          <a:xfrm>
+            <a:off x="483123" y="2865251"/>
+            <a:ext cx="10969657" cy="3046988"/>
+          </a:xfrm>
+          <a:prstGeom prst="rect">
+            <a:avLst/>
+          </a:prstGeom>
+          <a:noFill/>
+        </p:spPr>
+        <p:txBody>
+          <a:bodyPr wrap="square">
+            <a:spAutoFit/>
+          </a:bodyPr>
+          <a:lstStyle/>
+          <a:p>
+            <a:r>
+              <a:rPr lang="ru-RU" sz="2400" b="0" i="0" dirty="0" err="1">
+                <a:effectLst/>
+                <a:latin typeface="Times New Roman" panose="02020603050405020304" pitchFamily="18" charset="0"/>
+                <a:cs typeface="Times New Roman" panose="02020603050405020304" pitchFamily="18" charset="0"/>
+              </a:rPr>
+              <a:t>Наприклад</a:t>
+            </a:r>
+            <a:r>
+              <a:rPr lang="ru-RU" sz="2400" b="0" i="0" dirty="0">
+                <a:effectLst/>
+                <a:latin typeface="Times New Roman" panose="02020603050405020304" pitchFamily="18" charset="0"/>
+                <a:cs typeface="Times New Roman" panose="02020603050405020304" pitchFamily="18" charset="0"/>
+              </a:rPr>
+              <a:t>, вони </a:t>
+            </a:r>
+            <a:r>
+              <a:rPr lang="ru-RU" sz="2400" b="0" i="0" dirty="0" err="1">
+                <a:effectLst/>
+                <a:latin typeface="Times New Roman" panose="02020603050405020304" pitchFamily="18" charset="0"/>
+                <a:cs typeface="Times New Roman" panose="02020603050405020304" pitchFamily="18" charset="0"/>
+              </a:rPr>
+              <a:t>стануть</a:t>
+            </a:r>
+            <a:r>
+              <a:rPr lang="ru-RU" sz="2400" b="0" i="0" dirty="0">
+                <a:effectLst/>
+                <a:latin typeface="Times New Roman" panose="02020603050405020304" pitchFamily="18" charset="0"/>
+                <a:cs typeface="Times New Roman" panose="02020603050405020304" pitchFamily="18" charset="0"/>
+              </a:rPr>
+              <a:t> у </a:t>
+            </a:r>
+            <a:r>
+              <a:rPr lang="ru-RU" sz="2400" b="0" i="0" dirty="0" err="1">
+                <a:effectLst/>
+                <a:latin typeface="Times New Roman" panose="02020603050405020304" pitchFamily="18" charset="0"/>
+                <a:cs typeface="Times New Roman" panose="02020603050405020304" pitchFamily="18" charset="0"/>
+              </a:rPr>
+              <a:t>пригоді</a:t>
+            </a:r>
+            <a:r>
+              <a:rPr lang="ru-RU" sz="2400" b="0" i="0" dirty="0">
+                <a:effectLst/>
+                <a:latin typeface="Times New Roman" panose="02020603050405020304" pitchFamily="18" charset="0"/>
+                <a:cs typeface="Times New Roman" panose="02020603050405020304" pitchFamily="18" charset="0"/>
+              </a:rPr>
+              <a:t>, </a:t>
+            </a:r>
+            <a:r>
+              <a:rPr lang="ru-RU" sz="2400" b="0" i="0" dirty="0" err="1">
+                <a:effectLst/>
+                <a:latin typeface="Times New Roman" panose="02020603050405020304" pitchFamily="18" charset="0"/>
+                <a:cs typeface="Times New Roman" panose="02020603050405020304" pitchFamily="18" charset="0"/>
+              </a:rPr>
+              <a:t>якщо</a:t>
+            </a:r>
+            <a:r>
+              <a:rPr lang="ru-RU" sz="2400" b="0" i="0" dirty="0">
+                <a:effectLst/>
+                <a:latin typeface="Times New Roman" panose="02020603050405020304" pitchFamily="18" charset="0"/>
+                <a:cs typeface="Times New Roman" panose="02020603050405020304" pitchFamily="18" charset="0"/>
+              </a:rPr>
+              <a:t> </a:t>
+            </a:r>
+            <a:r>
+              <a:rPr lang="ru-RU" sz="2400" b="0" i="0" dirty="0" err="1">
+                <a:effectLst/>
+                <a:latin typeface="Times New Roman" panose="02020603050405020304" pitchFamily="18" charset="0"/>
+                <a:cs typeface="Times New Roman" panose="02020603050405020304" pitchFamily="18" charset="0"/>
+              </a:rPr>
+              <a:t>ти</a:t>
+            </a:r>
+            <a:r>
+              <a:rPr lang="ru-RU" sz="2400" b="0" i="0" dirty="0">
+                <a:effectLst/>
+                <a:latin typeface="Times New Roman" panose="02020603050405020304" pitchFamily="18" charset="0"/>
+                <a:cs typeface="Times New Roman" panose="02020603050405020304" pitchFamily="18" charset="0"/>
+              </a:rPr>
+              <a:t> </a:t>
+            </a:r>
+            <a:r>
+              <a:rPr lang="ru-RU" sz="2400" b="0" i="0" dirty="0" err="1">
+                <a:effectLst/>
+                <a:latin typeface="Times New Roman" panose="02020603050405020304" pitchFamily="18" charset="0"/>
+                <a:cs typeface="Times New Roman" panose="02020603050405020304" pitchFamily="18" charset="0"/>
+              </a:rPr>
+              <a:t>постійно</a:t>
+            </a:r>
+            <a:r>
+              <a:rPr lang="ru-RU" sz="2400" b="0" i="0" dirty="0">
+                <a:effectLst/>
+                <a:latin typeface="Times New Roman" panose="02020603050405020304" pitchFamily="18" charset="0"/>
+                <a:cs typeface="Times New Roman" panose="02020603050405020304" pitchFamily="18" charset="0"/>
+              </a:rPr>
+              <a:t> </a:t>
+            </a:r>
+            <a:r>
+              <a:rPr lang="ru-RU" sz="2400" b="0" i="0" dirty="0" err="1">
+                <a:effectLst/>
+                <a:latin typeface="Times New Roman" panose="02020603050405020304" pitchFamily="18" charset="0"/>
+                <a:cs typeface="Times New Roman" panose="02020603050405020304" pitchFamily="18" charset="0"/>
+              </a:rPr>
+              <a:t>використовуєш</a:t>
+            </a:r>
+            <a:r>
+              <a:rPr lang="ru-RU" sz="2400" b="0" i="0" dirty="0">
+                <a:effectLst/>
+                <a:latin typeface="Times New Roman" panose="02020603050405020304" pitchFamily="18" charset="0"/>
+                <a:cs typeface="Times New Roman" panose="02020603050405020304" pitchFamily="18" charset="0"/>
+              </a:rPr>
+              <a:t> </a:t>
+            </a:r>
+            <a:r>
+              <a:rPr lang="ru-RU" sz="2400" b="0" i="0" dirty="0" err="1">
+                <a:effectLst/>
+                <a:latin typeface="Times New Roman" panose="02020603050405020304" pitchFamily="18" charset="0"/>
+                <a:cs typeface="Times New Roman" panose="02020603050405020304" pitchFamily="18" charset="0"/>
+              </a:rPr>
+              <a:t>якесь</a:t>
+            </a:r>
+            <a:r>
+              <a:rPr lang="ru-RU" sz="2400" b="0" i="0" dirty="0">
+                <a:effectLst/>
+                <a:latin typeface="Times New Roman" panose="02020603050405020304" pitchFamily="18" charset="0"/>
+                <a:cs typeface="Times New Roman" panose="02020603050405020304" pitchFamily="18" charset="0"/>
+              </a:rPr>
+              <a:t> </a:t>
+            </a:r>
+            <a:r>
+              <a:rPr lang="ru-RU" sz="2400" b="0" i="0" dirty="0" err="1">
+                <a:effectLst/>
+                <a:latin typeface="Times New Roman" panose="02020603050405020304" pitchFamily="18" charset="0"/>
+                <a:cs typeface="Times New Roman" panose="02020603050405020304" pitchFamily="18" charset="0"/>
+              </a:rPr>
+              <a:t>незмінне</a:t>
+            </a:r>
+            <a:r>
+              <a:rPr lang="ru-RU" sz="2400" b="0" i="0" dirty="0">
+                <a:effectLst/>
+                <a:latin typeface="Times New Roman" panose="02020603050405020304" pitchFamily="18" charset="0"/>
+                <a:cs typeface="Times New Roman" panose="02020603050405020304" pitchFamily="18" charset="0"/>
+              </a:rPr>
+              <a:t> </a:t>
+            </a:r>
+            <a:r>
+              <a:rPr lang="ru-RU" sz="2400" b="0" i="0" dirty="0" err="1">
+                <a:effectLst/>
+                <a:latin typeface="Times New Roman" panose="02020603050405020304" pitchFamily="18" charset="0"/>
+                <a:cs typeface="Times New Roman" panose="02020603050405020304" pitchFamily="18" charset="0"/>
+              </a:rPr>
+              <a:t>значення</a:t>
+            </a:r>
+            <a:r>
+              <a:rPr lang="ru-RU" sz="2400" b="0" i="0" dirty="0">
+                <a:effectLst/>
+                <a:latin typeface="Times New Roman" panose="02020603050405020304" pitchFamily="18" charset="0"/>
+                <a:cs typeface="Times New Roman" panose="02020603050405020304" pitchFamily="18" charset="0"/>
+              </a:rPr>
+              <a:t> в </a:t>
+            </a:r>
+            <a:r>
+              <a:rPr lang="ru-RU" sz="2400" b="0" i="0" dirty="0" err="1">
+                <a:effectLst/>
+                <a:latin typeface="Times New Roman" panose="02020603050405020304" pitchFamily="18" charset="0"/>
+                <a:cs typeface="Times New Roman" panose="02020603050405020304" pitchFamily="18" charset="0"/>
+              </a:rPr>
+              <a:t>програмі</a:t>
+            </a:r>
+            <a:r>
+              <a:rPr lang="ru-RU" sz="2400" b="0" i="0" dirty="0">
+                <a:effectLst/>
+                <a:latin typeface="Times New Roman" panose="02020603050405020304" pitchFamily="18" charset="0"/>
+                <a:cs typeface="Times New Roman" panose="02020603050405020304" pitchFamily="18" charset="0"/>
+              </a:rPr>
+              <a:t>. </a:t>
+            </a:r>
+            <a:r>
+              <a:rPr lang="ru-RU" sz="2400" b="0" i="0" dirty="0" err="1">
+                <a:effectLst/>
+                <a:latin typeface="Times New Roman" panose="02020603050405020304" pitchFamily="18" charset="0"/>
+                <a:cs typeface="Times New Roman" panose="02020603050405020304" pitchFamily="18" charset="0"/>
+              </a:rPr>
+              <a:t>Скажімо</a:t>
+            </a:r>
+            <a:r>
+              <a:rPr lang="ru-RU" sz="2400" b="0" i="0" dirty="0">
+                <a:effectLst/>
+                <a:latin typeface="Times New Roman" panose="02020603050405020304" pitchFamily="18" charset="0"/>
+                <a:cs typeface="Times New Roman" panose="02020603050405020304" pitchFamily="18" charset="0"/>
+              </a:rPr>
+              <a:t>, </a:t>
+            </a:r>
+            <a:r>
+              <a:rPr lang="ru-RU" sz="2400" b="0" i="0" dirty="0" err="1">
+                <a:effectLst/>
+                <a:latin typeface="Times New Roman" panose="02020603050405020304" pitchFamily="18" charset="0"/>
+                <a:cs typeface="Times New Roman" panose="02020603050405020304" pitchFamily="18" charset="0"/>
+              </a:rPr>
+              <a:t>ти</a:t>
+            </a:r>
+            <a:r>
+              <a:rPr lang="ru-RU" sz="2400" b="0" i="0" dirty="0">
+                <a:effectLst/>
+                <a:latin typeface="Times New Roman" panose="02020603050405020304" pitchFamily="18" charset="0"/>
+                <a:cs typeface="Times New Roman" panose="02020603050405020304" pitchFamily="18" charset="0"/>
+              </a:rPr>
+              <a:t> </a:t>
+            </a:r>
+            <a:r>
+              <a:rPr lang="ru-RU" sz="2400" b="0" i="0" dirty="0" err="1">
+                <a:effectLst/>
+                <a:latin typeface="Times New Roman" panose="02020603050405020304" pitchFamily="18" charset="0"/>
+                <a:cs typeface="Times New Roman" panose="02020603050405020304" pitchFamily="18" charset="0"/>
+              </a:rPr>
+              <a:t>вирішив</a:t>
+            </a:r>
+            <a:r>
+              <a:rPr lang="ru-RU" sz="2400" b="0" i="0" dirty="0">
+                <a:effectLst/>
+                <a:latin typeface="Times New Roman" panose="02020603050405020304" pitchFamily="18" charset="0"/>
+                <a:cs typeface="Times New Roman" panose="02020603050405020304" pitchFamily="18" charset="0"/>
+              </a:rPr>
+              <a:t> </a:t>
+            </a:r>
+            <a:r>
+              <a:rPr lang="ru-RU" sz="2400" b="0" i="0" dirty="0" err="1">
+                <a:effectLst/>
+                <a:latin typeface="Times New Roman" panose="02020603050405020304" pitchFamily="18" charset="0"/>
+                <a:cs typeface="Times New Roman" panose="02020603050405020304" pitchFamily="18" charset="0"/>
+              </a:rPr>
+              <a:t>увійти</a:t>
+            </a:r>
+            <a:r>
+              <a:rPr lang="ru-RU" sz="2400" b="0" i="0" dirty="0">
+                <a:effectLst/>
+                <a:latin typeface="Times New Roman" panose="02020603050405020304" pitchFamily="18" charset="0"/>
+                <a:cs typeface="Times New Roman" panose="02020603050405020304" pitchFamily="18" charset="0"/>
+              </a:rPr>
+              <a:t> в </a:t>
+            </a:r>
+            <a:r>
+              <a:rPr lang="ru-RU" sz="2400" b="0" i="0" dirty="0" err="1">
+                <a:effectLst/>
+                <a:latin typeface="Times New Roman" panose="02020603050405020304" pitchFamily="18" charset="0"/>
+                <a:cs typeface="Times New Roman" panose="02020603050405020304" pitchFamily="18" charset="0"/>
+              </a:rPr>
+              <a:t>історію</a:t>
+            </a:r>
+            <a:r>
+              <a:rPr lang="ru-RU" sz="2400" b="0" i="0" dirty="0">
+                <a:effectLst/>
+                <a:latin typeface="Times New Roman" panose="02020603050405020304" pitchFamily="18" charset="0"/>
+                <a:cs typeface="Times New Roman" panose="02020603050405020304" pitchFamily="18" charset="0"/>
+              </a:rPr>
+              <a:t> і </a:t>
+            </a:r>
+            <a:r>
+              <a:rPr lang="ru-RU" sz="2400" b="0" i="0" dirty="0" err="1">
+                <a:effectLst/>
+                <a:latin typeface="Times New Roman" panose="02020603050405020304" pitchFamily="18" charset="0"/>
+                <a:cs typeface="Times New Roman" panose="02020603050405020304" pitchFamily="18" charset="0"/>
+              </a:rPr>
+              <a:t>самотужки</a:t>
+            </a:r>
+            <a:r>
+              <a:rPr lang="ru-RU" sz="2400" b="0" i="0" dirty="0">
+                <a:effectLst/>
+                <a:latin typeface="Times New Roman" panose="02020603050405020304" pitchFamily="18" charset="0"/>
+                <a:cs typeface="Times New Roman" panose="02020603050405020304" pitchFamily="18" charset="0"/>
+              </a:rPr>
+              <a:t> </a:t>
+            </a:r>
+            <a:r>
+              <a:rPr lang="ru-RU" sz="2400" b="0" i="0" dirty="0" err="1">
+                <a:effectLst/>
+                <a:latin typeface="Times New Roman" panose="02020603050405020304" pitchFamily="18" charset="0"/>
+                <a:cs typeface="Times New Roman" panose="02020603050405020304" pitchFamily="18" charset="0"/>
+              </a:rPr>
+              <a:t>написати</a:t>
+            </a:r>
+            <a:r>
+              <a:rPr lang="ru-RU" sz="2400" b="0" i="0" dirty="0">
+                <a:effectLst/>
+                <a:latin typeface="Times New Roman" panose="02020603050405020304" pitchFamily="18" charset="0"/>
+                <a:cs typeface="Times New Roman" panose="02020603050405020304" pitchFamily="18" charset="0"/>
+              </a:rPr>
+              <a:t> </a:t>
+            </a:r>
+            <a:r>
+              <a:rPr lang="ru-RU" sz="2400" b="0" i="0" dirty="0" err="1">
+                <a:effectLst/>
+                <a:latin typeface="Times New Roman" panose="02020603050405020304" pitchFamily="18" charset="0"/>
+                <a:cs typeface="Times New Roman" panose="02020603050405020304" pitchFamily="18" charset="0"/>
+              </a:rPr>
+              <a:t>гру</a:t>
+            </a:r>
+            <a:r>
+              <a:rPr lang="ru-RU" sz="2400" b="0" i="0" dirty="0">
+                <a:effectLst/>
+                <a:latin typeface="Times New Roman" panose="02020603050405020304" pitchFamily="18" charset="0"/>
+                <a:cs typeface="Times New Roman" panose="02020603050405020304" pitchFamily="18" charset="0"/>
+              </a:rPr>
+              <a:t> "</a:t>
+            </a:r>
+            <a:r>
+              <a:rPr lang="ru-RU" sz="2400" b="0" i="0" dirty="0" err="1">
+                <a:effectLst/>
+                <a:latin typeface="Times New Roman" panose="02020603050405020304" pitchFamily="18" charset="0"/>
+                <a:cs typeface="Times New Roman" panose="02020603050405020304" pitchFamily="18" charset="0"/>
+              </a:rPr>
+              <a:t>Відьмак</a:t>
+            </a:r>
+            <a:r>
+              <a:rPr lang="ru-RU" sz="2400" b="0" i="0" dirty="0">
+                <a:effectLst/>
+                <a:latin typeface="Times New Roman" panose="02020603050405020304" pitchFamily="18" charset="0"/>
+                <a:cs typeface="Times New Roman" panose="02020603050405020304" pitchFamily="18" charset="0"/>
+              </a:rPr>
+              <a:t> 4". </a:t>
+            </a:r>
+          </a:p>
+          <a:p>
+            <a:r>
+              <a:rPr lang="ru-RU" sz="2400" b="0" i="0" dirty="0">
+                <a:effectLst/>
+                <a:latin typeface="Times New Roman" panose="02020603050405020304" pitchFamily="18" charset="0"/>
+                <a:cs typeface="Times New Roman" panose="02020603050405020304" pitchFamily="18" charset="0"/>
+              </a:rPr>
+              <a:t>У </a:t>
+            </a:r>
+            <a:r>
+              <a:rPr lang="ru-RU" sz="2400" b="0" i="0" dirty="0" err="1">
+                <a:effectLst/>
+                <a:latin typeface="Times New Roman" panose="02020603050405020304" pitchFamily="18" charset="0"/>
+                <a:cs typeface="Times New Roman" panose="02020603050405020304" pitchFamily="18" charset="0"/>
+              </a:rPr>
+              <a:t>грі</a:t>
+            </a:r>
+            <a:r>
+              <a:rPr lang="ru-RU" sz="2400" b="0" i="0" dirty="0">
+                <a:effectLst/>
+                <a:latin typeface="Times New Roman" panose="02020603050405020304" pitchFamily="18" charset="0"/>
+                <a:cs typeface="Times New Roman" panose="02020603050405020304" pitchFamily="18" charset="0"/>
+              </a:rPr>
+              <a:t> </a:t>
+            </a:r>
+            <a:r>
+              <a:rPr lang="ru-RU" sz="2400" b="0" i="0" dirty="0" err="1">
+                <a:effectLst/>
+                <a:latin typeface="Times New Roman" panose="02020603050405020304" pitchFamily="18" charset="0"/>
+                <a:cs typeface="Times New Roman" panose="02020603050405020304" pitchFamily="18" charset="0"/>
+              </a:rPr>
+              <a:t>вочевидь</a:t>
+            </a:r>
+            <a:r>
+              <a:rPr lang="ru-RU" sz="2400" b="0" i="0" dirty="0">
+                <a:effectLst/>
+                <a:latin typeface="Times New Roman" panose="02020603050405020304" pitchFamily="18" charset="0"/>
+                <a:cs typeface="Times New Roman" panose="02020603050405020304" pitchFamily="18" charset="0"/>
+              </a:rPr>
+              <a:t> буде </a:t>
+            </a:r>
+            <a:r>
+              <a:rPr lang="ru-RU" sz="2400" b="0" i="0" dirty="0" err="1">
+                <a:effectLst/>
+                <a:latin typeface="Times New Roman" panose="02020603050405020304" pitchFamily="18" charset="0"/>
+                <a:cs typeface="Times New Roman" panose="02020603050405020304" pitchFamily="18" charset="0"/>
+              </a:rPr>
+              <a:t>постійно</a:t>
+            </a:r>
+            <a:r>
+              <a:rPr lang="ru-RU" sz="2400" b="0" i="0" dirty="0">
+                <a:effectLst/>
+                <a:latin typeface="Times New Roman" panose="02020603050405020304" pitchFamily="18" charset="0"/>
+                <a:cs typeface="Times New Roman" panose="02020603050405020304" pitchFamily="18" charset="0"/>
+              </a:rPr>
+              <a:t> </a:t>
+            </a:r>
+            <a:r>
+              <a:rPr lang="ru-RU" sz="2400" b="0" i="0" dirty="0" err="1">
+                <a:effectLst/>
+                <a:latin typeface="Times New Roman" panose="02020603050405020304" pitchFamily="18" charset="0"/>
+                <a:cs typeface="Times New Roman" panose="02020603050405020304" pitchFamily="18" charset="0"/>
+              </a:rPr>
+              <a:t>використовуватися</a:t>
+            </a:r>
+            <a:r>
+              <a:rPr lang="ru-RU" sz="2400" b="0" i="0" dirty="0">
+                <a:effectLst/>
+                <a:latin typeface="Times New Roman" panose="02020603050405020304" pitchFamily="18" charset="0"/>
+                <a:cs typeface="Times New Roman" panose="02020603050405020304" pitchFamily="18" charset="0"/>
+              </a:rPr>
+              <a:t> </a:t>
+            </a:r>
+            <a:r>
+              <a:rPr lang="ru-RU" sz="2400" b="0" i="0" dirty="0" err="1">
+                <a:effectLst/>
+                <a:latin typeface="Times New Roman" panose="02020603050405020304" pitchFamily="18" charset="0"/>
+                <a:cs typeface="Times New Roman" panose="02020603050405020304" pitchFamily="18" charset="0"/>
+              </a:rPr>
+              <a:t>ім'я</a:t>
+            </a:r>
+            <a:r>
+              <a:rPr lang="ru-RU" sz="2400" b="0" i="0" dirty="0">
+                <a:effectLst/>
+                <a:latin typeface="Times New Roman" panose="02020603050405020304" pitchFamily="18" charset="0"/>
+                <a:cs typeface="Times New Roman" panose="02020603050405020304" pitchFamily="18" charset="0"/>
+              </a:rPr>
+              <a:t> головного героя – "</a:t>
+            </a:r>
+            <a:r>
+              <a:rPr lang="ru-RU" sz="2400" b="0" i="0" dirty="0" err="1">
+                <a:effectLst/>
+                <a:latin typeface="Times New Roman" panose="02020603050405020304" pitchFamily="18" charset="0"/>
+                <a:cs typeface="Times New Roman" panose="02020603050405020304" pitchFamily="18" charset="0"/>
+              </a:rPr>
+              <a:t>Ґеральт</a:t>
+            </a:r>
+            <a:r>
+              <a:rPr lang="ru-RU" sz="2400" b="0" i="0" dirty="0">
+                <a:effectLst/>
+                <a:latin typeface="Times New Roman" panose="02020603050405020304" pitchFamily="18" charset="0"/>
+                <a:cs typeface="Times New Roman" panose="02020603050405020304" pitchFamily="18" charset="0"/>
+              </a:rPr>
+              <a:t> з </a:t>
+            </a:r>
+            <a:r>
+              <a:rPr lang="ru-RU" sz="2400" b="0" i="0" dirty="0" err="1">
+                <a:effectLst/>
+                <a:latin typeface="Times New Roman" panose="02020603050405020304" pitchFamily="18" charset="0"/>
+                <a:cs typeface="Times New Roman" panose="02020603050405020304" pitchFamily="18" charset="0"/>
+              </a:rPr>
+              <a:t>Рівії</a:t>
+            </a:r>
+            <a:r>
+              <a:rPr lang="ru-RU" sz="2400" b="0" i="0" dirty="0">
+                <a:effectLst/>
+                <a:latin typeface="Times New Roman" panose="02020603050405020304" pitchFamily="18" charset="0"/>
+                <a:cs typeface="Times New Roman" panose="02020603050405020304" pitchFamily="18" charset="0"/>
+              </a:rPr>
+              <a:t>". </a:t>
+            </a:r>
+          </a:p>
+          <a:p>
+            <a:r>
+              <a:rPr lang="ru-RU" sz="2400" b="0" i="0" dirty="0" err="1">
+                <a:effectLst/>
+                <a:latin typeface="Times New Roman" panose="02020603050405020304" pitchFamily="18" charset="0"/>
+                <a:cs typeface="Times New Roman" panose="02020603050405020304" pitchFamily="18" charset="0"/>
+              </a:rPr>
+              <a:t>Цей</a:t>
+            </a:r>
+            <a:r>
+              <a:rPr lang="ru-RU" sz="2400" b="0" i="0" dirty="0">
+                <a:effectLst/>
+                <a:latin typeface="Times New Roman" panose="02020603050405020304" pitchFamily="18" charset="0"/>
+                <a:cs typeface="Times New Roman" panose="02020603050405020304" pitchFamily="18" charset="0"/>
+              </a:rPr>
+              <a:t> рядок та </a:t>
+            </a:r>
+            <a:r>
+              <a:rPr lang="ru-RU" sz="2400" b="0" i="0" dirty="0" err="1">
+                <a:effectLst/>
+                <a:latin typeface="Times New Roman" panose="02020603050405020304" pitchFamily="18" charset="0"/>
+                <a:cs typeface="Times New Roman" panose="02020603050405020304" pitchFamily="18" charset="0"/>
+              </a:rPr>
+              <a:t>імена</a:t>
+            </a:r>
+            <a:r>
+              <a:rPr lang="ru-RU" sz="2400" b="0" i="0" dirty="0">
+                <a:effectLst/>
+                <a:latin typeface="Times New Roman" panose="02020603050405020304" pitchFamily="18" charset="0"/>
+                <a:cs typeface="Times New Roman" panose="02020603050405020304" pitchFamily="18" charset="0"/>
+              </a:rPr>
+              <a:t> </a:t>
+            </a:r>
+            <a:r>
+              <a:rPr lang="ru-RU" sz="2400" b="0" i="0" dirty="0" err="1">
+                <a:effectLst/>
+                <a:latin typeface="Times New Roman" panose="02020603050405020304" pitchFamily="18" charset="0"/>
+                <a:cs typeface="Times New Roman" panose="02020603050405020304" pitchFamily="18" charset="0"/>
+              </a:rPr>
+              <a:t>інших</a:t>
+            </a:r>
+            <a:r>
+              <a:rPr lang="ru-RU" sz="2400" b="0" i="0" dirty="0">
+                <a:effectLst/>
+                <a:latin typeface="Times New Roman" panose="02020603050405020304" pitchFamily="18" charset="0"/>
+                <a:cs typeface="Times New Roman" panose="02020603050405020304" pitchFamily="18" charset="0"/>
+              </a:rPr>
+              <a:t> </a:t>
+            </a:r>
+            <a:r>
+              <a:rPr lang="ru-RU" sz="2400" b="0" i="0" dirty="0" err="1">
+                <a:effectLst/>
+                <a:latin typeface="Times New Roman" panose="02020603050405020304" pitchFamily="18" charset="0"/>
+                <a:cs typeface="Times New Roman" panose="02020603050405020304" pitchFamily="18" charset="0"/>
+              </a:rPr>
+              <a:t>героїв</a:t>
+            </a:r>
+            <a:r>
+              <a:rPr lang="ru-RU" sz="2400" b="0" i="0" dirty="0">
+                <a:effectLst/>
+                <a:latin typeface="Times New Roman" panose="02020603050405020304" pitchFamily="18" charset="0"/>
+                <a:cs typeface="Times New Roman" panose="02020603050405020304" pitchFamily="18" charset="0"/>
+              </a:rPr>
+              <a:t> </a:t>
+            </a:r>
+            <a:r>
+              <a:rPr lang="ru-RU" sz="2400" b="0" i="0" dirty="0" err="1">
+                <a:effectLst/>
+                <a:latin typeface="Times New Roman" panose="02020603050405020304" pitchFamily="18" charset="0"/>
+                <a:cs typeface="Times New Roman" panose="02020603050405020304" pitchFamily="18" charset="0"/>
+              </a:rPr>
+              <a:t>краще</a:t>
+            </a:r>
+            <a:r>
+              <a:rPr lang="ru-RU" sz="2400" b="0" i="0" dirty="0">
+                <a:effectLst/>
+                <a:latin typeface="Times New Roman" panose="02020603050405020304" pitchFamily="18" charset="0"/>
+                <a:cs typeface="Times New Roman" panose="02020603050405020304" pitchFamily="18" charset="0"/>
+              </a:rPr>
+              <a:t> </a:t>
+            </a:r>
+            <a:r>
+              <a:rPr lang="ru-RU" sz="2400" b="0" i="0" dirty="0" err="1">
+                <a:effectLst/>
+                <a:latin typeface="Times New Roman" panose="02020603050405020304" pitchFamily="18" charset="0"/>
+                <a:cs typeface="Times New Roman" panose="02020603050405020304" pitchFamily="18" charset="0"/>
+              </a:rPr>
+              <a:t>виділити</a:t>
+            </a:r>
+            <a:r>
+              <a:rPr lang="ru-RU" sz="2400" b="0" i="0" dirty="0">
+                <a:effectLst/>
+                <a:latin typeface="Times New Roman" panose="02020603050405020304" pitchFamily="18" charset="0"/>
+                <a:cs typeface="Times New Roman" panose="02020603050405020304" pitchFamily="18" charset="0"/>
+              </a:rPr>
+              <a:t> в константу: </a:t>
+            </a:r>
+            <a:r>
+              <a:rPr lang="ru-RU" sz="2400" b="0" i="0" dirty="0" err="1">
+                <a:effectLst/>
+                <a:latin typeface="Times New Roman" panose="02020603050405020304" pitchFamily="18" charset="0"/>
+                <a:cs typeface="Times New Roman" panose="02020603050405020304" pitchFamily="18" charset="0"/>
+              </a:rPr>
+              <a:t>потрібне</a:t>
+            </a:r>
+            <a:r>
+              <a:rPr lang="ru-RU" sz="2400" b="0" i="0" dirty="0">
+                <a:effectLst/>
+                <a:latin typeface="Times New Roman" panose="02020603050405020304" pitchFamily="18" charset="0"/>
+                <a:cs typeface="Times New Roman" panose="02020603050405020304" pitchFamily="18" charset="0"/>
+              </a:rPr>
+              <a:t> </a:t>
+            </a:r>
+            <a:r>
+              <a:rPr lang="ru-RU" sz="2400" b="0" i="0" dirty="0" err="1">
+                <a:effectLst/>
+                <a:latin typeface="Times New Roman" panose="02020603050405020304" pitchFamily="18" charset="0"/>
+                <a:cs typeface="Times New Roman" panose="02020603050405020304" pitchFamily="18" charset="0"/>
+              </a:rPr>
+              <a:t>тобі</a:t>
+            </a:r>
+            <a:r>
+              <a:rPr lang="ru-RU" sz="2400" b="0" i="0" dirty="0">
+                <a:effectLst/>
+                <a:latin typeface="Times New Roman" panose="02020603050405020304" pitchFamily="18" charset="0"/>
+                <a:cs typeface="Times New Roman" panose="02020603050405020304" pitchFamily="18" charset="0"/>
+              </a:rPr>
+              <a:t> </a:t>
+            </a:r>
+            <a:r>
+              <a:rPr lang="ru-RU" sz="2400" b="0" i="0" dirty="0" err="1">
+                <a:effectLst/>
+                <a:latin typeface="Times New Roman" panose="02020603050405020304" pitchFamily="18" charset="0"/>
+                <a:cs typeface="Times New Roman" panose="02020603050405020304" pitchFamily="18" charset="0"/>
+              </a:rPr>
+              <a:t>значення</a:t>
+            </a:r>
+            <a:r>
+              <a:rPr lang="ru-RU" sz="2400" b="0" i="0" dirty="0">
+                <a:effectLst/>
+                <a:latin typeface="Times New Roman" panose="02020603050405020304" pitchFamily="18" charset="0"/>
+                <a:cs typeface="Times New Roman" panose="02020603050405020304" pitchFamily="18" charset="0"/>
+              </a:rPr>
+              <a:t> </a:t>
+            </a:r>
+            <a:r>
+              <a:rPr lang="ru-RU" sz="2400" b="0" i="0" dirty="0" err="1">
+                <a:effectLst/>
+                <a:latin typeface="Times New Roman" panose="02020603050405020304" pitchFamily="18" charset="0"/>
+                <a:cs typeface="Times New Roman" panose="02020603050405020304" pitchFamily="18" charset="0"/>
+              </a:rPr>
+              <a:t>зберігатиметься</a:t>
+            </a:r>
+            <a:r>
+              <a:rPr lang="ru-RU" sz="2400" b="0" i="0" dirty="0">
+                <a:effectLst/>
+                <a:latin typeface="Times New Roman" panose="02020603050405020304" pitchFamily="18" charset="0"/>
+                <a:cs typeface="Times New Roman" panose="02020603050405020304" pitchFamily="18" charset="0"/>
+              </a:rPr>
+              <a:t> в одному </a:t>
+            </a:r>
+            <a:r>
+              <a:rPr lang="ru-RU" sz="2400" b="0" i="0" dirty="0" err="1">
+                <a:effectLst/>
+                <a:latin typeface="Times New Roman" panose="02020603050405020304" pitchFamily="18" charset="0"/>
+                <a:cs typeface="Times New Roman" panose="02020603050405020304" pitchFamily="18" charset="0"/>
+              </a:rPr>
+              <a:t>місці</a:t>
+            </a:r>
+            <a:r>
+              <a:rPr lang="ru-RU" sz="2400" b="0" i="0" dirty="0">
+                <a:effectLst/>
+                <a:latin typeface="Times New Roman" panose="02020603050405020304" pitchFamily="18" charset="0"/>
+                <a:cs typeface="Times New Roman" panose="02020603050405020304" pitchFamily="18" charset="0"/>
+              </a:rPr>
+              <a:t>, і </a:t>
+            </a:r>
+            <a:r>
+              <a:rPr lang="ru-RU" sz="2400" b="0" i="0" dirty="0" err="1">
+                <a:effectLst/>
+                <a:latin typeface="Times New Roman" panose="02020603050405020304" pitchFamily="18" charset="0"/>
+                <a:cs typeface="Times New Roman" panose="02020603050405020304" pitchFamily="18" charset="0"/>
+              </a:rPr>
+              <a:t>ти</a:t>
+            </a:r>
+            <a:r>
+              <a:rPr lang="ru-RU" sz="2400" b="0" i="0" dirty="0">
+                <a:effectLst/>
+                <a:latin typeface="Times New Roman" panose="02020603050405020304" pitchFamily="18" charset="0"/>
+                <a:cs typeface="Times New Roman" panose="02020603050405020304" pitchFamily="18" charset="0"/>
+              </a:rPr>
+              <a:t> точно не </a:t>
+            </a:r>
+            <a:r>
+              <a:rPr lang="ru-RU" sz="2400" b="0" i="0" dirty="0" err="1">
+                <a:effectLst/>
+                <a:latin typeface="Times New Roman" panose="02020603050405020304" pitchFamily="18" charset="0"/>
+                <a:cs typeface="Times New Roman" panose="02020603050405020304" pitchFamily="18" charset="0"/>
+              </a:rPr>
+              <a:t>помилишся</a:t>
+            </a:r>
+            <a:r>
+              <a:rPr lang="ru-RU" sz="2400" b="0" i="0" dirty="0">
+                <a:effectLst/>
+                <a:latin typeface="Times New Roman" panose="02020603050405020304" pitchFamily="18" charset="0"/>
+                <a:cs typeface="Times New Roman" panose="02020603050405020304" pitchFamily="18" charset="0"/>
+              </a:rPr>
+              <a:t>, </a:t>
+            </a:r>
+            <a:r>
+              <a:rPr lang="ru-RU" sz="2400" b="0" i="0" dirty="0" err="1">
+                <a:effectLst/>
+                <a:latin typeface="Times New Roman" panose="02020603050405020304" pitchFamily="18" charset="0"/>
+                <a:cs typeface="Times New Roman" panose="02020603050405020304" pitchFamily="18" charset="0"/>
+              </a:rPr>
+              <a:t>друкуючи</a:t>
+            </a:r>
+            <a:r>
+              <a:rPr lang="ru-RU" sz="2400" b="0" i="0" dirty="0">
+                <a:effectLst/>
+                <a:latin typeface="Times New Roman" panose="02020603050405020304" pitchFamily="18" charset="0"/>
+                <a:cs typeface="Times New Roman" panose="02020603050405020304" pitchFamily="18" charset="0"/>
+              </a:rPr>
+              <a:t> </a:t>
+            </a:r>
+            <a:r>
+              <a:rPr lang="ru-RU" sz="2400" b="0" i="0" dirty="0" err="1">
+                <a:effectLst/>
+                <a:latin typeface="Times New Roman" panose="02020603050405020304" pitchFamily="18" charset="0"/>
+                <a:cs typeface="Times New Roman" panose="02020603050405020304" pitchFamily="18" charset="0"/>
+              </a:rPr>
+              <a:t>його</a:t>
+            </a:r>
+            <a:r>
+              <a:rPr lang="ru-RU" sz="2400" b="0" i="0" dirty="0">
+                <a:effectLst/>
+                <a:latin typeface="Times New Roman" panose="02020603050405020304" pitchFamily="18" charset="0"/>
+                <a:cs typeface="Times New Roman" panose="02020603050405020304" pitchFamily="18" charset="0"/>
+              </a:rPr>
+              <a:t> в </a:t>
+            </a:r>
+            <a:r>
+              <a:rPr lang="ru-RU" sz="2400" b="0" i="0" dirty="0" err="1">
+                <a:effectLst/>
+                <a:latin typeface="Times New Roman" panose="02020603050405020304" pitchFamily="18" charset="0"/>
+                <a:cs typeface="Times New Roman" panose="02020603050405020304" pitchFamily="18" charset="0"/>
+              </a:rPr>
+              <a:t>мільйонний</a:t>
+            </a:r>
+            <a:r>
+              <a:rPr lang="ru-RU" sz="2400" b="0" i="0" dirty="0">
+                <a:effectLst/>
+                <a:latin typeface="Times New Roman" panose="02020603050405020304" pitchFamily="18" charset="0"/>
+                <a:cs typeface="Times New Roman" panose="02020603050405020304" pitchFamily="18" charset="0"/>
+              </a:rPr>
+              <a:t> раз.</a:t>
+            </a:r>
+            <a:endParaRPr lang="uk-UA" sz="2400" dirty="0">
+              <a:latin typeface="Times New Roman" panose="02020603050405020304" pitchFamily="18" charset="0"/>
+              <a:cs typeface="Times New Roman" panose="02020603050405020304" pitchFamily="18" charset="0"/>
+            </a:endParaRPr>
+          </a:p>
+        </p:txBody>
+      </p:sp>
+    </p:spTree>
+    <p:extLst>
+      <p:ext uri="{BB962C8B-B14F-4D97-AF65-F5344CB8AC3E}">
+        <p14:creationId xmlns:p14="http://schemas.microsoft.com/office/powerpoint/2010/main" val="2690774504"/>
       </p:ext>
     </p:extLst>
   </p:cSld>
@@ -8443,6 +10981,5558 @@
 </p:sld>
 </file>
 
+<file path=ppt/slides/slide20.xml><?xml version="1.0" encoding="utf-8"?>
+<p:sld xmlns:a="http://schemas.openxmlformats.org/drawingml/2006/main" xmlns:r="http://schemas.openxmlformats.org/officeDocument/2006/relationships" xmlns:p="http://schemas.openxmlformats.org/presentationml/2006/main">
+  <p:cSld>
+    <p:spTree>
+      <p:nvGrpSpPr>
+        <p:cNvPr id="1" name=""/>
+        <p:cNvGrpSpPr/>
+        <p:nvPr/>
+      </p:nvGrpSpPr>
+      <p:grpSpPr>
+        <a:xfrm>
+          <a:off x="0" y="0"/>
+          <a:ext cx="0" cy="0"/>
+          <a:chOff x="0" y="0"/>
+          <a:chExt cx="0" cy="0"/>
+        </a:xfrm>
+      </p:grpSpPr>
+      <p:sp>
+        <p:nvSpPr>
+          <p:cNvPr id="5" name="TextBox 4">
+            <a:extLst>
+              <a:ext uri="{FF2B5EF4-FFF2-40B4-BE49-F238E27FC236}">
+                <a16:creationId xmlns:a16="http://schemas.microsoft.com/office/drawing/2014/main" id="{5FA723CC-103D-4C6D-BD97-2747ADFF646D}"/>
+              </a:ext>
+            </a:extLst>
+          </p:cNvPr>
+          <p:cNvSpPr txBox="1"/>
+          <p:nvPr/>
+        </p:nvSpPr>
+        <p:spPr>
+          <a:xfrm>
+            <a:off x="386498" y="1582340"/>
+            <a:ext cx="11642104" cy="4524315"/>
+          </a:xfrm>
+          <a:prstGeom prst="rect">
+            <a:avLst/>
+          </a:prstGeom>
+          <a:noFill/>
+        </p:spPr>
+        <p:txBody>
+          <a:bodyPr wrap="square">
+            <a:spAutoFit/>
+          </a:bodyPr>
+          <a:lstStyle/>
+          <a:p>
+            <a:r>
+              <a:rPr lang="en-US" b="1" i="0" dirty="0">
+                <a:solidFill>
+                  <a:srgbClr val="000080"/>
+                </a:solidFill>
+                <a:effectLst/>
+                <a:latin typeface="Courier New" panose="02070309020205020404" pitchFamily="49" charset="0"/>
+                <a:cs typeface="Courier New" panose="02070309020205020404" pitchFamily="49" charset="0"/>
+              </a:rPr>
+              <a:t>public</a:t>
+            </a:r>
+            <a:r>
+              <a:rPr lang="en-US" b="0" i="0" dirty="0">
+                <a:solidFill>
+                  <a:srgbClr val="000000"/>
+                </a:solidFill>
+                <a:effectLst/>
+                <a:latin typeface="Courier New" panose="02070309020205020404" pitchFamily="49" charset="0"/>
+                <a:cs typeface="Courier New" panose="02070309020205020404" pitchFamily="49" charset="0"/>
+              </a:rPr>
+              <a:t> </a:t>
+            </a:r>
+            <a:r>
+              <a:rPr lang="en-US" b="1" i="0" dirty="0">
+                <a:solidFill>
+                  <a:srgbClr val="000080"/>
+                </a:solidFill>
+                <a:effectLst/>
+                <a:latin typeface="Courier New" panose="02070309020205020404" pitchFamily="49" charset="0"/>
+                <a:cs typeface="Courier New" panose="02070309020205020404" pitchFamily="49" charset="0"/>
+              </a:rPr>
+              <a:t>class</a:t>
+            </a:r>
+            <a:r>
+              <a:rPr lang="en-US" b="0" i="0" dirty="0">
+                <a:solidFill>
+                  <a:srgbClr val="000000"/>
+                </a:solidFill>
+                <a:effectLst/>
+                <a:latin typeface="Courier New" panose="02070309020205020404" pitchFamily="49" charset="0"/>
+                <a:cs typeface="Courier New" panose="02070309020205020404" pitchFamily="49" charset="0"/>
+              </a:rPr>
+              <a:t> TheWitcher4 { </a:t>
+            </a:r>
+            <a:endParaRPr lang="uk-UA" b="0" i="0" dirty="0">
+              <a:solidFill>
+                <a:srgbClr val="000000"/>
+              </a:solidFill>
+              <a:effectLst/>
+              <a:latin typeface="Courier New" panose="02070309020205020404" pitchFamily="49" charset="0"/>
+              <a:cs typeface="Courier New" panose="02070309020205020404" pitchFamily="49" charset="0"/>
+            </a:endParaRPr>
+          </a:p>
+          <a:p>
+            <a:r>
+              <a:rPr lang="uk-UA" dirty="0">
+                <a:solidFill>
+                  <a:srgbClr val="000000"/>
+                </a:solidFill>
+                <a:latin typeface="Courier New" panose="02070309020205020404" pitchFamily="49" charset="0"/>
+                <a:cs typeface="Courier New" panose="02070309020205020404" pitchFamily="49" charset="0"/>
+              </a:rPr>
+              <a:t>	</a:t>
+            </a:r>
+            <a:r>
+              <a:rPr lang="en-US" b="1" i="0" dirty="0">
+                <a:solidFill>
+                  <a:srgbClr val="000080"/>
+                </a:solidFill>
+                <a:effectLst/>
+                <a:latin typeface="Courier New" panose="02070309020205020404" pitchFamily="49" charset="0"/>
+                <a:cs typeface="Courier New" panose="02070309020205020404" pitchFamily="49" charset="0"/>
+              </a:rPr>
+              <a:t>private</a:t>
+            </a:r>
+            <a:r>
+              <a:rPr lang="en-US" b="0" i="0" dirty="0">
+                <a:solidFill>
+                  <a:srgbClr val="000000"/>
+                </a:solidFill>
+                <a:effectLst/>
+                <a:latin typeface="Courier New" panose="02070309020205020404" pitchFamily="49" charset="0"/>
+                <a:cs typeface="Courier New" panose="02070309020205020404" pitchFamily="49" charset="0"/>
+              </a:rPr>
+              <a:t> </a:t>
+            </a:r>
+            <a:r>
+              <a:rPr lang="en-US" b="1" i="0" dirty="0">
+                <a:solidFill>
+                  <a:srgbClr val="000080"/>
+                </a:solidFill>
+                <a:effectLst/>
+                <a:latin typeface="Courier New" panose="02070309020205020404" pitchFamily="49" charset="0"/>
+                <a:cs typeface="Courier New" panose="02070309020205020404" pitchFamily="49" charset="0"/>
+              </a:rPr>
+              <a:t>static</a:t>
+            </a:r>
+            <a:r>
+              <a:rPr lang="en-US" b="0" i="0" dirty="0">
+                <a:solidFill>
+                  <a:srgbClr val="000000"/>
+                </a:solidFill>
+                <a:effectLst/>
+                <a:latin typeface="Courier New" panose="02070309020205020404" pitchFamily="49" charset="0"/>
+                <a:cs typeface="Courier New" panose="02070309020205020404" pitchFamily="49" charset="0"/>
+              </a:rPr>
+              <a:t> </a:t>
+            </a:r>
+            <a:r>
+              <a:rPr lang="en-US" b="1" i="0" dirty="0">
+                <a:solidFill>
+                  <a:srgbClr val="000080"/>
+                </a:solidFill>
+                <a:effectLst/>
+                <a:latin typeface="Courier New" panose="02070309020205020404" pitchFamily="49" charset="0"/>
+                <a:cs typeface="Courier New" panose="02070309020205020404" pitchFamily="49" charset="0"/>
+              </a:rPr>
+              <a:t>final</a:t>
+            </a:r>
+            <a:r>
+              <a:rPr lang="en-US" b="0" i="0" dirty="0">
+                <a:solidFill>
+                  <a:srgbClr val="000000"/>
+                </a:solidFill>
+                <a:effectLst/>
+                <a:latin typeface="Courier New" panose="02070309020205020404" pitchFamily="49" charset="0"/>
+                <a:cs typeface="Courier New" panose="02070309020205020404" pitchFamily="49" charset="0"/>
+              </a:rPr>
+              <a:t> String GERALT_NAME = </a:t>
+            </a:r>
+            <a:r>
+              <a:rPr lang="en-US" b="0" i="0" dirty="0">
+                <a:solidFill>
+                  <a:srgbClr val="008000"/>
+                </a:solidFill>
+                <a:effectLst/>
+                <a:latin typeface="Courier New" panose="02070309020205020404" pitchFamily="49" charset="0"/>
+                <a:cs typeface="Courier New" panose="02070309020205020404" pitchFamily="49" charset="0"/>
+              </a:rPr>
+              <a:t>"</a:t>
+            </a:r>
+            <a:r>
+              <a:rPr lang="uk-UA" b="0" i="0" dirty="0" err="1">
+                <a:solidFill>
+                  <a:srgbClr val="008000"/>
+                </a:solidFill>
+                <a:effectLst/>
+                <a:latin typeface="Courier New" panose="02070309020205020404" pitchFamily="49" charset="0"/>
+                <a:cs typeface="Courier New" panose="02070309020205020404" pitchFamily="49" charset="0"/>
+              </a:rPr>
+              <a:t>Ґеральт</a:t>
+            </a:r>
+            <a:r>
+              <a:rPr lang="uk-UA" b="0" i="0" dirty="0">
+                <a:solidFill>
+                  <a:srgbClr val="008000"/>
+                </a:solidFill>
+                <a:effectLst/>
+                <a:latin typeface="Courier New" panose="02070309020205020404" pitchFamily="49" charset="0"/>
+                <a:cs typeface="Courier New" panose="02070309020205020404" pitchFamily="49" charset="0"/>
+              </a:rPr>
+              <a:t> з </a:t>
+            </a:r>
+            <a:r>
+              <a:rPr lang="uk-UA" b="0" i="0" dirty="0" err="1">
+                <a:solidFill>
+                  <a:srgbClr val="008000"/>
+                </a:solidFill>
+                <a:effectLst/>
+                <a:latin typeface="Courier New" panose="02070309020205020404" pitchFamily="49" charset="0"/>
+                <a:cs typeface="Courier New" panose="02070309020205020404" pitchFamily="49" charset="0"/>
+              </a:rPr>
+              <a:t>Рівії</a:t>
+            </a:r>
+            <a:r>
+              <a:rPr lang="uk-UA" b="0" i="0" dirty="0">
+                <a:solidFill>
+                  <a:srgbClr val="008000"/>
+                </a:solidFill>
+                <a:effectLst/>
+                <a:latin typeface="Courier New" panose="02070309020205020404" pitchFamily="49" charset="0"/>
+                <a:cs typeface="Courier New" panose="02070309020205020404" pitchFamily="49" charset="0"/>
+              </a:rPr>
+              <a:t>"</a:t>
+            </a:r>
+            <a:r>
+              <a:rPr lang="uk-UA" b="0" i="0" dirty="0">
+                <a:solidFill>
+                  <a:srgbClr val="000000"/>
+                </a:solidFill>
+                <a:effectLst/>
+                <a:latin typeface="Courier New" panose="02070309020205020404" pitchFamily="49" charset="0"/>
+                <a:cs typeface="Courier New" panose="02070309020205020404" pitchFamily="49" charset="0"/>
+              </a:rPr>
+              <a:t>; </a:t>
+            </a:r>
+          </a:p>
+          <a:p>
+            <a:r>
+              <a:rPr lang="uk-UA" b="1" i="0" dirty="0">
+                <a:solidFill>
+                  <a:srgbClr val="000080"/>
+                </a:solidFill>
+                <a:effectLst/>
+                <a:latin typeface="Courier New" panose="02070309020205020404" pitchFamily="49" charset="0"/>
+                <a:cs typeface="Courier New" panose="02070309020205020404" pitchFamily="49" charset="0"/>
+              </a:rPr>
+              <a:t>	</a:t>
+            </a:r>
+            <a:r>
+              <a:rPr lang="en-US" b="1" i="0" dirty="0">
+                <a:solidFill>
+                  <a:srgbClr val="000080"/>
+                </a:solidFill>
+                <a:effectLst/>
+                <a:latin typeface="Courier New" panose="02070309020205020404" pitchFamily="49" charset="0"/>
+                <a:cs typeface="Courier New" panose="02070309020205020404" pitchFamily="49" charset="0"/>
+              </a:rPr>
+              <a:t>private</a:t>
+            </a:r>
+            <a:r>
+              <a:rPr lang="en-US" b="0" i="0" dirty="0">
+                <a:solidFill>
+                  <a:srgbClr val="000000"/>
+                </a:solidFill>
+                <a:effectLst/>
+                <a:latin typeface="Courier New" panose="02070309020205020404" pitchFamily="49" charset="0"/>
+                <a:cs typeface="Courier New" panose="02070309020205020404" pitchFamily="49" charset="0"/>
+              </a:rPr>
+              <a:t> </a:t>
+            </a:r>
+            <a:r>
+              <a:rPr lang="en-US" b="1" i="0" dirty="0">
+                <a:solidFill>
+                  <a:srgbClr val="000080"/>
+                </a:solidFill>
+                <a:effectLst/>
+                <a:latin typeface="Courier New" panose="02070309020205020404" pitchFamily="49" charset="0"/>
+                <a:cs typeface="Courier New" panose="02070309020205020404" pitchFamily="49" charset="0"/>
+              </a:rPr>
+              <a:t>static</a:t>
+            </a:r>
+            <a:r>
+              <a:rPr lang="en-US" b="0" i="0" dirty="0">
+                <a:solidFill>
+                  <a:srgbClr val="000000"/>
+                </a:solidFill>
+                <a:effectLst/>
+                <a:latin typeface="Courier New" panose="02070309020205020404" pitchFamily="49" charset="0"/>
+                <a:cs typeface="Courier New" panose="02070309020205020404" pitchFamily="49" charset="0"/>
+              </a:rPr>
+              <a:t> </a:t>
+            </a:r>
+            <a:r>
+              <a:rPr lang="en-US" b="1" i="0" dirty="0">
+                <a:solidFill>
+                  <a:srgbClr val="000080"/>
+                </a:solidFill>
+                <a:effectLst/>
+                <a:latin typeface="Courier New" panose="02070309020205020404" pitchFamily="49" charset="0"/>
+                <a:cs typeface="Courier New" panose="02070309020205020404" pitchFamily="49" charset="0"/>
+              </a:rPr>
+              <a:t>final</a:t>
+            </a:r>
+            <a:r>
+              <a:rPr lang="en-US" b="0" i="0" dirty="0">
+                <a:solidFill>
+                  <a:srgbClr val="000000"/>
+                </a:solidFill>
+                <a:effectLst/>
+                <a:latin typeface="Courier New" panose="02070309020205020404" pitchFamily="49" charset="0"/>
+                <a:cs typeface="Courier New" panose="02070309020205020404" pitchFamily="49" charset="0"/>
+              </a:rPr>
+              <a:t> String YENNEFER_NAME = </a:t>
+            </a:r>
+            <a:r>
+              <a:rPr lang="en-US" b="0" i="0" dirty="0">
+                <a:solidFill>
+                  <a:srgbClr val="008000"/>
+                </a:solidFill>
+                <a:effectLst/>
+                <a:latin typeface="Courier New" panose="02070309020205020404" pitchFamily="49" charset="0"/>
+                <a:cs typeface="Courier New" panose="02070309020205020404" pitchFamily="49" charset="0"/>
+              </a:rPr>
+              <a:t>"</a:t>
+            </a:r>
+            <a:r>
+              <a:rPr lang="uk-UA" b="0" i="0" dirty="0" err="1">
+                <a:solidFill>
+                  <a:srgbClr val="008000"/>
+                </a:solidFill>
+                <a:effectLst/>
+                <a:latin typeface="Courier New" panose="02070309020205020404" pitchFamily="49" charset="0"/>
+                <a:cs typeface="Courier New" panose="02070309020205020404" pitchFamily="49" charset="0"/>
+              </a:rPr>
+              <a:t>Йеннефер</a:t>
+            </a:r>
+            <a:r>
+              <a:rPr lang="uk-UA" b="0" i="0" dirty="0">
+                <a:solidFill>
+                  <a:srgbClr val="008000"/>
+                </a:solidFill>
+                <a:effectLst/>
+                <a:latin typeface="Courier New" panose="02070309020205020404" pitchFamily="49" charset="0"/>
+                <a:cs typeface="Courier New" panose="02070309020205020404" pitchFamily="49" charset="0"/>
+              </a:rPr>
+              <a:t> з </a:t>
+            </a:r>
+            <a:r>
+              <a:rPr lang="uk-UA" b="0" i="0" dirty="0" err="1">
+                <a:solidFill>
+                  <a:srgbClr val="008000"/>
+                </a:solidFill>
+                <a:effectLst/>
+                <a:latin typeface="Courier New" panose="02070309020205020404" pitchFamily="49" charset="0"/>
+                <a:cs typeface="Courier New" panose="02070309020205020404" pitchFamily="49" charset="0"/>
+              </a:rPr>
+              <a:t>Венґерберґу</a:t>
+            </a:r>
+            <a:r>
+              <a:rPr lang="uk-UA" b="0" i="0" dirty="0">
+                <a:solidFill>
+                  <a:srgbClr val="008000"/>
+                </a:solidFill>
+                <a:effectLst/>
+                <a:latin typeface="Courier New" panose="02070309020205020404" pitchFamily="49" charset="0"/>
+                <a:cs typeface="Courier New" panose="02070309020205020404" pitchFamily="49" charset="0"/>
+              </a:rPr>
+              <a:t>"</a:t>
+            </a:r>
+            <a:r>
+              <a:rPr lang="uk-UA" b="0" i="0" dirty="0">
+                <a:solidFill>
+                  <a:srgbClr val="000000"/>
+                </a:solidFill>
+                <a:effectLst/>
+                <a:latin typeface="Courier New" panose="02070309020205020404" pitchFamily="49" charset="0"/>
+                <a:cs typeface="Courier New" panose="02070309020205020404" pitchFamily="49" charset="0"/>
+              </a:rPr>
+              <a:t>; </a:t>
+            </a:r>
+          </a:p>
+          <a:p>
+            <a:r>
+              <a:rPr lang="uk-UA" dirty="0">
+                <a:solidFill>
+                  <a:srgbClr val="000000"/>
+                </a:solidFill>
+                <a:latin typeface="Courier New" panose="02070309020205020404" pitchFamily="49" charset="0"/>
+                <a:cs typeface="Courier New" panose="02070309020205020404" pitchFamily="49" charset="0"/>
+              </a:rPr>
+              <a:t>	</a:t>
+            </a:r>
+            <a:r>
+              <a:rPr lang="en-US" b="1" i="0" dirty="0">
+                <a:solidFill>
+                  <a:srgbClr val="000080"/>
+                </a:solidFill>
+                <a:effectLst/>
+                <a:latin typeface="Courier New" panose="02070309020205020404" pitchFamily="49" charset="0"/>
+                <a:cs typeface="Courier New" panose="02070309020205020404" pitchFamily="49" charset="0"/>
+              </a:rPr>
+              <a:t>private</a:t>
+            </a:r>
+            <a:r>
+              <a:rPr lang="en-US" b="0" i="0" dirty="0">
+                <a:solidFill>
+                  <a:srgbClr val="000000"/>
+                </a:solidFill>
+                <a:effectLst/>
+                <a:latin typeface="Courier New" panose="02070309020205020404" pitchFamily="49" charset="0"/>
+                <a:cs typeface="Courier New" panose="02070309020205020404" pitchFamily="49" charset="0"/>
+              </a:rPr>
+              <a:t> </a:t>
+            </a:r>
+            <a:r>
+              <a:rPr lang="en-US" b="1" i="0" dirty="0">
+                <a:solidFill>
+                  <a:srgbClr val="000080"/>
+                </a:solidFill>
+                <a:effectLst/>
+                <a:latin typeface="Courier New" panose="02070309020205020404" pitchFamily="49" charset="0"/>
+                <a:cs typeface="Courier New" panose="02070309020205020404" pitchFamily="49" charset="0"/>
+              </a:rPr>
+              <a:t>static</a:t>
+            </a:r>
+            <a:r>
+              <a:rPr lang="en-US" b="0" i="0" dirty="0">
+                <a:solidFill>
+                  <a:srgbClr val="000000"/>
+                </a:solidFill>
+                <a:effectLst/>
+                <a:latin typeface="Courier New" panose="02070309020205020404" pitchFamily="49" charset="0"/>
+                <a:cs typeface="Courier New" panose="02070309020205020404" pitchFamily="49" charset="0"/>
+              </a:rPr>
+              <a:t> </a:t>
+            </a:r>
+            <a:r>
+              <a:rPr lang="en-US" b="1" i="0" dirty="0">
+                <a:solidFill>
+                  <a:srgbClr val="000080"/>
+                </a:solidFill>
+                <a:effectLst/>
+                <a:latin typeface="Courier New" panose="02070309020205020404" pitchFamily="49" charset="0"/>
+                <a:cs typeface="Courier New" panose="02070309020205020404" pitchFamily="49" charset="0"/>
+              </a:rPr>
+              <a:t>final</a:t>
+            </a:r>
+            <a:r>
+              <a:rPr lang="en-US" b="0" i="0" dirty="0">
+                <a:solidFill>
+                  <a:srgbClr val="000000"/>
+                </a:solidFill>
+                <a:effectLst/>
+                <a:latin typeface="Courier New" panose="02070309020205020404" pitchFamily="49" charset="0"/>
+                <a:cs typeface="Courier New" panose="02070309020205020404" pitchFamily="49" charset="0"/>
+              </a:rPr>
+              <a:t> String TRISS_NAME = </a:t>
+            </a:r>
+            <a:r>
+              <a:rPr lang="en-US" b="0" i="0" dirty="0">
+                <a:solidFill>
+                  <a:srgbClr val="008000"/>
+                </a:solidFill>
+                <a:effectLst/>
+                <a:latin typeface="Courier New" panose="02070309020205020404" pitchFamily="49" charset="0"/>
+                <a:cs typeface="Courier New" panose="02070309020205020404" pitchFamily="49" charset="0"/>
+              </a:rPr>
+              <a:t>"</a:t>
+            </a:r>
+            <a:r>
+              <a:rPr lang="uk-UA" b="0" i="0" dirty="0" err="1">
+                <a:solidFill>
+                  <a:srgbClr val="008000"/>
+                </a:solidFill>
+                <a:effectLst/>
+                <a:latin typeface="Courier New" panose="02070309020205020404" pitchFamily="49" charset="0"/>
+                <a:cs typeface="Courier New" panose="02070309020205020404" pitchFamily="49" charset="0"/>
+              </a:rPr>
+              <a:t>Трісс</a:t>
+            </a:r>
+            <a:r>
+              <a:rPr lang="uk-UA" b="0" i="0" dirty="0">
+                <a:solidFill>
+                  <a:srgbClr val="008000"/>
+                </a:solidFill>
+                <a:effectLst/>
+                <a:latin typeface="Courier New" panose="02070309020205020404" pitchFamily="49" charset="0"/>
+                <a:cs typeface="Courier New" panose="02070309020205020404" pitchFamily="49" charset="0"/>
+              </a:rPr>
+              <a:t> </a:t>
+            </a:r>
+            <a:r>
+              <a:rPr lang="uk-UA" b="0" i="0" dirty="0" err="1">
+                <a:solidFill>
+                  <a:srgbClr val="008000"/>
+                </a:solidFill>
+                <a:effectLst/>
+                <a:latin typeface="Courier New" panose="02070309020205020404" pitchFamily="49" charset="0"/>
+                <a:cs typeface="Courier New" panose="02070309020205020404" pitchFamily="49" charset="0"/>
+              </a:rPr>
+              <a:t>Мерігольд</a:t>
+            </a:r>
+            <a:r>
+              <a:rPr lang="uk-UA" b="0" i="0" dirty="0">
+                <a:solidFill>
+                  <a:srgbClr val="008000"/>
+                </a:solidFill>
+                <a:effectLst/>
+                <a:latin typeface="Courier New" panose="02070309020205020404" pitchFamily="49" charset="0"/>
+                <a:cs typeface="Courier New" panose="02070309020205020404" pitchFamily="49" charset="0"/>
+              </a:rPr>
+              <a:t>"</a:t>
+            </a:r>
+            <a:r>
+              <a:rPr lang="uk-UA" b="0" i="0" dirty="0">
+                <a:solidFill>
+                  <a:srgbClr val="000000"/>
+                </a:solidFill>
+                <a:effectLst/>
+                <a:latin typeface="Courier New" panose="02070309020205020404" pitchFamily="49" charset="0"/>
+                <a:cs typeface="Courier New" panose="02070309020205020404" pitchFamily="49" charset="0"/>
+              </a:rPr>
+              <a:t>; </a:t>
+            </a:r>
+          </a:p>
+          <a:p>
+            <a:r>
+              <a:rPr lang="uk-UA" dirty="0">
+                <a:solidFill>
+                  <a:srgbClr val="000000"/>
+                </a:solidFill>
+                <a:latin typeface="Courier New" panose="02070309020205020404" pitchFamily="49" charset="0"/>
+                <a:cs typeface="Courier New" panose="02070309020205020404" pitchFamily="49" charset="0"/>
+              </a:rPr>
+              <a:t>	</a:t>
+            </a:r>
+            <a:r>
+              <a:rPr lang="en-US" b="1" i="0" dirty="0">
+                <a:solidFill>
+                  <a:srgbClr val="000080"/>
+                </a:solidFill>
+                <a:effectLst/>
+                <a:latin typeface="Courier New" panose="02070309020205020404" pitchFamily="49" charset="0"/>
+                <a:cs typeface="Courier New" panose="02070309020205020404" pitchFamily="49" charset="0"/>
+              </a:rPr>
+              <a:t>public</a:t>
+            </a:r>
+            <a:r>
+              <a:rPr lang="en-US" b="0" i="0" dirty="0">
+                <a:solidFill>
+                  <a:srgbClr val="000000"/>
+                </a:solidFill>
+                <a:effectLst/>
+                <a:latin typeface="Courier New" panose="02070309020205020404" pitchFamily="49" charset="0"/>
+                <a:cs typeface="Courier New" panose="02070309020205020404" pitchFamily="49" charset="0"/>
+              </a:rPr>
+              <a:t> </a:t>
+            </a:r>
+            <a:r>
+              <a:rPr lang="en-US" b="1" i="0" dirty="0">
+                <a:solidFill>
+                  <a:srgbClr val="000080"/>
+                </a:solidFill>
+                <a:effectLst/>
+                <a:latin typeface="Courier New" panose="02070309020205020404" pitchFamily="49" charset="0"/>
+                <a:cs typeface="Courier New" panose="02070309020205020404" pitchFamily="49" charset="0"/>
+              </a:rPr>
+              <a:t>static</a:t>
+            </a:r>
+            <a:r>
+              <a:rPr lang="en-US" b="0" i="0" dirty="0">
+                <a:solidFill>
+                  <a:srgbClr val="000000"/>
+                </a:solidFill>
+                <a:effectLst/>
+                <a:latin typeface="Courier New" panose="02070309020205020404" pitchFamily="49" charset="0"/>
+                <a:cs typeface="Courier New" panose="02070309020205020404" pitchFamily="49" charset="0"/>
+              </a:rPr>
+              <a:t> </a:t>
+            </a:r>
+            <a:r>
+              <a:rPr lang="en-US" b="1" i="0" dirty="0">
+                <a:solidFill>
+                  <a:srgbClr val="000080"/>
+                </a:solidFill>
+                <a:effectLst/>
+                <a:latin typeface="Courier New" panose="02070309020205020404" pitchFamily="49" charset="0"/>
+                <a:cs typeface="Courier New" panose="02070309020205020404" pitchFamily="49" charset="0"/>
+              </a:rPr>
+              <a:t>void</a:t>
+            </a:r>
+            <a:r>
+              <a:rPr lang="en-US" b="0" i="0" dirty="0">
+                <a:solidFill>
+                  <a:srgbClr val="000000"/>
+                </a:solidFill>
+                <a:effectLst/>
+                <a:latin typeface="Courier New" panose="02070309020205020404" pitchFamily="49" charset="0"/>
+                <a:cs typeface="Courier New" panose="02070309020205020404" pitchFamily="49" charset="0"/>
+              </a:rPr>
+              <a:t> </a:t>
+            </a:r>
+            <a:r>
+              <a:rPr lang="en-US" b="0" i="0" dirty="0">
+                <a:solidFill>
+                  <a:srgbClr val="900606"/>
+                </a:solidFill>
+                <a:effectLst/>
+                <a:latin typeface="Courier New" panose="02070309020205020404" pitchFamily="49" charset="0"/>
+                <a:cs typeface="Courier New" panose="02070309020205020404" pitchFamily="49" charset="0"/>
+              </a:rPr>
+              <a:t>main</a:t>
+            </a:r>
+            <a:r>
+              <a:rPr lang="en-US" b="0" i="0" dirty="0">
+                <a:solidFill>
+                  <a:srgbClr val="000000"/>
+                </a:solidFill>
+                <a:effectLst/>
+                <a:latin typeface="Courier New" panose="02070309020205020404" pitchFamily="49" charset="0"/>
+                <a:cs typeface="Courier New" panose="02070309020205020404" pitchFamily="49" charset="0"/>
+              </a:rPr>
+              <a:t>(String[] </a:t>
+            </a:r>
+            <a:r>
+              <a:rPr lang="en-US" b="0" i="0" dirty="0" err="1">
+                <a:solidFill>
+                  <a:srgbClr val="000000"/>
+                </a:solidFill>
+                <a:effectLst/>
+                <a:latin typeface="Courier New" panose="02070309020205020404" pitchFamily="49" charset="0"/>
+                <a:cs typeface="Courier New" panose="02070309020205020404" pitchFamily="49" charset="0"/>
+              </a:rPr>
+              <a:t>args</a:t>
+            </a:r>
+            <a:r>
+              <a:rPr lang="en-US" b="0" i="0" dirty="0">
+                <a:solidFill>
+                  <a:srgbClr val="000000"/>
+                </a:solidFill>
+                <a:effectLst/>
+                <a:latin typeface="Courier New" panose="02070309020205020404" pitchFamily="49" charset="0"/>
+                <a:cs typeface="Courier New" panose="02070309020205020404" pitchFamily="49" charset="0"/>
+              </a:rPr>
+              <a:t>) { </a:t>
+            </a:r>
+            <a:endParaRPr lang="uk-UA" b="0" i="0" dirty="0">
+              <a:solidFill>
+                <a:srgbClr val="000000"/>
+              </a:solidFill>
+              <a:effectLst/>
+              <a:latin typeface="Courier New" panose="02070309020205020404" pitchFamily="49" charset="0"/>
+              <a:cs typeface="Courier New" panose="02070309020205020404" pitchFamily="49" charset="0"/>
+            </a:endParaRPr>
+          </a:p>
+          <a:p>
+            <a:r>
+              <a:rPr lang="uk-UA" dirty="0">
+                <a:solidFill>
+                  <a:srgbClr val="000000"/>
+                </a:solidFill>
+                <a:latin typeface="Courier New" panose="02070309020205020404" pitchFamily="49" charset="0"/>
+                <a:cs typeface="Courier New" panose="02070309020205020404" pitchFamily="49" charset="0"/>
+              </a:rPr>
+              <a:t>		</a:t>
+            </a:r>
+            <a:r>
+              <a:rPr lang="en-US" b="0" i="0" dirty="0" err="1">
+                <a:solidFill>
+                  <a:srgbClr val="000000"/>
+                </a:solidFill>
+                <a:effectLst/>
+                <a:latin typeface="Courier New" panose="02070309020205020404" pitchFamily="49" charset="0"/>
+                <a:cs typeface="Courier New" panose="02070309020205020404" pitchFamily="49" charset="0"/>
+              </a:rPr>
+              <a:t>System.out.</a:t>
+            </a:r>
+            <a:r>
+              <a:rPr lang="en-US" b="0" i="0" dirty="0" err="1">
+                <a:solidFill>
+                  <a:srgbClr val="900606"/>
+                </a:solidFill>
+                <a:effectLst/>
+                <a:latin typeface="Courier New" panose="02070309020205020404" pitchFamily="49" charset="0"/>
+                <a:cs typeface="Courier New" panose="02070309020205020404" pitchFamily="49" charset="0"/>
+              </a:rPr>
+              <a:t>println</a:t>
+            </a:r>
+            <a:r>
+              <a:rPr lang="en-US" b="0" i="0" dirty="0">
+                <a:solidFill>
+                  <a:srgbClr val="000000"/>
+                </a:solidFill>
+                <a:effectLst/>
+                <a:latin typeface="Courier New" panose="02070309020205020404" pitchFamily="49" charset="0"/>
+                <a:cs typeface="Courier New" panose="02070309020205020404" pitchFamily="49" charset="0"/>
+              </a:rPr>
+              <a:t>(</a:t>
+            </a:r>
+            <a:r>
+              <a:rPr lang="en-US" b="0" i="0" dirty="0">
+                <a:solidFill>
+                  <a:srgbClr val="008000"/>
+                </a:solidFill>
+                <a:effectLst/>
+                <a:latin typeface="Courier New" panose="02070309020205020404" pitchFamily="49" charset="0"/>
+                <a:cs typeface="Courier New" panose="02070309020205020404" pitchFamily="49" charset="0"/>
+              </a:rPr>
+              <a:t>"</a:t>
+            </a:r>
+            <a:r>
+              <a:rPr lang="uk-UA" b="0" i="0" dirty="0">
+                <a:solidFill>
+                  <a:srgbClr val="008000"/>
+                </a:solidFill>
+                <a:effectLst/>
+                <a:latin typeface="Courier New" panose="02070309020205020404" pitchFamily="49" charset="0"/>
+                <a:cs typeface="Courier New" panose="02070309020205020404" pitchFamily="49" charset="0"/>
+              </a:rPr>
+              <a:t>Відьмак 4"</a:t>
+            </a:r>
+            <a:r>
+              <a:rPr lang="uk-UA" b="0" i="0" dirty="0">
+                <a:solidFill>
+                  <a:srgbClr val="000000"/>
+                </a:solidFill>
+                <a:effectLst/>
+                <a:latin typeface="Courier New" panose="02070309020205020404" pitchFamily="49" charset="0"/>
+                <a:cs typeface="Courier New" panose="02070309020205020404" pitchFamily="49" charset="0"/>
+              </a:rPr>
+              <a:t>); </a:t>
+            </a:r>
+          </a:p>
+          <a:p>
+            <a:r>
+              <a:rPr lang="uk-UA" dirty="0">
+                <a:solidFill>
+                  <a:srgbClr val="000000"/>
+                </a:solidFill>
+                <a:latin typeface="Courier New" panose="02070309020205020404" pitchFamily="49" charset="0"/>
+                <a:cs typeface="Courier New" panose="02070309020205020404" pitchFamily="49" charset="0"/>
+              </a:rPr>
+              <a:t>		</a:t>
+            </a:r>
+            <a:r>
+              <a:rPr lang="en-US" b="0" i="0" dirty="0" err="1">
+                <a:solidFill>
+                  <a:srgbClr val="000000"/>
+                </a:solidFill>
+                <a:effectLst/>
+                <a:latin typeface="Courier New" panose="02070309020205020404" pitchFamily="49" charset="0"/>
+                <a:cs typeface="Courier New" panose="02070309020205020404" pitchFamily="49" charset="0"/>
+              </a:rPr>
+              <a:t>System.out.</a:t>
+            </a:r>
+            <a:r>
+              <a:rPr lang="en-US" b="0" i="0" dirty="0" err="1">
+                <a:solidFill>
+                  <a:srgbClr val="900606"/>
+                </a:solidFill>
+                <a:effectLst/>
+                <a:latin typeface="Courier New" panose="02070309020205020404" pitchFamily="49" charset="0"/>
+                <a:cs typeface="Courier New" panose="02070309020205020404" pitchFamily="49" charset="0"/>
+              </a:rPr>
+              <a:t>println</a:t>
+            </a:r>
+            <a:r>
+              <a:rPr lang="en-US" b="0" i="0" dirty="0">
+                <a:solidFill>
+                  <a:srgbClr val="000000"/>
+                </a:solidFill>
+                <a:effectLst/>
+                <a:latin typeface="Courier New" panose="02070309020205020404" pitchFamily="49" charset="0"/>
+                <a:cs typeface="Courier New" panose="02070309020205020404" pitchFamily="49" charset="0"/>
+              </a:rPr>
+              <a:t>(</a:t>
+            </a:r>
+            <a:r>
+              <a:rPr lang="en-US" b="0" i="0" dirty="0">
+                <a:solidFill>
+                  <a:srgbClr val="008000"/>
+                </a:solidFill>
+                <a:effectLst/>
+                <a:latin typeface="Courier New" panose="02070309020205020404" pitchFamily="49" charset="0"/>
+                <a:cs typeface="Courier New" panose="02070309020205020404" pitchFamily="49" charset="0"/>
+              </a:rPr>
+              <a:t>"</a:t>
+            </a:r>
+            <a:r>
+              <a:rPr lang="uk-UA" b="0" i="0" dirty="0">
+                <a:solidFill>
+                  <a:srgbClr val="008000"/>
+                </a:solidFill>
+                <a:effectLst/>
+                <a:latin typeface="Courier New" panose="02070309020205020404" pitchFamily="49" charset="0"/>
+                <a:cs typeface="Courier New" panose="02070309020205020404" pitchFamily="49" charset="0"/>
+              </a:rPr>
+              <a:t>Це вже четверта частина Відьмака, а "</a:t>
+            </a:r>
+            <a:r>
+              <a:rPr lang="uk-UA" b="0" i="0" dirty="0">
+                <a:solidFill>
+                  <a:srgbClr val="000000"/>
+                </a:solidFill>
+                <a:effectLst/>
+                <a:latin typeface="Courier New" panose="02070309020205020404" pitchFamily="49" charset="0"/>
+                <a:cs typeface="Courier New" panose="02070309020205020404" pitchFamily="49" charset="0"/>
+              </a:rPr>
+              <a:t> + </a:t>
+            </a:r>
+            <a:r>
+              <a:rPr lang="en-US" b="0" i="0" dirty="0">
+                <a:solidFill>
+                  <a:srgbClr val="000000"/>
+                </a:solidFill>
+                <a:effectLst/>
+                <a:latin typeface="Courier New" panose="02070309020205020404" pitchFamily="49" charset="0"/>
+                <a:cs typeface="Courier New" panose="02070309020205020404" pitchFamily="49" charset="0"/>
+              </a:rPr>
+              <a:t>GERALT_NAME + </a:t>
+            </a:r>
+            <a:r>
+              <a:rPr lang="en-US" b="0" i="0" dirty="0">
+                <a:solidFill>
+                  <a:srgbClr val="008000"/>
+                </a:solidFill>
+                <a:effectLst/>
+                <a:latin typeface="Courier New" panose="02070309020205020404" pitchFamily="49" charset="0"/>
+                <a:cs typeface="Courier New" panose="02070309020205020404" pitchFamily="49" charset="0"/>
+              </a:rPr>
+              <a:t>" </a:t>
+            </a:r>
+            <a:r>
+              <a:rPr lang="uk-UA" b="0" i="0" dirty="0">
+                <a:solidFill>
+                  <a:srgbClr val="008000"/>
+                </a:solidFill>
+                <a:effectLst/>
+                <a:latin typeface="Courier New" panose="02070309020205020404" pitchFamily="49" charset="0"/>
+                <a:cs typeface="Courier New" panose="02070309020205020404" pitchFamily="49" charset="0"/>
+              </a:rPr>
+              <a:t>ніяк не визначиться хто йому"</a:t>
+            </a:r>
+            <a:r>
+              <a:rPr lang="uk-UA" b="0" i="0" dirty="0">
+                <a:solidFill>
+                  <a:srgbClr val="000000"/>
+                </a:solidFill>
+                <a:effectLst/>
+                <a:latin typeface="Courier New" panose="02070309020205020404" pitchFamily="49" charset="0"/>
+                <a:cs typeface="Courier New" panose="02070309020205020404" pitchFamily="49" charset="0"/>
+              </a:rPr>
+              <a:t> + </a:t>
+            </a:r>
+            <a:r>
+              <a:rPr lang="uk-UA" b="0" i="0" dirty="0">
+                <a:solidFill>
+                  <a:srgbClr val="008000"/>
+                </a:solidFill>
+                <a:effectLst/>
+                <a:latin typeface="Courier New" panose="02070309020205020404" pitchFamily="49" charset="0"/>
+                <a:cs typeface="Courier New" panose="02070309020205020404" pitchFamily="49" charset="0"/>
+              </a:rPr>
+              <a:t>" подобається більше: "</a:t>
+            </a:r>
+            <a:r>
+              <a:rPr lang="uk-UA" b="0" i="0" dirty="0">
+                <a:solidFill>
+                  <a:srgbClr val="000000"/>
+                </a:solidFill>
+                <a:effectLst/>
+                <a:latin typeface="Courier New" panose="02070309020205020404" pitchFamily="49" charset="0"/>
+                <a:cs typeface="Courier New" panose="02070309020205020404" pitchFamily="49" charset="0"/>
+              </a:rPr>
+              <a:t> + </a:t>
+            </a:r>
+            <a:r>
+              <a:rPr lang="en-US" b="0" i="0" dirty="0">
+                <a:solidFill>
+                  <a:srgbClr val="000000"/>
+                </a:solidFill>
+                <a:effectLst/>
+                <a:latin typeface="Courier New" panose="02070309020205020404" pitchFamily="49" charset="0"/>
+                <a:cs typeface="Courier New" panose="02070309020205020404" pitchFamily="49" charset="0"/>
+              </a:rPr>
+              <a:t>YENNEFER_NAME + </a:t>
+            </a:r>
+            <a:r>
+              <a:rPr lang="en-US" b="0" i="0" dirty="0">
+                <a:solidFill>
+                  <a:srgbClr val="008000"/>
+                </a:solidFill>
+                <a:effectLst/>
+                <a:latin typeface="Courier New" panose="02070309020205020404" pitchFamily="49" charset="0"/>
+                <a:cs typeface="Courier New" panose="02070309020205020404" pitchFamily="49" charset="0"/>
+              </a:rPr>
+              <a:t>" </a:t>
+            </a:r>
+            <a:r>
+              <a:rPr lang="uk-UA" b="0" i="0" dirty="0">
+                <a:solidFill>
+                  <a:srgbClr val="008000"/>
+                </a:solidFill>
+                <a:effectLst/>
+                <a:latin typeface="Courier New" panose="02070309020205020404" pitchFamily="49" charset="0"/>
+                <a:cs typeface="Courier New" panose="02070309020205020404" pitchFamily="49" charset="0"/>
+              </a:rPr>
+              <a:t>або "</a:t>
+            </a:r>
+            <a:r>
+              <a:rPr lang="uk-UA" b="0" i="0" dirty="0">
+                <a:solidFill>
+                  <a:srgbClr val="000000"/>
+                </a:solidFill>
+                <a:effectLst/>
+                <a:latin typeface="Courier New" panose="02070309020205020404" pitchFamily="49" charset="0"/>
+                <a:cs typeface="Courier New" panose="02070309020205020404" pitchFamily="49" charset="0"/>
+              </a:rPr>
+              <a:t> + </a:t>
+            </a:r>
+            <a:r>
+              <a:rPr lang="en-US" b="0" i="0" dirty="0">
+                <a:solidFill>
+                  <a:srgbClr val="000000"/>
+                </a:solidFill>
+                <a:effectLst/>
+                <a:latin typeface="Courier New" panose="02070309020205020404" pitchFamily="49" charset="0"/>
+                <a:cs typeface="Courier New" panose="02070309020205020404" pitchFamily="49" charset="0"/>
+              </a:rPr>
+              <a:t>TRISS_NAME); </a:t>
+            </a:r>
+            <a:endParaRPr lang="uk-UA" b="0" i="0" dirty="0">
+              <a:solidFill>
+                <a:srgbClr val="000000"/>
+              </a:solidFill>
+              <a:effectLst/>
+              <a:latin typeface="Courier New" panose="02070309020205020404" pitchFamily="49" charset="0"/>
+              <a:cs typeface="Courier New" panose="02070309020205020404" pitchFamily="49" charset="0"/>
+            </a:endParaRPr>
+          </a:p>
+          <a:p>
+            <a:r>
+              <a:rPr lang="uk-UA" dirty="0">
+                <a:solidFill>
+                  <a:srgbClr val="000000"/>
+                </a:solidFill>
+                <a:latin typeface="Courier New" panose="02070309020205020404" pitchFamily="49" charset="0"/>
+                <a:cs typeface="Courier New" panose="02070309020205020404" pitchFamily="49" charset="0"/>
+              </a:rPr>
+              <a:t>		</a:t>
+            </a:r>
+            <a:r>
+              <a:rPr lang="en-US" b="0" i="0" dirty="0" err="1">
+                <a:solidFill>
+                  <a:srgbClr val="000000"/>
+                </a:solidFill>
+                <a:effectLst/>
+                <a:latin typeface="Courier New" panose="02070309020205020404" pitchFamily="49" charset="0"/>
+                <a:cs typeface="Courier New" panose="02070309020205020404" pitchFamily="49" charset="0"/>
+              </a:rPr>
+              <a:t>System.out.</a:t>
+            </a:r>
+            <a:r>
+              <a:rPr lang="en-US" b="0" i="0" dirty="0" err="1">
+                <a:solidFill>
+                  <a:srgbClr val="900606"/>
+                </a:solidFill>
+                <a:effectLst/>
+                <a:latin typeface="Courier New" panose="02070309020205020404" pitchFamily="49" charset="0"/>
+                <a:cs typeface="Courier New" panose="02070309020205020404" pitchFamily="49" charset="0"/>
+              </a:rPr>
+              <a:t>println</a:t>
+            </a:r>
+            <a:r>
+              <a:rPr lang="en-US" b="0" i="0" dirty="0">
+                <a:solidFill>
+                  <a:srgbClr val="000000"/>
+                </a:solidFill>
+                <a:effectLst/>
+                <a:latin typeface="Courier New" panose="02070309020205020404" pitchFamily="49" charset="0"/>
+                <a:cs typeface="Courier New" panose="02070309020205020404" pitchFamily="49" charset="0"/>
+              </a:rPr>
+              <a:t>(</a:t>
+            </a:r>
+            <a:r>
+              <a:rPr lang="en-US" b="0" i="0" dirty="0">
+                <a:solidFill>
+                  <a:srgbClr val="008000"/>
+                </a:solidFill>
+                <a:effectLst/>
+                <a:latin typeface="Courier New" panose="02070309020205020404" pitchFamily="49" charset="0"/>
+                <a:cs typeface="Courier New" panose="02070309020205020404" pitchFamily="49" charset="0"/>
+              </a:rPr>
+              <a:t>"</a:t>
+            </a:r>
+            <a:r>
+              <a:rPr lang="uk-UA" b="0" i="0" dirty="0">
+                <a:solidFill>
+                  <a:srgbClr val="008000"/>
+                </a:solidFill>
+                <a:effectLst/>
+                <a:latin typeface="Courier New" panose="02070309020205020404" pitchFamily="49" charset="0"/>
+                <a:cs typeface="Courier New" panose="02070309020205020404" pitchFamily="49" charset="0"/>
+              </a:rPr>
+              <a:t>Але якщо ви ніколи не грали у Відьмака – почнемо спочатку."</a:t>
+            </a:r>
+            <a:r>
+              <a:rPr lang="uk-UA" b="0" i="0" dirty="0">
+                <a:solidFill>
+                  <a:srgbClr val="000000"/>
+                </a:solidFill>
+                <a:effectLst/>
+                <a:latin typeface="Courier New" panose="02070309020205020404" pitchFamily="49" charset="0"/>
+                <a:cs typeface="Courier New" panose="02070309020205020404" pitchFamily="49" charset="0"/>
+              </a:rPr>
+              <a:t>); </a:t>
+            </a:r>
+          </a:p>
+          <a:p>
+            <a:r>
+              <a:rPr lang="uk-UA" dirty="0">
+                <a:solidFill>
+                  <a:srgbClr val="000000"/>
+                </a:solidFill>
+                <a:latin typeface="Courier New" panose="02070309020205020404" pitchFamily="49" charset="0"/>
+                <a:cs typeface="Courier New" panose="02070309020205020404" pitchFamily="49" charset="0"/>
+              </a:rPr>
+              <a:t>		</a:t>
+            </a:r>
+            <a:r>
+              <a:rPr lang="en-US" b="0" i="0" dirty="0" err="1">
+                <a:solidFill>
+                  <a:srgbClr val="000000"/>
+                </a:solidFill>
+                <a:effectLst/>
+                <a:latin typeface="Courier New" panose="02070309020205020404" pitchFamily="49" charset="0"/>
+                <a:cs typeface="Courier New" panose="02070309020205020404" pitchFamily="49" charset="0"/>
+              </a:rPr>
+              <a:t>System.out.</a:t>
+            </a:r>
+            <a:r>
+              <a:rPr lang="en-US" b="0" i="0" dirty="0" err="1">
+                <a:solidFill>
+                  <a:srgbClr val="900606"/>
+                </a:solidFill>
+                <a:effectLst/>
+                <a:latin typeface="Courier New" panose="02070309020205020404" pitchFamily="49" charset="0"/>
+                <a:cs typeface="Courier New" panose="02070309020205020404" pitchFamily="49" charset="0"/>
+              </a:rPr>
+              <a:t>println</a:t>
+            </a:r>
+            <a:r>
+              <a:rPr lang="en-US" b="0" i="0" dirty="0">
+                <a:solidFill>
+                  <a:srgbClr val="000000"/>
+                </a:solidFill>
+                <a:effectLst/>
+                <a:latin typeface="Courier New" panose="02070309020205020404" pitchFamily="49" charset="0"/>
+                <a:cs typeface="Courier New" panose="02070309020205020404" pitchFamily="49" charset="0"/>
+              </a:rPr>
+              <a:t>(</a:t>
+            </a:r>
+            <a:r>
+              <a:rPr lang="en-US" b="0" i="0" dirty="0">
+                <a:solidFill>
+                  <a:srgbClr val="008000"/>
+                </a:solidFill>
+                <a:effectLst/>
+                <a:latin typeface="Courier New" panose="02070309020205020404" pitchFamily="49" charset="0"/>
+                <a:cs typeface="Courier New" panose="02070309020205020404" pitchFamily="49" charset="0"/>
+              </a:rPr>
+              <a:t>"</a:t>
+            </a:r>
+            <a:r>
+              <a:rPr lang="uk-UA" b="0" i="0" dirty="0">
+                <a:solidFill>
+                  <a:srgbClr val="008000"/>
+                </a:solidFill>
+                <a:effectLst/>
+                <a:latin typeface="Courier New" panose="02070309020205020404" pitchFamily="49" charset="0"/>
+                <a:cs typeface="Courier New" panose="02070309020205020404" pitchFamily="49" charset="0"/>
+              </a:rPr>
+              <a:t>Головного героя звуть "</a:t>
+            </a:r>
+            <a:r>
+              <a:rPr lang="uk-UA" b="0" i="0" dirty="0">
+                <a:solidFill>
+                  <a:srgbClr val="000000"/>
+                </a:solidFill>
+                <a:effectLst/>
+                <a:latin typeface="Courier New" panose="02070309020205020404" pitchFamily="49" charset="0"/>
+                <a:cs typeface="Courier New" panose="02070309020205020404" pitchFamily="49" charset="0"/>
+              </a:rPr>
+              <a:t> + </a:t>
+            </a:r>
+            <a:r>
+              <a:rPr lang="en-US" b="0" i="0" dirty="0">
+                <a:solidFill>
+                  <a:srgbClr val="000000"/>
+                </a:solidFill>
+                <a:effectLst/>
+                <a:latin typeface="Courier New" panose="02070309020205020404" pitchFamily="49" charset="0"/>
+                <a:cs typeface="Courier New" panose="02070309020205020404" pitchFamily="49" charset="0"/>
+              </a:rPr>
+              <a:t>GERALT_NAME); </a:t>
+            </a:r>
+            <a:endParaRPr lang="uk-UA" b="0" i="0" dirty="0">
+              <a:solidFill>
+                <a:srgbClr val="000000"/>
+              </a:solidFill>
+              <a:effectLst/>
+              <a:latin typeface="Courier New" panose="02070309020205020404" pitchFamily="49" charset="0"/>
+              <a:cs typeface="Courier New" panose="02070309020205020404" pitchFamily="49" charset="0"/>
+            </a:endParaRPr>
+          </a:p>
+          <a:p>
+            <a:r>
+              <a:rPr lang="uk-UA" dirty="0">
+                <a:solidFill>
+                  <a:srgbClr val="000000"/>
+                </a:solidFill>
+                <a:latin typeface="Courier New" panose="02070309020205020404" pitchFamily="49" charset="0"/>
+                <a:cs typeface="Courier New" panose="02070309020205020404" pitchFamily="49" charset="0"/>
+              </a:rPr>
+              <a:t>		</a:t>
+            </a:r>
+            <a:r>
+              <a:rPr lang="en-US" b="0" i="0" dirty="0" err="1">
+                <a:solidFill>
+                  <a:srgbClr val="000000"/>
+                </a:solidFill>
+                <a:effectLst/>
+                <a:latin typeface="Courier New" panose="02070309020205020404" pitchFamily="49" charset="0"/>
+                <a:cs typeface="Courier New" panose="02070309020205020404" pitchFamily="49" charset="0"/>
+              </a:rPr>
+              <a:t>System.out.</a:t>
+            </a:r>
+            <a:r>
+              <a:rPr lang="en-US" b="0" i="0" dirty="0" err="1">
+                <a:solidFill>
+                  <a:srgbClr val="900606"/>
+                </a:solidFill>
+                <a:effectLst/>
+                <a:latin typeface="Courier New" panose="02070309020205020404" pitchFamily="49" charset="0"/>
+                <a:cs typeface="Courier New" panose="02070309020205020404" pitchFamily="49" charset="0"/>
+              </a:rPr>
+              <a:t>println</a:t>
+            </a:r>
+            <a:r>
+              <a:rPr lang="en-US" b="0" i="0" dirty="0">
+                <a:solidFill>
+                  <a:srgbClr val="000000"/>
+                </a:solidFill>
+                <a:effectLst/>
+                <a:latin typeface="Courier New" panose="02070309020205020404" pitchFamily="49" charset="0"/>
+                <a:cs typeface="Courier New" panose="02070309020205020404" pitchFamily="49" charset="0"/>
+              </a:rPr>
+              <a:t>(GERALT_NAME + </a:t>
+            </a:r>
+            <a:r>
+              <a:rPr lang="en-US" b="0" i="0" dirty="0">
+                <a:solidFill>
+                  <a:srgbClr val="008000"/>
+                </a:solidFill>
+                <a:effectLst/>
+                <a:latin typeface="Courier New" panose="02070309020205020404" pitchFamily="49" charset="0"/>
+                <a:cs typeface="Courier New" panose="02070309020205020404" pitchFamily="49" charset="0"/>
+              </a:rPr>
+              <a:t>" - </a:t>
+            </a:r>
+            <a:r>
+              <a:rPr lang="uk-UA" b="0" i="0" dirty="0">
+                <a:solidFill>
+                  <a:srgbClr val="008000"/>
+                </a:solidFill>
+                <a:effectLst/>
+                <a:latin typeface="Courier New" panose="02070309020205020404" pitchFamily="49" charset="0"/>
+                <a:cs typeface="Courier New" panose="02070309020205020404" pitchFamily="49" charset="0"/>
+              </a:rPr>
+              <a:t>відьмак, мисливець на чудовиськ"</a:t>
+            </a:r>
+            <a:r>
+              <a:rPr lang="uk-UA" b="0" i="0" dirty="0">
+                <a:solidFill>
+                  <a:srgbClr val="000000"/>
+                </a:solidFill>
+                <a:effectLst/>
+                <a:latin typeface="Courier New" panose="02070309020205020404" pitchFamily="49" charset="0"/>
+                <a:cs typeface="Courier New" panose="02070309020205020404" pitchFamily="49" charset="0"/>
+              </a:rPr>
+              <a:t>); </a:t>
+            </a:r>
+          </a:p>
+          <a:p>
+            <a:r>
+              <a:rPr lang="uk-UA" dirty="0">
+                <a:solidFill>
+                  <a:srgbClr val="000000"/>
+                </a:solidFill>
+                <a:latin typeface="Courier New" panose="02070309020205020404" pitchFamily="49" charset="0"/>
+                <a:cs typeface="Courier New" panose="02070309020205020404" pitchFamily="49" charset="0"/>
+              </a:rPr>
+              <a:t>	</a:t>
+            </a:r>
+            <a:r>
+              <a:rPr lang="uk-UA" b="0" i="0" dirty="0">
+                <a:solidFill>
+                  <a:srgbClr val="000000"/>
+                </a:solidFill>
+                <a:effectLst/>
+                <a:latin typeface="Courier New" panose="02070309020205020404" pitchFamily="49" charset="0"/>
+                <a:cs typeface="Courier New" panose="02070309020205020404" pitchFamily="49" charset="0"/>
+              </a:rPr>
+              <a:t>} </a:t>
+            </a:r>
+          </a:p>
+          <a:p>
+            <a:r>
+              <a:rPr lang="uk-UA" b="0" i="0" dirty="0">
+                <a:solidFill>
+                  <a:srgbClr val="000000"/>
+                </a:solidFill>
+                <a:effectLst/>
+                <a:latin typeface="Courier New" panose="02070309020205020404" pitchFamily="49" charset="0"/>
+                <a:cs typeface="Courier New" panose="02070309020205020404" pitchFamily="49" charset="0"/>
+              </a:rPr>
+              <a:t>}</a:t>
+            </a:r>
+            <a:endParaRPr lang="uk-UA" dirty="0">
+              <a:latin typeface="Courier New" panose="02070309020205020404" pitchFamily="49" charset="0"/>
+              <a:cs typeface="Courier New" panose="02070309020205020404" pitchFamily="49" charset="0"/>
+            </a:endParaRPr>
+          </a:p>
+        </p:txBody>
+      </p:sp>
+      <p:sp>
+        <p:nvSpPr>
+          <p:cNvPr id="6" name="TextBox 5">
+            <a:extLst>
+              <a:ext uri="{FF2B5EF4-FFF2-40B4-BE49-F238E27FC236}">
+                <a16:creationId xmlns:a16="http://schemas.microsoft.com/office/drawing/2014/main" id="{FEB75F3F-C915-4FFF-ABE1-BA5B67136AC0}"/>
+              </a:ext>
+            </a:extLst>
+          </p:cNvPr>
+          <p:cNvSpPr txBox="1"/>
+          <p:nvPr/>
+        </p:nvSpPr>
+        <p:spPr>
+          <a:xfrm>
+            <a:off x="32725" y="0"/>
+            <a:ext cx="12191999" cy="830997"/>
+          </a:xfrm>
+          <a:prstGeom prst="rect">
+            <a:avLst/>
+          </a:prstGeom>
+          <a:noFill/>
+        </p:spPr>
+        <p:txBody>
+          <a:bodyPr wrap="square" rtlCol="0">
+            <a:spAutoFit/>
+          </a:bodyPr>
+          <a:lstStyle/>
+          <a:p>
+            <a:pPr algn="ctr"/>
+            <a:r>
+              <a:rPr lang="uk-UA" sz="4800" dirty="0">
+                <a:latin typeface="Times New Roman" panose="02020603050405020304" pitchFamily="18" charset="0"/>
+                <a:cs typeface="Times New Roman" panose="02020603050405020304" pitchFamily="18" charset="0"/>
+              </a:rPr>
+              <a:t>Модифікатор </a:t>
+            </a:r>
+            <a:r>
+              <a:rPr lang="en-US" sz="4800" dirty="0">
+                <a:latin typeface="Times New Roman" panose="02020603050405020304" pitchFamily="18" charset="0"/>
+                <a:cs typeface="Times New Roman" panose="02020603050405020304" pitchFamily="18" charset="0"/>
+              </a:rPr>
+              <a:t>final</a:t>
+            </a:r>
+            <a:endParaRPr lang="uk-UA" sz="4800" dirty="0">
+              <a:latin typeface="Times New Roman" panose="02020603050405020304" pitchFamily="18" charset="0"/>
+              <a:cs typeface="Times New Roman" panose="02020603050405020304" pitchFamily="18" charset="0"/>
+            </a:endParaRPr>
+          </a:p>
+        </p:txBody>
+      </p:sp>
+    </p:spTree>
+    <p:extLst>
+      <p:ext uri="{BB962C8B-B14F-4D97-AF65-F5344CB8AC3E}">
+        <p14:creationId xmlns:p14="http://schemas.microsoft.com/office/powerpoint/2010/main" val="1735003452"/>
+      </p:ext>
+    </p:extLst>
+  </p:cSld>
+  <p:clrMapOvr>
+    <a:masterClrMapping/>
+  </p:clrMapOvr>
+</p:sld>
+</file>
+
+<file path=ppt/slides/slide21.xml><?xml version="1.0" encoding="utf-8"?>
+<p:sld xmlns:a="http://schemas.openxmlformats.org/drawingml/2006/main" xmlns:r="http://schemas.openxmlformats.org/officeDocument/2006/relationships" xmlns:p="http://schemas.openxmlformats.org/presentationml/2006/main">
+  <p:cSld>
+    <p:spTree>
+      <p:nvGrpSpPr>
+        <p:cNvPr id="1" name=""/>
+        <p:cNvGrpSpPr/>
+        <p:nvPr/>
+      </p:nvGrpSpPr>
+      <p:grpSpPr>
+        <a:xfrm>
+          <a:off x="0" y="0"/>
+          <a:ext cx="0" cy="0"/>
+          <a:chOff x="0" y="0"/>
+          <a:chExt cx="0" cy="0"/>
+        </a:xfrm>
+      </p:grpSpPr>
+      <p:sp>
+        <p:nvSpPr>
+          <p:cNvPr id="4" name="TextBox 3">
+            <a:extLst>
+              <a:ext uri="{FF2B5EF4-FFF2-40B4-BE49-F238E27FC236}">
+                <a16:creationId xmlns:a16="http://schemas.microsoft.com/office/drawing/2014/main" id="{D6AFA0EA-A3FD-4DB5-90F0-90DFBD3ECE84}"/>
+              </a:ext>
+            </a:extLst>
+          </p:cNvPr>
+          <p:cNvSpPr txBox="1"/>
+          <p:nvPr/>
+        </p:nvSpPr>
+        <p:spPr>
+          <a:xfrm>
+            <a:off x="0" y="9023"/>
+            <a:ext cx="12192000" cy="830997"/>
+          </a:xfrm>
+          <a:prstGeom prst="rect">
+            <a:avLst/>
+          </a:prstGeom>
+          <a:noFill/>
+        </p:spPr>
+        <p:txBody>
+          <a:bodyPr wrap="square">
+            <a:spAutoFit/>
+          </a:bodyPr>
+          <a:lstStyle/>
+          <a:p>
+            <a:pPr algn="ctr"/>
+            <a:r>
+              <a:rPr lang="uk-UA" sz="4800" dirty="0">
+                <a:solidFill>
+                  <a:srgbClr val="151F33"/>
+                </a:solidFill>
+                <a:latin typeface="Times New Roman" panose="02020603050405020304" pitchFamily="18" charset="0"/>
+                <a:cs typeface="Times New Roman" panose="02020603050405020304" pitchFamily="18" charset="0"/>
+              </a:rPr>
+              <a:t>Перевантаження методів</a:t>
+            </a:r>
+            <a:endParaRPr lang="en-US" sz="4800" i="0" dirty="0">
+              <a:solidFill>
+                <a:srgbClr val="151F33"/>
+              </a:solidFill>
+              <a:effectLst/>
+              <a:latin typeface="Times New Roman" panose="02020603050405020304" pitchFamily="18" charset="0"/>
+              <a:cs typeface="Times New Roman" panose="02020603050405020304" pitchFamily="18" charset="0"/>
+            </a:endParaRPr>
+          </a:p>
+        </p:txBody>
+      </p:sp>
+      <p:sp>
+        <p:nvSpPr>
+          <p:cNvPr id="6" name="TextBox 5">
+            <a:extLst>
+              <a:ext uri="{FF2B5EF4-FFF2-40B4-BE49-F238E27FC236}">
+                <a16:creationId xmlns:a16="http://schemas.microsoft.com/office/drawing/2014/main" id="{65189785-7355-442B-B61F-CFE1FB82E105}"/>
+              </a:ext>
+            </a:extLst>
+          </p:cNvPr>
+          <p:cNvSpPr txBox="1"/>
+          <p:nvPr/>
+        </p:nvSpPr>
+        <p:spPr>
+          <a:xfrm>
+            <a:off x="407709" y="840020"/>
+            <a:ext cx="11422929" cy="1200329"/>
+          </a:xfrm>
+          <a:prstGeom prst="rect">
+            <a:avLst/>
+          </a:prstGeom>
+          <a:noFill/>
+        </p:spPr>
+        <p:txBody>
+          <a:bodyPr wrap="square">
+            <a:spAutoFit/>
+          </a:bodyPr>
+          <a:lstStyle/>
+          <a:p>
+            <a:pPr algn="just"/>
+            <a:r>
+              <a:rPr lang="ru-RU" b="0" i="0" dirty="0" err="1">
+                <a:effectLst/>
+                <a:latin typeface="Times New Roman" panose="02020603050405020304" pitchFamily="18" charset="0"/>
+                <a:cs typeface="Times New Roman" panose="02020603050405020304" pitchFamily="18" charset="0"/>
+              </a:rPr>
+              <a:t>Перевантаження</a:t>
+            </a:r>
+            <a:r>
+              <a:rPr lang="ru-RU" b="0" i="0" dirty="0">
+                <a:effectLst/>
+                <a:latin typeface="Times New Roman" panose="02020603050405020304" pitchFamily="18" charset="0"/>
+                <a:cs typeface="Times New Roman" panose="02020603050405020304" pitchFamily="18" charset="0"/>
+              </a:rPr>
+              <a:t> </a:t>
+            </a:r>
+            <a:r>
+              <a:rPr lang="ru-RU" b="0" i="0" dirty="0" err="1">
+                <a:effectLst/>
+                <a:latin typeface="Times New Roman" panose="02020603050405020304" pitchFamily="18" charset="0"/>
+                <a:cs typeface="Times New Roman" panose="02020603050405020304" pitchFamily="18" charset="0"/>
+              </a:rPr>
+              <a:t>методів</a:t>
+            </a:r>
+            <a:r>
+              <a:rPr lang="ru-RU" b="0" i="0" dirty="0">
+                <a:effectLst/>
+                <a:latin typeface="Times New Roman" panose="02020603050405020304" pitchFamily="18" charset="0"/>
+                <a:cs typeface="Times New Roman" panose="02020603050405020304" pitchFamily="18" charset="0"/>
+              </a:rPr>
+              <a:t> - </a:t>
+            </a:r>
+            <a:r>
+              <a:rPr lang="ru-RU" b="0" i="0" dirty="0" err="1">
+                <a:effectLst/>
+                <a:latin typeface="Times New Roman" panose="02020603050405020304" pitchFamily="18" charset="0"/>
+                <a:cs typeface="Times New Roman" panose="02020603050405020304" pitchFamily="18" charset="0"/>
+              </a:rPr>
+              <a:t>це</a:t>
+            </a:r>
+            <a:r>
+              <a:rPr lang="ru-RU" b="0" i="0" dirty="0">
+                <a:effectLst/>
+                <a:latin typeface="Times New Roman" panose="02020603050405020304" pitchFamily="18" charset="0"/>
+                <a:cs typeface="Times New Roman" panose="02020603050405020304" pitchFamily="18" charset="0"/>
+              </a:rPr>
+              <a:t> </a:t>
+            </a:r>
+            <a:r>
+              <a:rPr lang="ru-RU" b="0" i="0" dirty="0" err="1">
+                <a:effectLst/>
+                <a:latin typeface="Times New Roman" panose="02020603050405020304" pitchFamily="18" charset="0"/>
+                <a:cs typeface="Times New Roman" panose="02020603050405020304" pitchFamily="18" charset="0"/>
+              </a:rPr>
+              <a:t>використання</a:t>
+            </a:r>
+            <a:r>
+              <a:rPr lang="ru-RU" b="0" i="0" dirty="0">
+                <a:effectLst/>
+                <a:latin typeface="Times New Roman" panose="02020603050405020304" pitchFamily="18" charset="0"/>
+                <a:cs typeface="Times New Roman" panose="02020603050405020304" pitchFamily="18" charset="0"/>
+              </a:rPr>
+              <a:t> одного і того ж </a:t>
+            </a:r>
+            <a:r>
+              <a:rPr lang="ru-RU" b="0" i="0" dirty="0" err="1">
+                <a:effectLst/>
+                <a:latin typeface="Times New Roman" panose="02020603050405020304" pitchFamily="18" charset="0"/>
+                <a:cs typeface="Times New Roman" panose="02020603050405020304" pitchFamily="18" charset="0"/>
+              </a:rPr>
+              <a:t>імені</a:t>
+            </a:r>
+            <a:r>
+              <a:rPr lang="ru-RU" b="0" i="0" dirty="0">
+                <a:effectLst/>
+                <a:latin typeface="Times New Roman" panose="02020603050405020304" pitchFamily="18" charset="0"/>
+                <a:cs typeface="Times New Roman" panose="02020603050405020304" pitchFamily="18" charset="0"/>
+              </a:rPr>
+              <a:t> методу </a:t>
+            </a:r>
+            <a:r>
+              <a:rPr lang="ru-RU" b="0" i="0" dirty="0" err="1">
+                <a:effectLst/>
+                <a:latin typeface="Times New Roman" panose="02020603050405020304" pitchFamily="18" charset="0"/>
+                <a:cs typeface="Times New Roman" panose="02020603050405020304" pitchFamily="18" charset="0"/>
+              </a:rPr>
+              <a:t>кілька</a:t>
+            </a:r>
+            <a:r>
+              <a:rPr lang="ru-RU" b="0" i="0" dirty="0">
+                <a:effectLst/>
+                <a:latin typeface="Times New Roman" panose="02020603050405020304" pitchFamily="18" charset="0"/>
+                <a:cs typeface="Times New Roman" panose="02020603050405020304" pitchFamily="18" charset="0"/>
+              </a:rPr>
+              <a:t> </a:t>
+            </a:r>
+            <a:r>
+              <a:rPr lang="ru-RU" b="0" i="0" dirty="0" err="1">
+                <a:effectLst/>
+                <a:latin typeface="Times New Roman" panose="02020603050405020304" pitchFamily="18" charset="0"/>
+                <a:cs typeface="Times New Roman" panose="02020603050405020304" pitchFamily="18" charset="0"/>
+              </a:rPr>
+              <a:t>разів</a:t>
+            </a:r>
+            <a:r>
+              <a:rPr lang="ru-RU" b="0" i="0" dirty="0">
+                <a:effectLst/>
+                <a:latin typeface="Times New Roman" panose="02020603050405020304" pitchFamily="18" charset="0"/>
+                <a:cs typeface="Times New Roman" panose="02020603050405020304" pitchFamily="18" charset="0"/>
+              </a:rPr>
+              <a:t> при </a:t>
+            </a:r>
+            <a:r>
+              <a:rPr lang="ru-RU" b="0" i="0" dirty="0" err="1">
+                <a:effectLst/>
+                <a:latin typeface="Times New Roman" panose="02020603050405020304" pitchFamily="18" charset="0"/>
+                <a:cs typeface="Times New Roman" panose="02020603050405020304" pitchFamily="18" charset="0"/>
+              </a:rPr>
+              <a:t>його</a:t>
+            </a:r>
+            <a:r>
+              <a:rPr lang="ru-RU" b="0" i="0" dirty="0">
+                <a:effectLst/>
+                <a:latin typeface="Times New Roman" panose="02020603050405020304" pitchFamily="18" charset="0"/>
+                <a:cs typeface="Times New Roman" panose="02020603050405020304" pitchFamily="18" charset="0"/>
+              </a:rPr>
+              <a:t> </a:t>
+            </a:r>
+            <a:r>
+              <a:rPr lang="ru-RU" b="0" i="0" dirty="0" err="1">
+                <a:effectLst/>
+                <a:latin typeface="Times New Roman" panose="02020603050405020304" pitchFamily="18" charset="0"/>
+                <a:cs typeface="Times New Roman" panose="02020603050405020304" pitchFamily="18" charset="0"/>
+              </a:rPr>
+              <a:t>оголошенні</a:t>
+            </a:r>
+            <a:r>
+              <a:rPr lang="ru-RU" b="0" i="0" dirty="0">
+                <a:effectLst/>
+                <a:latin typeface="Times New Roman" panose="02020603050405020304" pitchFamily="18" charset="0"/>
+                <a:cs typeface="Times New Roman" panose="02020603050405020304" pitchFamily="18" charset="0"/>
+              </a:rPr>
+              <a:t> у </a:t>
+            </a:r>
+            <a:r>
+              <a:rPr lang="ru-RU" b="0" i="0" dirty="0" err="1">
+                <a:effectLst/>
+                <a:latin typeface="Times New Roman" panose="02020603050405020304" pitchFamily="18" charset="0"/>
+                <a:cs typeface="Times New Roman" panose="02020603050405020304" pitchFamily="18" charset="0"/>
+              </a:rPr>
+              <a:t>класі</a:t>
+            </a:r>
+            <a:r>
+              <a:rPr lang="ru-RU" b="0" i="0" dirty="0">
+                <a:effectLst/>
+                <a:latin typeface="Times New Roman" panose="02020603050405020304" pitchFamily="18" charset="0"/>
+                <a:cs typeface="Times New Roman" panose="02020603050405020304" pitchFamily="18" charset="0"/>
+              </a:rPr>
+              <a:t>. З </a:t>
+            </a:r>
+            <a:r>
+              <a:rPr lang="ru-RU" b="0" i="0" dirty="0" err="1">
+                <a:effectLst/>
+                <a:latin typeface="Times New Roman" panose="02020603050405020304" pitchFamily="18" charset="0"/>
+                <a:cs typeface="Times New Roman" panose="02020603050405020304" pitchFamily="18" charset="0"/>
+              </a:rPr>
+              <a:t>погляду</a:t>
+            </a:r>
+            <a:r>
+              <a:rPr lang="ru-RU" b="0" i="0" dirty="0">
+                <a:effectLst/>
+                <a:latin typeface="Times New Roman" panose="02020603050405020304" pitchFamily="18" charset="0"/>
+                <a:cs typeface="Times New Roman" panose="02020603050405020304" pitchFamily="18" charset="0"/>
+              </a:rPr>
+              <a:t> синтаксису </a:t>
+            </a:r>
+            <a:r>
+              <a:rPr lang="ru-RU" b="0" i="0" dirty="0" err="1">
+                <a:effectLst/>
+                <a:latin typeface="Times New Roman" panose="02020603050405020304" pitchFamily="18" charset="0"/>
+                <a:cs typeface="Times New Roman" panose="02020603050405020304" pitchFamily="18" charset="0"/>
+              </a:rPr>
+              <a:t>мови</a:t>
+            </a:r>
+            <a:r>
+              <a:rPr lang="ru-RU" b="0" i="0" dirty="0">
+                <a:effectLst/>
+                <a:latin typeface="Times New Roman" panose="02020603050405020304" pitchFamily="18" charset="0"/>
+                <a:cs typeface="Times New Roman" panose="02020603050405020304" pitchFamily="18" charset="0"/>
+              </a:rPr>
+              <a:t>, </a:t>
+            </a:r>
+            <a:r>
+              <a:rPr lang="ru-RU" b="0" i="0" dirty="0" err="1">
+                <a:effectLst/>
+                <a:latin typeface="Times New Roman" panose="02020603050405020304" pitchFamily="18" charset="0"/>
+                <a:cs typeface="Times New Roman" panose="02020603050405020304" pitchFamily="18" charset="0"/>
+              </a:rPr>
+              <a:t>може</a:t>
+            </a:r>
+            <a:r>
+              <a:rPr lang="ru-RU" b="0" i="0" dirty="0">
+                <a:effectLst/>
+                <a:latin typeface="Times New Roman" panose="02020603050405020304" pitchFamily="18" charset="0"/>
+                <a:cs typeface="Times New Roman" panose="02020603050405020304" pitchFamily="18" charset="0"/>
+              </a:rPr>
+              <a:t> бути </a:t>
+            </a:r>
+            <a:r>
+              <a:rPr lang="ru-RU" b="0" i="0" dirty="0" err="1">
+                <a:effectLst/>
+                <a:latin typeface="Times New Roman" panose="02020603050405020304" pitchFamily="18" charset="0"/>
+                <a:cs typeface="Times New Roman" panose="02020603050405020304" pitchFamily="18" charset="0"/>
+              </a:rPr>
+              <a:t>двох</a:t>
+            </a:r>
+            <a:r>
+              <a:rPr lang="ru-RU" b="0" i="0" dirty="0">
+                <a:effectLst/>
+                <a:latin typeface="Times New Roman" panose="02020603050405020304" pitchFamily="18" charset="0"/>
+                <a:cs typeface="Times New Roman" panose="02020603050405020304" pitchFamily="18" charset="0"/>
+              </a:rPr>
+              <a:t> </a:t>
+            </a:r>
+            <a:r>
+              <a:rPr lang="ru-RU" b="0" i="0" dirty="0" err="1">
+                <a:effectLst/>
+                <a:latin typeface="Times New Roman" panose="02020603050405020304" pitchFamily="18" charset="0"/>
+                <a:cs typeface="Times New Roman" panose="02020603050405020304" pitchFamily="18" charset="0"/>
+              </a:rPr>
+              <a:t>однакових</a:t>
+            </a:r>
+            <a:r>
+              <a:rPr lang="ru-RU" b="0" i="0" dirty="0">
+                <a:effectLst/>
+                <a:latin typeface="Times New Roman" panose="02020603050405020304" pitchFamily="18" charset="0"/>
+                <a:cs typeface="Times New Roman" panose="02020603050405020304" pitchFamily="18" charset="0"/>
+              </a:rPr>
+              <a:t> </a:t>
+            </a:r>
+            <a:r>
+              <a:rPr lang="ru-RU" b="0" i="0" dirty="0" err="1">
+                <a:effectLst/>
+                <a:latin typeface="Times New Roman" panose="02020603050405020304" pitchFamily="18" charset="0"/>
+                <a:cs typeface="Times New Roman" panose="02020603050405020304" pitchFamily="18" charset="0"/>
+              </a:rPr>
+              <a:t>імен</a:t>
+            </a:r>
+            <a:r>
+              <a:rPr lang="ru-RU" b="0" i="0" dirty="0">
+                <a:effectLst/>
+                <a:latin typeface="Times New Roman" panose="02020603050405020304" pitchFamily="18" charset="0"/>
+                <a:cs typeface="Times New Roman" panose="02020603050405020304" pitchFamily="18" charset="0"/>
+              </a:rPr>
+              <a:t> у </a:t>
+            </a:r>
+            <a:r>
+              <a:rPr lang="ru-RU" b="0" i="0" dirty="0" err="1">
+                <a:effectLst/>
+                <a:latin typeface="Times New Roman" panose="02020603050405020304" pitchFamily="18" charset="0"/>
+                <a:cs typeface="Times New Roman" panose="02020603050405020304" pitchFamily="18" charset="0"/>
+              </a:rPr>
+              <a:t>деякому</a:t>
+            </a:r>
+            <a:r>
+              <a:rPr lang="ru-RU" b="0" i="0" dirty="0">
+                <a:effectLst/>
+                <a:latin typeface="Times New Roman" panose="02020603050405020304" pitchFamily="18" charset="0"/>
+                <a:cs typeface="Times New Roman" panose="02020603050405020304" pitchFamily="18" charset="0"/>
+              </a:rPr>
+              <a:t> локальному </a:t>
+            </a:r>
+            <a:r>
+              <a:rPr lang="ru-RU" b="0" i="0" dirty="0" err="1">
+                <a:effectLst/>
+                <a:latin typeface="Times New Roman" panose="02020603050405020304" pitchFamily="18" charset="0"/>
+                <a:cs typeface="Times New Roman" panose="02020603050405020304" pitchFamily="18" charset="0"/>
+              </a:rPr>
+              <a:t>просторі</a:t>
+            </a:r>
+            <a:r>
+              <a:rPr lang="ru-RU" b="0" i="0" dirty="0">
+                <a:effectLst/>
+                <a:latin typeface="Times New Roman" panose="02020603050405020304" pitchFamily="18" charset="0"/>
+                <a:cs typeface="Times New Roman" panose="02020603050405020304" pitchFamily="18" charset="0"/>
+              </a:rPr>
+              <a:t>. Але при </a:t>
+            </a:r>
+            <a:r>
+              <a:rPr lang="ru-RU" b="0" i="0" dirty="0" err="1">
+                <a:effectLst/>
+                <a:latin typeface="Times New Roman" panose="02020603050405020304" pitchFamily="18" charset="0"/>
+                <a:cs typeface="Times New Roman" panose="02020603050405020304" pitchFamily="18" charset="0"/>
+              </a:rPr>
+              <a:t>цьому</a:t>
+            </a:r>
+            <a:r>
+              <a:rPr lang="ru-RU" b="0" i="0" dirty="0">
+                <a:effectLst/>
+                <a:latin typeface="Times New Roman" panose="02020603050405020304" pitchFamily="18" charset="0"/>
+                <a:cs typeface="Times New Roman" panose="02020603050405020304" pitchFamily="18" charset="0"/>
+              </a:rPr>
+              <a:t> </a:t>
+            </a:r>
+            <a:r>
+              <a:rPr lang="ru-RU" b="0" i="0" dirty="0" err="1">
+                <a:effectLst/>
+                <a:latin typeface="Times New Roman" panose="02020603050405020304" pitchFamily="18" charset="0"/>
+                <a:cs typeface="Times New Roman" panose="02020603050405020304" pitchFamily="18" charset="0"/>
+              </a:rPr>
+              <a:t>допускається</a:t>
+            </a:r>
+            <a:r>
+              <a:rPr lang="ru-RU" b="0" i="0" dirty="0">
+                <a:effectLst/>
+                <a:latin typeface="Times New Roman" panose="02020603050405020304" pitchFamily="18" charset="0"/>
+                <a:cs typeface="Times New Roman" panose="02020603050405020304" pitchFamily="18" charset="0"/>
+              </a:rPr>
+              <a:t> </a:t>
+            </a:r>
+            <a:r>
+              <a:rPr lang="ru-RU" b="0" i="0" dirty="0" err="1">
+                <a:effectLst/>
+                <a:latin typeface="Times New Roman" panose="02020603050405020304" pitchFamily="18" charset="0"/>
+                <a:cs typeface="Times New Roman" panose="02020603050405020304" pitchFamily="18" charset="0"/>
+              </a:rPr>
+              <a:t>оголошення</a:t>
+            </a:r>
+            <a:r>
+              <a:rPr lang="ru-RU" b="0" i="0" dirty="0">
+                <a:effectLst/>
+                <a:latin typeface="Times New Roman" panose="02020603050405020304" pitchFamily="18" charset="0"/>
+                <a:cs typeface="Times New Roman" panose="02020603050405020304" pitchFamily="18" charset="0"/>
+              </a:rPr>
+              <a:t> </a:t>
+            </a:r>
+            <a:r>
+              <a:rPr lang="ru-RU" b="0" i="0" dirty="0" err="1">
+                <a:effectLst/>
+                <a:latin typeface="Times New Roman" panose="02020603050405020304" pitchFamily="18" charset="0"/>
+                <a:cs typeface="Times New Roman" panose="02020603050405020304" pitchFamily="18" charset="0"/>
+              </a:rPr>
+              <a:t>методів</a:t>
+            </a:r>
+            <a:r>
+              <a:rPr lang="ru-RU" b="0" i="0" dirty="0">
+                <a:effectLst/>
+                <a:latin typeface="Times New Roman" panose="02020603050405020304" pitchFamily="18" charset="0"/>
+                <a:cs typeface="Times New Roman" panose="02020603050405020304" pitchFamily="18" charset="0"/>
+              </a:rPr>
+              <a:t> з </a:t>
+            </a:r>
+            <a:r>
+              <a:rPr lang="ru-RU" b="0" i="0" dirty="0" err="1">
+                <a:effectLst/>
+                <a:latin typeface="Times New Roman" panose="02020603050405020304" pitchFamily="18" charset="0"/>
+                <a:cs typeface="Times New Roman" panose="02020603050405020304" pitchFamily="18" charset="0"/>
+              </a:rPr>
+              <a:t>однаковими</a:t>
+            </a:r>
+            <a:r>
+              <a:rPr lang="ru-RU" b="0" i="0" dirty="0">
+                <a:effectLst/>
+                <a:latin typeface="Times New Roman" panose="02020603050405020304" pitchFamily="18" charset="0"/>
+                <a:cs typeface="Times New Roman" panose="02020603050405020304" pitchFamily="18" charset="0"/>
+              </a:rPr>
+              <a:t> </a:t>
+            </a:r>
+            <a:r>
+              <a:rPr lang="ru-RU" b="0" i="0" dirty="0" err="1">
+                <a:effectLst/>
+                <a:latin typeface="Times New Roman" panose="02020603050405020304" pitchFamily="18" charset="0"/>
+                <a:cs typeface="Times New Roman" panose="02020603050405020304" pitchFamily="18" charset="0"/>
+              </a:rPr>
+              <a:t>іменами</a:t>
+            </a:r>
+            <a:r>
+              <a:rPr lang="ru-RU" b="0" i="0" dirty="0">
+                <a:effectLst/>
+                <a:latin typeface="Times New Roman" panose="02020603050405020304" pitchFamily="18" charset="0"/>
+                <a:cs typeface="Times New Roman" panose="02020603050405020304" pitchFamily="18" charset="0"/>
+              </a:rPr>
+              <a:t>, але </a:t>
+            </a:r>
+            <a:r>
+              <a:rPr lang="ru-RU" b="0" i="0" dirty="0" err="1">
+                <a:effectLst/>
+                <a:latin typeface="Times New Roman" panose="02020603050405020304" pitchFamily="18" charset="0"/>
+                <a:cs typeface="Times New Roman" panose="02020603050405020304" pitchFamily="18" charset="0"/>
+              </a:rPr>
+              <a:t>різними</a:t>
+            </a:r>
+            <a:r>
+              <a:rPr lang="ru-RU" b="0" i="0" dirty="0">
+                <a:effectLst/>
+                <a:latin typeface="Times New Roman" panose="02020603050405020304" pitchFamily="18" charset="0"/>
+                <a:cs typeface="Times New Roman" panose="02020603050405020304" pitchFamily="18" charset="0"/>
+              </a:rPr>
+              <a:t> аргументами. </a:t>
+            </a:r>
+            <a:r>
+              <a:rPr lang="ru-RU" b="0" i="0" dirty="0" err="1">
+                <a:effectLst/>
+                <a:latin typeface="Times New Roman" panose="02020603050405020304" pitchFamily="18" charset="0"/>
+                <a:cs typeface="Times New Roman" panose="02020603050405020304" pitchFamily="18" charset="0"/>
+              </a:rPr>
+              <a:t>Іншими</a:t>
+            </a:r>
+            <a:r>
+              <a:rPr lang="ru-RU" b="0" i="0" dirty="0">
+                <a:effectLst/>
+                <a:latin typeface="Times New Roman" panose="02020603050405020304" pitchFamily="18" charset="0"/>
+                <a:cs typeface="Times New Roman" panose="02020603050405020304" pitchFamily="18" charset="0"/>
+              </a:rPr>
+              <a:t> словами, </a:t>
+            </a:r>
+            <a:r>
+              <a:rPr lang="ru-RU" b="0" i="0" dirty="0" err="1">
+                <a:effectLst/>
+                <a:latin typeface="Times New Roman" panose="02020603050405020304" pitchFamily="18" charset="0"/>
+                <a:cs typeface="Times New Roman" panose="02020603050405020304" pitchFamily="18" charset="0"/>
+              </a:rPr>
+              <a:t>клас</a:t>
+            </a:r>
+            <a:r>
+              <a:rPr lang="ru-RU" b="0" i="0" dirty="0">
+                <a:effectLst/>
+                <a:latin typeface="Times New Roman" panose="02020603050405020304" pitchFamily="18" charset="0"/>
+                <a:cs typeface="Times New Roman" panose="02020603050405020304" pitchFamily="18" charset="0"/>
+              </a:rPr>
+              <a:t> </a:t>
+            </a:r>
+            <a:r>
+              <a:rPr lang="ru-RU" b="0" i="0" dirty="0" err="1">
+                <a:effectLst/>
+                <a:latin typeface="Times New Roman" panose="02020603050405020304" pitchFamily="18" charset="0"/>
+                <a:cs typeface="Times New Roman" panose="02020603050405020304" pitchFamily="18" charset="0"/>
+              </a:rPr>
+              <a:t>містить</a:t>
+            </a:r>
+            <a:r>
+              <a:rPr lang="ru-RU" b="0" i="0" dirty="0">
+                <a:effectLst/>
+                <a:latin typeface="Times New Roman" panose="02020603050405020304" pitchFamily="18" charset="0"/>
+                <a:cs typeface="Times New Roman" panose="02020603050405020304" pitchFamily="18" charset="0"/>
+              </a:rPr>
+              <a:t> у </a:t>
+            </a:r>
+            <a:r>
+              <a:rPr lang="ru-RU" b="0" i="0" dirty="0" err="1">
+                <a:effectLst/>
+                <a:latin typeface="Times New Roman" panose="02020603050405020304" pitchFamily="18" charset="0"/>
+                <a:cs typeface="Times New Roman" panose="02020603050405020304" pitchFamily="18" charset="0"/>
+              </a:rPr>
+              <a:t>собі</a:t>
+            </a:r>
+            <a:r>
+              <a:rPr lang="ru-RU" b="0" i="0" dirty="0">
+                <a:effectLst/>
+                <a:latin typeface="Times New Roman" panose="02020603050405020304" pitchFamily="18" charset="0"/>
+                <a:cs typeface="Times New Roman" panose="02020603050405020304" pitchFamily="18" charset="0"/>
+              </a:rPr>
+              <a:t> </a:t>
+            </a:r>
+            <a:r>
+              <a:rPr lang="ru-RU" b="0" i="0" dirty="0" err="1">
+                <a:effectLst/>
+                <a:latin typeface="Times New Roman" panose="02020603050405020304" pitchFamily="18" charset="0"/>
+                <a:cs typeface="Times New Roman" panose="02020603050405020304" pitchFamily="18" charset="0"/>
+              </a:rPr>
+              <a:t>перевантажені</a:t>
+            </a:r>
+            <a:r>
+              <a:rPr lang="ru-RU" b="0" i="0" dirty="0">
+                <a:effectLst/>
+                <a:latin typeface="Times New Roman" panose="02020603050405020304" pitchFamily="18" charset="0"/>
+                <a:cs typeface="Times New Roman" panose="02020603050405020304" pitchFamily="18" charset="0"/>
+              </a:rPr>
+              <a:t>, коли є два і </a:t>
+            </a:r>
+            <a:r>
+              <a:rPr lang="ru-RU" b="0" i="0" dirty="0" err="1">
+                <a:effectLst/>
+                <a:latin typeface="Times New Roman" panose="02020603050405020304" pitchFamily="18" charset="0"/>
+                <a:cs typeface="Times New Roman" panose="02020603050405020304" pitchFamily="18" charset="0"/>
+              </a:rPr>
+              <a:t>більше</a:t>
+            </a:r>
+            <a:r>
+              <a:rPr lang="ru-RU" b="0" i="0" dirty="0">
+                <a:effectLst/>
+                <a:latin typeface="Times New Roman" panose="02020603050405020304" pitchFamily="18" charset="0"/>
+                <a:cs typeface="Times New Roman" panose="02020603050405020304" pitchFamily="18" charset="0"/>
+              </a:rPr>
+              <a:t> </a:t>
+            </a:r>
+            <a:r>
+              <a:rPr lang="ru-RU" b="0" i="0" dirty="0" err="1">
+                <a:effectLst/>
+                <a:latin typeface="Times New Roman" panose="02020603050405020304" pitchFamily="18" charset="0"/>
+                <a:cs typeface="Times New Roman" panose="02020603050405020304" pitchFamily="18" charset="0"/>
+              </a:rPr>
+              <a:t>методів</a:t>
+            </a:r>
+            <a:r>
+              <a:rPr lang="ru-RU" b="0" i="0" dirty="0">
+                <a:effectLst/>
+                <a:latin typeface="Times New Roman" panose="02020603050405020304" pitchFamily="18" charset="0"/>
+                <a:cs typeface="Times New Roman" panose="02020603050405020304" pitchFamily="18" charset="0"/>
+              </a:rPr>
+              <a:t> з </a:t>
+            </a:r>
+            <a:r>
+              <a:rPr lang="ru-RU" b="0" i="0" dirty="0" err="1">
+                <a:effectLst/>
+                <a:latin typeface="Times New Roman" panose="02020603050405020304" pitchFamily="18" charset="0"/>
+                <a:cs typeface="Times New Roman" panose="02020603050405020304" pitchFamily="18" charset="0"/>
+              </a:rPr>
+              <a:t>однаковими</a:t>
+            </a:r>
+            <a:r>
+              <a:rPr lang="ru-RU" b="0" i="0" dirty="0">
+                <a:effectLst/>
+                <a:latin typeface="Times New Roman" panose="02020603050405020304" pitchFamily="18" charset="0"/>
+                <a:cs typeface="Times New Roman" panose="02020603050405020304" pitchFamily="18" charset="0"/>
+              </a:rPr>
+              <a:t> </a:t>
+            </a:r>
+            <a:r>
+              <a:rPr lang="ru-RU" b="0" i="0" dirty="0" err="1">
+                <a:effectLst/>
+                <a:latin typeface="Times New Roman" panose="02020603050405020304" pitchFamily="18" charset="0"/>
+                <a:cs typeface="Times New Roman" panose="02020603050405020304" pitchFamily="18" charset="0"/>
+              </a:rPr>
+              <a:t>назвами</a:t>
+            </a:r>
+            <a:r>
+              <a:rPr lang="ru-RU" b="0" i="0" dirty="0">
+                <a:effectLst/>
+                <a:latin typeface="Times New Roman" panose="02020603050405020304" pitchFamily="18" charset="0"/>
+                <a:cs typeface="Times New Roman" panose="02020603050405020304" pitchFamily="18" charset="0"/>
+              </a:rPr>
+              <a:t>, але </a:t>
+            </a:r>
+            <a:r>
+              <a:rPr lang="ru-RU" b="0" i="0" dirty="0" err="1">
+                <a:effectLst/>
+                <a:latin typeface="Times New Roman" panose="02020603050405020304" pitchFamily="18" charset="0"/>
+                <a:cs typeface="Times New Roman" panose="02020603050405020304" pitchFamily="18" charset="0"/>
+              </a:rPr>
+              <a:t>різними</a:t>
+            </a:r>
+            <a:r>
+              <a:rPr lang="ru-RU" b="0" i="0" dirty="0">
+                <a:effectLst/>
+                <a:latin typeface="Times New Roman" panose="02020603050405020304" pitchFamily="18" charset="0"/>
+                <a:cs typeface="Times New Roman" panose="02020603050405020304" pitchFamily="18" charset="0"/>
+              </a:rPr>
+              <a:t> </a:t>
+            </a:r>
+            <a:r>
+              <a:rPr lang="ru-RU" b="0" i="0" dirty="0" err="1">
+                <a:effectLst/>
+                <a:latin typeface="Times New Roman" panose="02020603050405020304" pitchFamily="18" charset="0"/>
+                <a:cs typeface="Times New Roman" panose="02020603050405020304" pitchFamily="18" charset="0"/>
+              </a:rPr>
+              <a:t>вхідними</a:t>
+            </a:r>
+            <a:r>
+              <a:rPr lang="ru-RU" b="0" i="0" dirty="0">
+                <a:effectLst/>
+                <a:latin typeface="Times New Roman" panose="02020603050405020304" pitchFamily="18" charset="0"/>
+                <a:cs typeface="Times New Roman" panose="02020603050405020304" pitchFamily="18" charset="0"/>
+              </a:rPr>
+              <a:t> </a:t>
+            </a:r>
+            <a:r>
+              <a:rPr lang="ru-RU" b="0" i="0" dirty="0" err="1">
+                <a:effectLst/>
+                <a:latin typeface="Times New Roman" panose="02020603050405020304" pitchFamily="18" charset="0"/>
+                <a:cs typeface="Times New Roman" panose="02020603050405020304" pitchFamily="18" charset="0"/>
+              </a:rPr>
+              <a:t>даними</a:t>
+            </a:r>
+            <a:r>
+              <a:rPr lang="ru-RU" b="0" i="0" dirty="0">
+                <a:effectLst/>
+                <a:latin typeface="Times New Roman" panose="02020603050405020304" pitchFamily="18" charset="0"/>
+                <a:cs typeface="Times New Roman" panose="02020603050405020304" pitchFamily="18" charset="0"/>
+              </a:rPr>
+              <a:t>: </a:t>
+            </a:r>
+            <a:endParaRPr lang="uk-UA" dirty="0">
+              <a:latin typeface="Times New Roman" panose="02020603050405020304" pitchFamily="18" charset="0"/>
+              <a:cs typeface="Times New Roman" panose="02020603050405020304" pitchFamily="18" charset="0"/>
+            </a:endParaRPr>
+          </a:p>
+        </p:txBody>
+      </p:sp>
+      <p:sp>
+        <p:nvSpPr>
+          <p:cNvPr id="8" name="TextBox 7">
+            <a:extLst>
+              <a:ext uri="{FF2B5EF4-FFF2-40B4-BE49-F238E27FC236}">
+                <a16:creationId xmlns:a16="http://schemas.microsoft.com/office/drawing/2014/main" id="{C3BA8C29-4EAA-4970-AAA0-F8320E4D3BD9}"/>
+              </a:ext>
+            </a:extLst>
+          </p:cNvPr>
+          <p:cNvSpPr txBox="1"/>
+          <p:nvPr/>
+        </p:nvSpPr>
+        <p:spPr>
+          <a:xfrm>
+            <a:off x="407709" y="2047662"/>
+            <a:ext cx="11272102" cy="3970318"/>
+          </a:xfrm>
+          <a:prstGeom prst="rect">
+            <a:avLst/>
+          </a:prstGeom>
+          <a:noFill/>
+        </p:spPr>
+        <p:txBody>
+          <a:bodyPr wrap="square">
+            <a:spAutoFit/>
+          </a:bodyPr>
+          <a:lstStyle/>
+          <a:p>
+            <a:r>
+              <a:rPr lang="en-US" b="1" i="0" dirty="0">
+                <a:solidFill>
+                  <a:srgbClr val="000080"/>
+                </a:solidFill>
+                <a:effectLst/>
+                <a:latin typeface="Courier New" panose="02070309020205020404" pitchFamily="49" charset="0"/>
+                <a:cs typeface="Courier New" panose="02070309020205020404" pitchFamily="49" charset="0"/>
+              </a:rPr>
+              <a:t>public</a:t>
+            </a:r>
+            <a:r>
+              <a:rPr lang="en-US" b="0" i="0" dirty="0">
+                <a:solidFill>
+                  <a:srgbClr val="000000"/>
+                </a:solidFill>
+                <a:effectLst/>
+                <a:latin typeface="Courier New" panose="02070309020205020404" pitchFamily="49" charset="0"/>
+                <a:cs typeface="Courier New" panose="02070309020205020404" pitchFamily="49" charset="0"/>
+              </a:rPr>
+              <a:t> </a:t>
+            </a:r>
+            <a:r>
+              <a:rPr lang="en-US" b="1" i="0" dirty="0">
+                <a:solidFill>
+                  <a:srgbClr val="000080"/>
+                </a:solidFill>
+                <a:effectLst/>
+                <a:latin typeface="Courier New" panose="02070309020205020404" pitchFamily="49" charset="0"/>
+                <a:cs typeface="Courier New" panose="02070309020205020404" pitchFamily="49" charset="0"/>
+              </a:rPr>
+              <a:t>class</a:t>
+            </a:r>
+            <a:r>
+              <a:rPr lang="en-US" b="0" i="0" dirty="0">
+                <a:solidFill>
+                  <a:srgbClr val="000000"/>
+                </a:solidFill>
+                <a:effectLst/>
+                <a:latin typeface="Courier New" panose="02070309020205020404" pitchFamily="49" charset="0"/>
+                <a:cs typeface="Courier New" panose="02070309020205020404" pitchFamily="49" charset="0"/>
+              </a:rPr>
+              <a:t> Constructor { </a:t>
+            </a:r>
+            <a:endParaRPr lang="uk-UA" b="0" i="0" dirty="0">
+              <a:solidFill>
+                <a:srgbClr val="000000"/>
+              </a:solidFill>
+              <a:effectLst/>
+              <a:latin typeface="Courier New" panose="02070309020205020404" pitchFamily="49" charset="0"/>
+              <a:cs typeface="Courier New" panose="02070309020205020404" pitchFamily="49" charset="0"/>
+            </a:endParaRPr>
+          </a:p>
+          <a:p>
+            <a:r>
+              <a:rPr lang="uk-UA" dirty="0">
+                <a:solidFill>
+                  <a:srgbClr val="000000"/>
+                </a:solidFill>
+                <a:latin typeface="Courier New" panose="02070309020205020404" pitchFamily="49" charset="0"/>
+                <a:cs typeface="Courier New" panose="02070309020205020404" pitchFamily="49" charset="0"/>
+              </a:rPr>
+              <a:t>	</a:t>
+            </a:r>
+            <a:r>
+              <a:rPr lang="en-US" b="1" i="0" dirty="0">
+                <a:solidFill>
+                  <a:srgbClr val="000080"/>
+                </a:solidFill>
+                <a:effectLst/>
+                <a:latin typeface="Courier New" panose="02070309020205020404" pitchFamily="49" charset="0"/>
+                <a:cs typeface="Courier New" panose="02070309020205020404" pitchFamily="49" charset="0"/>
+              </a:rPr>
+              <a:t>public</a:t>
+            </a:r>
+            <a:r>
+              <a:rPr lang="en-US" b="0" i="0" dirty="0">
+                <a:solidFill>
+                  <a:srgbClr val="000000"/>
+                </a:solidFill>
+                <a:effectLst/>
+                <a:latin typeface="Courier New" panose="02070309020205020404" pitchFamily="49" charset="0"/>
+                <a:cs typeface="Courier New" panose="02070309020205020404" pitchFamily="49" charset="0"/>
+              </a:rPr>
+              <a:t> String </a:t>
+            </a:r>
+            <a:r>
+              <a:rPr lang="en-US" b="0" i="0" dirty="0" err="1">
+                <a:solidFill>
+                  <a:srgbClr val="900606"/>
+                </a:solidFill>
+                <a:effectLst/>
+                <a:latin typeface="Courier New" panose="02070309020205020404" pitchFamily="49" charset="0"/>
+                <a:cs typeface="Courier New" panose="02070309020205020404" pitchFamily="49" charset="0"/>
+              </a:rPr>
+              <a:t>constructHelloSentence</a:t>
+            </a:r>
+            <a:r>
+              <a:rPr lang="en-US" b="0" i="0" dirty="0">
+                <a:solidFill>
+                  <a:srgbClr val="000000"/>
+                </a:solidFill>
+                <a:effectLst/>
+                <a:latin typeface="Courier New" panose="02070309020205020404" pitchFamily="49" charset="0"/>
+                <a:cs typeface="Courier New" panose="02070309020205020404" pitchFamily="49" charset="0"/>
+              </a:rPr>
+              <a:t>(String name) {</a:t>
+            </a:r>
+            <a:endParaRPr lang="uk-UA" b="0" i="0" dirty="0">
+              <a:solidFill>
+                <a:srgbClr val="000000"/>
+              </a:solidFill>
+              <a:effectLst/>
+              <a:latin typeface="Courier New" panose="02070309020205020404" pitchFamily="49" charset="0"/>
+              <a:cs typeface="Courier New" panose="02070309020205020404" pitchFamily="49" charset="0"/>
+            </a:endParaRPr>
+          </a:p>
+          <a:p>
+            <a:r>
+              <a:rPr lang="uk-UA" dirty="0">
+                <a:solidFill>
+                  <a:srgbClr val="000000"/>
+                </a:solidFill>
+                <a:latin typeface="Courier New" panose="02070309020205020404" pitchFamily="49" charset="0"/>
+                <a:cs typeface="Courier New" panose="02070309020205020404" pitchFamily="49" charset="0"/>
+              </a:rPr>
+              <a:t>		</a:t>
+            </a:r>
+            <a:r>
+              <a:rPr lang="en-US" b="0" i="0" dirty="0">
+                <a:solidFill>
+                  <a:srgbClr val="000000"/>
+                </a:solidFill>
+                <a:effectLst/>
+                <a:latin typeface="Courier New" panose="02070309020205020404" pitchFamily="49" charset="0"/>
+                <a:cs typeface="Courier New" panose="02070309020205020404" pitchFamily="49" charset="0"/>
+              </a:rPr>
+              <a:t>String </a:t>
+            </a:r>
+            <a:r>
+              <a:rPr lang="en-US" b="0" i="0" dirty="0" err="1">
+                <a:solidFill>
+                  <a:srgbClr val="000000"/>
+                </a:solidFill>
+                <a:effectLst/>
+                <a:latin typeface="Courier New" panose="02070309020205020404" pitchFamily="49" charset="0"/>
+                <a:cs typeface="Courier New" panose="02070309020205020404" pitchFamily="49" charset="0"/>
+              </a:rPr>
+              <a:t>resultSentence</a:t>
+            </a:r>
+            <a:r>
+              <a:rPr lang="en-US" b="0" i="0" dirty="0">
+                <a:solidFill>
+                  <a:srgbClr val="000000"/>
+                </a:solidFill>
+                <a:effectLst/>
+                <a:latin typeface="Courier New" panose="02070309020205020404" pitchFamily="49" charset="0"/>
+                <a:cs typeface="Courier New" panose="02070309020205020404" pitchFamily="49" charset="0"/>
+              </a:rPr>
+              <a:t> = </a:t>
+            </a:r>
+            <a:r>
+              <a:rPr lang="en-US" b="0" i="0" dirty="0">
+                <a:solidFill>
+                  <a:srgbClr val="008000"/>
+                </a:solidFill>
+                <a:effectLst/>
+                <a:latin typeface="Courier New" panose="02070309020205020404" pitchFamily="49" charset="0"/>
+                <a:cs typeface="Courier New" panose="02070309020205020404" pitchFamily="49" charset="0"/>
+              </a:rPr>
+              <a:t>"Hello world! My name is "</a:t>
+            </a:r>
+            <a:r>
+              <a:rPr lang="en-US" b="0" i="0" dirty="0">
+                <a:solidFill>
+                  <a:srgbClr val="000000"/>
+                </a:solidFill>
+                <a:effectLst/>
+                <a:latin typeface="Courier New" panose="02070309020205020404" pitchFamily="49" charset="0"/>
+                <a:cs typeface="Courier New" panose="02070309020205020404" pitchFamily="49" charset="0"/>
+              </a:rPr>
+              <a:t> + name; </a:t>
+            </a:r>
+            <a:endParaRPr lang="uk-UA" b="0" i="0" dirty="0">
+              <a:solidFill>
+                <a:srgbClr val="000000"/>
+              </a:solidFill>
+              <a:effectLst/>
+              <a:latin typeface="Courier New" panose="02070309020205020404" pitchFamily="49" charset="0"/>
+              <a:cs typeface="Courier New" panose="02070309020205020404" pitchFamily="49" charset="0"/>
+            </a:endParaRPr>
+          </a:p>
+          <a:p>
+            <a:r>
+              <a:rPr lang="uk-UA" dirty="0">
+                <a:solidFill>
+                  <a:srgbClr val="000000"/>
+                </a:solidFill>
+                <a:latin typeface="Courier New" panose="02070309020205020404" pitchFamily="49" charset="0"/>
+                <a:cs typeface="Courier New" panose="02070309020205020404" pitchFamily="49" charset="0"/>
+              </a:rPr>
+              <a:t>		</a:t>
+            </a:r>
+            <a:r>
+              <a:rPr lang="en-US" b="0" i="0" dirty="0" err="1">
+                <a:solidFill>
+                  <a:srgbClr val="000000"/>
+                </a:solidFill>
+                <a:effectLst/>
+                <a:latin typeface="Courier New" panose="02070309020205020404" pitchFamily="49" charset="0"/>
+                <a:cs typeface="Courier New" panose="02070309020205020404" pitchFamily="49" charset="0"/>
+              </a:rPr>
+              <a:t>System.out.</a:t>
+            </a:r>
+            <a:r>
+              <a:rPr lang="en-US" b="0" i="0" dirty="0" err="1">
+                <a:solidFill>
+                  <a:srgbClr val="900606"/>
+                </a:solidFill>
+                <a:effectLst/>
+                <a:latin typeface="Courier New" panose="02070309020205020404" pitchFamily="49" charset="0"/>
+                <a:cs typeface="Courier New" panose="02070309020205020404" pitchFamily="49" charset="0"/>
+              </a:rPr>
+              <a:t>println</a:t>
+            </a:r>
+            <a:r>
+              <a:rPr lang="en-US" b="0" i="0" dirty="0">
+                <a:solidFill>
+                  <a:srgbClr val="000000"/>
+                </a:solidFill>
+                <a:effectLst/>
+                <a:latin typeface="Courier New" panose="02070309020205020404" pitchFamily="49" charset="0"/>
+                <a:cs typeface="Courier New" panose="02070309020205020404" pitchFamily="49" charset="0"/>
+              </a:rPr>
+              <a:t>(</a:t>
+            </a:r>
+            <a:r>
+              <a:rPr lang="en-US" b="0" i="0" dirty="0" err="1">
+                <a:solidFill>
+                  <a:srgbClr val="000000"/>
+                </a:solidFill>
+                <a:effectLst/>
+                <a:latin typeface="Courier New" panose="02070309020205020404" pitchFamily="49" charset="0"/>
+                <a:cs typeface="Courier New" panose="02070309020205020404" pitchFamily="49" charset="0"/>
+              </a:rPr>
+              <a:t>resultSentence</a:t>
+            </a:r>
+            <a:r>
+              <a:rPr lang="en-US" b="0" i="0" dirty="0">
+                <a:solidFill>
+                  <a:srgbClr val="000000"/>
+                </a:solidFill>
+                <a:effectLst/>
+                <a:latin typeface="Courier New" panose="02070309020205020404" pitchFamily="49" charset="0"/>
+                <a:cs typeface="Courier New" panose="02070309020205020404" pitchFamily="49" charset="0"/>
+              </a:rPr>
+              <a:t>); </a:t>
+            </a:r>
+            <a:endParaRPr lang="uk-UA" b="0" i="0" dirty="0">
+              <a:solidFill>
+                <a:srgbClr val="000000"/>
+              </a:solidFill>
+              <a:effectLst/>
+              <a:latin typeface="Courier New" panose="02070309020205020404" pitchFamily="49" charset="0"/>
+              <a:cs typeface="Courier New" panose="02070309020205020404" pitchFamily="49" charset="0"/>
+            </a:endParaRPr>
+          </a:p>
+          <a:p>
+            <a:r>
+              <a:rPr lang="uk-UA" dirty="0">
+                <a:solidFill>
+                  <a:srgbClr val="000000"/>
+                </a:solidFill>
+                <a:latin typeface="Courier New" panose="02070309020205020404" pitchFamily="49" charset="0"/>
+                <a:cs typeface="Courier New" panose="02070309020205020404" pitchFamily="49" charset="0"/>
+              </a:rPr>
+              <a:t>		</a:t>
+            </a:r>
+            <a:r>
+              <a:rPr lang="en-US" b="1" i="0" dirty="0">
+                <a:solidFill>
+                  <a:srgbClr val="000080"/>
+                </a:solidFill>
+                <a:effectLst/>
+                <a:latin typeface="Courier New" panose="02070309020205020404" pitchFamily="49" charset="0"/>
+                <a:cs typeface="Courier New" panose="02070309020205020404" pitchFamily="49" charset="0"/>
+              </a:rPr>
+              <a:t>return</a:t>
+            </a:r>
+            <a:r>
+              <a:rPr lang="en-US" b="0" i="0" dirty="0">
+                <a:solidFill>
+                  <a:srgbClr val="000000"/>
+                </a:solidFill>
+                <a:effectLst/>
+                <a:latin typeface="Courier New" panose="02070309020205020404" pitchFamily="49" charset="0"/>
+                <a:cs typeface="Courier New" panose="02070309020205020404" pitchFamily="49" charset="0"/>
+              </a:rPr>
+              <a:t> </a:t>
+            </a:r>
+            <a:r>
+              <a:rPr lang="en-US" b="0" i="0" dirty="0" err="1">
+                <a:solidFill>
+                  <a:srgbClr val="000000"/>
+                </a:solidFill>
+                <a:effectLst/>
+                <a:latin typeface="Courier New" panose="02070309020205020404" pitchFamily="49" charset="0"/>
+                <a:cs typeface="Courier New" panose="02070309020205020404" pitchFamily="49" charset="0"/>
+              </a:rPr>
+              <a:t>resultSentence</a:t>
+            </a:r>
+            <a:r>
+              <a:rPr lang="en-US" b="0" i="0" dirty="0">
+                <a:solidFill>
+                  <a:srgbClr val="000000"/>
+                </a:solidFill>
+                <a:effectLst/>
+                <a:latin typeface="Courier New" panose="02070309020205020404" pitchFamily="49" charset="0"/>
+                <a:cs typeface="Courier New" panose="02070309020205020404" pitchFamily="49" charset="0"/>
+              </a:rPr>
+              <a:t>; </a:t>
+            </a:r>
+            <a:endParaRPr lang="uk-UA" b="0" i="0" dirty="0">
+              <a:solidFill>
+                <a:srgbClr val="000000"/>
+              </a:solidFill>
+              <a:effectLst/>
+              <a:latin typeface="Courier New" panose="02070309020205020404" pitchFamily="49" charset="0"/>
+              <a:cs typeface="Courier New" panose="02070309020205020404" pitchFamily="49" charset="0"/>
+            </a:endParaRPr>
+          </a:p>
+          <a:p>
+            <a:r>
+              <a:rPr lang="uk-UA" dirty="0">
+                <a:solidFill>
+                  <a:srgbClr val="000000"/>
+                </a:solidFill>
+                <a:latin typeface="Courier New" panose="02070309020205020404" pitchFamily="49" charset="0"/>
+                <a:cs typeface="Courier New" panose="02070309020205020404" pitchFamily="49" charset="0"/>
+              </a:rPr>
+              <a:t>	</a:t>
+            </a:r>
+            <a:r>
+              <a:rPr lang="en-US" b="0" i="0" dirty="0">
+                <a:solidFill>
+                  <a:srgbClr val="000000"/>
+                </a:solidFill>
+                <a:effectLst/>
+                <a:latin typeface="Courier New" panose="02070309020205020404" pitchFamily="49" charset="0"/>
+                <a:cs typeface="Courier New" panose="02070309020205020404" pitchFamily="49" charset="0"/>
+              </a:rPr>
+              <a:t>} </a:t>
+            </a:r>
+            <a:endParaRPr lang="uk-UA" b="0" i="0" dirty="0">
+              <a:solidFill>
+                <a:srgbClr val="000000"/>
+              </a:solidFill>
+              <a:effectLst/>
+              <a:latin typeface="Courier New" panose="02070309020205020404" pitchFamily="49" charset="0"/>
+              <a:cs typeface="Courier New" panose="02070309020205020404" pitchFamily="49" charset="0"/>
+            </a:endParaRPr>
+          </a:p>
+          <a:p>
+            <a:r>
+              <a:rPr lang="uk-UA" dirty="0">
+                <a:solidFill>
+                  <a:srgbClr val="000000"/>
+                </a:solidFill>
+                <a:latin typeface="Courier New" panose="02070309020205020404" pitchFamily="49" charset="0"/>
+                <a:cs typeface="Courier New" panose="02070309020205020404" pitchFamily="49" charset="0"/>
+              </a:rPr>
+              <a:t>	</a:t>
+            </a:r>
+            <a:r>
+              <a:rPr lang="en-US" b="1" i="0" dirty="0">
+                <a:solidFill>
+                  <a:srgbClr val="000080"/>
+                </a:solidFill>
+                <a:effectLst/>
+                <a:latin typeface="Courier New" panose="02070309020205020404" pitchFamily="49" charset="0"/>
+                <a:cs typeface="Courier New" panose="02070309020205020404" pitchFamily="49" charset="0"/>
+              </a:rPr>
+              <a:t>protected</a:t>
+            </a:r>
+            <a:r>
+              <a:rPr lang="en-US" b="0" i="0" dirty="0">
+                <a:solidFill>
+                  <a:srgbClr val="000000"/>
+                </a:solidFill>
+                <a:effectLst/>
+                <a:latin typeface="Courier New" panose="02070309020205020404" pitchFamily="49" charset="0"/>
+                <a:cs typeface="Courier New" panose="02070309020205020404" pitchFamily="49" charset="0"/>
+              </a:rPr>
+              <a:t> String </a:t>
+            </a:r>
+            <a:r>
+              <a:rPr lang="en-US" b="0" i="0" dirty="0" err="1">
+                <a:solidFill>
+                  <a:srgbClr val="900606"/>
+                </a:solidFill>
+                <a:effectLst/>
+                <a:latin typeface="Courier New" panose="02070309020205020404" pitchFamily="49" charset="0"/>
+                <a:cs typeface="Courier New" panose="02070309020205020404" pitchFamily="49" charset="0"/>
+              </a:rPr>
+              <a:t>constructHelloSentence</a:t>
+            </a:r>
+            <a:r>
+              <a:rPr lang="en-US" b="0" i="0" dirty="0">
+                <a:solidFill>
+                  <a:srgbClr val="000000"/>
+                </a:solidFill>
+                <a:effectLst/>
+                <a:latin typeface="Courier New" panose="02070309020205020404" pitchFamily="49" charset="0"/>
+                <a:cs typeface="Courier New" panose="02070309020205020404" pitchFamily="49" charset="0"/>
+              </a:rPr>
+              <a:t>(String </a:t>
+            </a:r>
+            <a:r>
+              <a:rPr lang="en-US" b="0" i="0" dirty="0" err="1">
+                <a:solidFill>
+                  <a:srgbClr val="000000"/>
+                </a:solidFill>
+                <a:effectLst/>
+                <a:latin typeface="Courier New" panose="02070309020205020404" pitchFamily="49" charset="0"/>
+                <a:cs typeface="Courier New" panose="02070309020205020404" pitchFamily="49" charset="0"/>
+              </a:rPr>
+              <a:t>firstName</a:t>
+            </a:r>
+            <a:r>
+              <a:rPr lang="en-US" b="0" i="0" dirty="0">
+                <a:solidFill>
+                  <a:srgbClr val="000000"/>
+                </a:solidFill>
+                <a:effectLst/>
+                <a:latin typeface="Courier New" panose="02070309020205020404" pitchFamily="49" charset="0"/>
+                <a:cs typeface="Courier New" panose="02070309020205020404" pitchFamily="49" charset="0"/>
+              </a:rPr>
+              <a:t>, String </a:t>
+            </a:r>
+            <a:r>
+              <a:rPr lang="en-US" b="0" i="0" dirty="0" err="1">
+                <a:solidFill>
+                  <a:srgbClr val="000000"/>
+                </a:solidFill>
+                <a:effectLst/>
+                <a:latin typeface="Courier New" panose="02070309020205020404" pitchFamily="49" charset="0"/>
+                <a:cs typeface="Courier New" panose="02070309020205020404" pitchFamily="49" charset="0"/>
+              </a:rPr>
+              <a:t>secondName</a:t>
+            </a:r>
+            <a:r>
+              <a:rPr lang="en-US" b="0" i="0" dirty="0">
+                <a:solidFill>
+                  <a:srgbClr val="000000"/>
+                </a:solidFill>
+                <a:effectLst/>
+                <a:latin typeface="Courier New" panose="02070309020205020404" pitchFamily="49" charset="0"/>
+                <a:cs typeface="Courier New" panose="02070309020205020404" pitchFamily="49" charset="0"/>
+              </a:rPr>
+              <a:t>) { </a:t>
+            </a:r>
+            <a:endParaRPr lang="uk-UA" b="0" i="0" dirty="0">
+              <a:solidFill>
+                <a:srgbClr val="000000"/>
+              </a:solidFill>
+              <a:effectLst/>
+              <a:latin typeface="Courier New" panose="02070309020205020404" pitchFamily="49" charset="0"/>
+              <a:cs typeface="Courier New" panose="02070309020205020404" pitchFamily="49" charset="0"/>
+            </a:endParaRPr>
+          </a:p>
+          <a:p>
+            <a:r>
+              <a:rPr lang="uk-UA" dirty="0">
+                <a:solidFill>
+                  <a:srgbClr val="000000"/>
+                </a:solidFill>
+                <a:latin typeface="Courier New" panose="02070309020205020404" pitchFamily="49" charset="0"/>
+                <a:cs typeface="Courier New" panose="02070309020205020404" pitchFamily="49" charset="0"/>
+              </a:rPr>
+              <a:t>		</a:t>
+            </a:r>
+            <a:r>
+              <a:rPr lang="en-US" b="0" i="0" dirty="0">
+                <a:solidFill>
+                  <a:srgbClr val="000000"/>
+                </a:solidFill>
+                <a:effectLst/>
+                <a:latin typeface="Courier New" panose="02070309020205020404" pitchFamily="49" charset="0"/>
+                <a:cs typeface="Courier New" panose="02070309020205020404" pitchFamily="49" charset="0"/>
+              </a:rPr>
+              <a:t>String </a:t>
+            </a:r>
+            <a:r>
+              <a:rPr lang="en-US" b="0" i="0" dirty="0" err="1">
+                <a:solidFill>
+                  <a:srgbClr val="000000"/>
+                </a:solidFill>
+                <a:effectLst/>
+                <a:latin typeface="Courier New" panose="02070309020205020404" pitchFamily="49" charset="0"/>
+                <a:cs typeface="Courier New" panose="02070309020205020404" pitchFamily="49" charset="0"/>
+              </a:rPr>
+              <a:t>resultSentence</a:t>
+            </a:r>
+            <a:r>
+              <a:rPr lang="en-US" b="0" i="0" dirty="0">
+                <a:solidFill>
+                  <a:srgbClr val="000000"/>
+                </a:solidFill>
+                <a:effectLst/>
+                <a:latin typeface="Courier New" panose="02070309020205020404" pitchFamily="49" charset="0"/>
+                <a:cs typeface="Courier New" panose="02070309020205020404" pitchFamily="49" charset="0"/>
+              </a:rPr>
+              <a:t> = </a:t>
+            </a:r>
+            <a:r>
+              <a:rPr lang="en-US" b="0" i="0" dirty="0">
+                <a:solidFill>
+                  <a:srgbClr val="008000"/>
+                </a:solidFill>
+                <a:effectLst/>
+                <a:latin typeface="Courier New" panose="02070309020205020404" pitchFamily="49" charset="0"/>
+                <a:cs typeface="Courier New" panose="02070309020205020404" pitchFamily="49" charset="0"/>
+              </a:rPr>
+              <a:t>"Hello "</a:t>
+            </a:r>
+            <a:r>
+              <a:rPr lang="en-US" b="0" i="0" dirty="0">
+                <a:solidFill>
+                  <a:srgbClr val="000000"/>
+                </a:solidFill>
+                <a:effectLst/>
+                <a:latin typeface="Courier New" panose="02070309020205020404" pitchFamily="49" charset="0"/>
+                <a:cs typeface="Courier New" panose="02070309020205020404" pitchFamily="49" charset="0"/>
+              </a:rPr>
+              <a:t> + </a:t>
+            </a:r>
+            <a:r>
+              <a:rPr lang="en-US" b="0" i="0" dirty="0" err="1">
+                <a:solidFill>
+                  <a:srgbClr val="000000"/>
+                </a:solidFill>
+                <a:effectLst/>
+                <a:latin typeface="Courier New" panose="02070309020205020404" pitchFamily="49" charset="0"/>
+                <a:cs typeface="Courier New" panose="02070309020205020404" pitchFamily="49" charset="0"/>
+              </a:rPr>
+              <a:t>firstName</a:t>
+            </a:r>
+            <a:r>
+              <a:rPr lang="en-US" b="0" i="0" dirty="0">
+                <a:solidFill>
+                  <a:srgbClr val="000000"/>
+                </a:solidFill>
+                <a:effectLst/>
+                <a:latin typeface="Courier New" panose="02070309020205020404" pitchFamily="49" charset="0"/>
+                <a:cs typeface="Courier New" panose="02070309020205020404" pitchFamily="49" charset="0"/>
+              </a:rPr>
+              <a:t> + </a:t>
+            </a:r>
+            <a:r>
+              <a:rPr lang="en-US" b="0" i="0" dirty="0">
+                <a:solidFill>
+                  <a:srgbClr val="008000"/>
+                </a:solidFill>
+                <a:effectLst/>
+                <a:latin typeface="Courier New" panose="02070309020205020404" pitchFamily="49" charset="0"/>
+                <a:cs typeface="Courier New" panose="02070309020205020404" pitchFamily="49" charset="0"/>
+              </a:rPr>
+              <a:t>"! My name is "</a:t>
+            </a:r>
+            <a:r>
+              <a:rPr lang="en-US" b="0" i="0" dirty="0">
+                <a:solidFill>
+                  <a:srgbClr val="000000"/>
+                </a:solidFill>
+                <a:effectLst/>
+                <a:latin typeface="Courier New" panose="02070309020205020404" pitchFamily="49" charset="0"/>
+                <a:cs typeface="Courier New" panose="02070309020205020404" pitchFamily="49" charset="0"/>
+              </a:rPr>
+              <a:t> + </a:t>
+            </a:r>
+            <a:r>
+              <a:rPr lang="en-US" b="0" i="0" dirty="0" err="1">
+                <a:solidFill>
+                  <a:srgbClr val="000000"/>
+                </a:solidFill>
+                <a:effectLst/>
+                <a:latin typeface="Courier New" panose="02070309020205020404" pitchFamily="49" charset="0"/>
+                <a:cs typeface="Courier New" panose="02070309020205020404" pitchFamily="49" charset="0"/>
+              </a:rPr>
+              <a:t>secondName</a:t>
+            </a:r>
+            <a:r>
+              <a:rPr lang="en-US" b="0" i="0" dirty="0">
+                <a:solidFill>
+                  <a:srgbClr val="000000"/>
+                </a:solidFill>
+                <a:effectLst/>
+                <a:latin typeface="Courier New" panose="02070309020205020404" pitchFamily="49" charset="0"/>
+                <a:cs typeface="Courier New" panose="02070309020205020404" pitchFamily="49" charset="0"/>
+              </a:rPr>
+              <a:t>;</a:t>
+            </a:r>
+            <a:endParaRPr lang="uk-UA" b="0" i="0" dirty="0">
+              <a:solidFill>
+                <a:srgbClr val="000000"/>
+              </a:solidFill>
+              <a:effectLst/>
+              <a:latin typeface="Courier New" panose="02070309020205020404" pitchFamily="49" charset="0"/>
+              <a:cs typeface="Courier New" panose="02070309020205020404" pitchFamily="49" charset="0"/>
+            </a:endParaRPr>
+          </a:p>
+          <a:p>
+            <a:r>
+              <a:rPr lang="uk-UA" dirty="0">
+                <a:solidFill>
+                  <a:srgbClr val="000000"/>
+                </a:solidFill>
+                <a:latin typeface="Courier New" panose="02070309020205020404" pitchFamily="49" charset="0"/>
+                <a:cs typeface="Courier New" panose="02070309020205020404" pitchFamily="49" charset="0"/>
+              </a:rPr>
+              <a:t>		</a:t>
+            </a:r>
+            <a:r>
+              <a:rPr lang="en-US" b="0" i="0" dirty="0" err="1">
+                <a:solidFill>
+                  <a:srgbClr val="000000"/>
+                </a:solidFill>
+                <a:effectLst/>
+                <a:latin typeface="Courier New" panose="02070309020205020404" pitchFamily="49" charset="0"/>
+                <a:cs typeface="Courier New" panose="02070309020205020404" pitchFamily="49" charset="0"/>
+              </a:rPr>
+              <a:t>System.out.</a:t>
+            </a:r>
+            <a:r>
+              <a:rPr lang="en-US" b="0" i="0" dirty="0" err="1">
+                <a:solidFill>
+                  <a:srgbClr val="900606"/>
+                </a:solidFill>
+                <a:effectLst/>
+                <a:latin typeface="Courier New" panose="02070309020205020404" pitchFamily="49" charset="0"/>
+                <a:cs typeface="Courier New" panose="02070309020205020404" pitchFamily="49" charset="0"/>
+              </a:rPr>
+              <a:t>println</a:t>
+            </a:r>
+            <a:r>
+              <a:rPr lang="en-US" b="0" i="0" dirty="0">
+                <a:solidFill>
+                  <a:srgbClr val="000000"/>
+                </a:solidFill>
+                <a:effectLst/>
+                <a:latin typeface="Courier New" panose="02070309020205020404" pitchFamily="49" charset="0"/>
+                <a:cs typeface="Courier New" panose="02070309020205020404" pitchFamily="49" charset="0"/>
+              </a:rPr>
+              <a:t>(</a:t>
+            </a:r>
+            <a:r>
+              <a:rPr lang="en-US" b="0" i="0" dirty="0" err="1">
+                <a:solidFill>
+                  <a:srgbClr val="000000"/>
+                </a:solidFill>
+                <a:effectLst/>
+                <a:latin typeface="Courier New" panose="02070309020205020404" pitchFamily="49" charset="0"/>
+                <a:cs typeface="Courier New" panose="02070309020205020404" pitchFamily="49" charset="0"/>
+              </a:rPr>
+              <a:t>resultSentence</a:t>
+            </a:r>
+            <a:r>
+              <a:rPr lang="en-US" b="0" i="0" dirty="0">
+                <a:solidFill>
+                  <a:srgbClr val="000000"/>
+                </a:solidFill>
+                <a:effectLst/>
+                <a:latin typeface="Courier New" panose="02070309020205020404" pitchFamily="49" charset="0"/>
+                <a:cs typeface="Courier New" panose="02070309020205020404" pitchFamily="49" charset="0"/>
+              </a:rPr>
+              <a:t>); </a:t>
+            </a:r>
+            <a:endParaRPr lang="uk-UA" b="0" i="0" dirty="0">
+              <a:solidFill>
+                <a:srgbClr val="000000"/>
+              </a:solidFill>
+              <a:effectLst/>
+              <a:latin typeface="Courier New" panose="02070309020205020404" pitchFamily="49" charset="0"/>
+              <a:cs typeface="Courier New" panose="02070309020205020404" pitchFamily="49" charset="0"/>
+            </a:endParaRPr>
+          </a:p>
+          <a:p>
+            <a:r>
+              <a:rPr lang="uk-UA" dirty="0">
+                <a:solidFill>
+                  <a:srgbClr val="000000"/>
+                </a:solidFill>
+                <a:latin typeface="Courier New" panose="02070309020205020404" pitchFamily="49" charset="0"/>
+                <a:cs typeface="Courier New" panose="02070309020205020404" pitchFamily="49" charset="0"/>
+              </a:rPr>
+              <a:t>		</a:t>
+            </a:r>
+            <a:r>
+              <a:rPr lang="en-US" b="1" i="0" dirty="0">
+                <a:solidFill>
+                  <a:srgbClr val="000080"/>
+                </a:solidFill>
+                <a:effectLst/>
+                <a:latin typeface="Courier New" panose="02070309020205020404" pitchFamily="49" charset="0"/>
+                <a:cs typeface="Courier New" panose="02070309020205020404" pitchFamily="49" charset="0"/>
+              </a:rPr>
+              <a:t>return</a:t>
+            </a:r>
+            <a:r>
+              <a:rPr lang="en-US" b="0" i="0" dirty="0">
+                <a:solidFill>
+                  <a:srgbClr val="000000"/>
+                </a:solidFill>
+                <a:effectLst/>
+                <a:latin typeface="Courier New" panose="02070309020205020404" pitchFamily="49" charset="0"/>
+                <a:cs typeface="Courier New" panose="02070309020205020404" pitchFamily="49" charset="0"/>
+              </a:rPr>
+              <a:t> </a:t>
+            </a:r>
+            <a:r>
+              <a:rPr lang="en-US" b="0" i="0" dirty="0" err="1">
+                <a:solidFill>
+                  <a:srgbClr val="000000"/>
+                </a:solidFill>
+                <a:effectLst/>
+                <a:latin typeface="Courier New" panose="02070309020205020404" pitchFamily="49" charset="0"/>
+                <a:cs typeface="Courier New" panose="02070309020205020404" pitchFamily="49" charset="0"/>
+              </a:rPr>
+              <a:t>resultSentence</a:t>
+            </a:r>
+            <a:r>
+              <a:rPr lang="en-US" b="0" i="0" dirty="0">
+                <a:solidFill>
+                  <a:srgbClr val="000000"/>
+                </a:solidFill>
+                <a:effectLst/>
+                <a:latin typeface="Courier New" panose="02070309020205020404" pitchFamily="49" charset="0"/>
+                <a:cs typeface="Courier New" panose="02070309020205020404" pitchFamily="49" charset="0"/>
+              </a:rPr>
+              <a:t>; </a:t>
+            </a:r>
+            <a:endParaRPr lang="uk-UA" b="0" i="0" dirty="0">
+              <a:solidFill>
+                <a:srgbClr val="000000"/>
+              </a:solidFill>
+              <a:effectLst/>
+              <a:latin typeface="Courier New" panose="02070309020205020404" pitchFamily="49" charset="0"/>
+              <a:cs typeface="Courier New" panose="02070309020205020404" pitchFamily="49" charset="0"/>
+            </a:endParaRPr>
+          </a:p>
+          <a:p>
+            <a:r>
+              <a:rPr lang="uk-UA" dirty="0">
+                <a:solidFill>
+                  <a:srgbClr val="000000"/>
+                </a:solidFill>
+                <a:latin typeface="Courier New" panose="02070309020205020404" pitchFamily="49" charset="0"/>
+                <a:cs typeface="Courier New" panose="02070309020205020404" pitchFamily="49" charset="0"/>
+              </a:rPr>
+              <a:t>	</a:t>
+            </a:r>
+            <a:r>
+              <a:rPr lang="en-US" b="0" i="0" dirty="0">
+                <a:solidFill>
+                  <a:srgbClr val="000000"/>
+                </a:solidFill>
+                <a:effectLst/>
+                <a:latin typeface="Courier New" panose="02070309020205020404" pitchFamily="49" charset="0"/>
+                <a:cs typeface="Courier New" panose="02070309020205020404" pitchFamily="49" charset="0"/>
+              </a:rPr>
+              <a:t>} </a:t>
+            </a:r>
+            <a:endParaRPr lang="uk-UA" b="0" i="0" dirty="0">
+              <a:solidFill>
+                <a:srgbClr val="000000"/>
+              </a:solidFill>
+              <a:effectLst/>
+              <a:latin typeface="Courier New" panose="02070309020205020404" pitchFamily="49" charset="0"/>
+              <a:cs typeface="Courier New" panose="02070309020205020404" pitchFamily="49" charset="0"/>
+            </a:endParaRPr>
+          </a:p>
+          <a:p>
+            <a:r>
+              <a:rPr lang="en-US" b="0" i="0" dirty="0">
+                <a:solidFill>
+                  <a:srgbClr val="000000"/>
+                </a:solidFill>
+                <a:effectLst/>
+                <a:latin typeface="Courier New" panose="02070309020205020404" pitchFamily="49" charset="0"/>
+                <a:cs typeface="Courier New" panose="02070309020205020404" pitchFamily="49" charset="0"/>
+              </a:rPr>
+              <a:t>}</a:t>
+            </a:r>
+            <a:endParaRPr lang="uk-UA" dirty="0">
+              <a:latin typeface="Courier New" panose="02070309020205020404" pitchFamily="49" charset="0"/>
+              <a:cs typeface="Courier New" panose="02070309020205020404" pitchFamily="49" charset="0"/>
+            </a:endParaRPr>
+          </a:p>
+        </p:txBody>
+      </p:sp>
+      <p:sp>
+        <p:nvSpPr>
+          <p:cNvPr id="10" name="TextBox 9">
+            <a:extLst>
+              <a:ext uri="{FF2B5EF4-FFF2-40B4-BE49-F238E27FC236}">
+                <a16:creationId xmlns:a16="http://schemas.microsoft.com/office/drawing/2014/main" id="{4149C469-5EA0-4FA3-9D80-54CF65D8A331}"/>
+              </a:ext>
+            </a:extLst>
+          </p:cNvPr>
+          <p:cNvSpPr txBox="1"/>
+          <p:nvPr/>
+        </p:nvSpPr>
+        <p:spPr>
+          <a:xfrm>
+            <a:off x="355468" y="5853156"/>
+            <a:ext cx="11527410" cy="923330"/>
+          </a:xfrm>
+          <a:prstGeom prst="rect">
+            <a:avLst/>
+          </a:prstGeom>
+          <a:noFill/>
+        </p:spPr>
+        <p:txBody>
+          <a:bodyPr wrap="square">
+            <a:spAutoFit/>
+          </a:bodyPr>
+          <a:lstStyle/>
+          <a:p>
+            <a:pPr algn="just"/>
+            <a:r>
+              <a:rPr lang="uk-UA" b="0" i="0" dirty="0">
+                <a:effectLst/>
+                <a:latin typeface="Times New Roman" panose="02020603050405020304" pitchFamily="18" charset="0"/>
+                <a:cs typeface="Times New Roman" panose="02020603050405020304" pitchFamily="18" charset="0"/>
+              </a:rPr>
+              <a:t>Тут бачимо, що методи мають містити однаковий модифікатор доступу (як і тип, що повертається). Якщо викликається перевантажений метод, з кількох оголошених методів компілятор автоматично визначає потрібний за параметрами, які вказуються під час виклику.</a:t>
+            </a:r>
+            <a:endParaRPr lang="uk-UA" dirty="0">
+              <a:latin typeface="Times New Roman" panose="02020603050405020304" pitchFamily="18" charset="0"/>
+              <a:cs typeface="Times New Roman" panose="02020603050405020304" pitchFamily="18" charset="0"/>
+            </a:endParaRPr>
+          </a:p>
+        </p:txBody>
+      </p:sp>
+    </p:spTree>
+    <p:extLst>
+      <p:ext uri="{BB962C8B-B14F-4D97-AF65-F5344CB8AC3E}">
+        <p14:creationId xmlns:p14="http://schemas.microsoft.com/office/powerpoint/2010/main" val="2031478802"/>
+      </p:ext>
+    </p:extLst>
+  </p:cSld>
+  <p:clrMapOvr>
+    <a:masterClrMapping/>
+  </p:clrMapOvr>
+</p:sld>
+</file>
+
+<file path=ppt/slides/slide22.xml><?xml version="1.0" encoding="utf-8"?>
+<p:sld xmlns:a="http://schemas.openxmlformats.org/drawingml/2006/main" xmlns:r="http://schemas.openxmlformats.org/officeDocument/2006/relationships" xmlns:p="http://schemas.openxmlformats.org/presentationml/2006/main">
+  <p:cSld>
+    <p:spTree>
+      <p:nvGrpSpPr>
+        <p:cNvPr id="1" name=""/>
+        <p:cNvGrpSpPr/>
+        <p:nvPr/>
+      </p:nvGrpSpPr>
+      <p:grpSpPr>
+        <a:xfrm>
+          <a:off x="0" y="0"/>
+          <a:ext cx="0" cy="0"/>
+          <a:chOff x="0" y="0"/>
+          <a:chExt cx="0" cy="0"/>
+        </a:xfrm>
+      </p:grpSpPr>
+      <p:sp>
+        <p:nvSpPr>
+          <p:cNvPr id="4" name="TextBox 3">
+            <a:extLst>
+              <a:ext uri="{FF2B5EF4-FFF2-40B4-BE49-F238E27FC236}">
+                <a16:creationId xmlns:a16="http://schemas.microsoft.com/office/drawing/2014/main" id="{CC1A14CC-0B70-4931-A375-B56A640BCD42}"/>
+              </a:ext>
+            </a:extLst>
+          </p:cNvPr>
+          <p:cNvSpPr txBox="1"/>
+          <p:nvPr/>
+        </p:nvSpPr>
+        <p:spPr>
+          <a:xfrm>
+            <a:off x="-1572" y="0"/>
+            <a:ext cx="12191999" cy="830997"/>
+          </a:xfrm>
+          <a:prstGeom prst="rect">
+            <a:avLst/>
+          </a:prstGeom>
+          <a:noFill/>
+        </p:spPr>
+        <p:txBody>
+          <a:bodyPr wrap="square" rtlCol="0">
+            <a:spAutoFit/>
+          </a:bodyPr>
+          <a:lstStyle/>
+          <a:p>
+            <a:pPr algn="ctr"/>
+            <a:r>
+              <a:rPr lang="uk-UA" sz="4800" dirty="0">
+                <a:latin typeface="Times New Roman" panose="02020603050405020304" pitchFamily="18" charset="0"/>
+                <a:cs typeface="Times New Roman" panose="02020603050405020304" pitchFamily="18" charset="0"/>
+              </a:rPr>
+              <a:t>Методи</a:t>
+            </a:r>
+            <a:r>
+              <a:rPr lang="en-US" sz="4800" dirty="0">
+                <a:latin typeface="Times New Roman" panose="02020603050405020304" pitchFamily="18" charset="0"/>
+                <a:cs typeface="Times New Roman" panose="02020603050405020304" pitchFamily="18" charset="0"/>
+              </a:rPr>
+              <a:t>. </a:t>
+            </a:r>
+            <a:r>
+              <a:rPr lang="uk-UA" sz="4800" dirty="0">
+                <a:latin typeface="Times New Roman" panose="02020603050405020304" pitchFamily="18" charset="0"/>
+                <a:cs typeface="Times New Roman" panose="02020603050405020304" pitchFamily="18" charset="0"/>
+              </a:rPr>
+              <a:t>Модифікатори доступу</a:t>
+            </a:r>
+            <a:r>
+              <a:rPr lang="en-US" sz="4800" dirty="0">
+                <a:latin typeface="Times New Roman" panose="02020603050405020304" pitchFamily="18" charset="0"/>
+                <a:cs typeface="Times New Roman" panose="02020603050405020304" pitchFamily="18" charset="0"/>
+              </a:rPr>
+              <a:t>. </a:t>
+            </a:r>
+            <a:r>
+              <a:rPr lang="uk-UA" sz="4800" dirty="0">
+                <a:latin typeface="Times New Roman" panose="02020603050405020304" pitchFamily="18" charset="0"/>
+                <a:cs typeface="Times New Roman" panose="02020603050405020304" pitchFamily="18" charset="0"/>
+              </a:rPr>
+              <a:t>ООП</a:t>
+            </a:r>
+          </a:p>
+        </p:txBody>
+      </p:sp>
+      <p:sp>
+        <p:nvSpPr>
+          <p:cNvPr id="6" name="TextBox 5">
+            <a:extLst>
+              <a:ext uri="{FF2B5EF4-FFF2-40B4-BE49-F238E27FC236}">
+                <a16:creationId xmlns:a16="http://schemas.microsoft.com/office/drawing/2014/main" id="{7863DFF8-3E62-4B26-8F58-4D6CF09D4A93}"/>
+              </a:ext>
+            </a:extLst>
+          </p:cNvPr>
+          <p:cNvSpPr txBox="1"/>
+          <p:nvPr/>
+        </p:nvSpPr>
+        <p:spPr>
+          <a:xfrm>
+            <a:off x="398283" y="830997"/>
+            <a:ext cx="11309808" cy="830997"/>
+          </a:xfrm>
+          <a:prstGeom prst="rect">
+            <a:avLst/>
+          </a:prstGeom>
+          <a:noFill/>
+        </p:spPr>
+        <p:txBody>
+          <a:bodyPr wrap="square">
+            <a:spAutoFit/>
+          </a:bodyPr>
+          <a:lstStyle/>
+          <a:p>
+            <a:pPr algn="just"/>
+            <a:r>
+              <a:rPr lang="ru-RU" sz="2400" b="0" i="0" dirty="0" err="1">
+                <a:effectLst/>
+                <a:latin typeface="Times New Roman" panose="02020603050405020304" pitchFamily="18" charset="0"/>
+                <a:cs typeface="Times New Roman" panose="02020603050405020304" pitchFamily="18" charset="0"/>
+              </a:rPr>
+              <a:t>Вказують</a:t>
+            </a:r>
+            <a:r>
+              <a:rPr lang="ru-RU" sz="2400" b="0" i="0" dirty="0">
+                <a:effectLst/>
+                <a:latin typeface="Times New Roman" panose="02020603050405020304" pitchFamily="18" charset="0"/>
+                <a:cs typeface="Times New Roman" panose="02020603050405020304" pitchFamily="18" charset="0"/>
+              </a:rPr>
+              <a:t> </a:t>
+            </a:r>
+            <a:r>
+              <a:rPr lang="ru-RU" sz="2400" b="0" i="0" dirty="0" err="1">
+                <a:effectLst/>
+                <a:latin typeface="Times New Roman" panose="02020603050405020304" pitchFamily="18" charset="0"/>
+                <a:cs typeface="Times New Roman" panose="02020603050405020304" pitchFamily="18" charset="0"/>
+              </a:rPr>
+              <a:t>допустиму</a:t>
+            </a:r>
+            <a:r>
+              <a:rPr lang="ru-RU" sz="2400" b="0" i="0" dirty="0">
+                <a:effectLst/>
+                <a:latin typeface="Times New Roman" panose="02020603050405020304" pitchFamily="18" charset="0"/>
+                <a:cs typeface="Times New Roman" panose="02020603050405020304" pitchFamily="18" charset="0"/>
+              </a:rPr>
+              <a:t> область </a:t>
+            </a:r>
+            <a:r>
+              <a:rPr lang="ru-RU" sz="2400" b="0" i="0" dirty="0" err="1">
+                <a:effectLst/>
+                <a:latin typeface="Times New Roman" panose="02020603050405020304" pitchFamily="18" charset="0"/>
+                <a:cs typeface="Times New Roman" panose="02020603050405020304" pitchFamily="18" charset="0"/>
+              </a:rPr>
+              <a:t>видимості</a:t>
+            </a:r>
+            <a:r>
+              <a:rPr lang="ru-RU" sz="2400" b="0" i="0" dirty="0">
+                <a:effectLst/>
+                <a:latin typeface="Times New Roman" panose="02020603050405020304" pitchFamily="18" charset="0"/>
+                <a:cs typeface="Times New Roman" panose="02020603050405020304" pitchFamily="18" charset="0"/>
+              </a:rPr>
+              <a:t> для </a:t>
+            </a:r>
+            <a:r>
+              <a:rPr lang="ru-RU" sz="2400" b="0" i="0" dirty="0" err="1">
+                <a:effectLst/>
+                <a:latin typeface="Times New Roman" panose="02020603050405020304" pitchFamily="18" charset="0"/>
+                <a:cs typeface="Times New Roman" panose="02020603050405020304" pitchFamily="18" charset="0"/>
+              </a:rPr>
+              <a:t>членів</a:t>
+            </a:r>
+            <a:r>
+              <a:rPr lang="ru-RU" sz="2400" b="0" i="0" dirty="0">
+                <a:effectLst/>
+                <a:latin typeface="Times New Roman" panose="02020603050405020304" pitchFamily="18" charset="0"/>
+                <a:cs typeface="Times New Roman" panose="02020603050405020304" pitchFamily="18" charset="0"/>
+              </a:rPr>
+              <a:t> </a:t>
+            </a:r>
+            <a:r>
+              <a:rPr lang="ru-RU" sz="2400" b="0" i="0" dirty="0" err="1">
+                <a:effectLst/>
+                <a:latin typeface="Times New Roman" panose="02020603050405020304" pitchFamily="18" charset="0"/>
+                <a:cs typeface="Times New Roman" panose="02020603050405020304" pitchFamily="18" charset="0"/>
+              </a:rPr>
+              <a:t>класу</a:t>
+            </a:r>
+            <a:r>
+              <a:rPr lang="ru-RU" sz="2400" b="0" i="0" dirty="0">
+                <a:effectLst/>
+                <a:latin typeface="Times New Roman" panose="02020603050405020304" pitchFamily="18" charset="0"/>
+                <a:cs typeface="Times New Roman" panose="02020603050405020304" pitchFamily="18" charset="0"/>
+              </a:rPr>
+              <a:t>, </a:t>
+            </a:r>
+            <a:r>
+              <a:rPr lang="ru-RU" sz="2400" b="0" i="0" dirty="0" err="1">
+                <a:effectLst/>
+                <a:latin typeface="Times New Roman" panose="02020603050405020304" pitchFamily="18" charset="0"/>
+                <a:cs typeface="Times New Roman" panose="02020603050405020304" pitchFamily="18" charset="0"/>
+              </a:rPr>
+              <a:t>тобто</a:t>
+            </a:r>
+            <a:r>
+              <a:rPr lang="ru-RU" sz="2400" b="0" i="0" dirty="0">
+                <a:effectLst/>
+                <a:latin typeface="Times New Roman" panose="02020603050405020304" pitchFamily="18" charset="0"/>
+                <a:cs typeface="Times New Roman" panose="02020603050405020304" pitchFamily="18" charset="0"/>
+              </a:rPr>
+              <a:t> </a:t>
+            </a:r>
+            <a:r>
+              <a:rPr lang="ru-RU" sz="2400" b="0" i="0" dirty="0" err="1">
+                <a:effectLst/>
+                <a:latin typeface="Times New Roman" panose="02020603050405020304" pitchFamily="18" charset="0"/>
+                <a:cs typeface="Times New Roman" panose="02020603050405020304" pitchFamily="18" charset="0"/>
+              </a:rPr>
+              <a:t>обмеження</a:t>
+            </a:r>
+            <a:r>
+              <a:rPr lang="ru-RU" sz="2400" b="0" i="0" dirty="0">
+                <a:effectLst/>
+                <a:latin typeface="Times New Roman" panose="02020603050405020304" pitchFamily="18" charset="0"/>
+                <a:cs typeface="Times New Roman" panose="02020603050405020304" pitchFamily="18" charset="0"/>
+              </a:rPr>
+              <a:t> </a:t>
+            </a:r>
+            <a:r>
+              <a:rPr lang="ru-RU" sz="2400" b="0" i="0" dirty="0" err="1">
+                <a:effectLst/>
+                <a:latin typeface="Times New Roman" panose="02020603050405020304" pitchFamily="18" charset="0"/>
+                <a:cs typeface="Times New Roman" panose="02020603050405020304" pitchFamily="18" charset="0"/>
+              </a:rPr>
+              <a:t>місць</a:t>
+            </a:r>
+            <a:r>
+              <a:rPr lang="ru-RU" sz="2400" b="0" i="0" dirty="0">
+                <a:effectLst/>
+                <a:latin typeface="Times New Roman" panose="02020603050405020304" pitchFamily="18" charset="0"/>
+                <a:cs typeface="Times New Roman" panose="02020603050405020304" pitchFamily="18" charset="0"/>
+              </a:rPr>
+              <a:t>, у </a:t>
+            </a:r>
+            <a:r>
+              <a:rPr lang="ru-RU" sz="2400" b="0" i="0" dirty="0" err="1">
+                <a:effectLst/>
+                <a:latin typeface="Times New Roman" panose="02020603050405020304" pitchFamily="18" charset="0"/>
+                <a:cs typeface="Times New Roman" panose="02020603050405020304" pitchFamily="18" charset="0"/>
+              </a:rPr>
+              <a:t>яких</a:t>
+            </a:r>
+            <a:r>
+              <a:rPr lang="ru-RU" sz="2400" b="0" i="0" dirty="0">
+                <a:effectLst/>
+                <a:latin typeface="Times New Roman" panose="02020603050405020304" pitchFamily="18" charset="0"/>
+                <a:cs typeface="Times New Roman" panose="02020603050405020304" pitchFamily="18" charset="0"/>
+              </a:rPr>
+              <a:t> </a:t>
+            </a:r>
+            <a:r>
+              <a:rPr lang="ru-RU" sz="2400" b="0" i="0" dirty="0" err="1">
+                <a:effectLst/>
+                <a:latin typeface="Times New Roman" panose="02020603050405020304" pitchFamily="18" charset="0"/>
+                <a:cs typeface="Times New Roman" panose="02020603050405020304" pitchFamily="18" charset="0"/>
+              </a:rPr>
+              <a:t>дозволяється</a:t>
+            </a:r>
+            <a:r>
+              <a:rPr lang="ru-RU" sz="2400" b="0" i="0" dirty="0">
+                <a:effectLst/>
+                <a:latin typeface="Times New Roman" panose="02020603050405020304" pitchFamily="18" charset="0"/>
+                <a:cs typeface="Times New Roman" panose="02020603050405020304" pitchFamily="18" charset="0"/>
+              </a:rPr>
+              <a:t> </a:t>
+            </a:r>
+            <a:r>
+              <a:rPr lang="ru-RU" sz="2400" b="0" i="0" dirty="0" err="1">
+                <a:effectLst/>
+                <a:latin typeface="Times New Roman" panose="02020603050405020304" pitchFamily="18" charset="0"/>
+                <a:cs typeface="Times New Roman" panose="02020603050405020304" pitchFamily="18" charset="0"/>
+              </a:rPr>
+              <a:t>використовувати</a:t>
+            </a:r>
+            <a:r>
+              <a:rPr lang="ru-RU" sz="2400" b="0" i="0" dirty="0">
+                <a:effectLst/>
+                <a:latin typeface="Times New Roman" panose="02020603050405020304" pitchFamily="18" charset="0"/>
+                <a:cs typeface="Times New Roman" panose="02020603050405020304" pitchFamily="18" charset="0"/>
+              </a:rPr>
+              <a:t> </a:t>
+            </a:r>
+            <a:r>
+              <a:rPr lang="ru-RU" sz="2400" b="0" i="0" dirty="0" err="1">
+                <a:effectLst/>
+                <a:latin typeface="Times New Roman" panose="02020603050405020304" pitchFamily="18" charset="0"/>
+                <a:cs typeface="Times New Roman" panose="02020603050405020304" pitchFamily="18" charset="0"/>
+              </a:rPr>
+              <a:t>якусь</a:t>
+            </a:r>
+            <a:r>
+              <a:rPr lang="ru-RU" sz="2400" b="0" i="0" dirty="0">
+                <a:effectLst/>
+                <a:latin typeface="Times New Roman" panose="02020603050405020304" pitchFamily="18" charset="0"/>
+                <a:cs typeface="Times New Roman" panose="02020603050405020304" pitchFamily="18" charset="0"/>
+              </a:rPr>
+              <a:t> </a:t>
+            </a:r>
+            <a:r>
+              <a:rPr lang="ru-RU" sz="2400" b="0" i="0" dirty="0" err="1">
+                <a:effectLst/>
+                <a:latin typeface="Times New Roman" panose="02020603050405020304" pitchFamily="18" charset="0"/>
+                <a:cs typeface="Times New Roman" panose="02020603050405020304" pitchFamily="18" charset="0"/>
+              </a:rPr>
+              <a:t>змінну</a:t>
+            </a:r>
+            <a:r>
+              <a:rPr lang="ru-RU" sz="2400" b="0" i="0" dirty="0">
+                <a:effectLst/>
+                <a:latin typeface="Times New Roman" panose="02020603050405020304" pitchFamily="18" charset="0"/>
+                <a:cs typeface="Times New Roman" panose="02020603050405020304" pitchFamily="18" charset="0"/>
+              </a:rPr>
+              <a:t> </a:t>
+            </a:r>
+            <a:r>
+              <a:rPr lang="ru-RU" sz="2400" b="0" i="0" dirty="0" err="1">
+                <a:effectLst/>
+                <a:latin typeface="Times New Roman" panose="02020603050405020304" pitchFamily="18" charset="0"/>
+                <a:cs typeface="Times New Roman" panose="02020603050405020304" pitchFamily="18" charset="0"/>
+              </a:rPr>
+              <a:t>чи</a:t>
+            </a:r>
+            <a:r>
+              <a:rPr lang="ru-RU" sz="2400" b="0" i="0" dirty="0">
+                <a:effectLst/>
+                <a:latin typeface="Times New Roman" panose="02020603050405020304" pitchFamily="18" charset="0"/>
+                <a:cs typeface="Times New Roman" panose="02020603050405020304" pitchFamily="18" charset="0"/>
+              </a:rPr>
+              <a:t> метод.</a:t>
+            </a:r>
+            <a:endParaRPr lang="uk-UA" sz="2400" dirty="0">
+              <a:latin typeface="Times New Roman" panose="02020603050405020304" pitchFamily="18" charset="0"/>
+              <a:cs typeface="Times New Roman" panose="02020603050405020304" pitchFamily="18" charset="0"/>
+            </a:endParaRPr>
+          </a:p>
+        </p:txBody>
+      </p:sp>
+      <p:pic>
+        <p:nvPicPr>
+          <p:cNvPr id="8" name="Рисунок 7">
+            <a:extLst>
+              <a:ext uri="{FF2B5EF4-FFF2-40B4-BE49-F238E27FC236}">
+                <a16:creationId xmlns:a16="http://schemas.microsoft.com/office/drawing/2014/main" id="{33AFE327-D9CD-4309-9B80-AEDA571D8151}"/>
+              </a:ext>
+            </a:extLst>
+          </p:cNvPr>
+          <p:cNvPicPr>
+            <a:picLocks noChangeAspect="1"/>
+          </p:cNvPicPr>
+          <p:nvPr/>
+        </p:nvPicPr>
+        <p:blipFill>
+          <a:blip r:embed="rId2"/>
+          <a:stretch>
+            <a:fillRect/>
+          </a:stretch>
+        </p:blipFill>
+        <p:spPr>
+          <a:xfrm>
+            <a:off x="2807175" y="2063586"/>
+            <a:ext cx="6181725" cy="3371850"/>
+          </a:xfrm>
+          <a:prstGeom prst="rect">
+            <a:avLst/>
+          </a:prstGeom>
+        </p:spPr>
+      </p:pic>
+    </p:spTree>
+    <p:extLst>
+      <p:ext uri="{BB962C8B-B14F-4D97-AF65-F5344CB8AC3E}">
+        <p14:creationId xmlns:p14="http://schemas.microsoft.com/office/powerpoint/2010/main" val="612587707"/>
+      </p:ext>
+    </p:extLst>
+  </p:cSld>
+  <p:clrMapOvr>
+    <a:masterClrMapping/>
+  </p:clrMapOvr>
+</p:sld>
+</file>
+
+<file path=ppt/slides/slide23.xml><?xml version="1.0" encoding="utf-8"?>
+<p:sld xmlns:a="http://schemas.openxmlformats.org/drawingml/2006/main" xmlns:r="http://schemas.openxmlformats.org/officeDocument/2006/relationships" xmlns:p="http://schemas.openxmlformats.org/presentationml/2006/main">
+  <p:cSld>
+    <p:spTree>
+      <p:nvGrpSpPr>
+        <p:cNvPr id="1" name=""/>
+        <p:cNvGrpSpPr/>
+        <p:nvPr/>
+      </p:nvGrpSpPr>
+      <p:grpSpPr>
+        <a:xfrm>
+          <a:off x="0" y="0"/>
+          <a:ext cx="0" cy="0"/>
+          <a:chOff x="0" y="0"/>
+          <a:chExt cx="0" cy="0"/>
+        </a:xfrm>
+      </p:grpSpPr>
+      <p:sp>
+        <p:nvSpPr>
+          <p:cNvPr id="5" name="TextBox 4">
+            <a:extLst>
+              <a:ext uri="{FF2B5EF4-FFF2-40B4-BE49-F238E27FC236}">
+                <a16:creationId xmlns:a16="http://schemas.microsoft.com/office/drawing/2014/main" id="{6D884301-4E62-4C87-BEE1-8B028B437FFD}"/>
+              </a:ext>
+            </a:extLst>
+          </p:cNvPr>
+          <p:cNvSpPr txBox="1"/>
+          <p:nvPr/>
+        </p:nvSpPr>
+        <p:spPr>
+          <a:xfrm>
+            <a:off x="0" y="9023"/>
+            <a:ext cx="12192000" cy="830997"/>
+          </a:xfrm>
+          <a:prstGeom prst="rect">
+            <a:avLst/>
+          </a:prstGeom>
+          <a:noFill/>
+        </p:spPr>
+        <p:txBody>
+          <a:bodyPr wrap="square">
+            <a:spAutoFit/>
+          </a:bodyPr>
+          <a:lstStyle/>
+          <a:p>
+            <a:pPr algn="ctr"/>
+            <a:r>
+              <a:rPr lang="en-US" sz="4800" b="1" i="0" dirty="0">
+                <a:solidFill>
+                  <a:srgbClr val="151F33"/>
+                </a:solidFill>
+                <a:effectLst/>
+                <a:latin typeface="Times New Roman" panose="02020603050405020304" pitchFamily="18" charset="0"/>
+                <a:cs typeface="Times New Roman" panose="02020603050405020304" pitchFamily="18" charset="0"/>
+              </a:rPr>
+              <a:t>this. </a:t>
+            </a:r>
+            <a:r>
+              <a:rPr lang="uk-UA" sz="4800" b="1" i="0" dirty="0">
+                <a:solidFill>
+                  <a:srgbClr val="151F33"/>
+                </a:solidFill>
+                <a:effectLst/>
+                <a:latin typeface="Times New Roman" panose="02020603050405020304" pitchFamily="18" charset="0"/>
+                <a:cs typeface="Times New Roman" panose="02020603050405020304" pitchFamily="18" charset="0"/>
+              </a:rPr>
+              <a:t>ООП</a:t>
+            </a:r>
+            <a:endParaRPr lang="en-US" sz="4800" b="1" i="0" dirty="0">
+              <a:solidFill>
+                <a:srgbClr val="151F33"/>
+              </a:solidFill>
+              <a:effectLst/>
+              <a:latin typeface="Times New Roman" panose="02020603050405020304" pitchFamily="18" charset="0"/>
+              <a:cs typeface="Times New Roman" panose="02020603050405020304" pitchFamily="18" charset="0"/>
+            </a:endParaRPr>
+          </a:p>
+        </p:txBody>
+      </p:sp>
+      <p:sp>
+        <p:nvSpPr>
+          <p:cNvPr id="6" name="Rectangle 1">
+            <a:extLst>
+              <a:ext uri="{FF2B5EF4-FFF2-40B4-BE49-F238E27FC236}">
+                <a16:creationId xmlns:a16="http://schemas.microsoft.com/office/drawing/2014/main" id="{E2B81DC9-6A4A-4D6E-A222-BA12D534ED0A}"/>
+              </a:ext>
+            </a:extLst>
+          </p:cNvPr>
+          <p:cNvSpPr>
+            <a:spLocks noChangeArrowheads="1"/>
+          </p:cNvSpPr>
+          <p:nvPr/>
+        </p:nvSpPr>
+        <p:spPr bwMode="auto">
+          <a:xfrm>
+            <a:off x="257666" y="763075"/>
+            <a:ext cx="11679810" cy="400110"/>
+          </a:xfrm>
+          <a:prstGeom prst="rect">
+            <a:avLst/>
+          </a:prstGeom>
+          <a:noFill/>
+          <a:ln>
+            <a:noFill/>
+          </a:ln>
+          <a:effectLst/>
+          <a:extLst>
+            <a:ext uri="{909E8E84-426E-40DD-AFC4-6F175D3DCCD1}">
+              <a14:hiddenFill xmlns:a14="http://schemas.microsoft.com/office/drawing/2010/main">
+                <a:solidFill>
+                  <a:schemeClr val="accent1"/>
+                </a:solidFill>
+              </a14:hiddenFill>
+            </a:ext>
+            <a:ext uri="{91240B29-F687-4F45-9708-019B960494DF}">
+              <a14:hiddenLine xmlns:a14="http://schemas.microsoft.com/office/drawing/2010/main" w="9525">
+                <a:solidFill>
+                  <a:schemeClr val="tx1"/>
+                </a:solidFill>
+                <a:miter lim="800000"/>
+                <a:headEnd/>
+                <a:tailEnd/>
+              </a14:hiddenLine>
+            </a:ext>
+            <a:ext uri="{AF507438-7753-43E0-B8FC-AC1667EBCBE1}">
+              <a14:hiddenEffects xmlns:a14="http://schemas.microsoft.com/office/drawing/2010/main">
+                <a:effectLst>
+                  <a:outerShdw dist="35921" dir="2700000" algn="ctr" rotWithShape="0">
+                    <a:schemeClr val="bg2"/>
+                  </a:outerShdw>
+                </a:effectLst>
+              </a14:hiddenEffects>
+            </a:ext>
+          </a:extLst>
+        </p:spPr>
+        <p:txBody>
+          <a:bodyPr vert="horz" wrap="square" lIns="91440" tIns="45720" rIns="91440" bIns="45720" numCol="1" anchor="ctr" anchorCtr="0" compatLnSpc="1">
+            <a:prstTxWarp prst="textNoShape">
+              <a:avLst/>
+            </a:prstTxWarp>
+            <a:spAutoFit/>
+          </a:bodyPr>
+          <a:lstStyle>
+            <a:lvl1pPr eaLnBrk="0" fontAlgn="base" hangingPunct="0">
+              <a:spcBef>
+                <a:spcPct val="0"/>
+              </a:spcBef>
+              <a:spcAft>
+                <a:spcPct val="0"/>
+              </a:spcAft>
+              <a:defRPr>
+                <a:solidFill>
+                  <a:schemeClr val="tx1"/>
+                </a:solidFill>
+                <a:latin typeface="Arial" panose="020B0604020202020204" pitchFamily="34" charset="0"/>
+              </a:defRPr>
+            </a:lvl1pPr>
+            <a:lvl2pPr eaLnBrk="0" fontAlgn="base" hangingPunct="0">
+              <a:spcBef>
+                <a:spcPct val="0"/>
+              </a:spcBef>
+              <a:spcAft>
+                <a:spcPct val="0"/>
+              </a:spcAft>
+              <a:defRPr>
+                <a:solidFill>
+                  <a:schemeClr val="tx1"/>
+                </a:solidFill>
+                <a:latin typeface="Arial" panose="020B0604020202020204" pitchFamily="34" charset="0"/>
+              </a:defRPr>
+            </a:lvl2pPr>
+            <a:lvl3pPr eaLnBrk="0" fontAlgn="base" hangingPunct="0">
+              <a:spcBef>
+                <a:spcPct val="0"/>
+              </a:spcBef>
+              <a:spcAft>
+                <a:spcPct val="0"/>
+              </a:spcAft>
+              <a:defRPr>
+                <a:solidFill>
+                  <a:schemeClr val="tx1"/>
+                </a:solidFill>
+                <a:latin typeface="Arial" panose="020B0604020202020204" pitchFamily="34" charset="0"/>
+              </a:defRPr>
+            </a:lvl3pPr>
+            <a:lvl4pPr eaLnBrk="0" fontAlgn="base" hangingPunct="0">
+              <a:spcBef>
+                <a:spcPct val="0"/>
+              </a:spcBef>
+              <a:spcAft>
+                <a:spcPct val="0"/>
+              </a:spcAft>
+              <a:defRPr>
+                <a:solidFill>
+                  <a:schemeClr val="tx1"/>
+                </a:solidFill>
+                <a:latin typeface="Arial" panose="020B0604020202020204" pitchFamily="34" charset="0"/>
+              </a:defRPr>
+            </a:lvl4pPr>
+            <a:lvl5pPr eaLnBrk="0" fontAlgn="base" hangingPunct="0">
+              <a:spcBef>
+                <a:spcPct val="0"/>
+              </a:spcBef>
+              <a:spcAft>
+                <a:spcPct val="0"/>
+              </a:spcAft>
+              <a:defRPr>
+                <a:solidFill>
+                  <a:schemeClr val="tx1"/>
+                </a:solidFill>
+                <a:latin typeface="Arial" panose="020B0604020202020204" pitchFamily="34" charset="0"/>
+              </a:defRPr>
+            </a:lvl5pPr>
+            <a:lvl6pPr eaLnBrk="0" fontAlgn="base" hangingPunct="0">
+              <a:spcBef>
+                <a:spcPct val="0"/>
+              </a:spcBef>
+              <a:spcAft>
+                <a:spcPct val="0"/>
+              </a:spcAft>
+              <a:defRPr>
+                <a:solidFill>
+                  <a:schemeClr val="tx1"/>
+                </a:solidFill>
+                <a:latin typeface="Arial" panose="020B0604020202020204" pitchFamily="34" charset="0"/>
+              </a:defRPr>
+            </a:lvl6pPr>
+            <a:lvl7pPr eaLnBrk="0" fontAlgn="base" hangingPunct="0">
+              <a:spcBef>
+                <a:spcPct val="0"/>
+              </a:spcBef>
+              <a:spcAft>
+                <a:spcPct val="0"/>
+              </a:spcAft>
+              <a:defRPr>
+                <a:solidFill>
+                  <a:schemeClr val="tx1"/>
+                </a:solidFill>
+                <a:latin typeface="Arial" panose="020B0604020202020204" pitchFamily="34" charset="0"/>
+              </a:defRPr>
+            </a:lvl7pPr>
+            <a:lvl8pPr eaLnBrk="0" fontAlgn="base" hangingPunct="0">
+              <a:spcBef>
+                <a:spcPct val="0"/>
+              </a:spcBef>
+              <a:spcAft>
+                <a:spcPct val="0"/>
+              </a:spcAft>
+              <a:defRPr>
+                <a:solidFill>
+                  <a:schemeClr val="tx1"/>
+                </a:solidFill>
+                <a:latin typeface="Arial" panose="020B0604020202020204" pitchFamily="34" charset="0"/>
+              </a:defRPr>
+            </a:lvl8pPr>
+            <a:lvl9pPr eaLnBrk="0" fontAlgn="base" hangingPunct="0">
+              <a:spcBef>
+                <a:spcPct val="0"/>
+              </a:spcBef>
+              <a:spcAft>
+                <a:spcPct val="0"/>
+              </a:spcAft>
+              <a:defRPr>
+                <a:solidFill>
+                  <a:schemeClr val="tx1"/>
+                </a:solidFill>
+                <a:latin typeface="Arial" panose="020B0604020202020204" pitchFamily="34" charset="0"/>
+              </a:defRPr>
+            </a:lvl9pPr>
+          </a:lstStyle>
+          <a:p>
+            <a:pPr marL="0" marR="0" lvl="0" indent="0" algn="l" defTabSz="914400" rtl="0" eaLnBrk="0" fontAlgn="base" latinLnBrk="0" hangingPunct="0">
+              <a:lnSpc>
+                <a:spcPct val="100000"/>
+              </a:lnSpc>
+              <a:spcBef>
+                <a:spcPct val="0"/>
+              </a:spcBef>
+              <a:spcAft>
+                <a:spcPct val="0"/>
+              </a:spcAft>
+              <a:buClrTx/>
+              <a:buSzTx/>
+              <a:buFontTx/>
+              <a:buNone/>
+              <a:tabLst/>
+            </a:pPr>
+            <a:r>
+              <a:rPr kumimoji="0" lang="uk-UA" altLang="uk-UA" sz="2000" b="0" i="0" u="none" strike="noStrike" cap="none" normalizeH="0" baseline="0" dirty="0">
+                <a:ln>
+                  <a:noFill/>
+                </a:ln>
+                <a:solidFill>
+                  <a:srgbClr val="172B53"/>
+                </a:solidFill>
+                <a:effectLst/>
+                <a:latin typeface="Times New Roman" panose="02020603050405020304" pitchFamily="18" charset="0"/>
+                <a:cs typeface="Times New Roman" panose="02020603050405020304" pitchFamily="18" charset="0"/>
+              </a:rPr>
+              <a:t>Часто в коді можна побачити ключове слово </a:t>
+            </a:r>
+            <a:r>
+              <a:rPr kumimoji="0" lang="uk-UA" altLang="uk-UA" sz="2000" b="0" i="0" u="none" strike="noStrike" cap="none" normalizeH="0" baseline="0" dirty="0" err="1">
+                <a:ln>
+                  <a:noFill/>
+                </a:ln>
+                <a:solidFill>
+                  <a:srgbClr val="000000"/>
+                </a:solidFill>
+                <a:effectLst/>
+                <a:latin typeface="Times New Roman" panose="02020603050405020304" pitchFamily="18" charset="0"/>
+                <a:cs typeface="Times New Roman" panose="02020603050405020304" pitchFamily="18" charset="0"/>
+              </a:rPr>
+              <a:t>this</a:t>
+            </a:r>
+            <a:r>
+              <a:rPr kumimoji="0" lang="uk-UA" altLang="uk-UA" sz="2000" b="0" i="0" u="none" strike="noStrike" cap="none" normalizeH="0" baseline="0" dirty="0">
+                <a:ln>
+                  <a:noFill/>
+                </a:ln>
+                <a:solidFill>
+                  <a:srgbClr val="172B53"/>
+                </a:solidFill>
+                <a:effectLst/>
+                <a:latin typeface="Times New Roman" panose="02020603050405020304" pitchFamily="18" charset="0"/>
+                <a:cs typeface="Times New Roman" panose="02020603050405020304" pitchFamily="18" charset="0"/>
+              </a:rPr>
+              <a:t>, як наприклад у </a:t>
+            </a:r>
+            <a:r>
+              <a:rPr kumimoji="0" lang="uk-UA" altLang="uk-UA" sz="2000" b="0" i="0" u="none" strike="noStrike" cap="none" normalizeH="0" baseline="0" dirty="0" err="1">
+                <a:ln>
+                  <a:noFill/>
+                </a:ln>
+                <a:solidFill>
+                  <a:srgbClr val="172B53"/>
+                </a:solidFill>
+                <a:effectLst/>
+                <a:latin typeface="Times New Roman" panose="02020603050405020304" pitchFamily="18" charset="0"/>
+                <a:cs typeface="Times New Roman" panose="02020603050405020304" pitchFamily="18" charset="0"/>
+              </a:rPr>
+              <a:t>сеттерах</a:t>
+            </a:r>
+            <a:r>
+              <a:rPr kumimoji="0" lang="uk-UA" altLang="uk-UA" sz="2000" b="0" i="0" u="none" strike="noStrike" cap="none" normalizeH="0" baseline="0" dirty="0">
+                <a:ln>
+                  <a:noFill/>
+                </a:ln>
+                <a:solidFill>
+                  <a:srgbClr val="172B53"/>
+                </a:solidFill>
+                <a:effectLst/>
+                <a:latin typeface="Times New Roman" panose="02020603050405020304" pitchFamily="18" charset="0"/>
+                <a:cs typeface="Times New Roman" panose="02020603050405020304" pitchFamily="18" charset="0"/>
+              </a:rPr>
+              <a:t>:</a:t>
+            </a:r>
+            <a:r>
+              <a:rPr kumimoji="0" lang="uk-UA" altLang="uk-UA" sz="2000" b="0" i="0" u="none" strike="noStrike" cap="none" normalizeH="0" baseline="0" dirty="0">
+                <a:ln>
+                  <a:noFill/>
+                </a:ln>
+                <a:solidFill>
+                  <a:schemeClr val="tx1"/>
+                </a:solidFill>
+                <a:effectLst/>
+                <a:latin typeface="Times New Roman" panose="02020603050405020304" pitchFamily="18" charset="0"/>
+                <a:cs typeface="Times New Roman" panose="02020603050405020304" pitchFamily="18" charset="0"/>
+              </a:rPr>
+              <a:t> </a:t>
+            </a:r>
+          </a:p>
+        </p:txBody>
+      </p:sp>
+      <p:sp>
+        <p:nvSpPr>
+          <p:cNvPr id="8" name="TextBox 7">
+            <a:extLst>
+              <a:ext uri="{FF2B5EF4-FFF2-40B4-BE49-F238E27FC236}">
+                <a16:creationId xmlns:a16="http://schemas.microsoft.com/office/drawing/2014/main" id="{9B9F89B0-86CE-426C-A3D6-DA7F03D465D9}"/>
+              </a:ext>
+            </a:extLst>
+          </p:cNvPr>
+          <p:cNvSpPr txBox="1"/>
+          <p:nvPr/>
+        </p:nvSpPr>
+        <p:spPr>
+          <a:xfrm>
+            <a:off x="254524" y="1169551"/>
+            <a:ext cx="9935851" cy="369332"/>
+          </a:xfrm>
+          <a:prstGeom prst="rect">
+            <a:avLst/>
+          </a:prstGeom>
+          <a:noFill/>
+        </p:spPr>
+        <p:txBody>
+          <a:bodyPr wrap="square">
+            <a:spAutoFit/>
+          </a:bodyPr>
+          <a:lstStyle/>
+          <a:p>
+            <a:r>
+              <a:rPr lang="en-US" b="1" i="0" dirty="0">
+                <a:solidFill>
+                  <a:srgbClr val="000080"/>
+                </a:solidFill>
+                <a:effectLst/>
+                <a:latin typeface="Courier New" panose="02070309020205020404" pitchFamily="49" charset="0"/>
+                <a:cs typeface="Courier New" panose="02070309020205020404" pitchFamily="49" charset="0"/>
+              </a:rPr>
+              <a:t>public</a:t>
+            </a:r>
+            <a:r>
+              <a:rPr lang="en-US" b="0" i="0" dirty="0">
+                <a:solidFill>
+                  <a:srgbClr val="000000"/>
+                </a:solidFill>
+                <a:effectLst/>
+                <a:latin typeface="Courier New" panose="02070309020205020404" pitchFamily="49" charset="0"/>
+                <a:cs typeface="Courier New" panose="02070309020205020404" pitchFamily="49" charset="0"/>
+              </a:rPr>
+              <a:t> </a:t>
+            </a:r>
+            <a:r>
+              <a:rPr lang="en-US" b="1" i="0" dirty="0">
+                <a:solidFill>
+                  <a:srgbClr val="000080"/>
+                </a:solidFill>
+                <a:effectLst/>
+                <a:latin typeface="Courier New" panose="02070309020205020404" pitchFamily="49" charset="0"/>
+                <a:cs typeface="Courier New" panose="02070309020205020404" pitchFamily="49" charset="0"/>
+              </a:rPr>
+              <a:t>void</a:t>
+            </a:r>
+            <a:r>
+              <a:rPr lang="en-US" b="0" i="0" dirty="0">
+                <a:solidFill>
+                  <a:srgbClr val="000000"/>
+                </a:solidFill>
+                <a:effectLst/>
+                <a:latin typeface="Courier New" panose="02070309020205020404" pitchFamily="49" charset="0"/>
+                <a:cs typeface="Courier New" panose="02070309020205020404" pitchFamily="49" charset="0"/>
+              </a:rPr>
+              <a:t> </a:t>
+            </a:r>
+            <a:r>
+              <a:rPr lang="en-US" b="0" i="0" dirty="0" err="1">
+                <a:solidFill>
+                  <a:srgbClr val="900606"/>
+                </a:solidFill>
+                <a:effectLst/>
+                <a:latin typeface="Courier New" panose="02070309020205020404" pitchFamily="49" charset="0"/>
+                <a:cs typeface="Courier New" panose="02070309020205020404" pitchFamily="49" charset="0"/>
+              </a:rPr>
+              <a:t>setValue</a:t>
+            </a:r>
+            <a:r>
+              <a:rPr lang="en-US" b="0" i="0" dirty="0">
+                <a:solidFill>
+                  <a:srgbClr val="000000"/>
+                </a:solidFill>
+                <a:effectLst/>
+                <a:latin typeface="Courier New" panose="02070309020205020404" pitchFamily="49" charset="0"/>
+                <a:cs typeface="Courier New" panose="02070309020205020404" pitchFamily="49" charset="0"/>
+              </a:rPr>
+              <a:t>(Long value) { </a:t>
+            </a:r>
+            <a:r>
+              <a:rPr lang="en-US" b="1" i="0" dirty="0" err="1">
+                <a:solidFill>
+                  <a:srgbClr val="000080"/>
+                </a:solidFill>
+                <a:effectLst/>
+                <a:latin typeface="Courier New" panose="02070309020205020404" pitchFamily="49" charset="0"/>
+                <a:cs typeface="Courier New" panose="02070309020205020404" pitchFamily="49" charset="0"/>
+              </a:rPr>
+              <a:t>this</a:t>
+            </a:r>
+            <a:r>
+              <a:rPr lang="en-US" b="0" i="0" dirty="0" err="1">
+                <a:solidFill>
+                  <a:srgbClr val="000000"/>
+                </a:solidFill>
+                <a:effectLst/>
+                <a:latin typeface="Courier New" panose="02070309020205020404" pitchFamily="49" charset="0"/>
+                <a:cs typeface="Courier New" panose="02070309020205020404" pitchFamily="49" charset="0"/>
+              </a:rPr>
+              <a:t>.value</a:t>
+            </a:r>
+            <a:r>
+              <a:rPr lang="en-US" b="0" i="0" dirty="0">
+                <a:solidFill>
+                  <a:srgbClr val="000000"/>
+                </a:solidFill>
+                <a:effectLst/>
+                <a:latin typeface="Courier New" panose="02070309020205020404" pitchFamily="49" charset="0"/>
+                <a:cs typeface="Courier New" panose="02070309020205020404" pitchFamily="49" charset="0"/>
+              </a:rPr>
+              <a:t> = value; }</a:t>
+            </a:r>
+            <a:endParaRPr lang="uk-UA" dirty="0">
+              <a:latin typeface="Courier New" panose="02070309020205020404" pitchFamily="49" charset="0"/>
+              <a:cs typeface="Courier New" panose="02070309020205020404" pitchFamily="49" charset="0"/>
+            </a:endParaRPr>
+          </a:p>
+        </p:txBody>
+      </p:sp>
+      <p:sp>
+        <p:nvSpPr>
+          <p:cNvPr id="9" name="Rectangle 2">
+            <a:extLst>
+              <a:ext uri="{FF2B5EF4-FFF2-40B4-BE49-F238E27FC236}">
+                <a16:creationId xmlns:a16="http://schemas.microsoft.com/office/drawing/2014/main" id="{7BDDA471-2AE0-42CB-A2A2-9C03208C20A2}"/>
+              </a:ext>
+            </a:extLst>
+          </p:cNvPr>
+          <p:cNvSpPr>
+            <a:spLocks noChangeArrowheads="1"/>
+          </p:cNvSpPr>
+          <p:nvPr/>
+        </p:nvSpPr>
+        <p:spPr bwMode="auto">
+          <a:xfrm>
+            <a:off x="254524" y="1699589"/>
+            <a:ext cx="11532124" cy="707886"/>
+          </a:xfrm>
+          <a:prstGeom prst="rect">
+            <a:avLst/>
+          </a:prstGeom>
+          <a:noFill/>
+          <a:ln>
+            <a:noFill/>
+          </a:ln>
+          <a:effectLst/>
+          <a:extLst>
+            <a:ext uri="{909E8E84-426E-40DD-AFC4-6F175D3DCCD1}">
+              <a14:hiddenFill xmlns:a14="http://schemas.microsoft.com/office/drawing/2010/main">
+                <a:solidFill>
+                  <a:schemeClr val="accent1"/>
+                </a:solidFill>
+              </a14:hiddenFill>
+            </a:ext>
+            <a:ext uri="{91240B29-F687-4F45-9708-019B960494DF}">
+              <a14:hiddenLine xmlns:a14="http://schemas.microsoft.com/office/drawing/2010/main" w="9525">
+                <a:solidFill>
+                  <a:schemeClr val="tx1"/>
+                </a:solidFill>
+                <a:miter lim="800000"/>
+                <a:headEnd/>
+                <a:tailEnd/>
+              </a14:hiddenLine>
+            </a:ext>
+            <a:ext uri="{AF507438-7753-43E0-B8FC-AC1667EBCBE1}">
+              <a14:hiddenEffects xmlns:a14="http://schemas.microsoft.com/office/drawing/2010/main">
+                <a:effectLst>
+                  <a:outerShdw dist="35921" dir="2700000" algn="ctr" rotWithShape="0">
+                    <a:schemeClr val="bg2"/>
+                  </a:outerShdw>
+                </a:effectLst>
+              </a14:hiddenEffects>
+            </a:ext>
+          </a:extLst>
+        </p:spPr>
+        <p:txBody>
+          <a:bodyPr vert="horz" wrap="square" lIns="91440" tIns="45720" rIns="91440" bIns="45720" numCol="1" anchor="ctr" anchorCtr="0" compatLnSpc="1">
+            <a:prstTxWarp prst="textNoShape">
+              <a:avLst/>
+            </a:prstTxWarp>
+            <a:spAutoFit/>
+          </a:bodyPr>
+          <a:lstStyle>
+            <a:lvl1pPr eaLnBrk="0" fontAlgn="base" hangingPunct="0">
+              <a:spcBef>
+                <a:spcPct val="0"/>
+              </a:spcBef>
+              <a:spcAft>
+                <a:spcPct val="0"/>
+              </a:spcAft>
+              <a:defRPr>
+                <a:solidFill>
+                  <a:schemeClr val="tx1"/>
+                </a:solidFill>
+                <a:latin typeface="Arial" panose="020B0604020202020204" pitchFamily="34" charset="0"/>
+              </a:defRPr>
+            </a:lvl1pPr>
+            <a:lvl2pPr eaLnBrk="0" fontAlgn="base" hangingPunct="0">
+              <a:spcBef>
+                <a:spcPct val="0"/>
+              </a:spcBef>
+              <a:spcAft>
+                <a:spcPct val="0"/>
+              </a:spcAft>
+              <a:defRPr>
+                <a:solidFill>
+                  <a:schemeClr val="tx1"/>
+                </a:solidFill>
+                <a:latin typeface="Arial" panose="020B0604020202020204" pitchFamily="34" charset="0"/>
+              </a:defRPr>
+            </a:lvl2pPr>
+            <a:lvl3pPr eaLnBrk="0" fontAlgn="base" hangingPunct="0">
+              <a:spcBef>
+                <a:spcPct val="0"/>
+              </a:spcBef>
+              <a:spcAft>
+                <a:spcPct val="0"/>
+              </a:spcAft>
+              <a:defRPr>
+                <a:solidFill>
+                  <a:schemeClr val="tx1"/>
+                </a:solidFill>
+                <a:latin typeface="Arial" panose="020B0604020202020204" pitchFamily="34" charset="0"/>
+              </a:defRPr>
+            </a:lvl3pPr>
+            <a:lvl4pPr eaLnBrk="0" fontAlgn="base" hangingPunct="0">
+              <a:spcBef>
+                <a:spcPct val="0"/>
+              </a:spcBef>
+              <a:spcAft>
+                <a:spcPct val="0"/>
+              </a:spcAft>
+              <a:defRPr>
+                <a:solidFill>
+                  <a:schemeClr val="tx1"/>
+                </a:solidFill>
+                <a:latin typeface="Arial" panose="020B0604020202020204" pitchFamily="34" charset="0"/>
+              </a:defRPr>
+            </a:lvl4pPr>
+            <a:lvl5pPr eaLnBrk="0" fontAlgn="base" hangingPunct="0">
+              <a:spcBef>
+                <a:spcPct val="0"/>
+              </a:spcBef>
+              <a:spcAft>
+                <a:spcPct val="0"/>
+              </a:spcAft>
+              <a:defRPr>
+                <a:solidFill>
+                  <a:schemeClr val="tx1"/>
+                </a:solidFill>
+                <a:latin typeface="Arial" panose="020B0604020202020204" pitchFamily="34" charset="0"/>
+              </a:defRPr>
+            </a:lvl5pPr>
+            <a:lvl6pPr eaLnBrk="0" fontAlgn="base" hangingPunct="0">
+              <a:spcBef>
+                <a:spcPct val="0"/>
+              </a:spcBef>
+              <a:spcAft>
+                <a:spcPct val="0"/>
+              </a:spcAft>
+              <a:defRPr>
+                <a:solidFill>
+                  <a:schemeClr val="tx1"/>
+                </a:solidFill>
+                <a:latin typeface="Arial" panose="020B0604020202020204" pitchFamily="34" charset="0"/>
+              </a:defRPr>
+            </a:lvl6pPr>
+            <a:lvl7pPr eaLnBrk="0" fontAlgn="base" hangingPunct="0">
+              <a:spcBef>
+                <a:spcPct val="0"/>
+              </a:spcBef>
+              <a:spcAft>
+                <a:spcPct val="0"/>
+              </a:spcAft>
+              <a:defRPr>
+                <a:solidFill>
+                  <a:schemeClr val="tx1"/>
+                </a:solidFill>
+                <a:latin typeface="Arial" panose="020B0604020202020204" pitchFamily="34" charset="0"/>
+              </a:defRPr>
+            </a:lvl7pPr>
+            <a:lvl8pPr eaLnBrk="0" fontAlgn="base" hangingPunct="0">
+              <a:spcBef>
+                <a:spcPct val="0"/>
+              </a:spcBef>
+              <a:spcAft>
+                <a:spcPct val="0"/>
+              </a:spcAft>
+              <a:defRPr>
+                <a:solidFill>
+                  <a:schemeClr val="tx1"/>
+                </a:solidFill>
+                <a:latin typeface="Arial" panose="020B0604020202020204" pitchFamily="34" charset="0"/>
+              </a:defRPr>
+            </a:lvl8pPr>
+            <a:lvl9pPr eaLnBrk="0" fontAlgn="base" hangingPunct="0">
+              <a:spcBef>
+                <a:spcPct val="0"/>
+              </a:spcBef>
+              <a:spcAft>
+                <a:spcPct val="0"/>
+              </a:spcAft>
+              <a:defRPr>
+                <a:solidFill>
+                  <a:schemeClr val="tx1"/>
+                </a:solidFill>
+                <a:latin typeface="Arial" panose="020B0604020202020204" pitchFamily="34" charset="0"/>
+              </a:defRPr>
+            </a:lvl9pPr>
+          </a:lstStyle>
+          <a:p>
+            <a:pPr marL="0" marR="0" lvl="0" indent="0" algn="l" defTabSz="914400" rtl="0" eaLnBrk="0" fontAlgn="base" latinLnBrk="0" hangingPunct="0">
+              <a:lnSpc>
+                <a:spcPct val="100000"/>
+              </a:lnSpc>
+              <a:spcBef>
+                <a:spcPct val="0"/>
+              </a:spcBef>
+              <a:spcAft>
+                <a:spcPct val="0"/>
+              </a:spcAft>
+              <a:buClrTx/>
+              <a:buSzTx/>
+              <a:buFontTx/>
+              <a:buNone/>
+              <a:tabLst/>
+            </a:pPr>
+            <a:r>
+              <a:rPr kumimoji="0" lang="uk-UA" altLang="uk-UA" sz="2000" b="0" i="0" u="none" strike="noStrike" cap="none" normalizeH="0" baseline="0" dirty="0">
+                <a:ln>
+                  <a:noFill/>
+                </a:ln>
+                <a:solidFill>
+                  <a:srgbClr val="172B53"/>
+                </a:solidFill>
+                <a:effectLst/>
+                <a:latin typeface="Times New Roman" panose="02020603050405020304" pitchFamily="18" charset="0"/>
+                <a:cs typeface="Times New Roman" panose="02020603050405020304" pitchFamily="18" charset="0"/>
+              </a:rPr>
+              <a:t>І що воно означає? </a:t>
+            </a:r>
+            <a:r>
+              <a:rPr kumimoji="0" lang="uk-UA" altLang="uk-UA" sz="2000" b="0" i="0" u="none" strike="noStrike" cap="none" normalizeH="0" baseline="0" dirty="0" err="1">
+                <a:ln>
+                  <a:noFill/>
+                </a:ln>
+                <a:solidFill>
+                  <a:srgbClr val="000000"/>
+                </a:solidFill>
+                <a:effectLst/>
+                <a:latin typeface="Times New Roman" panose="02020603050405020304" pitchFamily="18" charset="0"/>
+                <a:cs typeface="Times New Roman" panose="02020603050405020304" pitchFamily="18" charset="0"/>
+              </a:rPr>
+              <a:t>this</a:t>
+            </a:r>
+            <a:r>
+              <a:rPr kumimoji="0" lang="uk-UA" altLang="uk-UA" sz="2000" b="0" i="0" u="none" strike="noStrike" cap="none" normalizeH="0" baseline="0" dirty="0" err="1">
+                <a:ln>
+                  <a:noFill/>
+                </a:ln>
+                <a:solidFill>
+                  <a:srgbClr val="172B53"/>
+                </a:solidFill>
+                <a:effectLst/>
+                <a:latin typeface="Times New Roman" panose="02020603050405020304" pitchFamily="18" charset="0"/>
+                <a:cs typeface="Times New Roman" panose="02020603050405020304" pitchFamily="18" charset="0"/>
+              </a:rPr>
+              <a:t>Java</a:t>
+            </a:r>
+            <a:r>
+              <a:rPr kumimoji="0" lang="uk-UA" altLang="uk-UA" sz="2000" b="0" i="0" u="none" strike="noStrike" cap="none" normalizeH="0" baseline="0" dirty="0">
+                <a:ln>
+                  <a:noFill/>
+                </a:ln>
+                <a:solidFill>
+                  <a:srgbClr val="172B53"/>
+                </a:solidFill>
+                <a:effectLst/>
+                <a:latin typeface="Times New Roman" panose="02020603050405020304" pitchFamily="18" charset="0"/>
+                <a:cs typeface="Times New Roman" panose="02020603050405020304" pitchFamily="18" charset="0"/>
+              </a:rPr>
+              <a:t> — це посилання на поточний об'єкт цього класу. Наприклад, якщо ми </a:t>
+            </a:r>
+            <a:r>
+              <a:rPr kumimoji="0" lang="uk-UA" altLang="uk-UA" sz="2000" b="0" i="0" u="none" strike="noStrike" cap="none" normalizeH="0" baseline="0" dirty="0" err="1">
+                <a:ln>
+                  <a:noFill/>
+                </a:ln>
+                <a:solidFill>
+                  <a:srgbClr val="172B53"/>
+                </a:solidFill>
+                <a:effectLst/>
+                <a:latin typeface="Times New Roman" panose="02020603050405020304" pitchFamily="18" charset="0"/>
+                <a:cs typeface="Times New Roman" panose="02020603050405020304" pitchFamily="18" charset="0"/>
+              </a:rPr>
+              <a:t>створабо</a:t>
+            </a:r>
+            <a:r>
+              <a:rPr kumimoji="0" lang="uk-UA" altLang="uk-UA" sz="2000" b="0" i="0" u="none" strike="noStrike" cap="none" normalizeH="0" baseline="0" dirty="0">
+                <a:ln>
+                  <a:noFill/>
+                </a:ln>
+                <a:solidFill>
+                  <a:srgbClr val="172B53"/>
+                </a:solidFill>
+                <a:effectLst/>
+                <a:latin typeface="Times New Roman" panose="02020603050405020304" pitchFamily="18" charset="0"/>
+                <a:cs typeface="Times New Roman" panose="02020603050405020304" pitchFamily="18" charset="0"/>
+              </a:rPr>
+              <a:t> об'єкт: </a:t>
+            </a:r>
+            <a:endParaRPr kumimoji="0" lang="uk-UA" altLang="uk-UA" sz="2000" b="0" i="0" u="none" strike="noStrike" cap="none" normalizeH="0" baseline="0" dirty="0">
+              <a:ln>
+                <a:noFill/>
+              </a:ln>
+              <a:solidFill>
+                <a:schemeClr val="tx1"/>
+              </a:solidFill>
+              <a:effectLst/>
+              <a:latin typeface="Times New Roman" panose="02020603050405020304" pitchFamily="18" charset="0"/>
+              <a:cs typeface="Times New Roman" panose="02020603050405020304" pitchFamily="18" charset="0"/>
+            </a:endParaRPr>
+          </a:p>
+        </p:txBody>
+      </p:sp>
+      <p:sp>
+        <p:nvSpPr>
+          <p:cNvPr id="11" name="TextBox 10">
+            <a:extLst>
+              <a:ext uri="{FF2B5EF4-FFF2-40B4-BE49-F238E27FC236}">
+                <a16:creationId xmlns:a16="http://schemas.microsoft.com/office/drawing/2014/main" id="{52CDA87D-3422-45F7-87A9-840E5AF99153}"/>
+              </a:ext>
+            </a:extLst>
+          </p:cNvPr>
+          <p:cNvSpPr txBox="1"/>
+          <p:nvPr/>
+        </p:nvSpPr>
+        <p:spPr>
+          <a:xfrm>
+            <a:off x="254524" y="2407475"/>
+            <a:ext cx="10133814" cy="369332"/>
+          </a:xfrm>
+          <a:prstGeom prst="rect">
+            <a:avLst/>
+          </a:prstGeom>
+          <a:noFill/>
+        </p:spPr>
+        <p:txBody>
+          <a:bodyPr wrap="square">
+            <a:spAutoFit/>
+          </a:bodyPr>
+          <a:lstStyle/>
+          <a:p>
+            <a:r>
+              <a:rPr lang="en-US" b="0" i="0" dirty="0" err="1">
+                <a:solidFill>
+                  <a:srgbClr val="000000"/>
+                </a:solidFill>
+                <a:effectLst/>
+                <a:latin typeface="Courier New" panose="02070309020205020404" pitchFamily="49" charset="0"/>
+                <a:cs typeface="Courier New" panose="02070309020205020404" pitchFamily="49" charset="0"/>
+              </a:rPr>
+              <a:t>StringConstructor</a:t>
+            </a:r>
+            <a:r>
+              <a:rPr lang="en-US" b="0" i="0" dirty="0">
+                <a:solidFill>
+                  <a:srgbClr val="000000"/>
+                </a:solidFill>
+                <a:effectLst/>
+                <a:latin typeface="Courier New" panose="02070309020205020404" pitchFamily="49" charset="0"/>
+                <a:cs typeface="Courier New" panose="02070309020205020404" pitchFamily="49" charset="0"/>
+              </a:rPr>
+              <a:t> </a:t>
+            </a:r>
+            <a:r>
+              <a:rPr lang="en-US" b="0" i="0" dirty="0" err="1">
+                <a:solidFill>
+                  <a:srgbClr val="000000"/>
+                </a:solidFill>
+                <a:effectLst/>
+                <a:latin typeface="Courier New" panose="02070309020205020404" pitchFamily="49" charset="0"/>
+                <a:cs typeface="Courier New" panose="02070309020205020404" pitchFamily="49" charset="0"/>
+              </a:rPr>
+              <a:t>stringConstructor</a:t>
+            </a:r>
+            <a:r>
+              <a:rPr lang="en-US" b="0" i="0" dirty="0">
+                <a:solidFill>
+                  <a:srgbClr val="000000"/>
+                </a:solidFill>
+                <a:effectLst/>
+                <a:latin typeface="Courier New" panose="02070309020205020404" pitchFamily="49" charset="0"/>
+                <a:cs typeface="Courier New" panose="02070309020205020404" pitchFamily="49" charset="0"/>
+              </a:rPr>
+              <a:t> = </a:t>
+            </a:r>
+            <a:r>
+              <a:rPr lang="en-US" b="1" i="0" dirty="0">
+                <a:solidFill>
+                  <a:srgbClr val="000080"/>
+                </a:solidFill>
+                <a:effectLst/>
+                <a:latin typeface="Courier New" panose="02070309020205020404" pitchFamily="49" charset="0"/>
+                <a:cs typeface="Courier New" panose="02070309020205020404" pitchFamily="49" charset="0"/>
+              </a:rPr>
+              <a:t>new</a:t>
+            </a:r>
+            <a:r>
+              <a:rPr lang="en-US" b="0" i="0" dirty="0">
+                <a:solidFill>
+                  <a:srgbClr val="000000"/>
+                </a:solidFill>
+                <a:effectLst/>
+                <a:latin typeface="Courier New" panose="02070309020205020404" pitchFamily="49" charset="0"/>
+                <a:cs typeface="Courier New" panose="02070309020205020404" pitchFamily="49" charset="0"/>
+              </a:rPr>
+              <a:t> </a:t>
+            </a:r>
+            <a:r>
+              <a:rPr lang="en-US" b="0" i="0" dirty="0" err="1">
+                <a:solidFill>
+                  <a:srgbClr val="000000"/>
+                </a:solidFill>
+                <a:effectLst/>
+                <a:latin typeface="Courier New" panose="02070309020205020404" pitchFamily="49" charset="0"/>
+                <a:cs typeface="Courier New" panose="02070309020205020404" pitchFamily="49" charset="0"/>
+              </a:rPr>
+              <a:t>StringConstructor</a:t>
+            </a:r>
+            <a:r>
+              <a:rPr lang="en-US" b="0" i="0" dirty="0">
+                <a:solidFill>
+                  <a:srgbClr val="000000"/>
+                </a:solidFill>
+                <a:effectLst/>
+                <a:latin typeface="Courier New" panose="02070309020205020404" pitchFamily="49" charset="0"/>
+                <a:cs typeface="Courier New" panose="02070309020205020404" pitchFamily="49" charset="0"/>
+              </a:rPr>
+              <a:t>();</a:t>
+            </a:r>
+            <a:endParaRPr lang="uk-UA" dirty="0">
+              <a:latin typeface="Courier New" panose="02070309020205020404" pitchFamily="49" charset="0"/>
+              <a:cs typeface="Courier New" panose="02070309020205020404" pitchFamily="49" charset="0"/>
+            </a:endParaRPr>
+          </a:p>
+        </p:txBody>
+      </p:sp>
+      <p:sp>
+        <p:nvSpPr>
+          <p:cNvPr id="12" name="Rectangle 3">
+            <a:extLst>
+              <a:ext uri="{FF2B5EF4-FFF2-40B4-BE49-F238E27FC236}">
+                <a16:creationId xmlns:a16="http://schemas.microsoft.com/office/drawing/2014/main" id="{1E22F6D5-7058-454E-883F-33FF456BF00E}"/>
+              </a:ext>
+            </a:extLst>
+          </p:cNvPr>
+          <p:cNvSpPr>
+            <a:spLocks noChangeArrowheads="1"/>
+          </p:cNvSpPr>
+          <p:nvPr/>
+        </p:nvSpPr>
+        <p:spPr bwMode="auto">
+          <a:xfrm>
+            <a:off x="254524" y="2921168"/>
+            <a:ext cx="10236740" cy="1015663"/>
+          </a:xfrm>
+          <a:prstGeom prst="rect">
+            <a:avLst/>
+          </a:prstGeom>
+          <a:noFill/>
+          <a:ln>
+            <a:noFill/>
+          </a:ln>
+          <a:effectLst/>
+          <a:extLst>
+            <a:ext uri="{909E8E84-426E-40DD-AFC4-6F175D3DCCD1}">
+              <a14:hiddenFill xmlns:a14="http://schemas.microsoft.com/office/drawing/2010/main">
+                <a:solidFill>
+                  <a:schemeClr val="accent1"/>
+                </a:solidFill>
+              </a14:hiddenFill>
+            </a:ext>
+            <a:ext uri="{91240B29-F687-4F45-9708-019B960494DF}">
+              <a14:hiddenLine xmlns:a14="http://schemas.microsoft.com/office/drawing/2010/main" w="9525">
+                <a:solidFill>
+                  <a:schemeClr val="tx1"/>
+                </a:solidFill>
+                <a:miter lim="800000"/>
+                <a:headEnd/>
+                <a:tailEnd/>
+              </a14:hiddenLine>
+            </a:ext>
+            <a:ext uri="{AF507438-7753-43E0-B8FC-AC1667EBCBE1}">
+              <a14:hiddenEffects xmlns:a14="http://schemas.microsoft.com/office/drawing/2010/main">
+                <a:effectLst>
+                  <a:outerShdw dist="35921" dir="2700000" algn="ctr" rotWithShape="0">
+                    <a:schemeClr val="bg2"/>
+                  </a:outerShdw>
+                </a:effectLst>
+              </a14:hiddenEffects>
+            </a:ext>
+          </a:extLst>
+        </p:spPr>
+        <p:txBody>
+          <a:bodyPr vert="horz" wrap="square" lIns="91440" tIns="45720" rIns="91440" bIns="45720" numCol="1" anchor="ctr" anchorCtr="0" compatLnSpc="1">
+            <a:prstTxWarp prst="textNoShape">
+              <a:avLst/>
+            </a:prstTxWarp>
+            <a:spAutoFit/>
+          </a:bodyPr>
+          <a:lstStyle>
+            <a:lvl1pPr eaLnBrk="0" fontAlgn="base" hangingPunct="0">
+              <a:spcBef>
+                <a:spcPct val="0"/>
+              </a:spcBef>
+              <a:spcAft>
+                <a:spcPct val="0"/>
+              </a:spcAft>
+              <a:defRPr>
+                <a:solidFill>
+                  <a:schemeClr val="tx1"/>
+                </a:solidFill>
+                <a:latin typeface="Arial" panose="020B0604020202020204" pitchFamily="34" charset="0"/>
+              </a:defRPr>
+            </a:lvl1pPr>
+            <a:lvl2pPr eaLnBrk="0" fontAlgn="base" hangingPunct="0">
+              <a:spcBef>
+                <a:spcPct val="0"/>
+              </a:spcBef>
+              <a:spcAft>
+                <a:spcPct val="0"/>
+              </a:spcAft>
+              <a:defRPr>
+                <a:solidFill>
+                  <a:schemeClr val="tx1"/>
+                </a:solidFill>
+                <a:latin typeface="Arial" panose="020B0604020202020204" pitchFamily="34" charset="0"/>
+              </a:defRPr>
+            </a:lvl2pPr>
+            <a:lvl3pPr eaLnBrk="0" fontAlgn="base" hangingPunct="0">
+              <a:spcBef>
+                <a:spcPct val="0"/>
+              </a:spcBef>
+              <a:spcAft>
+                <a:spcPct val="0"/>
+              </a:spcAft>
+              <a:defRPr>
+                <a:solidFill>
+                  <a:schemeClr val="tx1"/>
+                </a:solidFill>
+                <a:latin typeface="Arial" panose="020B0604020202020204" pitchFamily="34" charset="0"/>
+              </a:defRPr>
+            </a:lvl3pPr>
+            <a:lvl4pPr eaLnBrk="0" fontAlgn="base" hangingPunct="0">
+              <a:spcBef>
+                <a:spcPct val="0"/>
+              </a:spcBef>
+              <a:spcAft>
+                <a:spcPct val="0"/>
+              </a:spcAft>
+              <a:defRPr>
+                <a:solidFill>
+                  <a:schemeClr val="tx1"/>
+                </a:solidFill>
+                <a:latin typeface="Arial" panose="020B0604020202020204" pitchFamily="34" charset="0"/>
+              </a:defRPr>
+            </a:lvl4pPr>
+            <a:lvl5pPr eaLnBrk="0" fontAlgn="base" hangingPunct="0">
+              <a:spcBef>
+                <a:spcPct val="0"/>
+              </a:spcBef>
+              <a:spcAft>
+                <a:spcPct val="0"/>
+              </a:spcAft>
+              <a:defRPr>
+                <a:solidFill>
+                  <a:schemeClr val="tx1"/>
+                </a:solidFill>
+                <a:latin typeface="Arial" panose="020B0604020202020204" pitchFamily="34" charset="0"/>
+              </a:defRPr>
+            </a:lvl5pPr>
+            <a:lvl6pPr eaLnBrk="0" fontAlgn="base" hangingPunct="0">
+              <a:spcBef>
+                <a:spcPct val="0"/>
+              </a:spcBef>
+              <a:spcAft>
+                <a:spcPct val="0"/>
+              </a:spcAft>
+              <a:defRPr>
+                <a:solidFill>
+                  <a:schemeClr val="tx1"/>
+                </a:solidFill>
+                <a:latin typeface="Arial" panose="020B0604020202020204" pitchFamily="34" charset="0"/>
+              </a:defRPr>
+            </a:lvl6pPr>
+            <a:lvl7pPr eaLnBrk="0" fontAlgn="base" hangingPunct="0">
+              <a:spcBef>
+                <a:spcPct val="0"/>
+              </a:spcBef>
+              <a:spcAft>
+                <a:spcPct val="0"/>
+              </a:spcAft>
+              <a:defRPr>
+                <a:solidFill>
+                  <a:schemeClr val="tx1"/>
+                </a:solidFill>
+                <a:latin typeface="Arial" panose="020B0604020202020204" pitchFamily="34" charset="0"/>
+              </a:defRPr>
+            </a:lvl7pPr>
+            <a:lvl8pPr eaLnBrk="0" fontAlgn="base" hangingPunct="0">
+              <a:spcBef>
+                <a:spcPct val="0"/>
+              </a:spcBef>
+              <a:spcAft>
+                <a:spcPct val="0"/>
+              </a:spcAft>
+              <a:defRPr>
+                <a:solidFill>
+                  <a:schemeClr val="tx1"/>
+                </a:solidFill>
+                <a:latin typeface="Arial" panose="020B0604020202020204" pitchFamily="34" charset="0"/>
+              </a:defRPr>
+            </a:lvl8pPr>
+            <a:lvl9pPr eaLnBrk="0" fontAlgn="base" hangingPunct="0">
+              <a:spcBef>
+                <a:spcPct val="0"/>
+              </a:spcBef>
+              <a:spcAft>
+                <a:spcPct val="0"/>
+              </a:spcAft>
+              <a:defRPr>
+                <a:solidFill>
+                  <a:schemeClr val="tx1"/>
+                </a:solidFill>
+                <a:latin typeface="Arial" panose="020B0604020202020204" pitchFamily="34" charset="0"/>
+              </a:defRPr>
+            </a:lvl9pPr>
+          </a:lstStyle>
+          <a:p>
+            <a:pPr marL="0" marR="0" lvl="0" indent="0" algn="l" defTabSz="914400" rtl="0" eaLnBrk="0" fontAlgn="base" latinLnBrk="0" hangingPunct="0">
+              <a:lnSpc>
+                <a:spcPct val="100000"/>
+              </a:lnSpc>
+              <a:spcBef>
+                <a:spcPct val="0"/>
+              </a:spcBef>
+              <a:spcAft>
+                <a:spcPct val="0"/>
+              </a:spcAft>
+              <a:buClrTx/>
+              <a:buSzTx/>
+              <a:buFontTx/>
+              <a:buNone/>
+              <a:tabLst/>
+            </a:pPr>
+            <a:r>
+              <a:rPr kumimoji="0" lang="uk-UA" altLang="uk-UA" sz="2000" b="0" i="0" u="none" strike="noStrike" cap="none" normalizeH="0" baseline="0" dirty="0">
+                <a:ln>
+                  <a:noFill/>
+                </a:ln>
+                <a:solidFill>
+                  <a:srgbClr val="172B53"/>
+                </a:solidFill>
+                <a:effectLst/>
+                <a:latin typeface="Times New Roman" panose="02020603050405020304" pitchFamily="18" charset="0"/>
+                <a:cs typeface="Times New Roman" panose="02020603050405020304" pitchFamily="18" charset="0"/>
+              </a:rPr>
+              <a:t>то </a:t>
+            </a:r>
+            <a:r>
+              <a:rPr kumimoji="0" lang="uk-UA" altLang="uk-UA" sz="2000" b="0" i="0" u="none" strike="noStrike" cap="none" normalizeH="0" baseline="0" dirty="0" err="1">
+                <a:ln>
+                  <a:noFill/>
+                </a:ln>
+                <a:solidFill>
+                  <a:srgbClr val="000000"/>
+                </a:solidFill>
+                <a:effectLst/>
+                <a:latin typeface="Times New Roman" panose="02020603050405020304" pitchFamily="18" charset="0"/>
+                <a:cs typeface="Times New Roman" panose="02020603050405020304" pitchFamily="18" charset="0"/>
+              </a:rPr>
+              <a:t>this</a:t>
+            </a:r>
+            <a:r>
+              <a:rPr kumimoji="0" lang="uk-UA" altLang="uk-UA" sz="2000" b="0" i="0" u="none" strike="noStrike" cap="none" normalizeH="0" baseline="0" dirty="0">
+                <a:ln>
+                  <a:noFill/>
+                </a:ln>
+                <a:solidFill>
+                  <a:srgbClr val="000000"/>
+                </a:solidFill>
+                <a:effectLst/>
+                <a:latin typeface="Times New Roman" panose="02020603050405020304" pitchFamily="18" charset="0"/>
+                <a:cs typeface="Times New Roman" panose="02020603050405020304" pitchFamily="18" charset="0"/>
+              </a:rPr>
+              <a:t> </a:t>
+            </a:r>
+            <a:r>
+              <a:rPr kumimoji="0" lang="uk-UA" altLang="uk-UA" sz="2000" b="0" i="0" u="none" strike="noStrike" cap="none" normalizeH="0" baseline="0" dirty="0">
+                <a:ln>
+                  <a:noFill/>
+                </a:ln>
+                <a:solidFill>
+                  <a:srgbClr val="172B53"/>
+                </a:solidFill>
+                <a:effectLst/>
+                <a:latin typeface="Times New Roman" panose="02020603050405020304" pitchFamily="18" charset="0"/>
+                <a:cs typeface="Times New Roman" panose="02020603050405020304" pitchFamily="18" charset="0"/>
+              </a:rPr>
+              <a:t>всередині об'єкта </a:t>
+            </a:r>
+            <a:r>
+              <a:rPr kumimoji="0" lang="uk-UA" altLang="uk-UA" sz="2000" b="0" i="0" u="none" strike="noStrike" cap="none" normalizeH="0" baseline="0" dirty="0" err="1">
+                <a:ln>
+                  <a:noFill/>
+                </a:ln>
+                <a:solidFill>
+                  <a:srgbClr val="000000"/>
+                </a:solidFill>
+                <a:effectLst/>
+                <a:latin typeface="Times New Roman" panose="02020603050405020304" pitchFamily="18" charset="0"/>
+                <a:cs typeface="Times New Roman" panose="02020603050405020304" pitchFamily="18" charset="0"/>
+              </a:rPr>
+              <a:t>stringConstructor</a:t>
+            </a:r>
+            <a:r>
+              <a:rPr kumimoji="0" lang="uk-UA" altLang="uk-UA" sz="2000" b="0" i="0" u="none" strike="noStrike" cap="none" normalizeH="0" baseline="0" dirty="0">
+                <a:ln>
+                  <a:noFill/>
+                </a:ln>
+                <a:solidFill>
+                  <a:srgbClr val="000000"/>
+                </a:solidFill>
+                <a:effectLst/>
+                <a:latin typeface="Times New Roman" panose="02020603050405020304" pitchFamily="18" charset="0"/>
+                <a:cs typeface="Times New Roman" panose="02020603050405020304" pitchFamily="18" charset="0"/>
+              </a:rPr>
+              <a:t> </a:t>
+            </a:r>
+            <a:r>
+              <a:rPr kumimoji="0" lang="uk-UA" altLang="uk-UA" sz="2000" b="0" i="0" u="none" strike="noStrike" cap="none" normalizeH="0" baseline="0" dirty="0">
+                <a:ln>
+                  <a:noFill/>
+                </a:ln>
+                <a:solidFill>
+                  <a:srgbClr val="172B53"/>
+                </a:solidFill>
+                <a:effectLst/>
+                <a:latin typeface="Times New Roman" panose="02020603050405020304" pitchFamily="18" charset="0"/>
+                <a:cs typeface="Times New Roman" panose="02020603050405020304" pitchFamily="18" charset="0"/>
+              </a:rPr>
+              <a:t>буде посиланням на той самий об'єкт. </a:t>
+            </a:r>
+            <a:r>
+              <a:rPr kumimoji="0" lang="en-US" altLang="uk-UA" sz="2000" b="0" i="0" u="none" strike="noStrike" cap="none" normalizeH="0" baseline="0" dirty="0">
+                <a:ln>
+                  <a:noFill/>
+                </a:ln>
+                <a:solidFill>
+                  <a:srgbClr val="172B53"/>
+                </a:solidFill>
+                <a:effectLst/>
+                <a:latin typeface="Times New Roman" panose="02020603050405020304" pitchFamily="18" charset="0"/>
+                <a:cs typeface="Times New Roman" panose="02020603050405020304" pitchFamily="18" charset="0"/>
+              </a:rPr>
+              <a:t>t</a:t>
+            </a:r>
+            <a:r>
+              <a:rPr kumimoji="0" lang="uk-UA" altLang="uk-UA" sz="2000" b="0" i="0" u="none" strike="noStrike" cap="none" normalizeH="0" baseline="0" dirty="0" err="1">
+                <a:ln>
+                  <a:noFill/>
+                </a:ln>
+                <a:solidFill>
+                  <a:srgbClr val="000000"/>
+                </a:solidFill>
+                <a:effectLst/>
+                <a:latin typeface="Times New Roman" panose="02020603050405020304" pitchFamily="18" charset="0"/>
+                <a:cs typeface="Times New Roman" panose="02020603050405020304" pitchFamily="18" charset="0"/>
+              </a:rPr>
+              <a:t>his</a:t>
+            </a:r>
+            <a:r>
+              <a:rPr kumimoji="0" lang="uk-UA" altLang="uk-UA" sz="2000" b="0" i="0" u="none" strike="noStrike" cap="none" normalizeH="0" baseline="0" dirty="0">
+                <a:ln>
+                  <a:noFill/>
+                </a:ln>
+                <a:solidFill>
+                  <a:srgbClr val="000000"/>
+                </a:solidFill>
+                <a:effectLst/>
+                <a:latin typeface="Times New Roman" panose="02020603050405020304" pitchFamily="18" charset="0"/>
+                <a:cs typeface="Times New Roman" panose="02020603050405020304" pitchFamily="18" charset="0"/>
+              </a:rPr>
+              <a:t> </a:t>
+            </a:r>
+            <a:r>
+              <a:rPr kumimoji="0" lang="uk-UA" altLang="uk-UA" sz="2000" b="0" i="0" u="none" strike="noStrike" cap="none" normalizeH="0" baseline="0" dirty="0">
+                <a:ln>
+                  <a:noFill/>
+                </a:ln>
+                <a:solidFill>
+                  <a:srgbClr val="172B53"/>
+                </a:solidFill>
+                <a:effectLst/>
+                <a:latin typeface="Times New Roman" panose="02020603050405020304" pitchFamily="18" charset="0"/>
+                <a:cs typeface="Times New Roman" panose="02020603050405020304" pitchFamily="18" charset="0"/>
+              </a:rPr>
+              <a:t>використовується як посилання на змінну об'єкта (як у </a:t>
+            </a:r>
+            <a:r>
+              <a:rPr kumimoji="0" lang="uk-UA" altLang="uk-UA" sz="2000" b="0" i="0" u="none" strike="noStrike" cap="none" normalizeH="0" baseline="0" dirty="0" err="1">
+                <a:ln>
+                  <a:noFill/>
+                </a:ln>
+                <a:solidFill>
+                  <a:srgbClr val="172B53"/>
+                </a:solidFill>
+                <a:effectLst/>
+                <a:latin typeface="Times New Roman" panose="02020603050405020304" pitchFamily="18" charset="0"/>
+                <a:cs typeface="Times New Roman" panose="02020603050405020304" pitchFamily="18" charset="0"/>
+              </a:rPr>
+              <a:t>сеттері</a:t>
+            </a:r>
+            <a:r>
+              <a:rPr kumimoji="0" lang="uk-UA" altLang="uk-UA" sz="2000" b="0" i="0" u="none" strike="noStrike" cap="none" normalizeH="0" baseline="0" dirty="0">
+                <a:ln>
+                  <a:noFill/>
+                </a:ln>
+                <a:solidFill>
+                  <a:srgbClr val="172B53"/>
+                </a:solidFill>
+                <a:effectLst/>
+                <a:latin typeface="Times New Roman" panose="02020603050405020304" pitchFamily="18" charset="0"/>
+                <a:cs typeface="Times New Roman" panose="02020603050405020304" pitchFamily="18" charset="0"/>
+              </a:rPr>
+              <a:t> вище), так виклику деякого методу. Ми можемо трохи переписати наш клас: </a:t>
+            </a:r>
+            <a:endParaRPr kumimoji="0" lang="uk-UA" altLang="uk-UA" sz="2000" b="0" i="0" u="none" strike="noStrike" cap="none" normalizeH="0" baseline="0" dirty="0">
+              <a:ln>
+                <a:noFill/>
+              </a:ln>
+              <a:solidFill>
+                <a:schemeClr val="tx1"/>
+              </a:solidFill>
+              <a:effectLst/>
+              <a:latin typeface="Times New Roman" panose="02020603050405020304" pitchFamily="18" charset="0"/>
+              <a:cs typeface="Times New Roman" panose="02020603050405020304" pitchFamily="18" charset="0"/>
+            </a:endParaRPr>
+          </a:p>
+        </p:txBody>
+      </p:sp>
+      <p:sp>
+        <p:nvSpPr>
+          <p:cNvPr id="14" name="TextBox 13">
+            <a:extLst>
+              <a:ext uri="{FF2B5EF4-FFF2-40B4-BE49-F238E27FC236}">
+                <a16:creationId xmlns:a16="http://schemas.microsoft.com/office/drawing/2014/main" id="{890056F9-A850-4BCB-9C4E-45A46886CAF4}"/>
+              </a:ext>
+            </a:extLst>
+          </p:cNvPr>
+          <p:cNvSpPr txBox="1"/>
+          <p:nvPr/>
+        </p:nvSpPr>
+        <p:spPr>
+          <a:xfrm>
+            <a:off x="254524" y="3995678"/>
+            <a:ext cx="9539925" cy="2862322"/>
+          </a:xfrm>
+          <a:prstGeom prst="rect">
+            <a:avLst/>
+          </a:prstGeom>
+          <a:noFill/>
+        </p:spPr>
+        <p:txBody>
+          <a:bodyPr wrap="square">
+            <a:spAutoFit/>
+          </a:bodyPr>
+          <a:lstStyle/>
+          <a:p>
+            <a:r>
+              <a:rPr lang="en-US" b="1" i="0" dirty="0">
+                <a:solidFill>
+                  <a:srgbClr val="000080"/>
+                </a:solidFill>
+                <a:effectLst/>
+                <a:latin typeface="Courier New" panose="02070309020205020404" pitchFamily="49" charset="0"/>
+                <a:cs typeface="Courier New" panose="02070309020205020404" pitchFamily="49" charset="0"/>
+              </a:rPr>
+              <a:t>public</a:t>
+            </a:r>
+            <a:r>
+              <a:rPr lang="en-US" b="0" i="0" dirty="0">
+                <a:solidFill>
+                  <a:srgbClr val="000000"/>
+                </a:solidFill>
+                <a:effectLst/>
+                <a:latin typeface="Courier New" panose="02070309020205020404" pitchFamily="49" charset="0"/>
+                <a:cs typeface="Courier New" panose="02070309020205020404" pitchFamily="49" charset="0"/>
+              </a:rPr>
+              <a:t> </a:t>
+            </a:r>
+            <a:r>
+              <a:rPr lang="en-US" b="1" i="0" dirty="0">
+                <a:solidFill>
+                  <a:srgbClr val="000080"/>
+                </a:solidFill>
+                <a:effectLst/>
+                <a:latin typeface="Courier New" panose="02070309020205020404" pitchFamily="49" charset="0"/>
+                <a:cs typeface="Courier New" panose="02070309020205020404" pitchFamily="49" charset="0"/>
+              </a:rPr>
+              <a:t>class</a:t>
+            </a:r>
+            <a:r>
+              <a:rPr lang="en-US" b="0" i="0" dirty="0">
+                <a:solidFill>
+                  <a:srgbClr val="000000"/>
+                </a:solidFill>
+                <a:effectLst/>
+                <a:latin typeface="Courier New" panose="02070309020205020404" pitchFamily="49" charset="0"/>
+                <a:cs typeface="Courier New" panose="02070309020205020404" pitchFamily="49" charset="0"/>
+              </a:rPr>
+              <a:t> </a:t>
+            </a:r>
+            <a:r>
+              <a:rPr lang="en-US" b="0" i="0" dirty="0" err="1">
+                <a:solidFill>
+                  <a:srgbClr val="000000"/>
+                </a:solidFill>
+                <a:effectLst/>
+                <a:latin typeface="Courier New" panose="02070309020205020404" pitchFamily="49" charset="0"/>
+                <a:cs typeface="Courier New" panose="02070309020205020404" pitchFamily="49" charset="0"/>
+              </a:rPr>
+              <a:t>StringConstructor</a:t>
+            </a:r>
+            <a:r>
+              <a:rPr lang="en-US" b="0" i="0" dirty="0">
+                <a:solidFill>
+                  <a:srgbClr val="000000"/>
+                </a:solidFill>
+                <a:effectLst/>
+                <a:latin typeface="Courier New" panose="02070309020205020404" pitchFamily="49" charset="0"/>
+                <a:cs typeface="Courier New" panose="02070309020205020404" pitchFamily="49" charset="0"/>
+              </a:rPr>
+              <a:t> { </a:t>
+            </a:r>
+          </a:p>
+          <a:p>
+            <a:r>
+              <a:rPr lang="en-US" dirty="0">
+                <a:solidFill>
+                  <a:srgbClr val="000000"/>
+                </a:solidFill>
+                <a:latin typeface="Courier New" panose="02070309020205020404" pitchFamily="49" charset="0"/>
+                <a:cs typeface="Courier New" panose="02070309020205020404" pitchFamily="49" charset="0"/>
+              </a:rPr>
+              <a:t>	</a:t>
+            </a:r>
+            <a:r>
+              <a:rPr lang="en-US" b="1" i="0" dirty="0">
+                <a:solidFill>
+                  <a:srgbClr val="000080"/>
+                </a:solidFill>
+                <a:effectLst/>
+                <a:latin typeface="Courier New" panose="02070309020205020404" pitchFamily="49" charset="0"/>
+                <a:cs typeface="Courier New" panose="02070309020205020404" pitchFamily="49" charset="0"/>
+              </a:rPr>
+              <a:t>public</a:t>
+            </a:r>
+            <a:r>
+              <a:rPr lang="en-US" b="0" i="0" dirty="0">
+                <a:solidFill>
+                  <a:srgbClr val="000000"/>
+                </a:solidFill>
+                <a:effectLst/>
+                <a:latin typeface="Courier New" panose="02070309020205020404" pitchFamily="49" charset="0"/>
+                <a:cs typeface="Courier New" panose="02070309020205020404" pitchFamily="49" charset="0"/>
+              </a:rPr>
+              <a:t> String </a:t>
+            </a:r>
+            <a:r>
+              <a:rPr lang="en-US" b="0" i="0" dirty="0" err="1">
+                <a:solidFill>
+                  <a:srgbClr val="900606"/>
+                </a:solidFill>
+                <a:effectLst/>
+                <a:latin typeface="Courier New" panose="02070309020205020404" pitchFamily="49" charset="0"/>
+                <a:cs typeface="Courier New" panose="02070309020205020404" pitchFamily="49" charset="0"/>
+              </a:rPr>
+              <a:t>constructHelloSentence</a:t>
+            </a:r>
+            <a:r>
+              <a:rPr lang="en-US" b="0" i="0" dirty="0">
+                <a:solidFill>
+                  <a:srgbClr val="000000"/>
+                </a:solidFill>
+                <a:effectLst/>
+                <a:latin typeface="Courier New" panose="02070309020205020404" pitchFamily="49" charset="0"/>
+                <a:cs typeface="Courier New" panose="02070309020205020404" pitchFamily="49" charset="0"/>
+              </a:rPr>
+              <a:t>(String name) { </a:t>
+            </a:r>
+          </a:p>
+          <a:p>
+            <a:r>
+              <a:rPr lang="en-US" dirty="0">
+                <a:solidFill>
+                  <a:srgbClr val="000000"/>
+                </a:solidFill>
+                <a:latin typeface="Courier New" panose="02070309020205020404" pitchFamily="49" charset="0"/>
+                <a:cs typeface="Courier New" panose="02070309020205020404" pitchFamily="49" charset="0"/>
+              </a:rPr>
+              <a:t>		</a:t>
+            </a:r>
+            <a:r>
+              <a:rPr lang="en-US" b="0" i="0" dirty="0">
+                <a:solidFill>
+                  <a:srgbClr val="000000"/>
+                </a:solidFill>
+                <a:effectLst/>
+                <a:latin typeface="Courier New" panose="02070309020205020404" pitchFamily="49" charset="0"/>
+                <a:cs typeface="Courier New" panose="02070309020205020404" pitchFamily="49" charset="0"/>
+              </a:rPr>
+              <a:t>String </a:t>
+            </a:r>
+            <a:r>
+              <a:rPr lang="en-US" b="0" i="0" dirty="0" err="1">
+                <a:solidFill>
+                  <a:srgbClr val="000000"/>
+                </a:solidFill>
+                <a:effectLst/>
+                <a:latin typeface="Courier New" panose="02070309020205020404" pitchFamily="49" charset="0"/>
+                <a:cs typeface="Courier New" panose="02070309020205020404" pitchFamily="49" charset="0"/>
+              </a:rPr>
+              <a:t>resultSentence</a:t>
+            </a:r>
+            <a:r>
+              <a:rPr lang="en-US" b="0" i="0" dirty="0">
+                <a:solidFill>
+                  <a:srgbClr val="000000"/>
+                </a:solidFill>
+                <a:effectLst/>
+                <a:latin typeface="Courier New" panose="02070309020205020404" pitchFamily="49" charset="0"/>
+                <a:cs typeface="Courier New" panose="02070309020205020404" pitchFamily="49" charset="0"/>
+              </a:rPr>
+              <a:t> = </a:t>
+            </a:r>
+            <a:r>
+              <a:rPr lang="en-US" b="1" i="0" dirty="0" err="1">
+                <a:solidFill>
+                  <a:srgbClr val="000080"/>
+                </a:solidFill>
+                <a:effectLst/>
+                <a:latin typeface="Courier New" panose="02070309020205020404" pitchFamily="49" charset="0"/>
+                <a:cs typeface="Courier New" panose="02070309020205020404" pitchFamily="49" charset="0"/>
+              </a:rPr>
+              <a:t>this</a:t>
+            </a:r>
+            <a:r>
+              <a:rPr lang="en-US" b="0" i="0" dirty="0" err="1">
+                <a:solidFill>
+                  <a:srgbClr val="000000"/>
+                </a:solidFill>
+                <a:effectLst/>
+                <a:latin typeface="Courier New" panose="02070309020205020404" pitchFamily="49" charset="0"/>
+                <a:cs typeface="Courier New" panose="02070309020205020404" pitchFamily="49" charset="0"/>
+              </a:rPr>
+              <a:t>.</a:t>
+            </a:r>
+            <a:r>
+              <a:rPr lang="en-US" b="0" i="0" dirty="0" err="1">
+                <a:solidFill>
+                  <a:srgbClr val="900606"/>
+                </a:solidFill>
+                <a:effectLst/>
+                <a:latin typeface="Courier New" panose="02070309020205020404" pitchFamily="49" charset="0"/>
+                <a:cs typeface="Courier New" panose="02070309020205020404" pitchFamily="49" charset="0"/>
+              </a:rPr>
+              <a:t>getSentence</a:t>
+            </a:r>
+            <a:r>
+              <a:rPr lang="en-US" b="0" i="0" dirty="0">
+                <a:solidFill>
+                  <a:srgbClr val="000000"/>
+                </a:solidFill>
+                <a:effectLst/>
+                <a:latin typeface="Courier New" panose="02070309020205020404" pitchFamily="49" charset="0"/>
+                <a:cs typeface="Courier New" panose="02070309020205020404" pitchFamily="49" charset="0"/>
+              </a:rPr>
+              <a:t>() + name;</a:t>
+            </a:r>
+          </a:p>
+          <a:p>
+            <a:r>
+              <a:rPr lang="en-US" dirty="0">
+                <a:solidFill>
+                  <a:srgbClr val="000000"/>
+                </a:solidFill>
+                <a:latin typeface="Courier New" panose="02070309020205020404" pitchFamily="49" charset="0"/>
+                <a:cs typeface="Courier New" panose="02070309020205020404" pitchFamily="49" charset="0"/>
+              </a:rPr>
+              <a:t>	</a:t>
+            </a:r>
+            <a:r>
+              <a:rPr lang="en-US" b="0" i="0" dirty="0">
+                <a:solidFill>
+                  <a:srgbClr val="000000"/>
+                </a:solidFill>
+                <a:effectLst/>
+                <a:latin typeface="Courier New" panose="02070309020205020404" pitchFamily="49" charset="0"/>
+                <a:cs typeface="Courier New" panose="02070309020205020404" pitchFamily="49" charset="0"/>
+              </a:rPr>
+              <a:t> 	</a:t>
+            </a:r>
+            <a:r>
+              <a:rPr lang="en-US" b="0" i="0" dirty="0" err="1">
+                <a:solidFill>
+                  <a:srgbClr val="000000"/>
+                </a:solidFill>
+                <a:effectLst/>
+                <a:latin typeface="Courier New" panose="02070309020205020404" pitchFamily="49" charset="0"/>
+                <a:cs typeface="Courier New" panose="02070309020205020404" pitchFamily="49" charset="0"/>
+              </a:rPr>
+              <a:t>System.out.</a:t>
+            </a:r>
+            <a:r>
+              <a:rPr lang="en-US" b="0" i="0" dirty="0" err="1">
+                <a:solidFill>
+                  <a:srgbClr val="900606"/>
+                </a:solidFill>
+                <a:effectLst/>
+                <a:latin typeface="Courier New" panose="02070309020205020404" pitchFamily="49" charset="0"/>
+                <a:cs typeface="Courier New" panose="02070309020205020404" pitchFamily="49" charset="0"/>
+              </a:rPr>
+              <a:t>println</a:t>
+            </a:r>
+            <a:r>
+              <a:rPr lang="en-US" b="0" i="0" dirty="0">
+                <a:solidFill>
+                  <a:srgbClr val="000000"/>
+                </a:solidFill>
+                <a:effectLst/>
+                <a:latin typeface="Courier New" panose="02070309020205020404" pitchFamily="49" charset="0"/>
+                <a:cs typeface="Courier New" panose="02070309020205020404" pitchFamily="49" charset="0"/>
+              </a:rPr>
+              <a:t>(</a:t>
+            </a:r>
+            <a:r>
+              <a:rPr lang="en-US" b="0" i="0" dirty="0" err="1">
+                <a:solidFill>
+                  <a:srgbClr val="000000"/>
+                </a:solidFill>
+                <a:effectLst/>
+                <a:latin typeface="Courier New" panose="02070309020205020404" pitchFamily="49" charset="0"/>
+                <a:cs typeface="Courier New" panose="02070309020205020404" pitchFamily="49" charset="0"/>
+              </a:rPr>
+              <a:t>resultSentence</a:t>
+            </a:r>
+            <a:r>
+              <a:rPr lang="en-US" b="0" i="0" dirty="0">
+                <a:solidFill>
+                  <a:srgbClr val="000000"/>
+                </a:solidFill>
+                <a:effectLst/>
+                <a:latin typeface="Courier New" panose="02070309020205020404" pitchFamily="49" charset="0"/>
+                <a:cs typeface="Courier New" panose="02070309020205020404" pitchFamily="49" charset="0"/>
+              </a:rPr>
+              <a:t>); </a:t>
+            </a:r>
+          </a:p>
+          <a:p>
+            <a:r>
+              <a:rPr lang="en-US" dirty="0">
+                <a:solidFill>
+                  <a:srgbClr val="000000"/>
+                </a:solidFill>
+                <a:latin typeface="Courier New" panose="02070309020205020404" pitchFamily="49" charset="0"/>
+                <a:cs typeface="Courier New" panose="02070309020205020404" pitchFamily="49" charset="0"/>
+              </a:rPr>
+              <a:t>		</a:t>
+            </a:r>
+            <a:r>
+              <a:rPr lang="en-US" b="1" i="0" dirty="0">
+                <a:solidFill>
+                  <a:srgbClr val="000080"/>
+                </a:solidFill>
+                <a:effectLst/>
+                <a:latin typeface="Courier New" panose="02070309020205020404" pitchFamily="49" charset="0"/>
+                <a:cs typeface="Courier New" panose="02070309020205020404" pitchFamily="49" charset="0"/>
+              </a:rPr>
+              <a:t>return</a:t>
+            </a:r>
+            <a:r>
+              <a:rPr lang="en-US" b="0" i="0" dirty="0">
+                <a:solidFill>
+                  <a:srgbClr val="000000"/>
+                </a:solidFill>
+                <a:effectLst/>
+                <a:latin typeface="Courier New" panose="02070309020205020404" pitchFamily="49" charset="0"/>
+                <a:cs typeface="Courier New" panose="02070309020205020404" pitchFamily="49" charset="0"/>
+              </a:rPr>
+              <a:t> </a:t>
+            </a:r>
+            <a:r>
+              <a:rPr lang="en-US" b="0" i="0" dirty="0" err="1">
+                <a:solidFill>
+                  <a:srgbClr val="000000"/>
+                </a:solidFill>
+                <a:effectLst/>
+                <a:latin typeface="Courier New" panose="02070309020205020404" pitchFamily="49" charset="0"/>
+                <a:cs typeface="Courier New" panose="02070309020205020404" pitchFamily="49" charset="0"/>
+              </a:rPr>
+              <a:t>resultSentence</a:t>
+            </a:r>
+            <a:r>
+              <a:rPr lang="en-US" b="0" i="0" dirty="0">
+                <a:solidFill>
+                  <a:srgbClr val="000000"/>
+                </a:solidFill>
+                <a:effectLst/>
+                <a:latin typeface="Courier New" panose="02070309020205020404" pitchFamily="49" charset="0"/>
+                <a:cs typeface="Courier New" panose="02070309020205020404" pitchFamily="49" charset="0"/>
+              </a:rPr>
+              <a:t>; </a:t>
+            </a:r>
+          </a:p>
+          <a:p>
+            <a:r>
+              <a:rPr lang="en-US" dirty="0">
+                <a:solidFill>
+                  <a:srgbClr val="000000"/>
+                </a:solidFill>
+                <a:latin typeface="Courier New" panose="02070309020205020404" pitchFamily="49" charset="0"/>
+                <a:cs typeface="Courier New" panose="02070309020205020404" pitchFamily="49" charset="0"/>
+              </a:rPr>
+              <a:t>	</a:t>
+            </a:r>
+            <a:r>
+              <a:rPr lang="en-US" b="0" i="0" dirty="0">
+                <a:solidFill>
+                  <a:srgbClr val="000000"/>
+                </a:solidFill>
+                <a:effectLst/>
+                <a:latin typeface="Courier New" panose="02070309020205020404" pitchFamily="49" charset="0"/>
+                <a:cs typeface="Courier New" panose="02070309020205020404" pitchFamily="49" charset="0"/>
+              </a:rPr>
+              <a:t>} </a:t>
+            </a:r>
+          </a:p>
+          <a:p>
+            <a:r>
+              <a:rPr lang="en-US" dirty="0">
+                <a:solidFill>
+                  <a:srgbClr val="000000"/>
+                </a:solidFill>
+                <a:latin typeface="Courier New" panose="02070309020205020404" pitchFamily="49" charset="0"/>
+                <a:cs typeface="Courier New" panose="02070309020205020404" pitchFamily="49" charset="0"/>
+              </a:rPr>
+              <a:t>	</a:t>
+            </a:r>
+            <a:r>
+              <a:rPr lang="en-US" b="1" i="0" dirty="0">
+                <a:solidFill>
+                  <a:srgbClr val="000080"/>
+                </a:solidFill>
+                <a:effectLst/>
+                <a:latin typeface="Courier New" panose="02070309020205020404" pitchFamily="49" charset="0"/>
+                <a:cs typeface="Courier New" panose="02070309020205020404" pitchFamily="49" charset="0"/>
+              </a:rPr>
+              <a:t>private</a:t>
+            </a:r>
+            <a:r>
+              <a:rPr lang="en-US" b="0" i="0" dirty="0">
+                <a:solidFill>
+                  <a:srgbClr val="000000"/>
+                </a:solidFill>
+                <a:effectLst/>
+                <a:latin typeface="Courier New" panose="02070309020205020404" pitchFamily="49" charset="0"/>
+                <a:cs typeface="Courier New" panose="02070309020205020404" pitchFamily="49" charset="0"/>
+              </a:rPr>
+              <a:t> String </a:t>
+            </a:r>
+            <a:r>
+              <a:rPr lang="en-US" b="0" i="0" dirty="0" err="1">
+                <a:solidFill>
+                  <a:srgbClr val="900606"/>
+                </a:solidFill>
+                <a:effectLst/>
+                <a:latin typeface="Courier New" panose="02070309020205020404" pitchFamily="49" charset="0"/>
+                <a:cs typeface="Courier New" panose="02070309020205020404" pitchFamily="49" charset="0"/>
+              </a:rPr>
+              <a:t>getSentence</a:t>
+            </a:r>
+            <a:r>
+              <a:rPr lang="en-US" b="0" i="0" dirty="0">
+                <a:solidFill>
+                  <a:srgbClr val="000000"/>
+                </a:solidFill>
+                <a:effectLst/>
+                <a:latin typeface="Courier New" panose="02070309020205020404" pitchFamily="49" charset="0"/>
+                <a:cs typeface="Courier New" panose="02070309020205020404" pitchFamily="49" charset="0"/>
+              </a:rPr>
+              <a:t>() { </a:t>
+            </a:r>
+          </a:p>
+          <a:p>
+            <a:r>
+              <a:rPr lang="en-US" dirty="0">
+                <a:solidFill>
+                  <a:srgbClr val="000000"/>
+                </a:solidFill>
+                <a:latin typeface="Courier New" panose="02070309020205020404" pitchFamily="49" charset="0"/>
+                <a:cs typeface="Courier New" panose="02070309020205020404" pitchFamily="49" charset="0"/>
+              </a:rPr>
+              <a:t>		</a:t>
+            </a:r>
+            <a:r>
+              <a:rPr lang="en-US" b="1" i="0" dirty="0">
+                <a:solidFill>
+                  <a:srgbClr val="000080"/>
+                </a:solidFill>
+                <a:effectLst/>
+                <a:latin typeface="Courier New" panose="02070309020205020404" pitchFamily="49" charset="0"/>
+                <a:cs typeface="Courier New" panose="02070309020205020404" pitchFamily="49" charset="0"/>
+              </a:rPr>
+              <a:t>return</a:t>
+            </a:r>
+            <a:r>
+              <a:rPr lang="en-US" b="0" i="0" dirty="0">
+                <a:solidFill>
+                  <a:srgbClr val="000000"/>
+                </a:solidFill>
+                <a:effectLst/>
+                <a:latin typeface="Courier New" panose="02070309020205020404" pitchFamily="49" charset="0"/>
+                <a:cs typeface="Courier New" panose="02070309020205020404" pitchFamily="49" charset="0"/>
+              </a:rPr>
+              <a:t> </a:t>
+            </a:r>
+            <a:r>
+              <a:rPr lang="en-US" b="0" i="0" dirty="0">
+                <a:solidFill>
+                  <a:srgbClr val="008000"/>
+                </a:solidFill>
+                <a:effectLst/>
+                <a:latin typeface="Courier New" panose="02070309020205020404" pitchFamily="49" charset="0"/>
+                <a:cs typeface="Courier New" panose="02070309020205020404" pitchFamily="49" charset="0"/>
+              </a:rPr>
+              <a:t>"Hello world! My name is "</a:t>
+            </a:r>
+            <a:r>
+              <a:rPr lang="en-US" b="0" i="0" dirty="0">
+                <a:solidFill>
+                  <a:srgbClr val="000000"/>
+                </a:solidFill>
+                <a:effectLst/>
+                <a:latin typeface="Courier New" panose="02070309020205020404" pitchFamily="49" charset="0"/>
+                <a:cs typeface="Courier New" panose="02070309020205020404" pitchFamily="49" charset="0"/>
+              </a:rPr>
+              <a:t>; </a:t>
+            </a:r>
+          </a:p>
+          <a:p>
+            <a:r>
+              <a:rPr lang="en-US" dirty="0">
+                <a:solidFill>
+                  <a:srgbClr val="000000"/>
+                </a:solidFill>
+                <a:latin typeface="Courier New" panose="02070309020205020404" pitchFamily="49" charset="0"/>
+                <a:cs typeface="Courier New" panose="02070309020205020404" pitchFamily="49" charset="0"/>
+              </a:rPr>
+              <a:t>	</a:t>
+            </a:r>
+            <a:r>
+              <a:rPr lang="en-US" b="0" i="0" dirty="0">
+                <a:solidFill>
+                  <a:srgbClr val="000000"/>
+                </a:solidFill>
+                <a:effectLst/>
+                <a:latin typeface="Courier New" panose="02070309020205020404" pitchFamily="49" charset="0"/>
+                <a:cs typeface="Courier New" panose="02070309020205020404" pitchFamily="49" charset="0"/>
+              </a:rPr>
+              <a:t>}</a:t>
+            </a:r>
+          </a:p>
+          <a:p>
+            <a:r>
+              <a:rPr lang="en-US" b="0" i="0" dirty="0">
+                <a:solidFill>
+                  <a:srgbClr val="000000"/>
+                </a:solidFill>
+                <a:effectLst/>
+                <a:latin typeface="Courier New" panose="02070309020205020404" pitchFamily="49" charset="0"/>
+                <a:cs typeface="Courier New" panose="02070309020205020404" pitchFamily="49" charset="0"/>
+              </a:rPr>
+              <a:t> }</a:t>
+            </a:r>
+            <a:endParaRPr lang="uk-UA" dirty="0">
+              <a:latin typeface="Courier New" panose="02070309020205020404" pitchFamily="49" charset="0"/>
+              <a:cs typeface="Courier New" panose="02070309020205020404" pitchFamily="49" charset="0"/>
+            </a:endParaRPr>
+          </a:p>
+        </p:txBody>
+      </p:sp>
+    </p:spTree>
+    <p:extLst>
+      <p:ext uri="{BB962C8B-B14F-4D97-AF65-F5344CB8AC3E}">
+        <p14:creationId xmlns:p14="http://schemas.microsoft.com/office/powerpoint/2010/main" val="1880283184"/>
+      </p:ext>
+    </p:extLst>
+  </p:cSld>
+  <p:clrMapOvr>
+    <a:masterClrMapping/>
+  </p:clrMapOvr>
+</p:sld>
+</file>
+
+<file path=ppt/slides/slide24.xml><?xml version="1.0" encoding="utf-8"?>
+<p:sld xmlns:a="http://schemas.openxmlformats.org/drawingml/2006/main" xmlns:r="http://schemas.openxmlformats.org/officeDocument/2006/relationships" xmlns:p="http://schemas.openxmlformats.org/presentationml/2006/main">
+  <p:cSld>
+    <p:spTree>
+      <p:nvGrpSpPr>
+        <p:cNvPr id="1" name=""/>
+        <p:cNvGrpSpPr/>
+        <p:nvPr/>
+      </p:nvGrpSpPr>
+      <p:grpSpPr>
+        <a:xfrm>
+          <a:off x="0" y="0"/>
+          <a:ext cx="0" cy="0"/>
+          <a:chOff x="0" y="0"/>
+          <a:chExt cx="0" cy="0"/>
+        </a:xfrm>
+      </p:grpSpPr>
+      <p:sp>
+        <p:nvSpPr>
+          <p:cNvPr id="4" name="Rectangle 1">
+            <a:extLst>
+              <a:ext uri="{FF2B5EF4-FFF2-40B4-BE49-F238E27FC236}">
+                <a16:creationId xmlns:a16="http://schemas.microsoft.com/office/drawing/2014/main" id="{A42D3302-C5B5-4BC2-9B05-E5B1EE21D21C}"/>
+              </a:ext>
+            </a:extLst>
+          </p:cNvPr>
+          <p:cNvSpPr>
+            <a:spLocks noChangeArrowheads="1"/>
+          </p:cNvSpPr>
+          <p:nvPr/>
+        </p:nvSpPr>
+        <p:spPr bwMode="auto">
+          <a:xfrm>
+            <a:off x="275132" y="716910"/>
+            <a:ext cx="11470666" cy="1569660"/>
+          </a:xfrm>
+          <a:prstGeom prst="rect">
+            <a:avLst/>
+          </a:prstGeom>
+          <a:noFill/>
+          <a:ln>
+            <a:noFill/>
+          </a:ln>
+          <a:effectLst/>
+          <a:extLst>
+            <a:ext uri="{909E8E84-426E-40DD-AFC4-6F175D3DCCD1}">
+              <a14:hiddenFill xmlns:a14="http://schemas.microsoft.com/office/drawing/2010/main">
+                <a:solidFill>
+                  <a:schemeClr val="accent1"/>
+                </a:solidFill>
+              </a14:hiddenFill>
+            </a:ext>
+            <a:ext uri="{91240B29-F687-4F45-9708-019B960494DF}">
+              <a14:hiddenLine xmlns:a14="http://schemas.microsoft.com/office/drawing/2010/main" w="9525">
+                <a:solidFill>
+                  <a:schemeClr val="tx1"/>
+                </a:solidFill>
+                <a:miter lim="800000"/>
+                <a:headEnd/>
+                <a:tailEnd/>
+              </a14:hiddenLine>
+            </a:ext>
+            <a:ext uri="{AF507438-7753-43E0-B8FC-AC1667EBCBE1}">
+              <a14:hiddenEffects xmlns:a14="http://schemas.microsoft.com/office/drawing/2010/main">
+                <a:effectLst>
+                  <a:outerShdw dist="35921" dir="2700000" algn="ctr" rotWithShape="0">
+                    <a:schemeClr val="bg2"/>
+                  </a:outerShdw>
+                </a:effectLst>
+              </a14:hiddenEffects>
+            </a:ext>
+          </a:extLst>
+        </p:spPr>
+        <p:txBody>
+          <a:bodyPr vert="horz" wrap="square" lIns="91440" tIns="45720" rIns="91440" bIns="45720" numCol="1" anchor="ctr" anchorCtr="0" compatLnSpc="1">
+            <a:prstTxWarp prst="textNoShape">
+              <a:avLst/>
+            </a:prstTxWarp>
+            <a:spAutoFit/>
+          </a:bodyPr>
+          <a:lstStyle>
+            <a:lvl1pPr eaLnBrk="0" fontAlgn="base" hangingPunct="0">
+              <a:spcBef>
+                <a:spcPct val="0"/>
+              </a:spcBef>
+              <a:spcAft>
+                <a:spcPct val="0"/>
+              </a:spcAft>
+              <a:defRPr>
+                <a:solidFill>
+                  <a:schemeClr val="tx1"/>
+                </a:solidFill>
+                <a:latin typeface="Arial" panose="020B0604020202020204" pitchFamily="34" charset="0"/>
+              </a:defRPr>
+            </a:lvl1pPr>
+            <a:lvl2pPr eaLnBrk="0" fontAlgn="base" hangingPunct="0">
+              <a:spcBef>
+                <a:spcPct val="0"/>
+              </a:spcBef>
+              <a:spcAft>
+                <a:spcPct val="0"/>
+              </a:spcAft>
+              <a:defRPr>
+                <a:solidFill>
+                  <a:schemeClr val="tx1"/>
+                </a:solidFill>
+                <a:latin typeface="Arial" panose="020B0604020202020204" pitchFamily="34" charset="0"/>
+              </a:defRPr>
+            </a:lvl2pPr>
+            <a:lvl3pPr eaLnBrk="0" fontAlgn="base" hangingPunct="0">
+              <a:spcBef>
+                <a:spcPct val="0"/>
+              </a:spcBef>
+              <a:spcAft>
+                <a:spcPct val="0"/>
+              </a:spcAft>
+              <a:defRPr>
+                <a:solidFill>
+                  <a:schemeClr val="tx1"/>
+                </a:solidFill>
+                <a:latin typeface="Arial" panose="020B0604020202020204" pitchFamily="34" charset="0"/>
+              </a:defRPr>
+            </a:lvl3pPr>
+            <a:lvl4pPr eaLnBrk="0" fontAlgn="base" hangingPunct="0">
+              <a:spcBef>
+                <a:spcPct val="0"/>
+              </a:spcBef>
+              <a:spcAft>
+                <a:spcPct val="0"/>
+              </a:spcAft>
+              <a:defRPr>
+                <a:solidFill>
+                  <a:schemeClr val="tx1"/>
+                </a:solidFill>
+                <a:latin typeface="Arial" panose="020B0604020202020204" pitchFamily="34" charset="0"/>
+              </a:defRPr>
+            </a:lvl4pPr>
+            <a:lvl5pPr eaLnBrk="0" fontAlgn="base" hangingPunct="0">
+              <a:spcBef>
+                <a:spcPct val="0"/>
+              </a:spcBef>
+              <a:spcAft>
+                <a:spcPct val="0"/>
+              </a:spcAft>
+              <a:defRPr>
+                <a:solidFill>
+                  <a:schemeClr val="tx1"/>
+                </a:solidFill>
+                <a:latin typeface="Arial" panose="020B0604020202020204" pitchFamily="34" charset="0"/>
+              </a:defRPr>
+            </a:lvl5pPr>
+            <a:lvl6pPr eaLnBrk="0" fontAlgn="base" hangingPunct="0">
+              <a:spcBef>
+                <a:spcPct val="0"/>
+              </a:spcBef>
+              <a:spcAft>
+                <a:spcPct val="0"/>
+              </a:spcAft>
+              <a:defRPr>
+                <a:solidFill>
+                  <a:schemeClr val="tx1"/>
+                </a:solidFill>
+                <a:latin typeface="Arial" panose="020B0604020202020204" pitchFamily="34" charset="0"/>
+              </a:defRPr>
+            </a:lvl6pPr>
+            <a:lvl7pPr eaLnBrk="0" fontAlgn="base" hangingPunct="0">
+              <a:spcBef>
+                <a:spcPct val="0"/>
+              </a:spcBef>
+              <a:spcAft>
+                <a:spcPct val="0"/>
+              </a:spcAft>
+              <a:defRPr>
+                <a:solidFill>
+                  <a:schemeClr val="tx1"/>
+                </a:solidFill>
+                <a:latin typeface="Arial" panose="020B0604020202020204" pitchFamily="34" charset="0"/>
+              </a:defRPr>
+            </a:lvl7pPr>
+            <a:lvl8pPr eaLnBrk="0" fontAlgn="base" hangingPunct="0">
+              <a:spcBef>
+                <a:spcPct val="0"/>
+              </a:spcBef>
+              <a:spcAft>
+                <a:spcPct val="0"/>
+              </a:spcAft>
+              <a:defRPr>
+                <a:solidFill>
+                  <a:schemeClr val="tx1"/>
+                </a:solidFill>
+                <a:latin typeface="Arial" panose="020B0604020202020204" pitchFamily="34" charset="0"/>
+              </a:defRPr>
+            </a:lvl8pPr>
+            <a:lvl9pPr eaLnBrk="0" fontAlgn="base" hangingPunct="0">
+              <a:spcBef>
+                <a:spcPct val="0"/>
+              </a:spcBef>
+              <a:spcAft>
+                <a:spcPct val="0"/>
+              </a:spcAft>
+              <a:defRPr>
+                <a:solidFill>
+                  <a:schemeClr val="tx1"/>
+                </a:solidFill>
+                <a:latin typeface="Arial" panose="020B0604020202020204" pitchFamily="34" charset="0"/>
+              </a:defRPr>
+            </a:lvl9pPr>
+          </a:lstStyle>
+          <a:p>
+            <a:pPr marL="0" marR="0" lvl="0" indent="0" algn="just" defTabSz="914400" rtl="0" eaLnBrk="0" fontAlgn="base" latinLnBrk="0" hangingPunct="0">
+              <a:lnSpc>
+                <a:spcPct val="100000"/>
+              </a:lnSpc>
+              <a:spcBef>
+                <a:spcPct val="0"/>
+              </a:spcBef>
+              <a:spcAft>
+                <a:spcPct val="0"/>
+              </a:spcAft>
+              <a:buClrTx/>
+              <a:buSzTx/>
+              <a:buFontTx/>
+              <a:buNone/>
+              <a:tabLst/>
+            </a:pPr>
+            <a:r>
+              <a:rPr kumimoji="0" lang="uk-UA" altLang="uk-UA" sz="2400" b="0" i="0" u="none" strike="noStrike" cap="none" normalizeH="0" baseline="0" dirty="0">
+                <a:ln>
+                  <a:noFill/>
+                </a:ln>
+                <a:effectLst/>
+                <a:latin typeface="Times New Roman" panose="02020603050405020304" pitchFamily="18" charset="0"/>
+                <a:cs typeface="Times New Roman" panose="02020603050405020304" pitchFamily="18" charset="0"/>
+              </a:rPr>
+              <a:t>Через </a:t>
+            </a:r>
+            <a:r>
+              <a:rPr kumimoji="0" lang="uk-UA" altLang="uk-UA" sz="2400" b="0" i="0" u="none" strike="noStrike" cap="none" normalizeH="0" baseline="0" dirty="0" err="1">
+                <a:ln>
+                  <a:noFill/>
+                </a:ln>
+                <a:effectLst/>
+                <a:latin typeface="Times New Roman" panose="02020603050405020304" pitchFamily="18" charset="0"/>
+                <a:cs typeface="Times New Roman" panose="02020603050405020304" pitchFamily="18" charset="0"/>
+              </a:rPr>
+              <a:t>this</a:t>
+            </a:r>
+            <a:r>
+              <a:rPr kumimoji="0" lang="en-US" altLang="uk-UA" sz="2400" b="0" i="0" u="none" strike="noStrike" cap="none" normalizeH="0" baseline="0" dirty="0">
+                <a:ln>
+                  <a:noFill/>
+                </a:ln>
+                <a:effectLst/>
+                <a:latin typeface="Times New Roman" panose="02020603050405020304" pitchFamily="18" charset="0"/>
+                <a:cs typeface="Times New Roman" panose="02020603050405020304" pitchFamily="18" charset="0"/>
+              </a:rPr>
+              <a:t> </a:t>
+            </a:r>
+            <a:r>
+              <a:rPr kumimoji="0" lang="uk-UA" altLang="uk-UA" sz="2400" b="0" i="0" u="none" strike="noStrike" cap="none" normalizeH="0" baseline="0" dirty="0">
+                <a:ln>
+                  <a:noFill/>
+                </a:ln>
+                <a:effectLst/>
+                <a:latin typeface="Times New Roman" panose="02020603050405020304" pitchFamily="18" charset="0"/>
+                <a:cs typeface="Times New Roman" panose="02020603050405020304" pitchFamily="18" charset="0"/>
+              </a:rPr>
+              <a:t>ми викликаємо метод даного об'єкта для взяття необхідного рядка. Але все ж таки як правило для методів цього майже не використовується, так як і без нього йде посилання на метод даного об'єкта, в основному він використовується для змінної об'єкта. </a:t>
+            </a:r>
+          </a:p>
+        </p:txBody>
+      </p:sp>
+      <p:sp>
+        <p:nvSpPr>
+          <p:cNvPr id="5" name="TextBox 4">
+            <a:extLst>
+              <a:ext uri="{FF2B5EF4-FFF2-40B4-BE49-F238E27FC236}">
+                <a16:creationId xmlns:a16="http://schemas.microsoft.com/office/drawing/2014/main" id="{622535F1-B7E6-46A3-BA51-2C2E83411E6F}"/>
+              </a:ext>
+            </a:extLst>
+          </p:cNvPr>
+          <p:cNvSpPr txBox="1"/>
+          <p:nvPr/>
+        </p:nvSpPr>
+        <p:spPr>
+          <a:xfrm>
+            <a:off x="0" y="9023"/>
+            <a:ext cx="12192000" cy="830997"/>
+          </a:xfrm>
+          <a:prstGeom prst="rect">
+            <a:avLst/>
+          </a:prstGeom>
+          <a:noFill/>
+        </p:spPr>
+        <p:txBody>
+          <a:bodyPr wrap="square">
+            <a:spAutoFit/>
+          </a:bodyPr>
+          <a:lstStyle/>
+          <a:p>
+            <a:pPr algn="ctr"/>
+            <a:r>
+              <a:rPr lang="en-US" sz="4800" b="1" dirty="0">
+                <a:solidFill>
+                  <a:srgbClr val="151F33"/>
+                </a:solidFill>
+                <a:latin typeface="Times New Roman" panose="02020603050405020304" pitchFamily="18" charset="0"/>
+                <a:cs typeface="Times New Roman" panose="02020603050405020304" pitchFamily="18" charset="0"/>
+              </a:rPr>
+              <a:t>t</a:t>
+            </a:r>
+            <a:r>
+              <a:rPr lang="en-US" sz="4800" b="1" i="0" dirty="0">
+                <a:solidFill>
+                  <a:srgbClr val="151F33"/>
+                </a:solidFill>
+                <a:effectLst/>
+                <a:latin typeface="Times New Roman" panose="02020603050405020304" pitchFamily="18" charset="0"/>
+                <a:cs typeface="Times New Roman" panose="02020603050405020304" pitchFamily="18" charset="0"/>
+              </a:rPr>
+              <a:t>his</a:t>
+            </a:r>
+            <a:r>
+              <a:rPr lang="uk-UA" sz="4800" b="1" dirty="0">
+                <a:solidFill>
+                  <a:srgbClr val="151F33"/>
+                </a:solidFill>
+                <a:latin typeface="Times New Roman" panose="02020603050405020304" pitchFamily="18" charset="0"/>
+                <a:cs typeface="Times New Roman" panose="02020603050405020304" pitchFamily="18" charset="0"/>
+              </a:rPr>
+              <a:t>. О</a:t>
+            </a:r>
+            <a:r>
+              <a:rPr lang="en-US" sz="4800" b="1" dirty="0">
+                <a:solidFill>
+                  <a:srgbClr val="151F33"/>
+                </a:solidFill>
+                <a:latin typeface="Times New Roman" panose="02020603050405020304" pitchFamily="18" charset="0"/>
+                <a:cs typeface="Times New Roman" panose="02020603050405020304" pitchFamily="18" charset="0"/>
+              </a:rPr>
+              <a:t>O</a:t>
+            </a:r>
+            <a:r>
+              <a:rPr lang="uk-UA" sz="4800" b="1" dirty="0">
+                <a:solidFill>
+                  <a:srgbClr val="151F33"/>
+                </a:solidFill>
+                <a:latin typeface="Times New Roman" panose="02020603050405020304" pitchFamily="18" charset="0"/>
+                <a:cs typeface="Times New Roman" panose="02020603050405020304" pitchFamily="18" charset="0"/>
+              </a:rPr>
+              <a:t>П</a:t>
+            </a:r>
+            <a:endParaRPr lang="en-US" sz="4800" b="1" i="0" dirty="0">
+              <a:solidFill>
+                <a:srgbClr val="151F33"/>
+              </a:solidFill>
+              <a:effectLst/>
+              <a:latin typeface="Times New Roman" panose="02020603050405020304" pitchFamily="18" charset="0"/>
+              <a:cs typeface="Times New Roman" panose="02020603050405020304" pitchFamily="18" charset="0"/>
+            </a:endParaRPr>
+          </a:p>
+        </p:txBody>
+      </p:sp>
+    </p:spTree>
+    <p:extLst>
+      <p:ext uri="{BB962C8B-B14F-4D97-AF65-F5344CB8AC3E}">
+        <p14:creationId xmlns:p14="http://schemas.microsoft.com/office/powerpoint/2010/main" val="797250084"/>
+      </p:ext>
+    </p:extLst>
+  </p:cSld>
+  <p:clrMapOvr>
+    <a:masterClrMapping/>
+  </p:clrMapOvr>
+</p:sld>
+</file>
+
 <file path=ppt/slides/slide3.xml><?xml version="1.0" encoding="utf-8"?>
 <p:sld xmlns:a="http://schemas.openxmlformats.org/drawingml/2006/main" xmlns:r="http://schemas.openxmlformats.org/officeDocument/2006/relationships" xmlns:p="http://schemas.openxmlformats.org/presentationml/2006/main">
   <p:cSld>
@@ -10993,7 +19083,7 @@
           <a:graphicData uri="http://schemas.openxmlformats.org/presentationml/2006/ole">
             <mc:AlternateContent xmlns:mc="http://schemas.openxmlformats.org/markup-compatibility/2006">
               <mc:Choice xmlns:v="urn:schemas-microsoft-com:vml" Requires="v">
-                <p:oleObj spid="_x0000_s1051" name="Visio" r:id="rId3" imgW="3093192" imgH="2508626" progId="Visio.Drawing.11">
+                <p:oleObj spid="_x0000_s1053" name="Visio" r:id="rId3" imgW="3093192" imgH="2508626" progId="Visio.Drawing.11">
                   <p:embed/>
                 </p:oleObj>
               </mc:Choice>
@@ -11367,7 +19457,7 @@
           <a:graphicData uri="http://schemas.openxmlformats.org/presentationml/2006/ole">
             <mc:AlternateContent xmlns:mc="http://schemas.openxmlformats.org/markup-compatibility/2006">
               <mc:Choice xmlns:v="urn:schemas-microsoft-com:vml" Requires="v">
-                <p:oleObj spid="_x0000_s2098" name="Visio" r:id="rId3" imgW="3138091" imgH="3161139" progId="Visio.Drawing.11">
+                <p:oleObj spid="_x0000_s2102" name="Visio" r:id="rId3" imgW="3138091" imgH="3161139" progId="Visio.Drawing.11">
                   <p:embed/>
                 </p:oleObj>
               </mc:Choice>
@@ -11460,7 +19550,7 @@
           <a:graphicData uri="http://schemas.openxmlformats.org/presentationml/2006/ole">
             <mc:AlternateContent xmlns:mc="http://schemas.openxmlformats.org/markup-compatibility/2006">
               <mc:Choice xmlns:v="urn:schemas-microsoft-com:vml" Requires="v">
-                <p:oleObj spid="_x0000_s2099" name="Visio" r:id="rId5" imgW="1034702" imgH="966444" progId="Visio.Drawing.11">
+                <p:oleObj spid="_x0000_s2103" name="Visio" r:id="rId5" imgW="1034702" imgH="966444" progId="Visio.Drawing.11">
                   <p:embed/>
                 </p:oleObj>
               </mc:Choice>
@@ -17782,7 +25872,7 @@
           <a:graphicData uri="http://schemas.openxmlformats.org/presentationml/2006/ole">
             <mc:AlternateContent xmlns:mc="http://schemas.openxmlformats.org/markup-compatibility/2006">
               <mc:Choice xmlns:v="urn:schemas-microsoft-com:vml" Requires="v">
-                <p:oleObj spid="_x0000_s3098" name="Visio" r:id="rId3" imgW="3778171" imgH="3725551" progId="Visio.Drawing.11">
+                <p:oleObj spid="_x0000_s3100" name="Visio" r:id="rId3" imgW="3778171" imgH="3725551" progId="Visio.Drawing.11">
                   <p:embed/>
                 </p:oleObj>
               </mc:Choice>
@@ -17936,7 +26026,7 @@
           <a:graphicData uri="http://schemas.openxmlformats.org/presentationml/2006/ole">
             <mc:AlternateContent xmlns:mc="http://schemas.openxmlformats.org/markup-compatibility/2006">
               <mc:Choice xmlns:v="urn:schemas-microsoft-com:vml" Requires="v">
-                <p:oleObj spid="_x0000_s4290" name="Visio" r:id="rId3" imgW="4981712" imgH="1971721" progId="Visio.Drawing.11">
+                <p:oleObj spid="_x0000_s4306" name="Visio" r:id="rId3" imgW="4981712" imgH="1971721" progId="Visio.Drawing.11">
                   <p:embed/>
                 </p:oleObj>
               </mc:Choice>
@@ -18023,7 +26113,7 @@
           <a:graphicData uri="http://schemas.openxmlformats.org/presentationml/2006/ole">
             <mc:AlternateContent xmlns:mc="http://schemas.openxmlformats.org/markup-compatibility/2006">
               <mc:Choice xmlns:v="urn:schemas-microsoft-com:vml" Requires="v">
-                <p:oleObj spid="_x0000_s4291" name="Visio" r:id="rId5" imgW="3778171" imgH="2063116" progId="Visio.Drawing.11">
+                <p:oleObj spid="_x0000_s4307" name="Visio" r:id="rId5" imgW="3778171" imgH="2063116" progId="Visio.Drawing.11">
                   <p:embed/>
                 </p:oleObj>
               </mc:Choice>
@@ -18167,7 +26257,7 @@
           <a:graphicData uri="http://schemas.openxmlformats.org/presentationml/2006/ole">
             <mc:AlternateContent xmlns:mc="http://schemas.openxmlformats.org/markup-compatibility/2006">
               <mc:Choice xmlns:v="urn:schemas-microsoft-com:vml" Requires="v">
-                <p:oleObj spid="_x0000_s4292" name="Visio" r:id="rId7" imgW="368457" imgH="483627" progId="Visio.Drawing.11">
+                <p:oleObj spid="_x0000_s4308" name="Visio" r:id="rId7" imgW="368457" imgH="483627" progId="Visio.Drawing.11">
                   <p:embed/>
                 </p:oleObj>
               </mc:Choice>
@@ -18260,7 +26350,7 @@
           <a:graphicData uri="http://schemas.openxmlformats.org/presentationml/2006/ole">
             <mc:AlternateContent xmlns:mc="http://schemas.openxmlformats.org/markup-compatibility/2006">
               <mc:Choice xmlns:v="urn:schemas-microsoft-com:vml" Requires="v">
-                <p:oleObj spid="_x0000_s4293" name="Visio" r:id="rId9" imgW="368457" imgH="483627" progId="Visio.Drawing.11">
+                <p:oleObj spid="_x0000_s4309" name="Visio" r:id="rId9" imgW="368457" imgH="483627" progId="Visio.Drawing.11">
                   <p:embed/>
                 </p:oleObj>
               </mc:Choice>
@@ -18353,7 +26443,7 @@
           <a:graphicData uri="http://schemas.openxmlformats.org/presentationml/2006/ole">
             <mc:AlternateContent xmlns:mc="http://schemas.openxmlformats.org/markup-compatibility/2006">
               <mc:Choice xmlns:v="urn:schemas-microsoft-com:vml" Requires="v">
-                <p:oleObj spid="_x0000_s4294" name="Visio" r:id="rId10" imgW="368457" imgH="483627" progId="Visio.Drawing.11">
+                <p:oleObj spid="_x0000_s4310" name="Visio" r:id="rId10" imgW="368457" imgH="483627" progId="Visio.Drawing.11">
                   <p:embed/>
                 </p:oleObj>
               </mc:Choice>
@@ -18446,7 +26536,7 @@
           <a:graphicData uri="http://schemas.openxmlformats.org/presentationml/2006/ole">
             <mc:AlternateContent xmlns:mc="http://schemas.openxmlformats.org/markup-compatibility/2006">
               <mc:Choice xmlns:v="urn:schemas-microsoft-com:vml" Requires="v">
-                <p:oleObj spid="_x0000_s4295" name="Visio" r:id="rId11" imgW="440476" imgH="440398" progId="Visio.Drawing.11">
+                <p:oleObj spid="_x0000_s4311" name="Visio" r:id="rId11" imgW="440476" imgH="440398" progId="Visio.Drawing.11">
                   <p:embed/>
                 </p:oleObj>
               </mc:Choice>
@@ -18539,7 +26629,7 @@
           <a:graphicData uri="http://schemas.openxmlformats.org/presentationml/2006/ole">
             <mc:AlternateContent xmlns:mc="http://schemas.openxmlformats.org/markup-compatibility/2006">
               <mc:Choice xmlns:v="urn:schemas-microsoft-com:vml" Requires="v">
-                <p:oleObj spid="_x0000_s4296" name="Visio" r:id="rId13" imgW="368457" imgH="483627" progId="Visio.Drawing.11">
+                <p:oleObj spid="_x0000_s4312" name="Visio" r:id="rId13" imgW="368457" imgH="483627" progId="Visio.Drawing.11">
                   <p:embed/>
                 </p:oleObj>
               </mc:Choice>
@@ -18632,7 +26722,7 @@
           <a:graphicData uri="http://schemas.openxmlformats.org/presentationml/2006/ole">
             <mc:AlternateContent xmlns:mc="http://schemas.openxmlformats.org/markup-compatibility/2006">
               <mc:Choice xmlns:v="urn:schemas-microsoft-com:vml" Requires="v">
-                <p:oleObj spid="_x0000_s4297" name="Visio" r:id="rId14" imgW="440476" imgH="440398" progId="Visio.Drawing.11">
+                <p:oleObj spid="_x0000_s4313" name="Visio" r:id="rId14" imgW="440476" imgH="440398" progId="Visio.Drawing.11">
                   <p:embed/>
                 </p:oleObj>
               </mc:Choice>
@@ -18788,7 +26878,7 @@
           <a:graphicData uri="http://schemas.openxmlformats.org/presentationml/2006/ole">
             <mc:AlternateContent xmlns:mc="http://schemas.openxmlformats.org/markup-compatibility/2006">
               <mc:Choice xmlns:v="urn:schemas-microsoft-com:vml" Requires="v">
-                <p:oleObj spid="_x0000_s5170" name="Visio" r:id="rId3" imgW="3778171" imgH="4262404" progId="Visio.Drawing.11">
+                <p:oleObj spid="_x0000_s5174" name="Visio" r:id="rId3" imgW="3778171" imgH="4262404" progId="Visio.Drawing.11">
                   <p:embed/>
                 </p:oleObj>
               </mc:Choice>
@@ -18881,7 +26971,7 @@
           <a:graphicData uri="http://schemas.openxmlformats.org/presentationml/2006/ole">
             <mc:AlternateContent xmlns:mc="http://schemas.openxmlformats.org/markup-compatibility/2006">
               <mc:Choice xmlns:v="urn:schemas-microsoft-com:vml" Requires="v">
-                <p:oleObj spid="_x0000_s5171" name="Visio" r:id="rId5" imgW="3869611" imgH="3174648" progId="Visio.Drawing.11">
+                <p:oleObj spid="_x0000_s5175" name="Visio" r:id="rId5" imgW="3869611" imgH="3174648" progId="Visio.Drawing.11">
                   <p:embed/>
                 </p:oleObj>
               </mc:Choice>

--- a/Java Урок 11 ООП. Класи.pptx
+++ b/Java Урок 11 ООП. Класи.pptx
@@ -11,22 +11,22 @@
     <p:sldId id="739" r:id="rId5"/>
     <p:sldId id="740" r:id="rId6"/>
     <p:sldId id="754" r:id="rId7"/>
-    <p:sldId id="741" r:id="rId8"/>
-    <p:sldId id="742" r:id="rId9"/>
-    <p:sldId id="743" r:id="rId10"/>
-    <p:sldId id="744" r:id="rId11"/>
-    <p:sldId id="745" r:id="rId12"/>
-    <p:sldId id="746" r:id="rId13"/>
-    <p:sldId id="747" r:id="rId14"/>
-    <p:sldId id="748" r:id="rId15"/>
-    <p:sldId id="749" r:id="rId16"/>
-    <p:sldId id="750" r:id="rId17"/>
-    <p:sldId id="751" r:id="rId18"/>
-    <p:sldId id="756" r:id="rId19"/>
-    <p:sldId id="757" r:id="rId20"/>
-    <p:sldId id="758" r:id="rId21"/>
-    <p:sldId id="759" r:id="rId22"/>
-    <p:sldId id="737" r:id="rId23"/>
+    <p:sldId id="737" r:id="rId8"/>
+    <p:sldId id="741" r:id="rId9"/>
+    <p:sldId id="742" r:id="rId10"/>
+    <p:sldId id="743" r:id="rId11"/>
+    <p:sldId id="744" r:id="rId12"/>
+    <p:sldId id="745" r:id="rId13"/>
+    <p:sldId id="746" r:id="rId14"/>
+    <p:sldId id="747" r:id="rId15"/>
+    <p:sldId id="748" r:id="rId16"/>
+    <p:sldId id="749" r:id="rId17"/>
+    <p:sldId id="750" r:id="rId18"/>
+    <p:sldId id="751" r:id="rId19"/>
+    <p:sldId id="756" r:id="rId20"/>
+    <p:sldId id="757" r:id="rId21"/>
+    <p:sldId id="758" r:id="rId22"/>
+    <p:sldId id="759" r:id="rId23"/>
     <p:sldId id="760" r:id="rId24"/>
     <p:sldId id="761" r:id="rId25"/>
   </p:sldIdLst>
@@ -284,7 +284,7 @@
           <a:p>
             <a:fld id="{BDA8E492-5DAE-4A13-8567-328CEAB41896}" type="datetimeFigureOut">
               <a:rPr lang="uk-UA" smtClean="0"/>
-              <a:t>03.03.2024</a:t>
+              <a:t>29.03.2024</a:t>
             </a:fld>
             <a:endParaRPr lang="uk-UA"/>
           </a:p>
@@ -484,7 +484,7 @@
           <a:p>
             <a:fld id="{BDA8E492-5DAE-4A13-8567-328CEAB41896}" type="datetimeFigureOut">
               <a:rPr lang="uk-UA" smtClean="0"/>
-              <a:t>03.03.2024</a:t>
+              <a:t>29.03.2024</a:t>
             </a:fld>
             <a:endParaRPr lang="uk-UA"/>
           </a:p>
@@ -694,7 +694,7 @@
           <a:p>
             <a:fld id="{BDA8E492-5DAE-4A13-8567-328CEAB41896}" type="datetimeFigureOut">
               <a:rPr lang="uk-UA" smtClean="0"/>
-              <a:t>03.03.2024</a:t>
+              <a:t>29.03.2024</a:t>
             </a:fld>
             <a:endParaRPr lang="uk-UA"/>
           </a:p>
@@ -1017,7 +1017,7 @@
           <a:p>
             <a:fld id="{BDA8E492-5DAE-4A13-8567-328CEAB41896}" type="datetimeFigureOut">
               <a:rPr lang="uk-UA" smtClean="0"/>
-              <a:t>03.03.2024</a:t>
+              <a:t>29.03.2024</a:t>
             </a:fld>
             <a:endParaRPr lang="uk-UA"/>
           </a:p>
@@ -1293,7 +1293,7 @@
           <a:p>
             <a:fld id="{BDA8E492-5DAE-4A13-8567-328CEAB41896}" type="datetimeFigureOut">
               <a:rPr lang="uk-UA" smtClean="0"/>
-              <a:t>03.03.2024</a:t>
+              <a:t>29.03.2024</a:t>
             </a:fld>
             <a:endParaRPr lang="uk-UA"/>
           </a:p>
@@ -1561,7 +1561,7 @@
           <a:p>
             <a:fld id="{BDA8E492-5DAE-4A13-8567-328CEAB41896}" type="datetimeFigureOut">
               <a:rPr lang="uk-UA" smtClean="0"/>
-              <a:t>03.03.2024</a:t>
+              <a:t>29.03.2024</a:t>
             </a:fld>
             <a:endParaRPr lang="uk-UA"/>
           </a:p>
@@ -1976,7 +1976,7 @@
           <a:p>
             <a:fld id="{BDA8E492-5DAE-4A13-8567-328CEAB41896}" type="datetimeFigureOut">
               <a:rPr lang="uk-UA" smtClean="0"/>
-              <a:t>03.03.2024</a:t>
+              <a:t>29.03.2024</a:t>
             </a:fld>
             <a:endParaRPr lang="uk-UA"/>
           </a:p>
@@ -2118,7 +2118,7 @@
           <a:p>
             <a:fld id="{BDA8E492-5DAE-4A13-8567-328CEAB41896}" type="datetimeFigureOut">
               <a:rPr lang="uk-UA" smtClean="0"/>
-              <a:t>03.03.2024</a:t>
+              <a:t>29.03.2024</a:t>
             </a:fld>
             <a:endParaRPr lang="uk-UA"/>
           </a:p>
@@ -2231,7 +2231,7 @@
           <a:p>
             <a:fld id="{BDA8E492-5DAE-4A13-8567-328CEAB41896}" type="datetimeFigureOut">
               <a:rPr lang="uk-UA" smtClean="0"/>
-              <a:t>03.03.2024</a:t>
+              <a:t>29.03.2024</a:t>
             </a:fld>
             <a:endParaRPr lang="uk-UA"/>
           </a:p>
@@ -2544,7 +2544,7 @@
           <a:p>
             <a:fld id="{BDA8E492-5DAE-4A13-8567-328CEAB41896}" type="datetimeFigureOut">
               <a:rPr lang="uk-UA" smtClean="0"/>
-              <a:t>03.03.2024</a:t>
+              <a:t>29.03.2024</a:t>
             </a:fld>
             <a:endParaRPr lang="uk-UA"/>
           </a:p>
@@ -2833,7 +2833,7 @@
           <a:p>
             <a:fld id="{BDA8E492-5DAE-4A13-8567-328CEAB41896}" type="datetimeFigureOut">
               <a:rPr lang="uk-UA" smtClean="0"/>
-              <a:t>03.03.2024</a:t>
+              <a:t>29.03.2024</a:t>
             </a:fld>
             <a:endParaRPr lang="uk-UA"/>
           </a:p>
@@ -3076,7 +3076,7 @@
           <a:p>
             <a:fld id="{BDA8E492-5DAE-4A13-8567-328CEAB41896}" type="datetimeFigureOut">
               <a:rPr lang="uk-UA" smtClean="0"/>
-              <a:t>03.03.2024</a:t>
+              <a:t>29.03.2024</a:t>
             </a:fld>
             <a:endParaRPr lang="uk-UA"/>
           </a:p>
@@ -3595,6 +3595,306 @@
       </p:grpSpPr>
       <p:sp>
         <p:nvSpPr>
+          <p:cNvPr id="102402" name="Rectangle 2"/>
+          <p:cNvSpPr>
+            <a:spLocks noGrp="1"/>
+          </p:cNvSpPr>
+          <p:nvPr>
+            <p:ph type="title"/>
+          </p:nvPr>
+        </p:nvSpPr>
+        <p:spPr>
+          <a:xfrm>
+            <a:off x="0" y="1"/>
+            <a:ext cx="12192000" cy="661986"/>
+          </a:xfrm>
+        </p:spPr>
+        <p:txBody>
+          <a:bodyPr>
+            <a:noAutofit/>
+          </a:bodyPr>
+          <a:lstStyle/>
+          <a:p>
+            <a:pPr algn="ctr"/>
+            <a:r>
+              <a:rPr lang="uk-UA" altLang="ru-RU" dirty="0">
+                <a:latin typeface="Times New Roman" panose="02020603050405020304" pitchFamily="18" charset="0"/>
+                <a:cs typeface="Times New Roman" panose="02020603050405020304" pitchFamily="18" charset="0"/>
+              </a:rPr>
+              <a:t>Перевантаження методів</a:t>
+            </a:r>
+          </a:p>
+        </p:txBody>
+      </p:sp>
+      <p:graphicFrame>
+        <p:nvGraphicFramePr>
+          <p:cNvPr id="102403" name="Object 6"/>
+          <p:cNvGraphicFramePr>
+            <a:graphicFrameLocks noChangeAspect="1"/>
+          </p:cNvGraphicFramePr>
+          <p:nvPr/>
+        </p:nvGraphicFramePr>
+        <p:xfrm>
+          <a:off x="1755775" y="1425575"/>
+          <a:ext cx="4229100" cy="4770438"/>
+        </p:xfrm>
+        <a:graphic>
+          <a:graphicData uri="http://schemas.openxmlformats.org/presentationml/2006/ole">
+            <mc:AlternateContent xmlns:mc="http://schemas.openxmlformats.org/markup-compatibility/2006">
+              <mc:Choice xmlns:v="urn:schemas-microsoft-com:vml" Requires="v">
+                <p:oleObj name="Visio" r:id="rId2" imgW="3778171" imgH="4262404" progId="Visio.Drawing.11">
+                  <p:embed/>
+                </p:oleObj>
+              </mc:Choice>
+              <mc:Fallback>
+                <p:oleObj name="Visio" r:id="rId2" imgW="3778171" imgH="4262404" progId="Visio.Drawing.11">
+                  <p:embed/>
+                  <p:pic>
+                    <p:nvPicPr>
+                      <p:cNvPr id="102403" name="Object 6"/>
+                      <p:cNvPicPr>
+                        <a:picLocks noChangeAspect="1" noChangeArrowheads="1"/>
+                      </p:cNvPicPr>
+                      <p:nvPr/>
+                    </p:nvPicPr>
+                    <p:blipFill>
+                      <a:blip r:embed="rId3">
+                        <a:extLst>
+                          <a:ext uri="{28A0092B-C50C-407E-A947-70E740481C1C}">
+                            <a14:useLocalDpi xmlns:a14="http://schemas.microsoft.com/office/drawing/2010/main" val="0"/>
+                          </a:ext>
+                        </a:extLst>
+                      </a:blip>
+                      <a:srcRect/>
+                      <a:stretch>
+                        <a:fillRect/>
+                      </a:stretch>
+                    </p:blipFill>
+                    <p:spPr bwMode="auto">
+                      <a:xfrm>
+                        <a:off x="1755775" y="1425575"/>
+                        <a:ext cx="4229100" cy="4770438"/>
+                      </a:xfrm>
+                      <a:prstGeom prst="rect">
+                        <a:avLst/>
+                      </a:prstGeom>
+                      <a:noFill/>
+                      <a:ln>
+                        <a:noFill/>
+                      </a:ln>
+                      <a:effectLst/>
+                      <a:extLst>
+                        <a:ext uri="{909E8E84-426E-40DD-AFC4-6F175D3DCCD1}">
+                          <a14:hiddenFill xmlns:a14="http://schemas.microsoft.com/office/drawing/2010/main">
+                            <a:solidFill>
+                              <a:schemeClr val="accent1"/>
+                            </a:solidFill>
+                          </a14:hiddenFill>
+                        </a:ext>
+                        <a:ext uri="{91240B29-F687-4F45-9708-019B960494DF}">
+                          <a14:hiddenLine xmlns:a14="http://schemas.microsoft.com/office/drawing/2010/main" w="9525">
+                            <a:solidFill>
+                              <a:schemeClr val="tx1"/>
+                            </a:solidFill>
+                            <a:miter lim="800000"/>
+                            <a:headEnd/>
+                            <a:tailEnd/>
+                          </a14:hiddenLine>
+                        </a:ext>
+                        <a:ext uri="{AF507438-7753-43E0-B8FC-AC1667EBCBE1}">
+                          <a14:hiddenEffects xmlns:a14="http://schemas.microsoft.com/office/drawing/2010/main">
+                            <a:effectLst>
+                              <a:outerShdw dist="35921" dir="2700000" algn="ctr" rotWithShape="0">
+                                <a:schemeClr val="bg2"/>
+                              </a:outerShdw>
+                            </a:effectLst>
+                          </a14:hiddenEffects>
+                        </a:ext>
+                      </a:extLst>
+                    </p:spPr>
+                  </p:pic>
+                </p:oleObj>
+              </mc:Fallback>
+            </mc:AlternateContent>
+          </a:graphicData>
+        </a:graphic>
+      </p:graphicFrame>
+      <p:graphicFrame>
+        <p:nvGraphicFramePr>
+          <p:cNvPr id="102404" name="Object 8"/>
+          <p:cNvGraphicFramePr>
+            <a:graphicFrameLocks noChangeAspect="1"/>
+          </p:cNvGraphicFramePr>
+          <p:nvPr/>
+        </p:nvGraphicFramePr>
+        <p:xfrm>
+          <a:off x="6215064" y="2019300"/>
+          <a:ext cx="4287837" cy="3517900"/>
+        </p:xfrm>
+        <a:graphic>
+          <a:graphicData uri="http://schemas.openxmlformats.org/presentationml/2006/ole">
+            <mc:AlternateContent xmlns:mc="http://schemas.openxmlformats.org/markup-compatibility/2006">
+              <mc:Choice xmlns:v="urn:schemas-microsoft-com:vml" Requires="v">
+                <p:oleObj name="Visio" r:id="rId4" imgW="3869611" imgH="3174648" progId="Visio.Drawing.11">
+                  <p:embed/>
+                </p:oleObj>
+              </mc:Choice>
+              <mc:Fallback>
+                <p:oleObj name="Visio" r:id="rId4" imgW="3869611" imgH="3174648" progId="Visio.Drawing.11">
+                  <p:embed/>
+                  <p:pic>
+                    <p:nvPicPr>
+                      <p:cNvPr id="102404" name="Object 8"/>
+                      <p:cNvPicPr>
+                        <a:picLocks noChangeAspect="1" noChangeArrowheads="1"/>
+                      </p:cNvPicPr>
+                      <p:nvPr/>
+                    </p:nvPicPr>
+                    <p:blipFill>
+                      <a:blip r:embed="rId5">
+                        <a:extLst>
+                          <a:ext uri="{28A0092B-C50C-407E-A947-70E740481C1C}">
+                            <a14:useLocalDpi xmlns:a14="http://schemas.microsoft.com/office/drawing/2010/main" val="0"/>
+                          </a:ext>
+                        </a:extLst>
+                      </a:blip>
+                      <a:srcRect/>
+                      <a:stretch>
+                        <a:fillRect/>
+                      </a:stretch>
+                    </p:blipFill>
+                    <p:spPr bwMode="auto">
+                      <a:xfrm>
+                        <a:off x="6215064" y="2019300"/>
+                        <a:ext cx="4287837" cy="3517900"/>
+                      </a:xfrm>
+                      <a:prstGeom prst="rect">
+                        <a:avLst/>
+                      </a:prstGeom>
+                      <a:noFill/>
+                      <a:ln>
+                        <a:noFill/>
+                      </a:ln>
+                      <a:effectLst/>
+                      <a:extLst>
+                        <a:ext uri="{909E8E84-426E-40DD-AFC4-6F175D3DCCD1}">
+                          <a14:hiddenFill xmlns:a14="http://schemas.microsoft.com/office/drawing/2010/main">
+                            <a:solidFill>
+                              <a:schemeClr val="accent1"/>
+                            </a:solidFill>
+                          </a14:hiddenFill>
+                        </a:ext>
+                        <a:ext uri="{91240B29-F687-4F45-9708-019B960494DF}">
+                          <a14:hiddenLine xmlns:a14="http://schemas.microsoft.com/office/drawing/2010/main" w="9525">
+                            <a:solidFill>
+                              <a:schemeClr val="tx1"/>
+                            </a:solidFill>
+                            <a:miter lim="800000"/>
+                            <a:headEnd/>
+                            <a:tailEnd/>
+                          </a14:hiddenLine>
+                        </a:ext>
+                        <a:ext uri="{AF507438-7753-43E0-B8FC-AC1667EBCBE1}">
+                          <a14:hiddenEffects xmlns:a14="http://schemas.microsoft.com/office/drawing/2010/main">
+                            <a:effectLst>
+                              <a:outerShdw dist="35921" dir="2700000" algn="ctr" rotWithShape="0">
+                                <a:schemeClr val="bg2"/>
+                              </a:outerShdw>
+                            </a:effectLst>
+                          </a14:hiddenEffects>
+                        </a:ext>
+                      </a:extLst>
+                    </p:spPr>
+                  </p:pic>
+                </p:oleObj>
+              </mc:Fallback>
+            </mc:AlternateContent>
+          </a:graphicData>
+        </a:graphic>
+      </p:graphicFrame>
+      <p:sp>
+        <p:nvSpPr>
+          <p:cNvPr id="102405" name="Line 9"/>
+          <p:cNvSpPr>
+            <a:spLocks noChangeShapeType="1"/>
+          </p:cNvSpPr>
+          <p:nvPr/>
+        </p:nvSpPr>
+        <p:spPr bwMode="auto">
+          <a:xfrm>
+            <a:off x="6083300" y="1422400"/>
+            <a:ext cx="0" cy="4826000"/>
+          </a:xfrm>
+          <a:prstGeom prst="line">
+            <a:avLst/>
+          </a:prstGeom>
+          <a:noFill/>
+          <a:ln w="9525">
+            <a:solidFill>
+              <a:schemeClr val="tx1"/>
+            </a:solidFill>
+            <a:round/>
+            <a:headEnd/>
+            <a:tailEnd/>
+          </a:ln>
+          <a:effectLst/>
+          <a:extLst>
+            <a:ext uri="{909E8E84-426E-40DD-AFC4-6F175D3DCCD1}">
+              <a14:hiddenFill xmlns:a14="http://schemas.microsoft.com/office/drawing/2010/main">
+                <a:noFill/>
+              </a14:hiddenFill>
+            </a:ext>
+            <a:ext uri="{AF507438-7753-43E0-B8FC-AC1667EBCBE1}">
+              <a14:hiddenEffects xmlns:a14="http://schemas.microsoft.com/office/drawing/2010/main">
+                <a:effectLst>
+                  <a:outerShdw dist="35921" dir="2700000" algn="ctr" rotWithShape="0">
+                    <a:schemeClr val="bg2"/>
+                  </a:outerShdw>
+                </a:effectLst>
+              </a14:hiddenEffects>
+            </a:ext>
+          </a:extLst>
+        </p:spPr>
+        <p:txBody>
+          <a:bodyPr/>
+          <a:lstStyle/>
+          <a:p>
+            <a:endParaRPr lang="ru-RU"/>
+          </a:p>
+        </p:txBody>
+      </p:sp>
+    </p:spTree>
+    <p:extLst>
+      <p:ext uri="{BB962C8B-B14F-4D97-AF65-F5344CB8AC3E}">
+        <p14:creationId xmlns:p14="http://schemas.microsoft.com/office/powerpoint/2010/main" val="2430569736"/>
+      </p:ext>
+    </p:extLst>
+  </p:cSld>
+  <p:clrMapOvr>
+    <a:masterClrMapping/>
+  </p:clrMapOvr>
+</p:sld>
+</file>
+
+<file path=ppt/slides/slide11.xml><?xml version="1.0" encoding="utf-8"?>
+<p:sld xmlns:a="http://schemas.openxmlformats.org/drawingml/2006/main" xmlns:r="http://schemas.openxmlformats.org/officeDocument/2006/relationships" xmlns:p="http://schemas.openxmlformats.org/presentationml/2006/main">
+  <p:cSld>
+    <p:spTree>
+      <p:nvGrpSpPr>
+        <p:cNvPr id="1" name=""/>
+        <p:cNvGrpSpPr/>
+        <p:nvPr/>
+      </p:nvGrpSpPr>
+      <p:grpSpPr>
+        <a:xfrm>
+          <a:off x="0" y="0"/>
+          <a:ext cx="0" cy="0"/>
+          <a:chOff x="0" y="0"/>
+          <a:chExt cx="0" cy="0"/>
+        </a:xfrm>
+      </p:grpSpPr>
+      <p:sp>
+        <p:nvSpPr>
           <p:cNvPr id="104450" name="Rectangle 2"/>
           <p:cNvSpPr>
             <a:spLocks noGrp="1"/>
@@ -3785,12 +4085,12 @@
           <a:graphicData uri="http://schemas.openxmlformats.org/presentationml/2006/ole">
             <mc:AlternateContent xmlns:mc="http://schemas.openxmlformats.org/markup-compatibility/2006">
               <mc:Choice xmlns:v="urn:schemas-microsoft-com:vml" Requires="v">
-                <p:oleObj spid="_x0000_s6198" name="Visio" r:id="rId3" imgW="3924399" imgH="2705355" progId="Visio.Drawing.11">
+                <p:oleObj name="Visio" r:id="rId2" imgW="3924399" imgH="2705355" progId="Visio.Drawing.11">
                   <p:embed/>
                 </p:oleObj>
               </mc:Choice>
               <mc:Fallback>
-                <p:oleObj name="Visio" r:id="rId3" imgW="3924399" imgH="2705355" progId="Visio.Drawing.11">
+                <p:oleObj name="Visio" r:id="rId2" imgW="3924399" imgH="2705355" progId="Visio.Drawing.11">
                   <p:embed/>
                   <p:pic>
                     <p:nvPicPr>
@@ -3801,7 +4101,7 @@
                       <p:nvPr/>
                     </p:nvPicPr>
                     <p:blipFill>
-                      <a:blip r:embed="rId4"/>
+                      <a:blip r:embed="rId3"/>
                       <a:srcRect/>
                       <a:stretch>
                         <a:fillRect/>
@@ -3872,12 +4172,12 @@
           <a:graphicData uri="http://schemas.openxmlformats.org/presentationml/2006/ole">
             <mc:AlternateContent xmlns:mc="http://schemas.openxmlformats.org/markup-compatibility/2006">
               <mc:Choice xmlns:v="urn:schemas-microsoft-com:vml" Requires="v">
-                <p:oleObj spid="_x0000_s6199" name="Visio" r:id="rId5" imgW="3869611" imgH="1519238" progId="Visio.Drawing.11">
+                <p:oleObj name="Visio" r:id="rId4" imgW="3869611" imgH="1519238" progId="Visio.Drawing.11">
                   <p:embed/>
                 </p:oleObj>
               </mc:Choice>
               <mc:Fallback>
-                <p:oleObj name="Visio" r:id="rId5" imgW="3869611" imgH="1519238" progId="Visio.Drawing.11">
+                <p:oleObj name="Visio" r:id="rId4" imgW="3869611" imgH="1519238" progId="Visio.Drawing.11">
                   <p:embed/>
                   <p:pic>
                     <p:nvPicPr>
@@ -3888,7 +4188,7 @@
                       <p:nvPr/>
                     </p:nvPicPr>
                     <p:blipFill>
-                      <a:blip r:embed="rId6">
+                      <a:blip r:embed="rId5">
                         <a:extLst>
                           <a:ext uri="{28A0092B-C50C-407E-A947-70E740481C1C}">
                             <a14:useLocalDpi xmlns:a14="http://schemas.microsoft.com/office/drawing/2010/main" val="0"/>
@@ -3962,7 +4262,7 @@
 </p:sld>
 </file>
 
-<file path=ppt/slides/slide11.xml><?xml version="1.0" encoding="utf-8"?>
+<file path=ppt/slides/slide12.xml><?xml version="1.0" encoding="utf-8"?>
 <p:sld xmlns:a="http://schemas.openxmlformats.org/drawingml/2006/main" xmlns:r="http://schemas.openxmlformats.org/officeDocument/2006/relationships" xmlns:p="http://schemas.openxmlformats.org/presentationml/2006/main">
   <p:cSld>
     <p:spTree>
@@ -4037,12 +4337,12 @@
           <a:graphicData uri="http://schemas.openxmlformats.org/presentationml/2006/ole">
             <mc:AlternateContent xmlns:mc="http://schemas.openxmlformats.org/markup-compatibility/2006">
               <mc:Choice xmlns:v="urn:schemas-microsoft-com:vml" Requires="v">
-                <p:oleObj spid="_x0000_s7248" name="Visio" r:id="rId3" imgW="2032989" imgH="782990" progId="Visio.Drawing.11">
+                <p:oleObj name="Visio" r:id="rId2" imgW="2032989" imgH="782990" progId="Visio.Drawing.11">
                   <p:embed/>
                 </p:oleObj>
               </mc:Choice>
               <mc:Fallback>
-                <p:oleObj name="Visio" r:id="rId3" imgW="2032989" imgH="782990" progId="Visio.Drawing.11">
+                <p:oleObj name="Visio" r:id="rId2" imgW="2032989" imgH="782990" progId="Visio.Drawing.11">
                   <p:embed/>
                   <p:pic>
                     <p:nvPicPr>
@@ -4053,7 +4353,7 @@
                       <p:nvPr/>
                     </p:nvPicPr>
                     <p:blipFill>
-                      <a:blip r:embed="rId4">
+                      <a:blip r:embed="rId3">
                         <a:extLst>
                           <a:ext uri="{28A0092B-C50C-407E-A947-70E740481C1C}">
                             <a14:useLocalDpi xmlns:a14="http://schemas.microsoft.com/office/drawing/2010/main" val="0"/>
@@ -4130,12 +4430,12 @@
           <a:graphicData uri="http://schemas.openxmlformats.org/presentationml/2006/ole">
             <mc:AlternateContent xmlns:mc="http://schemas.openxmlformats.org/markup-compatibility/2006">
               <mc:Choice xmlns:v="urn:schemas-microsoft-com:vml" Requires="v">
-                <p:oleObj spid="_x0000_s7249" name="Visio" r:id="rId5" imgW="4753531" imgH="3713663" progId="Visio.Drawing.11">
+                <p:oleObj name="Visio" r:id="rId4" imgW="4753531" imgH="3713663" progId="Visio.Drawing.11">
                   <p:embed/>
                 </p:oleObj>
               </mc:Choice>
               <mc:Fallback>
-                <p:oleObj name="Visio" r:id="rId5" imgW="4753531" imgH="3713663" progId="Visio.Drawing.11">
+                <p:oleObj name="Visio" r:id="rId4" imgW="4753531" imgH="3713663" progId="Visio.Drawing.11">
                   <p:embed/>
                   <p:pic>
                     <p:nvPicPr>
@@ -4146,7 +4446,7 @@
                       <p:nvPr/>
                     </p:nvPicPr>
                     <p:blipFill>
-                      <a:blip r:embed="rId6">
+                      <a:blip r:embed="rId5">
                         <a:extLst>
                           <a:ext uri="{28A0092B-C50C-407E-A947-70E740481C1C}">
                             <a14:useLocalDpi xmlns:a14="http://schemas.microsoft.com/office/drawing/2010/main" val="0"/>
@@ -4325,12 +4625,12 @@
           <a:graphicData uri="http://schemas.openxmlformats.org/presentationml/2006/ole">
             <mc:AlternateContent xmlns:mc="http://schemas.openxmlformats.org/markup-compatibility/2006">
               <mc:Choice xmlns:v="urn:schemas-microsoft-com:vml" Requires="v">
-                <p:oleObj spid="_x0000_s7250" name="Visio" r:id="rId7" imgW="4136379" imgH="1519238" progId="Visio.Drawing.11">
+                <p:oleObj name="Visio" r:id="rId6" imgW="4136379" imgH="1519238" progId="Visio.Drawing.11">
                   <p:embed/>
                 </p:oleObj>
               </mc:Choice>
               <mc:Fallback>
-                <p:oleObj name="Visio" r:id="rId7" imgW="4136379" imgH="1519238" progId="Visio.Drawing.11">
+                <p:oleObj name="Visio" r:id="rId6" imgW="4136379" imgH="1519238" progId="Visio.Drawing.11">
                   <p:embed/>
                   <p:pic>
                     <p:nvPicPr>
@@ -4341,7 +4641,7 @@
                       <p:nvPr/>
                     </p:nvPicPr>
                     <p:blipFill>
-                      <a:blip r:embed="rId8">
+                      <a:blip r:embed="rId7">
                         <a:extLst>
                           <a:ext uri="{28A0092B-C50C-407E-A947-70E740481C1C}">
                             <a14:useLocalDpi xmlns:a14="http://schemas.microsoft.com/office/drawing/2010/main" val="0"/>
@@ -4466,7 +4766,7 @@
 </p:sld>
 </file>
 
-<file path=ppt/slides/slide12.xml><?xml version="1.0" encoding="utf-8"?>
+<file path=ppt/slides/slide13.xml><?xml version="1.0" encoding="utf-8"?>
 <p:sld xmlns:a="http://schemas.openxmlformats.org/drawingml/2006/main" xmlns:r="http://schemas.openxmlformats.org/officeDocument/2006/relationships" xmlns:p="http://schemas.openxmlformats.org/presentationml/2006/main">
   <p:cSld>
     <p:spTree>
@@ -4592,12 +4892,12 @@
           <a:graphicData uri="http://schemas.openxmlformats.org/presentationml/2006/ole">
             <mc:AlternateContent xmlns:mc="http://schemas.openxmlformats.org/markup-compatibility/2006">
               <mc:Choice xmlns:v="urn:schemas-microsoft-com:vml" Requires="v">
-                <p:oleObj spid="_x0000_s8246" name="Visio" r:id="rId3" imgW="4753531" imgH="3528588" progId="Visio.Drawing.11">
+                <p:oleObj name="Visio" r:id="rId2" imgW="4753531" imgH="3528588" progId="Visio.Drawing.11">
                   <p:embed/>
                 </p:oleObj>
               </mc:Choice>
               <mc:Fallback>
-                <p:oleObj name="Visio" r:id="rId3" imgW="4753531" imgH="3528588" progId="Visio.Drawing.11">
+                <p:oleObj name="Visio" r:id="rId2" imgW="4753531" imgH="3528588" progId="Visio.Drawing.11">
                   <p:embed/>
                   <p:pic>
                     <p:nvPicPr>
@@ -4608,7 +4908,7 @@
                       <p:nvPr/>
                     </p:nvPicPr>
                     <p:blipFill>
-                      <a:blip r:embed="rId4">
+                      <a:blip r:embed="rId3">
                         <a:extLst>
                           <a:ext uri="{28A0092B-C50C-407E-A947-70E740481C1C}">
                             <a14:useLocalDpi xmlns:a14="http://schemas.microsoft.com/office/drawing/2010/main" val="0"/>
@@ -4787,12 +5087,12 @@
           <a:graphicData uri="http://schemas.openxmlformats.org/presentationml/2006/ole">
             <mc:AlternateContent xmlns:mc="http://schemas.openxmlformats.org/markup-compatibility/2006">
               <mc:Choice xmlns:v="urn:schemas-microsoft-com:vml" Requires="v">
-                <p:oleObj spid="_x0000_s8247" name="Visio" r:id="rId5" imgW="3716672" imgH="1519238" progId="Visio.Drawing.11">
+                <p:oleObj name="Visio" r:id="rId4" imgW="3716672" imgH="1519238" progId="Visio.Drawing.11">
                   <p:embed/>
                 </p:oleObj>
               </mc:Choice>
               <mc:Fallback>
-                <p:oleObj name="Visio" r:id="rId5" imgW="3716672" imgH="1519238" progId="Visio.Drawing.11">
+                <p:oleObj name="Visio" r:id="rId4" imgW="3716672" imgH="1519238" progId="Visio.Drawing.11">
                   <p:embed/>
                   <p:pic>
                     <p:nvPicPr>
@@ -4803,7 +5103,7 @@
                       <p:nvPr/>
                     </p:nvPicPr>
                     <p:blipFill>
-                      <a:blip r:embed="rId6">
+                      <a:blip r:embed="rId5">
                         <a:extLst>
                           <a:ext uri="{28A0092B-C50C-407E-A947-70E740481C1C}">
                             <a14:useLocalDpi xmlns:a14="http://schemas.microsoft.com/office/drawing/2010/main" val="0"/>
@@ -4877,7 +5177,7 @@
 </p:sld>
 </file>
 
-<file path=ppt/slides/slide13.xml><?xml version="1.0" encoding="utf-8"?>
+<file path=ppt/slides/slide14.xml><?xml version="1.0" encoding="utf-8"?>
 <p:sld xmlns:a="http://schemas.openxmlformats.org/drawingml/2006/main" xmlns:r="http://schemas.openxmlformats.org/officeDocument/2006/relationships" xmlns:p="http://schemas.openxmlformats.org/presentationml/2006/main">
   <p:cSld>
     <p:spTree>
@@ -5014,12 +5314,12 @@
           <a:graphicData uri="http://schemas.openxmlformats.org/presentationml/2006/ole">
             <mc:AlternateContent xmlns:mc="http://schemas.openxmlformats.org/markup-compatibility/2006">
               <mc:Choice xmlns:v="urn:schemas-microsoft-com:vml" Requires="v">
-                <p:oleObj spid="_x0000_s9270" name="Visio" r:id="rId3" imgW="3770619" imgH="1885066" progId="Visio.Drawing.11">
+                <p:oleObj name="Visio" r:id="rId2" imgW="3770619" imgH="1885066" progId="Visio.Drawing.11">
                   <p:embed/>
                 </p:oleObj>
               </mc:Choice>
               <mc:Fallback>
-                <p:oleObj name="Visio" r:id="rId3" imgW="3770619" imgH="1885066" progId="Visio.Drawing.11">
+                <p:oleObj name="Visio" r:id="rId2" imgW="3770619" imgH="1885066" progId="Visio.Drawing.11">
                   <p:embed/>
                   <p:pic>
                     <p:nvPicPr>
@@ -5030,7 +5330,7 @@
                       <p:nvPr/>
                     </p:nvPicPr>
                     <p:blipFill>
-                      <a:blip r:embed="rId4">
+                      <a:blip r:embed="rId3">
                         <a:extLst>
                           <a:ext uri="{28A0092B-C50C-407E-A947-70E740481C1C}">
                             <a14:useLocalDpi xmlns:a14="http://schemas.microsoft.com/office/drawing/2010/main" val="0"/>
@@ -5107,12 +5407,12 @@
           <a:graphicData uri="http://schemas.openxmlformats.org/presentationml/2006/ole">
             <mc:AlternateContent xmlns:mc="http://schemas.openxmlformats.org/markup-compatibility/2006">
               <mc:Choice xmlns:v="urn:schemas-microsoft-com:vml" Requires="v">
-                <p:oleObj spid="_x0000_s9271" name="Visio" r:id="rId5" imgW="5408986" imgH="2255486" progId="Visio.Drawing.11">
+                <p:oleObj name="Visio" r:id="rId4" imgW="5408986" imgH="2255486" progId="Visio.Drawing.11">
                   <p:embed/>
                 </p:oleObj>
               </mc:Choice>
               <mc:Fallback>
-                <p:oleObj name="Visio" r:id="rId5" imgW="5408986" imgH="2255486" progId="Visio.Drawing.11">
+                <p:oleObj name="Visio" r:id="rId4" imgW="5408986" imgH="2255486" progId="Visio.Drawing.11">
                   <p:embed/>
                   <p:pic>
                     <p:nvPicPr>
@@ -5123,7 +5423,7 @@
                       <p:nvPr/>
                     </p:nvPicPr>
                     <p:blipFill>
-                      <a:blip r:embed="rId6">
+                      <a:blip r:embed="rId5">
                         <a:extLst>
                           <a:ext uri="{28A0092B-C50C-407E-A947-70E740481C1C}">
                             <a14:useLocalDpi xmlns:a14="http://schemas.microsoft.com/office/drawing/2010/main" val="0"/>
@@ -5197,7 +5497,7 @@
 </p:sld>
 </file>
 
-<file path=ppt/slides/slide14.xml><?xml version="1.0" encoding="utf-8"?>
+<file path=ppt/slides/slide15.xml><?xml version="1.0" encoding="utf-8"?>
 <p:sld xmlns:a="http://schemas.openxmlformats.org/drawingml/2006/main" xmlns:r="http://schemas.openxmlformats.org/officeDocument/2006/relationships" xmlns:p="http://schemas.openxmlformats.org/presentationml/2006/main">
   <p:cSld>
     <p:spTree>
@@ -5349,12 +5649,12 @@
           <a:graphicData uri="http://schemas.openxmlformats.org/presentationml/2006/ole">
             <mc:AlternateContent xmlns:mc="http://schemas.openxmlformats.org/markup-compatibility/2006">
               <mc:Choice xmlns:v="urn:schemas-microsoft-com:vml" Requires="v">
-                <p:oleObj spid="_x0000_s10268" name="Visio" r:id="rId3" imgW="5317546" imgH="3540206" progId="Visio.Drawing.11">
+                <p:oleObj name="Visio" r:id="rId2" imgW="5317546" imgH="3540206" progId="Visio.Drawing.11">
                   <p:embed/>
                 </p:oleObj>
               </mc:Choice>
               <mc:Fallback>
-                <p:oleObj name="Visio" r:id="rId3" imgW="5317546" imgH="3540206" progId="Visio.Drawing.11">
+                <p:oleObj name="Visio" r:id="rId2" imgW="5317546" imgH="3540206" progId="Visio.Drawing.11">
                   <p:embed/>
                   <p:pic>
                     <p:nvPicPr>
@@ -5365,7 +5665,7 @@
                       <p:nvPr/>
                     </p:nvPicPr>
                     <p:blipFill>
-                      <a:blip r:embed="rId4">
+                      <a:blip r:embed="rId3">
                         <a:extLst>
                           <a:ext uri="{28A0092B-C50C-407E-A947-70E740481C1C}">
                             <a14:useLocalDpi xmlns:a14="http://schemas.microsoft.com/office/drawing/2010/main" val="0"/>
@@ -5439,7 +5739,7 @@
 </p:sld>
 </file>
 
-<file path=ppt/slides/slide15.xml><?xml version="1.0" encoding="utf-8"?>
+<file path=ppt/slides/slide16.xml><?xml version="1.0" encoding="utf-8"?>
 <p:sld xmlns:a="http://schemas.openxmlformats.org/drawingml/2006/main" xmlns:r="http://schemas.openxmlformats.org/officeDocument/2006/relationships" xmlns:p="http://schemas.openxmlformats.org/presentationml/2006/main">
   <p:cSld>
     <p:spTree>
@@ -5587,12 +5887,12 @@
           <a:graphicData uri="http://schemas.openxmlformats.org/presentationml/2006/ole">
             <mc:AlternateContent xmlns:mc="http://schemas.openxmlformats.org/markup-compatibility/2006">
               <mc:Choice xmlns:v="urn:schemas-microsoft-com:vml" Requires="v">
-                <p:oleObj spid="_x0000_s11318" name="Visio" r:id="rId3" imgW="5629322" imgH="1790744" progId="Visio.Drawing.11">
+                <p:oleObj name="Visio" r:id="rId2" imgW="5629322" imgH="1790744" progId="Visio.Drawing.11">
                   <p:embed/>
                 </p:oleObj>
               </mc:Choice>
               <mc:Fallback>
-                <p:oleObj name="Visio" r:id="rId3" imgW="5629322" imgH="1790744" progId="Visio.Drawing.11">
+                <p:oleObj name="Visio" r:id="rId2" imgW="5629322" imgH="1790744" progId="Visio.Drawing.11">
                   <p:embed/>
                   <p:pic>
                     <p:nvPicPr>
@@ -5603,7 +5903,7 @@
                       <p:nvPr/>
                     </p:nvPicPr>
                     <p:blipFill>
-                      <a:blip r:embed="rId4"/>
+                      <a:blip r:embed="rId3"/>
                       <a:srcRect/>
                       <a:stretch>
                         <a:fillRect/>
@@ -5674,12 +5974,12 @@
           <a:graphicData uri="http://schemas.openxmlformats.org/presentationml/2006/ole">
             <mc:AlternateContent xmlns:mc="http://schemas.openxmlformats.org/markup-compatibility/2006">
               <mc:Choice xmlns:v="urn:schemas-microsoft-com:vml" Requires="v">
-                <p:oleObj spid="_x0000_s11319" name="Visio" r:id="rId5" imgW="4685019" imgH="2621314" progId="Visio.Drawing.11">
+                <p:oleObj name="Visio" r:id="rId4" imgW="4685019" imgH="2621314" progId="Visio.Drawing.11">
                   <p:embed/>
                 </p:oleObj>
               </mc:Choice>
               <mc:Fallback>
-                <p:oleObj name="Visio" r:id="rId5" imgW="4685019" imgH="2621314" progId="Visio.Drawing.11">
+                <p:oleObj name="Visio" r:id="rId4" imgW="4685019" imgH="2621314" progId="Visio.Drawing.11">
                   <p:embed/>
                   <p:pic>
                     <p:nvPicPr>
@@ -5690,7 +5990,7 @@
                       <p:nvPr/>
                     </p:nvPicPr>
                     <p:blipFill>
-                      <a:blip r:embed="rId6">
+                      <a:blip r:embed="rId5">
                         <a:extLst>
                           <a:ext uri="{28A0092B-C50C-407E-A947-70E740481C1C}">
                             <a14:useLocalDpi xmlns:a14="http://schemas.microsoft.com/office/drawing/2010/main" val="0"/>
@@ -5815,7 +6115,7 @@
 </p:sld>
 </file>
 
-<file path=ppt/slides/slide16.xml><?xml version="1.0" encoding="utf-8"?>
+<file path=ppt/slides/slide17.xml><?xml version="1.0" encoding="utf-8"?>
 <p:sld xmlns:a="http://schemas.openxmlformats.org/drawingml/2006/main" xmlns:r="http://schemas.openxmlformats.org/officeDocument/2006/relationships" xmlns:p="http://schemas.openxmlformats.org/presentationml/2006/main">
   <p:cSld>
     <p:spTree>
@@ -5883,12 +6183,12 @@
           <a:graphicData uri="http://schemas.openxmlformats.org/presentationml/2006/ole">
             <mc:AlternateContent xmlns:mc="http://schemas.openxmlformats.org/markup-compatibility/2006">
               <mc:Choice xmlns:v="urn:schemas-microsoft-com:vml" Requires="v">
-                <p:oleObj spid="_x0000_s12342" name="Visio" r:id="rId3" imgW="3862059" imgH="972928" progId="Visio.Drawing.11">
+                <p:oleObj name="Visio" r:id="rId2" imgW="3862059" imgH="972928" progId="Visio.Drawing.11">
                   <p:embed/>
                 </p:oleObj>
               </mc:Choice>
               <mc:Fallback>
-                <p:oleObj name="Visio" r:id="rId3" imgW="3862059" imgH="972928" progId="Visio.Drawing.11">
+                <p:oleObj name="Visio" r:id="rId2" imgW="3862059" imgH="972928" progId="Visio.Drawing.11">
                   <p:embed/>
                   <p:pic>
                     <p:nvPicPr>
@@ -5899,7 +6199,7 @@
                       <p:nvPr/>
                     </p:nvPicPr>
                     <p:blipFill>
-                      <a:blip r:embed="rId4">
+                      <a:blip r:embed="rId3">
                         <a:extLst>
                           <a:ext uri="{28A0092B-C50C-407E-A947-70E740481C1C}">
                             <a14:useLocalDpi xmlns:a14="http://schemas.microsoft.com/office/drawing/2010/main" val="0"/>
@@ -6027,12 +6327,12 @@
           <a:graphicData uri="http://schemas.openxmlformats.org/presentationml/2006/ole">
             <mc:AlternateContent xmlns:mc="http://schemas.openxmlformats.org/markup-compatibility/2006">
               <mc:Choice xmlns:v="urn:schemas-microsoft-com:vml" Requires="v">
-                <p:oleObj spid="_x0000_s12343" name="Visio" r:id="rId5" imgW="5991445" imgH="3267315" progId="Visio.Drawing.11">
+                <p:oleObj name="Visio" r:id="rId4" imgW="5991445" imgH="3267315" progId="Visio.Drawing.11">
                   <p:embed/>
                 </p:oleObj>
               </mc:Choice>
               <mc:Fallback>
-                <p:oleObj name="Visio" r:id="rId5" imgW="5991445" imgH="3267315" progId="Visio.Drawing.11">
+                <p:oleObj name="Visio" r:id="rId4" imgW="5991445" imgH="3267315" progId="Visio.Drawing.11">
                   <p:embed/>
                   <p:pic>
                     <p:nvPicPr>
@@ -6043,7 +6343,7 @@
                       <p:nvPr/>
                     </p:nvPicPr>
                     <p:blipFill>
-                      <a:blip r:embed="rId6"/>
+                      <a:blip r:embed="rId5"/>
                       <a:srcRect/>
                       <a:stretch>
                         <a:fillRect/>
@@ -6533,7 +6833,7 @@
 </p:sld>
 </file>
 
-<file path=ppt/slides/slide17.xml><?xml version="1.0" encoding="utf-8"?>
+<file path=ppt/slides/slide18.xml><?xml version="1.0" encoding="utf-8"?>
 <p:sld xmlns:a="http://schemas.openxmlformats.org/drawingml/2006/main" xmlns:r="http://schemas.openxmlformats.org/officeDocument/2006/relationships" xmlns:p="http://schemas.openxmlformats.org/presentationml/2006/main">
   <p:cSld>
     <p:spTree>
@@ -6601,12 +6901,12 @@
           <a:graphicData uri="http://schemas.openxmlformats.org/presentationml/2006/ole">
             <mc:AlternateContent xmlns:mc="http://schemas.openxmlformats.org/markup-compatibility/2006">
               <mc:Choice xmlns:v="urn:schemas-microsoft-com:vml" Requires="v">
-                <p:oleObj spid="_x0000_s13366" name="Visio" r:id="rId3" imgW="5991445" imgH="3086338" progId="Visio.Drawing.11">
+                <p:oleObj name="Visio" r:id="rId2" imgW="5991445" imgH="3086338" progId="Visio.Drawing.11">
                   <p:embed/>
                 </p:oleObj>
               </mc:Choice>
               <mc:Fallback>
-                <p:oleObj name="Visio" r:id="rId3" imgW="5991445" imgH="3086338" progId="Visio.Drawing.11">
+                <p:oleObj name="Visio" r:id="rId2" imgW="5991445" imgH="3086338" progId="Visio.Drawing.11">
                   <p:embed/>
                   <p:pic>
                     <p:nvPicPr>
@@ -6617,7 +6917,7 @@
                       <p:nvPr/>
                     </p:nvPicPr>
                     <p:blipFill>
-                      <a:blip r:embed="rId4"/>
+                      <a:blip r:embed="rId3"/>
                       <a:srcRect/>
                       <a:stretch>
                         <a:fillRect/>
@@ -6688,12 +6988,12 @@
           <a:graphicData uri="http://schemas.openxmlformats.org/presentationml/2006/ole">
             <mc:AlternateContent xmlns:mc="http://schemas.openxmlformats.org/markup-compatibility/2006">
               <mc:Choice xmlns:v="urn:schemas-microsoft-com:vml" Requires="v">
-                <p:oleObj spid="_x0000_s13367" name="Visio" r:id="rId5" imgW="5076875" imgH="1981447" progId="Visio.Drawing.11">
+                <p:oleObj name="Visio" r:id="rId4" imgW="5076875" imgH="1981447" progId="Visio.Drawing.11">
                   <p:embed/>
                 </p:oleObj>
               </mc:Choice>
               <mc:Fallback>
-                <p:oleObj name="Visio" r:id="rId5" imgW="5076875" imgH="1981447" progId="Visio.Drawing.11">
+                <p:oleObj name="Visio" r:id="rId4" imgW="5076875" imgH="1981447" progId="Visio.Drawing.11">
                   <p:embed/>
                   <p:pic>
                     <p:nvPicPr>
@@ -6704,7 +7004,7 @@
                       <p:nvPr/>
                     </p:nvPicPr>
                     <p:blipFill>
-                      <a:blip r:embed="rId6"/>
+                      <a:blip r:embed="rId5"/>
                       <a:srcRect/>
                       <a:stretch>
                         <a:fillRect/>
@@ -7667,7 +7967,7 @@
 </p:sld>
 </file>
 
-<file path=ppt/slides/slide18.xml><?xml version="1.0" encoding="utf-8"?>
+<file path=ppt/slides/slide19.xml><?xml version="1.0" encoding="utf-8"?>
 <p:sld xmlns:a="http://schemas.openxmlformats.org/drawingml/2006/main" xmlns:r="http://schemas.openxmlformats.org/officeDocument/2006/relationships" xmlns:p="http://schemas.openxmlformats.org/presentationml/2006/main">
   <p:cSld>
     <p:spTree>
@@ -9332,944 +9632,6 @@
     <p:extLst>
       <p:ext uri="{BB962C8B-B14F-4D97-AF65-F5344CB8AC3E}">
         <p14:creationId xmlns:p14="http://schemas.microsoft.com/office/powerpoint/2010/main" val="758753095"/>
-      </p:ext>
-    </p:extLst>
-  </p:cSld>
-  <p:clrMapOvr>
-    <a:masterClrMapping/>
-  </p:clrMapOvr>
-</p:sld>
-</file>
-
-<file path=ppt/slides/slide19.xml><?xml version="1.0" encoding="utf-8"?>
-<p:sld xmlns:a="http://schemas.openxmlformats.org/drawingml/2006/main" xmlns:r="http://schemas.openxmlformats.org/officeDocument/2006/relationships" xmlns:p="http://schemas.openxmlformats.org/presentationml/2006/main">
-  <p:cSld>
-    <p:spTree>
-      <p:nvGrpSpPr>
-        <p:cNvPr id="1" name=""/>
-        <p:cNvGrpSpPr/>
-        <p:nvPr/>
-      </p:nvGrpSpPr>
-      <p:grpSpPr>
-        <a:xfrm>
-          <a:off x="0" y="0"/>
-          <a:ext cx="0" cy="0"/>
-          <a:chOff x="0" y="0"/>
-          <a:chExt cx="0" cy="0"/>
-        </a:xfrm>
-      </p:grpSpPr>
-      <p:sp>
-        <p:nvSpPr>
-          <p:cNvPr id="5" name="TextBox 4">
-            <a:extLst>
-              <a:ext uri="{FF2B5EF4-FFF2-40B4-BE49-F238E27FC236}">
-                <a16:creationId xmlns:a16="http://schemas.microsoft.com/office/drawing/2014/main" id="{D220EA4F-51B1-451D-AF39-8DC048380323}"/>
-              </a:ext>
-            </a:extLst>
-          </p:cNvPr>
-          <p:cNvSpPr txBox="1"/>
-          <p:nvPr/>
-        </p:nvSpPr>
-        <p:spPr>
-          <a:xfrm>
-            <a:off x="483123" y="926259"/>
-            <a:ext cx="11177833" cy="1938992"/>
-          </a:xfrm>
-          <a:prstGeom prst="rect">
-            <a:avLst/>
-          </a:prstGeom>
-          <a:noFill/>
-        </p:spPr>
-        <p:txBody>
-          <a:bodyPr wrap="square">
-            <a:spAutoFit/>
-          </a:bodyPr>
-          <a:lstStyle/>
-          <a:p>
-            <a:r>
-              <a:rPr lang="uk-UA" sz="2400" b="0" i="0" dirty="0">
-                <a:effectLst/>
-                <a:latin typeface="Times New Roman" panose="02020603050405020304" pitchFamily="18" charset="0"/>
-                <a:cs typeface="Times New Roman" panose="02020603050405020304" pitchFamily="18" charset="0"/>
-              </a:rPr>
-              <a:t>По-друге, зверни увагу на назву нашої змінної. Для констант у </a:t>
-            </a:r>
-            <a:r>
-              <a:rPr lang="en-US" sz="2400" b="0" i="0" dirty="0">
-                <a:effectLst/>
-                <a:latin typeface="Times New Roman" panose="02020603050405020304" pitchFamily="18" charset="0"/>
-                <a:cs typeface="Times New Roman" panose="02020603050405020304" pitchFamily="18" charset="0"/>
-              </a:rPr>
-              <a:t>Java </a:t>
-            </a:r>
-            <a:r>
-              <a:rPr lang="uk-UA" sz="2400" b="0" i="0" dirty="0">
-                <a:effectLst/>
-                <a:latin typeface="Times New Roman" panose="02020603050405020304" pitchFamily="18" charset="0"/>
-                <a:cs typeface="Times New Roman" panose="02020603050405020304" pitchFamily="18" charset="0"/>
-              </a:rPr>
-              <a:t>прийнята інша угода про іменування. Це не звичний нам </a:t>
-            </a:r>
-            <a:r>
-              <a:rPr lang="en-US" sz="2400" b="0" i="0" dirty="0">
-                <a:effectLst/>
-                <a:latin typeface="Times New Roman" panose="02020603050405020304" pitchFamily="18" charset="0"/>
-                <a:cs typeface="Times New Roman" panose="02020603050405020304" pitchFamily="18" charset="0"/>
-              </a:rPr>
-              <a:t>camelCase. </a:t>
-            </a:r>
-            <a:r>
-              <a:rPr lang="uk-UA" sz="2400" b="0" i="0" dirty="0">
-                <a:effectLst/>
-                <a:latin typeface="Times New Roman" panose="02020603050405020304" pitchFamily="18" charset="0"/>
-                <a:cs typeface="Times New Roman" panose="02020603050405020304" pitchFamily="18" charset="0"/>
-              </a:rPr>
-              <a:t>У випадку зі звичайною змінною ми б назвали її </a:t>
-            </a:r>
-            <a:r>
-              <a:rPr lang="en-US" sz="2400" b="0" i="0" dirty="0" err="1">
-                <a:effectLst/>
-                <a:latin typeface="Times New Roman" panose="02020603050405020304" pitchFamily="18" charset="0"/>
-                <a:cs typeface="Times New Roman" panose="02020603050405020304" pitchFamily="18" charset="0"/>
-              </a:rPr>
-              <a:t>constantExample</a:t>
-            </a:r>
-            <a:r>
-              <a:rPr lang="en-US" sz="2400" b="0" i="0" dirty="0">
-                <a:effectLst/>
-                <a:latin typeface="Times New Roman" panose="02020603050405020304" pitchFamily="18" charset="0"/>
-                <a:cs typeface="Times New Roman" panose="02020603050405020304" pitchFamily="18" charset="0"/>
-              </a:rPr>
-              <a:t>, </a:t>
-            </a:r>
-            <a:r>
-              <a:rPr lang="uk-UA" sz="2400" b="0" i="0" dirty="0">
-                <a:effectLst/>
-                <a:latin typeface="Times New Roman" panose="02020603050405020304" pitchFamily="18" charset="0"/>
-                <a:cs typeface="Times New Roman" panose="02020603050405020304" pitchFamily="18" charset="0"/>
-              </a:rPr>
-              <a:t>але назви констант пишуться </a:t>
-            </a:r>
-            <a:r>
-              <a:rPr lang="uk-UA" sz="2400" b="0" i="0" dirty="0" err="1">
-                <a:effectLst/>
-                <a:latin typeface="Times New Roman" panose="02020603050405020304" pitchFamily="18" charset="0"/>
-                <a:cs typeface="Times New Roman" panose="02020603050405020304" pitchFamily="18" charset="0"/>
-              </a:rPr>
-              <a:t>капсом</a:t>
-            </a:r>
-            <a:r>
-              <a:rPr lang="uk-UA" sz="2400" b="0" i="0" dirty="0">
-                <a:effectLst/>
-                <a:latin typeface="Times New Roman" panose="02020603050405020304" pitchFamily="18" charset="0"/>
-                <a:cs typeface="Times New Roman" panose="02020603050405020304" pitchFamily="18" charset="0"/>
-              </a:rPr>
-              <a:t>, а між словами (якщо їх кілька) ставиться нижнє підкреслення – "</a:t>
-            </a:r>
-            <a:r>
-              <a:rPr lang="en-US" sz="2400" b="0" i="0" dirty="0">
-                <a:effectLst/>
-                <a:latin typeface="Times New Roman" panose="02020603050405020304" pitchFamily="18" charset="0"/>
-                <a:cs typeface="Times New Roman" panose="02020603050405020304" pitchFamily="18" charset="0"/>
-              </a:rPr>
-              <a:t>CONSTANT_EXAMPLE". </a:t>
-            </a:r>
-            <a:endParaRPr lang="uk-UA" sz="2400" dirty="0">
-              <a:latin typeface="Times New Roman" panose="02020603050405020304" pitchFamily="18" charset="0"/>
-              <a:cs typeface="Times New Roman" panose="02020603050405020304" pitchFamily="18" charset="0"/>
-            </a:endParaRPr>
-          </a:p>
-        </p:txBody>
-      </p:sp>
-      <p:sp>
-        <p:nvSpPr>
-          <p:cNvPr id="6" name="TextBox 5">
-            <a:extLst>
-              <a:ext uri="{FF2B5EF4-FFF2-40B4-BE49-F238E27FC236}">
-                <a16:creationId xmlns:a16="http://schemas.microsoft.com/office/drawing/2014/main" id="{A7DA6FCB-9674-41C3-8C7A-1887A085984E}"/>
-              </a:ext>
-            </a:extLst>
-          </p:cNvPr>
-          <p:cNvSpPr txBox="1"/>
-          <p:nvPr/>
-        </p:nvSpPr>
-        <p:spPr>
-          <a:xfrm>
-            <a:off x="32725" y="0"/>
-            <a:ext cx="12191999" cy="830997"/>
-          </a:xfrm>
-          <a:prstGeom prst="rect">
-            <a:avLst/>
-          </a:prstGeom>
-          <a:noFill/>
-        </p:spPr>
-        <p:txBody>
-          <a:bodyPr wrap="square" rtlCol="0">
-            <a:spAutoFit/>
-          </a:bodyPr>
-          <a:lstStyle/>
-          <a:p>
-            <a:pPr algn="ctr"/>
-            <a:r>
-              <a:rPr lang="uk-UA" sz="4800" dirty="0">
-                <a:latin typeface="Times New Roman" panose="02020603050405020304" pitchFamily="18" charset="0"/>
-                <a:cs typeface="Times New Roman" panose="02020603050405020304" pitchFamily="18" charset="0"/>
-              </a:rPr>
-              <a:t>Модифікатор </a:t>
-            </a:r>
-            <a:r>
-              <a:rPr lang="en-US" sz="4800" dirty="0">
-                <a:latin typeface="Times New Roman" panose="02020603050405020304" pitchFamily="18" charset="0"/>
-                <a:cs typeface="Times New Roman" panose="02020603050405020304" pitchFamily="18" charset="0"/>
-              </a:rPr>
-              <a:t>final</a:t>
-            </a:r>
-            <a:endParaRPr lang="uk-UA" sz="4800" dirty="0">
-              <a:latin typeface="Times New Roman" panose="02020603050405020304" pitchFamily="18" charset="0"/>
-              <a:cs typeface="Times New Roman" panose="02020603050405020304" pitchFamily="18" charset="0"/>
-            </a:endParaRPr>
-          </a:p>
-        </p:txBody>
-      </p:sp>
-      <p:sp>
-        <p:nvSpPr>
-          <p:cNvPr id="8" name="TextBox 7">
-            <a:extLst>
-              <a:ext uri="{FF2B5EF4-FFF2-40B4-BE49-F238E27FC236}">
-                <a16:creationId xmlns:a16="http://schemas.microsoft.com/office/drawing/2014/main" id="{8485588F-2097-4B35-9A3B-CBC9C14E15B9}"/>
-              </a:ext>
-            </a:extLst>
-          </p:cNvPr>
-          <p:cNvSpPr txBox="1"/>
-          <p:nvPr/>
-        </p:nvSpPr>
-        <p:spPr>
-          <a:xfrm>
-            <a:off x="483123" y="2865251"/>
-            <a:ext cx="10969657" cy="3046988"/>
-          </a:xfrm>
-          <a:prstGeom prst="rect">
-            <a:avLst/>
-          </a:prstGeom>
-          <a:noFill/>
-        </p:spPr>
-        <p:txBody>
-          <a:bodyPr wrap="square">
-            <a:spAutoFit/>
-          </a:bodyPr>
-          <a:lstStyle/>
-          <a:p>
-            <a:r>
-              <a:rPr lang="ru-RU" sz="2400" b="0" i="0" dirty="0" err="1">
-                <a:effectLst/>
-                <a:latin typeface="Times New Roman" panose="02020603050405020304" pitchFamily="18" charset="0"/>
-                <a:cs typeface="Times New Roman" panose="02020603050405020304" pitchFamily="18" charset="0"/>
-              </a:rPr>
-              <a:t>Наприклад</a:t>
-            </a:r>
-            <a:r>
-              <a:rPr lang="ru-RU" sz="2400" b="0" i="0" dirty="0">
-                <a:effectLst/>
-                <a:latin typeface="Times New Roman" panose="02020603050405020304" pitchFamily="18" charset="0"/>
-                <a:cs typeface="Times New Roman" panose="02020603050405020304" pitchFamily="18" charset="0"/>
-              </a:rPr>
-              <a:t>, вони </a:t>
-            </a:r>
-            <a:r>
-              <a:rPr lang="ru-RU" sz="2400" b="0" i="0" dirty="0" err="1">
-                <a:effectLst/>
-                <a:latin typeface="Times New Roman" panose="02020603050405020304" pitchFamily="18" charset="0"/>
-                <a:cs typeface="Times New Roman" panose="02020603050405020304" pitchFamily="18" charset="0"/>
-              </a:rPr>
-              <a:t>стануть</a:t>
-            </a:r>
-            <a:r>
-              <a:rPr lang="ru-RU" sz="2400" b="0" i="0" dirty="0">
-                <a:effectLst/>
-                <a:latin typeface="Times New Roman" panose="02020603050405020304" pitchFamily="18" charset="0"/>
-                <a:cs typeface="Times New Roman" panose="02020603050405020304" pitchFamily="18" charset="0"/>
-              </a:rPr>
-              <a:t> у </a:t>
-            </a:r>
-            <a:r>
-              <a:rPr lang="ru-RU" sz="2400" b="0" i="0" dirty="0" err="1">
-                <a:effectLst/>
-                <a:latin typeface="Times New Roman" panose="02020603050405020304" pitchFamily="18" charset="0"/>
-                <a:cs typeface="Times New Roman" panose="02020603050405020304" pitchFamily="18" charset="0"/>
-              </a:rPr>
-              <a:t>пригоді</a:t>
-            </a:r>
-            <a:r>
-              <a:rPr lang="ru-RU" sz="2400" b="0" i="0" dirty="0">
-                <a:effectLst/>
-                <a:latin typeface="Times New Roman" panose="02020603050405020304" pitchFamily="18" charset="0"/>
-                <a:cs typeface="Times New Roman" panose="02020603050405020304" pitchFamily="18" charset="0"/>
-              </a:rPr>
-              <a:t>, </a:t>
-            </a:r>
-            <a:r>
-              <a:rPr lang="ru-RU" sz="2400" b="0" i="0" dirty="0" err="1">
-                <a:effectLst/>
-                <a:latin typeface="Times New Roman" panose="02020603050405020304" pitchFamily="18" charset="0"/>
-                <a:cs typeface="Times New Roman" panose="02020603050405020304" pitchFamily="18" charset="0"/>
-              </a:rPr>
-              <a:t>якщо</a:t>
-            </a:r>
-            <a:r>
-              <a:rPr lang="ru-RU" sz="2400" b="0" i="0" dirty="0">
-                <a:effectLst/>
-                <a:latin typeface="Times New Roman" panose="02020603050405020304" pitchFamily="18" charset="0"/>
-                <a:cs typeface="Times New Roman" panose="02020603050405020304" pitchFamily="18" charset="0"/>
-              </a:rPr>
-              <a:t> </a:t>
-            </a:r>
-            <a:r>
-              <a:rPr lang="ru-RU" sz="2400" b="0" i="0" dirty="0" err="1">
-                <a:effectLst/>
-                <a:latin typeface="Times New Roman" panose="02020603050405020304" pitchFamily="18" charset="0"/>
-                <a:cs typeface="Times New Roman" panose="02020603050405020304" pitchFamily="18" charset="0"/>
-              </a:rPr>
-              <a:t>ти</a:t>
-            </a:r>
-            <a:r>
-              <a:rPr lang="ru-RU" sz="2400" b="0" i="0" dirty="0">
-                <a:effectLst/>
-                <a:latin typeface="Times New Roman" panose="02020603050405020304" pitchFamily="18" charset="0"/>
-                <a:cs typeface="Times New Roman" panose="02020603050405020304" pitchFamily="18" charset="0"/>
-              </a:rPr>
-              <a:t> </a:t>
-            </a:r>
-            <a:r>
-              <a:rPr lang="ru-RU" sz="2400" b="0" i="0" dirty="0" err="1">
-                <a:effectLst/>
-                <a:latin typeface="Times New Roman" panose="02020603050405020304" pitchFamily="18" charset="0"/>
-                <a:cs typeface="Times New Roman" panose="02020603050405020304" pitchFamily="18" charset="0"/>
-              </a:rPr>
-              <a:t>постійно</a:t>
-            </a:r>
-            <a:r>
-              <a:rPr lang="ru-RU" sz="2400" b="0" i="0" dirty="0">
-                <a:effectLst/>
-                <a:latin typeface="Times New Roman" panose="02020603050405020304" pitchFamily="18" charset="0"/>
-                <a:cs typeface="Times New Roman" panose="02020603050405020304" pitchFamily="18" charset="0"/>
-              </a:rPr>
-              <a:t> </a:t>
-            </a:r>
-            <a:r>
-              <a:rPr lang="ru-RU" sz="2400" b="0" i="0" dirty="0" err="1">
-                <a:effectLst/>
-                <a:latin typeface="Times New Roman" panose="02020603050405020304" pitchFamily="18" charset="0"/>
-                <a:cs typeface="Times New Roman" panose="02020603050405020304" pitchFamily="18" charset="0"/>
-              </a:rPr>
-              <a:t>використовуєш</a:t>
-            </a:r>
-            <a:r>
-              <a:rPr lang="ru-RU" sz="2400" b="0" i="0" dirty="0">
-                <a:effectLst/>
-                <a:latin typeface="Times New Roman" panose="02020603050405020304" pitchFamily="18" charset="0"/>
-                <a:cs typeface="Times New Roman" panose="02020603050405020304" pitchFamily="18" charset="0"/>
-              </a:rPr>
-              <a:t> </a:t>
-            </a:r>
-            <a:r>
-              <a:rPr lang="ru-RU" sz="2400" b="0" i="0" dirty="0" err="1">
-                <a:effectLst/>
-                <a:latin typeface="Times New Roman" panose="02020603050405020304" pitchFamily="18" charset="0"/>
-                <a:cs typeface="Times New Roman" panose="02020603050405020304" pitchFamily="18" charset="0"/>
-              </a:rPr>
-              <a:t>якесь</a:t>
-            </a:r>
-            <a:r>
-              <a:rPr lang="ru-RU" sz="2400" b="0" i="0" dirty="0">
-                <a:effectLst/>
-                <a:latin typeface="Times New Roman" panose="02020603050405020304" pitchFamily="18" charset="0"/>
-                <a:cs typeface="Times New Roman" panose="02020603050405020304" pitchFamily="18" charset="0"/>
-              </a:rPr>
-              <a:t> </a:t>
-            </a:r>
-            <a:r>
-              <a:rPr lang="ru-RU" sz="2400" b="0" i="0" dirty="0" err="1">
-                <a:effectLst/>
-                <a:latin typeface="Times New Roman" panose="02020603050405020304" pitchFamily="18" charset="0"/>
-                <a:cs typeface="Times New Roman" panose="02020603050405020304" pitchFamily="18" charset="0"/>
-              </a:rPr>
-              <a:t>незмінне</a:t>
-            </a:r>
-            <a:r>
-              <a:rPr lang="ru-RU" sz="2400" b="0" i="0" dirty="0">
-                <a:effectLst/>
-                <a:latin typeface="Times New Roman" panose="02020603050405020304" pitchFamily="18" charset="0"/>
-                <a:cs typeface="Times New Roman" panose="02020603050405020304" pitchFamily="18" charset="0"/>
-              </a:rPr>
-              <a:t> </a:t>
-            </a:r>
-            <a:r>
-              <a:rPr lang="ru-RU" sz="2400" b="0" i="0" dirty="0" err="1">
-                <a:effectLst/>
-                <a:latin typeface="Times New Roman" panose="02020603050405020304" pitchFamily="18" charset="0"/>
-                <a:cs typeface="Times New Roman" panose="02020603050405020304" pitchFamily="18" charset="0"/>
-              </a:rPr>
-              <a:t>значення</a:t>
-            </a:r>
-            <a:r>
-              <a:rPr lang="ru-RU" sz="2400" b="0" i="0" dirty="0">
-                <a:effectLst/>
-                <a:latin typeface="Times New Roman" panose="02020603050405020304" pitchFamily="18" charset="0"/>
-                <a:cs typeface="Times New Roman" panose="02020603050405020304" pitchFamily="18" charset="0"/>
-              </a:rPr>
-              <a:t> в </a:t>
-            </a:r>
-            <a:r>
-              <a:rPr lang="ru-RU" sz="2400" b="0" i="0" dirty="0" err="1">
-                <a:effectLst/>
-                <a:latin typeface="Times New Roman" panose="02020603050405020304" pitchFamily="18" charset="0"/>
-                <a:cs typeface="Times New Roman" panose="02020603050405020304" pitchFamily="18" charset="0"/>
-              </a:rPr>
-              <a:t>програмі</a:t>
-            </a:r>
-            <a:r>
-              <a:rPr lang="ru-RU" sz="2400" b="0" i="0" dirty="0">
-                <a:effectLst/>
-                <a:latin typeface="Times New Roman" panose="02020603050405020304" pitchFamily="18" charset="0"/>
-                <a:cs typeface="Times New Roman" panose="02020603050405020304" pitchFamily="18" charset="0"/>
-              </a:rPr>
-              <a:t>. </a:t>
-            </a:r>
-            <a:r>
-              <a:rPr lang="ru-RU" sz="2400" b="0" i="0" dirty="0" err="1">
-                <a:effectLst/>
-                <a:latin typeface="Times New Roman" panose="02020603050405020304" pitchFamily="18" charset="0"/>
-                <a:cs typeface="Times New Roman" panose="02020603050405020304" pitchFamily="18" charset="0"/>
-              </a:rPr>
-              <a:t>Скажімо</a:t>
-            </a:r>
-            <a:r>
-              <a:rPr lang="ru-RU" sz="2400" b="0" i="0" dirty="0">
-                <a:effectLst/>
-                <a:latin typeface="Times New Roman" panose="02020603050405020304" pitchFamily="18" charset="0"/>
-                <a:cs typeface="Times New Roman" panose="02020603050405020304" pitchFamily="18" charset="0"/>
-              </a:rPr>
-              <a:t>, </a:t>
-            </a:r>
-            <a:r>
-              <a:rPr lang="ru-RU" sz="2400" b="0" i="0" dirty="0" err="1">
-                <a:effectLst/>
-                <a:latin typeface="Times New Roman" panose="02020603050405020304" pitchFamily="18" charset="0"/>
-                <a:cs typeface="Times New Roman" panose="02020603050405020304" pitchFamily="18" charset="0"/>
-              </a:rPr>
-              <a:t>ти</a:t>
-            </a:r>
-            <a:r>
-              <a:rPr lang="ru-RU" sz="2400" b="0" i="0" dirty="0">
-                <a:effectLst/>
-                <a:latin typeface="Times New Roman" panose="02020603050405020304" pitchFamily="18" charset="0"/>
-                <a:cs typeface="Times New Roman" panose="02020603050405020304" pitchFamily="18" charset="0"/>
-              </a:rPr>
-              <a:t> </a:t>
-            </a:r>
-            <a:r>
-              <a:rPr lang="ru-RU" sz="2400" b="0" i="0" dirty="0" err="1">
-                <a:effectLst/>
-                <a:latin typeface="Times New Roman" panose="02020603050405020304" pitchFamily="18" charset="0"/>
-                <a:cs typeface="Times New Roman" panose="02020603050405020304" pitchFamily="18" charset="0"/>
-              </a:rPr>
-              <a:t>вирішив</a:t>
-            </a:r>
-            <a:r>
-              <a:rPr lang="ru-RU" sz="2400" b="0" i="0" dirty="0">
-                <a:effectLst/>
-                <a:latin typeface="Times New Roman" panose="02020603050405020304" pitchFamily="18" charset="0"/>
-                <a:cs typeface="Times New Roman" panose="02020603050405020304" pitchFamily="18" charset="0"/>
-              </a:rPr>
-              <a:t> </a:t>
-            </a:r>
-            <a:r>
-              <a:rPr lang="ru-RU" sz="2400" b="0" i="0" dirty="0" err="1">
-                <a:effectLst/>
-                <a:latin typeface="Times New Roman" panose="02020603050405020304" pitchFamily="18" charset="0"/>
-                <a:cs typeface="Times New Roman" panose="02020603050405020304" pitchFamily="18" charset="0"/>
-              </a:rPr>
-              <a:t>увійти</a:t>
-            </a:r>
-            <a:r>
-              <a:rPr lang="ru-RU" sz="2400" b="0" i="0" dirty="0">
-                <a:effectLst/>
-                <a:latin typeface="Times New Roman" panose="02020603050405020304" pitchFamily="18" charset="0"/>
-                <a:cs typeface="Times New Roman" panose="02020603050405020304" pitchFamily="18" charset="0"/>
-              </a:rPr>
-              <a:t> в </a:t>
-            </a:r>
-            <a:r>
-              <a:rPr lang="ru-RU" sz="2400" b="0" i="0" dirty="0" err="1">
-                <a:effectLst/>
-                <a:latin typeface="Times New Roman" panose="02020603050405020304" pitchFamily="18" charset="0"/>
-                <a:cs typeface="Times New Roman" panose="02020603050405020304" pitchFamily="18" charset="0"/>
-              </a:rPr>
-              <a:t>історію</a:t>
-            </a:r>
-            <a:r>
-              <a:rPr lang="ru-RU" sz="2400" b="0" i="0" dirty="0">
-                <a:effectLst/>
-                <a:latin typeface="Times New Roman" panose="02020603050405020304" pitchFamily="18" charset="0"/>
-                <a:cs typeface="Times New Roman" panose="02020603050405020304" pitchFamily="18" charset="0"/>
-              </a:rPr>
-              <a:t> і </a:t>
-            </a:r>
-            <a:r>
-              <a:rPr lang="ru-RU" sz="2400" b="0" i="0" dirty="0" err="1">
-                <a:effectLst/>
-                <a:latin typeface="Times New Roman" panose="02020603050405020304" pitchFamily="18" charset="0"/>
-                <a:cs typeface="Times New Roman" panose="02020603050405020304" pitchFamily="18" charset="0"/>
-              </a:rPr>
-              <a:t>самотужки</a:t>
-            </a:r>
-            <a:r>
-              <a:rPr lang="ru-RU" sz="2400" b="0" i="0" dirty="0">
-                <a:effectLst/>
-                <a:latin typeface="Times New Roman" panose="02020603050405020304" pitchFamily="18" charset="0"/>
-                <a:cs typeface="Times New Roman" panose="02020603050405020304" pitchFamily="18" charset="0"/>
-              </a:rPr>
-              <a:t> </a:t>
-            </a:r>
-            <a:r>
-              <a:rPr lang="ru-RU" sz="2400" b="0" i="0" dirty="0" err="1">
-                <a:effectLst/>
-                <a:latin typeface="Times New Roman" panose="02020603050405020304" pitchFamily="18" charset="0"/>
-                <a:cs typeface="Times New Roman" panose="02020603050405020304" pitchFamily="18" charset="0"/>
-              </a:rPr>
-              <a:t>написати</a:t>
-            </a:r>
-            <a:r>
-              <a:rPr lang="ru-RU" sz="2400" b="0" i="0" dirty="0">
-                <a:effectLst/>
-                <a:latin typeface="Times New Roman" panose="02020603050405020304" pitchFamily="18" charset="0"/>
-                <a:cs typeface="Times New Roman" panose="02020603050405020304" pitchFamily="18" charset="0"/>
-              </a:rPr>
-              <a:t> </a:t>
-            </a:r>
-            <a:r>
-              <a:rPr lang="ru-RU" sz="2400" b="0" i="0" dirty="0" err="1">
-                <a:effectLst/>
-                <a:latin typeface="Times New Roman" panose="02020603050405020304" pitchFamily="18" charset="0"/>
-                <a:cs typeface="Times New Roman" panose="02020603050405020304" pitchFamily="18" charset="0"/>
-              </a:rPr>
-              <a:t>гру</a:t>
-            </a:r>
-            <a:r>
-              <a:rPr lang="ru-RU" sz="2400" b="0" i="0" dirty="0">
-                <a:effectLst/>
-                <a:latin typeface="Times New Roman" panose="02020603050405020304" pitchFamily="18" charset="0"/>
-                <a:cs typeface="Times New Roman" panose="02020603050405020304" pitchFamily="18" charset="0"/>
-              </a:rPr>
-              <a:t> "</a:t>
-            </a:r>
-            <a:r>
-              <a:rPr lang="ru-RU" sz="2400" b="0" i="0" dirty="0" err="1">
-                <a:effectLst/>
-                <a:latin typeface="Times New Roman" panose="02020603050405020304" pitchFamily="18" charset="0"/>
-                <a:cs typeface="Times New Roman" panose="02020603050405020304" pitchFamily="18" charset="0"/>
-              </a:rPr>
-              <a:t>Відьмак</a:t>
-            </a:r>
-            <a:r>
-              <a:rPr lang="ru-RU" sz="2400" b="0" i="0" dirty="0">
-                <a:effectLst/>
-                <a:latin typeface="Times New Roman" panose="02020603050405020304" pitchFamily="18" charset="0"/>
-                <a:cs typeface="Times New Roman" panose="02020603050405020304" pitchFamily="18" charset="0"/>
-              </a:rPr>
-              <a:t> 4". </a:t>
-            </a:r>
-          </a:p>
-          <a:p>
-            <a:r>
-              <a:rPr lang="ru-RU" sz="2400" b="0" i="0" dirty="0">
-                <a:effectLst/>
-                <a:latin typeface="Times New Roman" panose="02020603050405020304" pitchFamily="18" charset="0"/>
-                <a:cs typeface="Times New Roman" panose="02020603050405020304" pitchFamily="18" charset="0"/>
-              </a:rPr>
-              <a:t>У </a:t>
-            </a:r>
-            <a:r>
-              <a:rPr lang="ru-RU" sz="2400" b="0" i="0" dirty="0" err="1">
-                <a:effectLst/>
-                <a:latin typeface="Times New Roman" panose="02020603050405020304" pitchFamily="18" charset="0"/>
-                <a:cs typeface="Times New Roman" panose="02020603050405020304" pitchFamily="18" charset="0"/>
-              </a:rPr>
-              <a:t>грі</a:t>
-            </a:r>
-            <a:r>
-              <a:rPr lang="ru-RU" sz="2400" b="0" i="0" dirty="0">
-                <a:effectLst/>
-                <a:latin typeface="Times New Roman" panose="02020603050405020304" pitchFamily="18" charset="0"/>
-                <a:cs typeface="Times New Roman" panose="02020603050405020304" pitchFamily="18" charset="0"/>
-              </a:rPr>
-              <a:t> </a:t>
-            </a:r>
-            <a:r>
-              <a:rPr lang="ru-RU" sz="2400" b="0" i="0" dirty="0" err="1">
-                <a:effectLst/>
-                <a:latin typeface="Times New Roman" panose="02020603050405020304" pitchFamily="18" charset="0"/>
-                <a:cs typeface="Times New Roman" panose="02020603050405020304" pitchFamily="18" charset="0"/>
-              </a:rPr>
-              <a:t>вочевидь</a:t>
-            </a:r>
-            <a:r>
-              <a:rPr lang="ru-RU" sz="2400" b="0" i="0" dirty="0">
-                <a:effectLst/>
-                <a:latin typeface="Times New Roman" panose="02020603050405020304" pitchFamily="18" charset="0"/>
-                <a:cs typeface="Times New Roman" panose="02020603050405020304" pitchFamily="18" charset="0"/>
-              </a:rPr>
-              <a:t> буде </a:t>
-            </a:r>
-            <a:r>
-              <a:rPr lang="ru-RU" sz="2400" b="0" i="0" dirty="0" err="1">
-                <a:effectLst/>
-                <a:latin typeface="Times New Roman" panose="02020603050405020304" pitchFamily="18" charset="0"/>
-                <a:cs typeface="Times New Roman" panose="02020603050405020304" pitchFamily="18" charset="0"/>
-              </a:rPr>
-              <a:t>постійно</a:t>
-            </a:r>
-            <a:r>
-              <a:rPr lang="ru-RU" sz="2400" b="0" i="0" dirty="0">
-                <a:effectLst/>
-                <a:latin typeface="Times New Roman" panose="02020603050405020304" pitchFamily="18" charset="0"/>
-                <a:cs typeface="Times New Roman" panose="02020603050405020304" pitchFamily="18" charset="0"/>
-              </a:rPr>
-              <a:t> </a:t>
-            </a:r>
-            <a:r>
-              <a:rPr lang="ru-RU" sz="2400" b="0" i="0" dirty="0" err="1">
-                <a:effectLst/>
-                <a:latin typeface="Times New Roman" panose="02020603050405020304" pitchFamily="18" charset="0"/>
-                <a:cs typeface="Times New Roman" panose="02020603050405020304" pitchFamily="18" charset="0"/>
-              </a:rPr>
-              <a:t>використовуватися</a:t>
-            </a:r>
-            <a:r>
-              <a:rPr lang="ru-RU" sz="2400" b="0" i="0" dirty="0">
-                <a:effectLst/>
-                <a:latin typeface="Times New Roman" panose="02020603050405020304" pitchFamily="18" charset="0"/>
-                <a:cs typeface="Times New Roman" panose="02020603050405020304" pitchFamily="18" charset="0"/>
-              </a:rPr>
-              <a:t> </a:t>
-            </a:r>
-            <a:r>
-              <a:rPr lang="ru-RU" sz="2400" b="0" i="0" dirty="0" err="1">
-                <a:effectLst/>
-                <a:latin typeface="Times New Roman" panose="02020603050405020304" pitchFamily="18" charset="0"/>
-                <a:cs typeface="Times New Roman" panose="02020603050405020304" pitchFamily="18" charset="0"/>
-              </a:rPr>
-              <a:t>ім'я</a:t>
-            </a:r>
-            <a:r>
-              <a:rPr lang="ru-RU" sz="2400" b="0" i="0" dirty="0">
-                <a:effectLst/>
-                <a:latin typeface="Times New Roman" panose="02020603050405020304" pitchFamily="18" charset="0"/>
-                <a:cs typeface="Times New Roman" panose="02020603050405020304" pitchFamily="18" charset="0"/>
-              </a:rPr>
-              <a:t> головного героя – "</a:t>
-            </a:r>
-            <a:r>
-              <a:rPr lang="ru-RU" sz="2400" b="0" i="0" dirty="0" err="1">
-                <a:effectLst/>
-                <a:latin typeface="Times New Roman" panose="02020603050405020304" pitchFamily="18" charset="0"/>
-                <a:cs typeface="Times New Roman" panose="02020603050405020304" pitchFamily="18" charset="0"/>
-              </a:rPr>
-              <a:t>Ґеральт</a:t>
-            </a:r>
-            <a:r>
-              <a:rPr lang="ru-RU" sz="2400" b="0" i="0" dirty="0">
-                <a:effectLst/>
-                <a:latin typeface="Times New Roman" panose="02020603050405020304" pitchFamily="18" charset="0"/>
-                <a:cs typeface="Times New Roman" panose="02020603050405020304" pitchFamily="18" charset="0"/>
-              </a:rPr>
-              <a:t> з </a:t>
-            </a:r>
-            <a:r>
-              <a:rPr lang="ru-RU" sz="2400" b="0" i="0" dirty="0" err="1">
-                <a:effectLst/>
-                <a:latin typeface="Times New Roman" panose="02020603050405020304" pitchFamily="18" charset="0"/>
-                <a:cs typeface="Times New Roman" panose="02020603050405020304" pitchFamily="18" charset="0"/>
-              </a:rPr>
-              <a:t>Рівії</a:t>
-            </a:r>
-            <a:r>
-              <a:rPr lang="ru-RU" sz="2400" b="0" i="0" dirty="0">
-                <a:effectLst/>
-                <a:latin typeface="Times New Roman" panose="02020603050405020304" pitchFamily="18" charset="0"/>
-                <a:cs typeface="Times New Roman" panose="02020603050405020304" pitchFamily="18" charset="0"/>
-              </a:rPr>
-              <a:t>". </a:t>
-            </a:r>
-          </a:p>
-          <a:p>
-            <a:r>
-              <a:rPr lang="ru-RU" sz="2400" b="0" i="0" dirty="0" err="1">
-                <a:effectLst/>
-                <a:latin typeface="Times New Roman" panose="02020603050405020304" pitchFamily="18" charset="0"/>
-                <a:cs typeface="Times New Roman" panose="02020603050405020304" pitchFamily="18" charset="0"/>
-              </a:rPr>
-              <a:t>Цей</a:t>
-            </a:r>
-            <a:r>
-              <a:rPr lang="ru-RU" sz="2400" b="0" i="0" dirty="0">
-                <a:effectLst/>
-                <a:latin typeface="Times New Roman" panose="02020603050405020304" pitchFamily="18" charset="0"/>
-                <a:cs typeface="Times New Roman" panose="02020603050405020304" pitchFamily="18" charset="0"/>
-              </a:rPr>
-              <a:t> рядок та </a:t>
-            </a:r>
-            <a:r>
-              <a:rPr lang="ru-RU" sz="2400" b="0" i="0" dirty="0" err="1">
-                <a:effectLst/>
-                <a:latin typeface="Times New Roman" panose="02020603050405020304" pitchFamily="18" charset="0"/>
-                <a:cs typeface="Times New Roman" panose="02020603050405020304" pitchFamily="18" charset="0"/>
-              </a:rPr>
-              <a:t>імена</a:t>
-            </a:r>
-            <a:r>
-              <a:rPr lang="ru-RU" sz="2400" b="0" i="0" dirty="0">
-                <a:effectLst/>
-                <a:latin typeface="Times New Roman" panose="02020603050405020304" pitchFamily="18" charset="0"/>
-                <a:cs typeface="Times New Roman" panose="02020603050405020304" pitchFamily="18" charset="0"/>
-              </a:rPr>
-              <a:t> </a:t>
-            </a:r>
-            <a:r>
-              <a:rPr lang="ru-RU" sz="2400" b="0" i="0" dirty="0" err="1">
-                <a:effectLst/>
-                <a:latin typeface="Times New Roman" panose="02020603050405020304" pitchFamily="18" charset="0"/>
-                <a:cs typeface="Times New Roman" panose="02020603050405020304" pitchFamily="18" charset="0"/>
-              </a:rPr>
-              <a:t>інших</a:t>
-            </a:r>
-            <a:r>
-              <a:rPr lang="ru-RU" sz="2400" b="0" i="0" dirty="0">
-                <a:effectLst/>
-                <a:latin typeface="Times New Roman" panose="02020603050405020304" pitchFamily="18" charset="0"/>
-                <a:cs typeface="Times New Roman" panose="02020603050405020304" pitchFamily="18" charset="0"/>
-              </a:rPr>
-              <a:t> </a:t>
-            </a:r>
-            <a:r>
-              <a:rPr lang="ru-RU" sz="2400" b="0" i="0" dirty="0" err="1">
-                <a:effectLst/>
-                <a:latin typeface="Times New Roman" panose="02020603050405020304" pitchFamily="18" charset="0"/>
-                <a:cs typeface="Times New Roman" panose="02020603050405020304" pitchFamily="18" charset="0"/>
-              </a:rPr>
-              <a:t>героїв</a:t>
-            </a:r>
-            <a:r>
-              <a:rPr lang="ru-RU" sz="2400" b="0" i="0" dirty="0">
-                <a:effectLst/>
-                <a:latin typeface="Times New Roman" panose="02020603050405020304" pitchFamily="18" charset="0"/>
-                <a:cs typeface="Times New Roman" panose="02020603050405020304" pitchFamily="18" charset="0"/>
-              </a:rPr>
-              <a:t> </a:t>
-            </a:r>
-            <a:r>
-              <a:rPr lang="ru-RU" sz="2400" b="0" i="0" dirty="0" err="1">
-                <a:effectLst/>
-                <a:latin typeface="Times New Roman" panose="02020603050405020304" pitchFamily="18" charset="0"/>
-                <a:cs typeface="Times New Roman" panose="02020603050405020304" pitchFamily="18" charset="0"/>
-              </a:rPr>
-              <a:t>краще</a:t>
-            </a:r>
-            <a:r>
-              <a:rPr lang="ru-RU" sz="2400" b="0" i="0" dirty="0">
-                <a:effectLst/>
-                <a:latin typeface="Times New Roman" panose="02020603050405020304" pitchFamily="18" charset="0"/>
-                <a:cs typeface="Times New Roman" panose="02020603050405020304" pitchFamily="18" charset="0"/>
-              </a:rPr>
-              <a:t> </a:t>
-            </a:r>
-            <a:r>
-              <a:rPr lang="ru-RU" sz="2400" b="0" i="0" dirty="0" err="1">
-                <a:effectLst/>
-                <a:latin typeface="Times New Roman" panose="02020603050405020304" pitchFamily="18" charset="0"/>
-                <a:cs typeface="Times New Roman" panose="02020603050405020304" pitchFamily="18" charset="0"/>
-              </a:rPr>
-              <a:t>виділити</a:t>
-            </a:r>
-            <a:r>
-              <a:rPr lang="ru-RU" sz="2400" b="0" i="0" dirty="0">
-                <a:effectLst/>
-                <a:latin typeface="Times New Roman" panose="02020603050405020304" pitchFamily="18" charset="0"/>
-                <a:cs typeface="Times New Roman" panose="02020603050405020304" pitchFamily="18" charset="0"/>
-              </a:rPr>
-              <a:t> в константу: </a:t>
-            </a:r>
-            <a:r>
-              <a:rPr lang="ru-RU" sz="2400" b="0" i="0" dirty="0" err="1">
-                <a:effectLst/>
-                <a:latin typeface="Times New Roman" panose="02020603050405020304" pitchFamily="18" charset="0"/>
-                <a:cs typeface="Times New Roman" panose="02020603050405020304" pitchFamily="18" charset="0"/>
-              </a:rPr>
-              <a:t>потрібне</a:t>
-            </a:r>
-            <a:r>
-              <a:rPr lang="ru-RU" sz="2400" b="0" i="0" dirty="0">
-                <a:effectLst/>
-                <a:latin typeface="Times New Roman" panose="02020603050405020304" pitchFamily="18" charset="0"/>
-                <a:cs typeface="Times New Roman" panose="02020603050405020304" pitchFamily="18" charset="0"/>
-              </a:rPr>
-              <a:t> </a:t>
-            </a:r>
-            <a:r>
-              <a:rPr lang="ru-RU" sz="2400" b="0" i="0" dirty="0" err="1">
-                <a:effectLst/>
-                <a:latin typeface="Times New Roman" panose="02020603050405020304" pitchFamily="18" charset="0"/>
-                <a:cs typeface="Times New Roman" panose="02020603050405020304" pitchFamily="18" charset="0"/>
-              </a:rPr>
-              <a:t>тобі</a:t>
-            </a:r>
-            <a:r>
-              <a:rPr lang="ru-RU" sz="2400" b="0" i="0" dirty="0">
-                <a:effectLst/>
-                <a:latin typeface="Times New Roman" panose="02020603050405020304" pitchFamily="18" charset="0"/>
-                <a:cs typeface="Times New Roman" panose="02020603050405020304" pitchFamily="18" charset="0"/>
-              </a:rPr>
-              <a:t> </a:t>
-            </a:r>
-            <a:r>
-              <a:rPr lang="ru-RU" sz="2400" b="0" i="0" dirty="0" err="1">
-                <a:effectLst/>
-                <a:latin typeface="Times New Roman" panose="02020603050405020304" pitchFamily="18" charset="0"/>
-                <a:cs typeface="Times New Roman" panose="02020603050405020304" pitchFamily="18" charset="0"/>
-              </a:rPr>
-              <a:t>значення</a:t>
-            </a:r>
-            <a:r>
-              <a:rPr lang="ru-RU" sz="2400" b="0" i="0" dirty="0">
-                <a:effectLst/>
-                <a:latin typeface="Times New Roman" panose="02020603050405020304" pitchFamily="18" charset="0"/>
-                <a:cs typeface="Times New Roman" panose="02020603050405020304" pitchFamily="18" charset="0"/>
-              </a:rPr>
-              <a:t> </a:t>
-            </a:r>
-            <a:r>
-              <a:rPr lang="ru-RU" sz="2400" b="0" i="0" dirty="0" err="1">
-                <a:effectLst/>
-                <a:latin typeface="Times New Roman" panose="02020603050405020304" pitchFamily="18" charset="0"/>
-                <a:cs typeface="Times New Roman" panose="02020603050405020304" pitchFamily="18" charset="0"/>
-              </a:rPr>
-              <a:t>зберігатиметься</a:t>
-            </a:r>
-            <a:r>
-              <a:rPr lang="ru-RU" sz="2400" b="0" i="0" dirty="0">
-                <a:effectLst/>
-                <a:latin typeface="Times New Roman" panose="02020603050405020304" pitchFamily="18" charset="0"/>
-                <a:cs typeface="Times New Roman" panose="02020603050405020304" pitchFamily="18" charset="0"/>
-              </a:rPr>
-              <a:t> в одному </a:t>
-            </a:r>
-            <a:r>
-              <a:rPr lang="ru-RU" sz="2400" b="0" i="0" dirty="0" err="1">
-                <a:effectLst/>
-                <a:latin typeface="Times New Roman" panose="02020603050405020304" pitchFamily="18" charset="0"/>
-                <a:cs typeface="Times New Roman" panose="02020603050405020304" pitchFamily="18" charset="0"/>
-              </a:rPr>
-              <a:t>місці</a:t>
-            </a:r>
-            <a:r>
-              <a:rPr lang="ru-RU" sz="2400" b="0" i="0" dirty="0">
-                <a:effectLst/>
-                <a:latin typeface="Times New Roman" panose="02020603050405020304" pitchFamily="18" charset="0"/>
-                <a:cs typeface="Times New Roman" panose="02020603050405020304" pitchFamily="18" charset="0"/>
-              </a:rPr>
-              <a:t>, і </a:t>
-            </a:r>
-            <a:r>
-              <a:rPr lang="ru-RU" sz="2400" b="0" i="0" dirty="0" err="1">
-                <a:effectLst/>
-                <a:latin typeface="Times New Roman" panose="02020603050405020304" pitchFamily="18" charset="0"/>
-                <a:cs typeface="Times New Roman" panose="02020603050405020304" pitchFamily="18" charset="0"/>
-              </a:rPr>
-              <a:t>ти</a:t>
-            </a:r>
-            <a:r>
-              <a:rPr lang="ru-RU" sz="2400" b="0" i="0" dirty="0">
-                <a:effectLst/>
-                <a:latin typeface="Times New Roman" panose="02020603050405020304" pitchFamily="18" charset="0"/>
-                <a:cs typeface="Times New Roman" panose="02020603050405020304" pitchFamily="18" charset="0"/>
-              </a:rPr>
-              <a:t> точно не </a:t>
-            </a:r>
-            <a:r>
-              <a:rPr lang="ru-RU" sz="2400" b="0" i="0" dirty="0" err="1">
-                <a:effectLst/>
-                <a:latin typeface="Times New Roman" panose="02020603050405020304" pitchFamily="18" charset="0"/>
-                <a:cs typeface="Times New Roman" panose="02020603050405020304" pitchFamily="18" charset="0"/>
-              </a:rPr>
-              <a:t>помилишся</a:t>
-            </a:r>
-            <a:r>
-              <a:rPr lang="ru-RU" sz="2400" b="0" i="0" dirty="0">
-                <a:effectLst/>
-                <a:latin typeface="Times New Roman" panose="02020603050405020304" pitchFamily="18" charset="0"/>
-                <a:cs typeface="Times New Roman" panose="02020603050405020304" pitchFamily="18" charset="0"/>
-              </a:rPr>
-              <a:t>, </a:t>
-            </a:r>
-            <a:r>
-              <a:rPr lang="ru-RU" sz="2400" b="0" i="0" dirty="0" err="1">
-                <a:effectLst/>
-                <a:latin typeface="Times New Roman" panose="02020603050405020304" pitchFamily="18" charset="0"/>
-                <a:cs typeface="Times New Roman" panose="02020603050405020304" pitchFamily="18" charset="0"/>
-              </a:rPr>
-              <a:t>друкуючи</a:t>
-            </a:r>
-            <a:r>
-              <a:rPr lang="ru-RU" sz="2400" b="0" i="0" dirty="0">
-                <a:effectLst/>
-                <a:latin typeface="Times New Roman" panose="02020603050405020304" pitchFamily="18" charset="0"/>
-                <a:cs typeface="Times New Roman" panose="02020603050405020304" pitchFamily="18" charset="0"/>
-              </a:rPr>
-              <a:t> </a:t>
-            </a:r>
-            <a:r>
-              <a:rPr lang="ru-RU" sz="2400" b="0" i="0" dirty="0" err="1">
-                <a:effectLst/>
-                <a:latin typeface="Times New Roman" panose="02020603050405020304" pitchFamily="18" charset="0"/>
-                <a:cs typeface="Times New Roman" panose="02020603050405020304" pitchFamily="18" charset="0"/>
-              </a:rPr>
-              <a:t>його</a:t>
-            </a:r>
-            <a:r>
-              <a:rPr lang="ru-RU" sz="2400" b="0" i="0" dirty="0">
-                <a:effectLst/>
-                <a:latin typeface="Times New Roman" panose="02020603050405020304" pitchFamily="18" charset="0"/>
-                <a:cs typeface="Times New Roman" panose="02020603050405020304" pitchFamily="18" charset="0"/>
-              </a:rPr>
-              <a:t> в </a:t>
-            </a:r>
-            <a:r>
-              <a:rPr lang="ru-RU" sz="2400" b="0" i="0" dirty="0" err="1">
-                <a:effectLst/>
-                <a:latin typeface="Times New Roman" panose="02020603050405020304" pitchFamily="18" charset="0"/>
-                <a:cs typeface="Times New Roman" panose="02020603050405020304" pitchFamily="18" charset="0"/>
-              </a:rPr>
-              <a:t>мільйонний</a:t>
-            </a:r>
-            <a:r>
-              <a:rPr lang="ru-RU" sz="2400" b="0" i="0" dirty="0">
-                <a:effectLst/>
-                <a:latin typeface="Times New Roman" panose="02020603050405020304" pitchFamily="18" charset="0"/>
-                <a:cs typeface="Times New Roman" panose="02020603050405020304" pitchFamily="18" charset="0"/>
-              </a:rPr>
-              <a:t> раз.</a:t>
-            </a:r>
-            <a:endParaRPr lang="uk-UA" sz="2400" dirty="0">
-              <a:latin typeface="Times New Roman" panose="02020603050405020304" pitchFamily="18" charset="0"/>
-              <a:cs typeface="Times New Roman" panose="02020603050405020304" pitchFamily="18" charset="0"/>
-            </a:endParaRPr>
-          </a:p>
-        </p:txBody>
-      </p:sp>
-    </p:spTree>
-    <p:extLst>
-      <p:ext uri="{BB962C8B-B14F-4D97-AF65-F5344CB8AC3E}">
-        <p14:creationId xmlns:p14="http://schemas.microsoft.com/office/powerpoint/2010/main" val="2690774504"/>
       </p:ext>
     </p:extLst>
   </p:cSld>
@@ -11003,6 +10365,944 @@
           <p:cNvPr id="5" name="TextBox 4">
             <a:extLst>
               <a:ext uri="{FF2B5EF4-FFF2-40B4-BE49-F238E27FC236}">
+                <a16:creationId xmlns:a16="http://schemas.microsoft.com/office/drawing/2014/main" id="{D220EA4F-51B1-451D-AF39-8DC048380323}"/>
+              </a:ext>
+            </a:extLst>
+          </p:cNvPr>
+          <p:cNvSpPr txBox="1"/>
+          <p:nvPr/>
+        </p:nvSpPr>
+        <p:spPr>
+          <a:xfrm>
+            <a:off x="483123" y="926259"/>
+            <a:ext cx="11177833" cy="1938992"/>
+          </a:xfrm>
+          <a:prstGeom prst="rect">
+            <a:avLst/>
+          </a:prstGeom>
+          <a:noFill/>
+        </p:spPr>
+        <p:txBody>
+          <a:bodyPr wrap="square">
+            <a:spAutoFit/>
+          </a:bodyPr>
+          <a:lstStyle/>
+          <a:p>
+            <a:r>
+              <a:rPr lang="uk-UA" sz="2400" b="0" i="0" dirty="0">
+                <a:effectLst/>
+                <a:latin typeface="Times New Roman" panose="02020603050405020304" pitchFamily="18" charset="0"/>
+                <a:cs typeface="Times New Roman" panose="02020603050405020304" pitchFamily="18" charset="0"/>
+              </a:rPr>
+              <a:t>По-друге, зверни увагу на назву нашої змінної. Для констант у </a:t>
+            </a:r>
+            <a:r>
+              <a:rPr lang="en-US" sz="2400" b="0" i="0" dirty="0">
+                <a:effectLst/>
+                <a:latin typeface="Times New Roman" panose="02020603050405020304" pitchFamily="18" charset="0"/>
+                <a:cs typeface="Times New Roman" panose="02020603050405020304" pitchFamily="18" charset="0"/>
+              </a:rPr>
+              <a:t>Java </a:t>
+            </a:r>
+            <a:r>
+              <a:rPr lang="uk-UA" sz="2400" b="0" i="0" dirty="0">
+                <a:effectLst/>
+                <a:latin typeface="Times New Roman" panose="02020603050405020304" pitchFamily="18" charset="0"/>
+                <a:cs typeface="Times New Roman" panose="02020603050405020304" pitchFamily="18" charset="0"/>
+              </a:rPr>
+              <a:t>прийнята інша угода про іменування. Це не звичний нам </a:t>
+            </a:r>
+            <a:r>
+              <a:rPr lang="en-US" sz="2400" b="0" i="0" dirty="0">
+                <a:effectLst/>
+                <a:latin typeface="Times New Roman" panose="02020603050405020304" pitchFamily="18" charset="0"/>
+                <a:cs typeface="Times New Roman" panose="02020603050405020304" pitchFamily="18" charset="0"/>
+              </a:rPr>
+              <a:t>camelCase. </a:t>
+            </a:r>
+            <a:r>
+              <a:rPr lang="uk-UA" sz="2400" b="0" i="0" dirty="0">
+                <a:effectLst/>
+                <a:latin typeface="Times New Roman" panose="02020603050405020304" pitchFamily="18" charset="0"/>
+                <a:cs typeface="Times New Roman" panose="02020603050405020304" pitchFamily="18" charset="0"/>
+              </a:rPr>
+              <a:t>У випадку зі звичайною змінною ми б назвали її </a:t>
+            </a:r>
+            <a:r>
+              <a:rPr lang="en-US" sz="2400" b="0" i="0" dirty="0" err="1">
+                <a:effectLst/>
+                <a:latin typeface="Times New Roman" panose="02020603050405020304" pitchFamily="18" charset="0"/>
+                <a:cs typeface="Times New Roman" panose="02020603050405020304" pitchFamily="18" charset="0"/>
+              </a:rPr>
+              <a:t>constantExample</a:t>
+            </a:r>
+            <a:r>
+              <a:rPr lang="en-US" sz="2400" b="0" i="0" dirty="0">
+                <a:effectLst/>
+                <a:latin typeface="Times New Roman" panose="02020603050405020304" pitchFamily="18" charset="0"/>
+                <a:cs typeface="Times New Roman" panose="02020603050405020304" pitchFamily="18" charset="0"/>
+              </a:rPr>
+              <a:t>, </a:t>
+            </a:r>
+            <a:r>
+              <a:rPr lang="uk-UA" sz="2400" b="0" i="0" dirty="0">
+                <a:effectLst/>
+                <a:latin typeface="Times New Roman" panose="02020603050405020304" pitchFamily="18" charset="0"/>
+                <a:cs typeface="Times New Roman" panose="02020603050405020304" pitchFamily="18" charset="0"/>
+              </a:rPr>
+              <a:t>але назви констант пишуться </a:t>
+            </a:r>
+            <a:r>
+              <a:rPr lang="uk-UA" sz="2400" b="0" i="0" dirty="0" err="1">
+                <a:effectLst/>
+                <a:latin typeface="Times New Roman" panose="02020603050405020304" pitchFamily="18" charset="0"/>
+                <a:cs typeface="Times New Roman" panose="02020603050405020304" pitchFamily="18" charset="0"/>
+              </a:rPr>
+              <a:t>капсом</a:t>
+            </a:r>
+            <a:r>
+              <a:rPr lang="uk-UA" sz="2400" b="0" i="0" dirty="0">
+                <a:effectLst/>
+                <a:latin typeface="Times New Roman" panose="02020603050405020304" pitchFamily="18" charset="0"/>
+                <a:cs typeface="Times New Roman" panose="02020603050405020304" pitchFamily="18" charset="0"/>
+              </a:rPr>
+              <a:t>, а між словами (якщо їх кілька) ставиться нижнє підкреслення – "</a:t>
+            </a:r>
+            <a:r>
+              <a:rPr lang="en-US" sz="2400" b="0" i="0" dirty="0">
+                <a:effectLst/>
+                <a:latin typeface="Times New Roman" panose="02020603050405020304" pitchFamily="18" charset="0"/>
+                <a:cs typeface="Times New Roman" panose="02020603050405020304" pitchFamily="18" charset="0"/>
+              </a:rPr>
+              <a:t>CONSTANT_EXAMPLE". </a:t>
+            </a:r>
+            <a:endParaRPr lang="uk-UA" sz="2400" dirty="0">
+              <a:latin typeface="Times New Roman" panose="02020603050405020304" pitchFamily="18" charset="0"/>
+              <a:cs typeface="Times New Roman" panose="02020603050405020304" pitchFamily="18" charset="0"/>
+            </a:endParaRPr>
+          </a:p>
+        </p:txBody>
+      </p:sp>
+      <p:sp>
+        <p:nvSpPr>
+          <p:cNvPr id="6" name="TextBox 5">
+            <a:extLst>
+              <a:ext uri="{FF2B5EF4-FFF2-40B4-BE49-F238E27FC236}">
+                <a16:creationId xmlns:a16="http://schemas.microsoft.com/office/drawing/2014/main" id="{A7DA6FCB-9674-41C3-8C7A-1887A085984E}"/>
+              </a:ext>
+            </a:extLst>
+          </p:cNvPr>
+          <p:cNvSpPr txBox="1"/>
+          <p:nvPr/>
+        </p:nvSpPr>
+        <p:spPr>
+          <a:xfrm>
+            <a:off x="32725" y="0"/>
+            <a:ext cx="12191999" cy="830997"/>
+          </a:xfrm>
+          <a:prstGeom prst="rect">
+            <a:avLst/>
+          </a:prstGeom>
+          <a:noFill/>
+        </p:spPr>
+        <p:txBody>
+          <a:bodyPr wrap="square" rtlCol="0">
+            <a:spAutoFit/>
+          </a:bodyPr>
+          <a:lstStyle/>
+          <a:p>
+            <a:pPr algn="ctr"/>
+            <a:r>
+              <a:rPr lang="uk-UA" sz="4800" dirty="0">
+                <a:latin typeface="Times New Roman" panose="02020603050405020304" pitchFamily="18" charset="0"/>
+                <a:cs typeface="Times New Roman" panose="02020603050405020304" pitchFamily="18" charset="0"/>
+              </a:rPr>
+              <a:t>Модифікатор </a:t>
+            </a:r>
+            <a:r>
+              <a:rPr lang="en-US" sz="4800" dirty="0">
+                <a:latin typeface="Times New Roman" panose="02020603050405020304" pitchFamily="18" charset="0"/>
+                <a:cs typeface="Times New Roman" panose="02020603050405020304" pitchFamily="18" charset="0"/>
+              </a:rPr>
+              <a:t>final</a:t>
+            </a:r>
+            <a:endParaRPr lang="uk-UA" sz="4800" dirty="0">
+              <a:latin typeface="Times New Roman" panose="02020603050405020304" pitchFamily="18" charset="0"/>
+              <a:cs typeface="Times New Roman" panose="02020603050405020304" pitchFamily="18" charset="0"/>
+            </a:endParaRPr>
+          </a:p>
+        </p:txBody>
+      </p:sp>
+      <p:sp>
+        <p:nvSpPr>
+          <p:cNvPr id="8" name="TextBox 7">
+            <a:extLst>
+              <a:ext uri="{FF2B5EF4-FFF2-40B4-BE49-F238E27FC236}">
+                <a16:creationId xmlns:a16="http://schemas.microsoft.com/office/drawing/2014/main" id="{8485588F-2097-4B35-9A3B-CBC9C14E15B9}"/>
+              </a:ext>
+            </a:extLst>
+          </p:cNvPr>
+          <p:cNvSpPr txBox="1"/>
+          <p:nvPr/>
+        </p:nvSpPr>
+        <p:spPr>
+          <a:xfrm>
+            <a:off x="483123" y="2865251"/>
+            <a:ext cx="10969657" cy="3046988"/>
+          </a:xfrm>
+          <a:prstGeom prst="rect">
+            <a:avLst/>
+          </a:prstGeom>
+          <a:noFill/>
+        </p:spPr>
+        <p:txBody>
+          <a:bodyPr wrap="square">
+            <a:spAutoFit/>
+          </a:bodyPr>
+          <a:lstStyle/>
+          <a:p>
+            <a:r>
+              <a:rPr lang="ru-RU" sz="2400" b="0" i="0" dirty="0" err="1">
+                <a:effectLst/>
+                <a:latin typeface="Times New Roman" panose="02020603050405020304" pitchFamily="18" charset="0"/>
+                <a:cs typeface="Times New Roman" panose="02020603050405020304" pitchFamily="18" charset="0"/>
+              </a:rPr>
+              <a:t>Наприклад</a:t>
+            </a:r>
+            <a:r>
+              <a:rPr lang="ru-RU" sz="2400" b="0" i="0" dirty="0">
+                <a:effectLst/>
+                <a:latin typeface="Times New Roman" panose="02020603050405020304" pitchFamily="18" charset="0"/>
+                <a:cs typeface="Times New Roman" panose="02020603050405020304" pitchFamily="18" charset="0"/>
+              </a:rPr>
+              <a:t>, вони </a:t>
+            </a:r>
+            <a:r>
+              <a:rPr lang="ru-RU" sz="2400" b="0" i="0" dirty="0" err="1">
+                <a:effectLst/>
+                <a:latin typeface="Times New Roman" panose="02020603050405020304" pitchFamily="18" charset="0"/>
+                <a:cs typeface="Times New Roman" panose="02020603050405020304" pitchFamily="18" charset="0"/>
+              </a:rPr>
+              <a:t>стануть</a:t>
+            </a:r>
+            <a:r>
+              <a:rPr lang="ru-RU" sz="2400" b="0" i="0" dirty="0">
+                <a:effectLst/>
+                <a:latin typeface="Times New Roman" panose="02020603050405020304" pitchFamily="18" charset="0"/>
+                <a:cs typeface="Times New Roman" panose="02020603050405020304" pitchFamily="18" charset="0"/>
+              </a:rPr>
+              <a:t> у </a:t>
+            </a:r>
+            <a:r>
+              <a:rPr lang="ru-RU" sz="2400" b="0" i="0" dirty="0" err="1">
+                <a:effectLst/>
+                <a:latin typeface="Times New Roman" panose="02020603050405020304" pitchFamily="18" charset="0"/>
+                <a:cs typeface="Times New Roman" panose="02020603050405020304" pitchFamily="18" charset="0"/>
+              </a:rPr>
+              <a:t>пригоді</a:t>
+            </a:r>
+            <a:r>
+              <a:rPr lang="ru-RU" sz="2400" b="0" i="0" dirty="0">
+                <a:effectLst/>
+                <a:latin typeface="Times New Roman" panose="02020603050405020304" pitchFamily="18" charset="0"/>
+                <a:cs typeface="Times New Roman" panose="02020603050405020304" pitchFamily="18" charset="0"/>
+              </a:rPr>
+              <a:t>, </a:t>
+            </a:r>
+            <a:r>
+              <a:rPr lang="ru-RU" sz="2400" b="0" i="0" dirty="0" err="1">
+                <a:effectLst/>
+                <a:latin typeface="Times New Roman" panose="02020603050405020304" pitchFamily="18" charset="0"/>
+                <a:cs typeface="Times New Roman" panose="02020603050405020304" pitchFamily="18" charset="0"/>
+              </a:rPr>
+              <a:t>якщо</a:t>
+            </a:r>
+            <a:r>
+              <a:rPr lang="ru-RU" sz="2400" b="0" i="0" dirty="0">
+                <a:effectLst/>
+                <a:latin typeface="Times New Roman" panose="02020603050405020304" pitchFamily="18" charset="0"/>
+                <a:cs typeface="Times New Roman" panose="02020603050405020304" pitchFamily="18" charset="0"/>
+              </a:rPr>
+              <a:t> </a:t>
+            </a:r>
+            <a:r>
+              <a:rPr lang="ru-RU" sz="2400" b="0" i="0" dirty="0" err="1">
+                <a:effectLst/>
+                <a:latin typeface="Times New Roman" panose="02020603050405020304" pitchFamily="18" charset="0"/>
+                <a:cs typeface="Times New Roman" panose="02020603050405020304" pitchFamily="18" charset="0"/>
+              </a:rPr>
+              <a:t>ти</a:t>
+            </a:r>
+            <a:r>
+              <a:rPr lang="ru-RU" sz="2400" b="0" i="0" dirty="0">
+                <a:effectLst/>
+                <a:latin typeface="Times New Roman" panose="02020603050405020304" pitchFamily="18" charset="0"/>
+                <a:cs typeface="Times New Roman" panose="02020603050405020304" pitchFamily="18" charset="0"/>
+              </a:rPr>
+              <a:t> </a:t>
+            </a:r>
+            <a:r>
+              <a:rPr lang="ru-RU" sz="2400" b="0" i="0" dirty="0" err="1">
+                <a:effectLst/>
+                <a:latin typeface="Times New Roman" panose="02020603050405020304" pitchFamily="18" charset="0"/>
+                <a:cs typeface="Times New Roman" panose="02020603050405020304" pitchFamily="18" charset="0"/>
+              </a:rPr>
+              <a:t>постійно</a:t>
+            </a:r>
+            <a:r>
+              <a:rPr lang="ru-RU" sz="2400" b="0" i="0" dirty="0">
+                <a:effectLst/>
+                <a:latin typeface="Times New Roman" panose="02020603050405020304" pitchFamily="18" charset="0"/>
+                <a:cs typeface="Times New Roman" panose="02020603050405020304" pitchFamily="18" charset="0"/>
+              </a:rPr>
+              <a:t> </a:t>
+            </a:r>
+            <a:r>
+              <a:rPr lang="ru-RU" sz="2400" b="0" i="0" dirty="0" err="1">
+                <a:effectLst/>
+                <a:latin typeface="Times New Roman" panose="02020603050405020304" pitchFamily="18" charset="0"/>
+                <a:cs typeface="Times New Roman" panose="02020603050405020304" pitchFamily="18" charset="0"/>
+              </a:rPr>
+              <a:t>використовуєш</a:t>
+            </a:r>
+            <a:r>
+              <a:rPr lang="ru-RU" sz="2400" b="0" i="0" dirty="0">
+                <a:effectLst/>
+                <a:latin typeface="Times New Roman" panose="02020603050405020304" pitchFamily="18" charset="0"/>
+                <a:cs typeface="Times New Roman" panose="02020603050405020304" pitchFamily="18" charset="0"/>
+              </a:rPr>
+              <a:t> </a:t>
+            </a:r>
+            <a:r>
+              <a:rPr lang="ru-RU" sz="2400" b="0" i="0" dirty="0" err="1">
+                <a:effectLst/>
+                <a:latin typeface="Times New Roman" panose="02020603050405020304" pitchFamily="18" charset="0"/>
+                <a:cs typeface="Times New Roman" panose="02020603050405020304" pitchFamily="18" charset="0"/>
+              </a:rPr>
+              <a:t>якесь</a:t>
+            </a:r>
+            <a:r>
+              <a:rPr lang="ru-RU" sz="2400" b="0" i="0" dirty="0">
+                <a:effectLst/>
+                <a:latin typeface="Times New Roman" panose="02020603050405020304" pitchFamily="18" charset="0"/>
+                <a:cs typeface="Times New Roman" panose="02020603050405020304" pitchFamily="18" charset="0"/>
+              </a:rPr>
+              <a:t> </a:t>
+            </a:r>
+            <a:r>
+              <a:rPr lang="ru-RU" sz="2400" b="0" i="0" dirty="0" err="1">
+                <a:effectLst/>
+                <a:latin typeface="Times New Roman" panose="02020603050405020304" pitchFamily="18" charset="0"/>
+                <a:cs typeface="Times New Roman" panose="02020603050405020304" pitchFamily="18" charset="0"/>
+              </a:rPr>
+              <a:t>незмінне</a:t>
+            </a:r>
+            <a:r>
+              <a:rPr lang="ru-RU" sz="2400" b="0" i="0" dirty="0">
+                <a:effectLst/>
+                <a:latin typeface="Times New Roman" panose="02020603050405020304" pitchFamily="18" charset="0"/>
+                <a:cs typeface="Times New Roman" panose="02020603050405020304" pitchFamily="18" charset="0"/>
+              </a:rPr>
+              <a:t> </a:t>
+            </a:r>
+            <a:r>
+              <a:rPr lang="ru-RU" sz="2400" b="0" i="0" dirty="0" err="1">
+                <a:effectLst/>
+                <a:latin typeface="Times New Roman" panose="02020603050405020304" pitchFamily="18" charset="0"/>
+                <a:cs typeface="Times New Roman" panose="02020603050405020304" pitchFamily="18" charset="0"/>
+              </a:rPr>
+              <a:t>значення</a:t>
+            </a:r>
+            <a:r>
+              <a:rPr lang="ru-RU" sz="2400" b="0" i="0" dirty="0">
+                <a:effectLst/>
+                <a:latin typeface="Times New Roman" panose="02020603050405020304" pitchFamily="18" charset="0"/>
+                <a:cs typeface="Times New Roman" panose="02020603050405020304" pitchFamily="18" charset="0"/>
+              </a:rPr>
+              <a:t> в </a:t>
+            </a:r>
+            <a:r>
+              <a:rPr lang="ru-RU" sz="2400" b="0" i="0" dirty="0" err="1">
+                <a:effectLst/>
+                <a:latin typeface="Times New Roman" panose="02020603050405020304" pitchFamily="18" charset="0"/>
+                <a:cs typeface="Times New Roman" panose="02020603050405020304" pitchFamily="18" charset="0"/>
+              </a:rPr>
+              <a:t>програмі</a:t>
+            </a:r>
+            <a:r>
+              <a:rPr lang="ru-RU" sz="2400" b="0" i="0" dirty="0">
+                <a:effectLst/>
+                <a:latin typeface="Times New Roman" panose="02020603050405020304" pitchFamily="18" charset="0"/>
+                <a:cs typeface="Times New Roman" panose="02020603050405020304" pitchFamily="18" charset="0"/>
+              </a:rPr>
+              <a:t>. </a:t>
+            </a:r>
+            <a:r>
+              <a:rPr lang="ru-RU" sz="2400" b="0" i="0" dirty="0" err="1">
+                <a:effectLst/>
+                <a:latin typeface="Times New Roman" panose="02020603050405020304" pitchFamily="18" charset="0"/>
+                <a:cs typeface="Times New Roman" panose="02020603050405020304" pitchFamily="18" charset="0"/>
+              </a:rPr>
+              <a:t>Скажімо</a:t>
+            </a:r>
+            <a:r>
+              <a:rPr lang="ru-RU" sz="2400" b="0" i="0" dirty="0">
+                <a:effectLst/>
+                <a:latin typeface="Times New Roman" panose="02020603050405020304" pitchFamily="18" charset="0"/>
+                <a:cs typeface="Times New Roman" panose="02020603050405020304" pitchFamily="18" charset="0"/>
+              </a:rPr>
+              <a:t>, </a:t>
+            </a:r>
+            <a:r>
+              <a:rPr lang="ru-RU" sz="2400" b="0" i="0" dirty="0" err="1">
+                <a:effectLst/>
+                <a:latin typeface="Times New Roman" panose="02020603050405020304" pitchFamily="18" charset="0"/>
+                <a:cs typeface="Times New Roman" panose="02020603050405020304" pitchFamily="18" charset="0"/>
+              </a:rPr>
+              <a:t>ти</a:t>
+            </a:r>
+            <a:r>
+              <a:rPr lang="ru-RU" sz="2400" b="0" i="0" dirty="0">
+                <a:effectLst/>
+                <a:latin typeface="Times New Roman" panose="02020603050405020304" pitchFamily="18" charset="0"/>
+                <a:cs typeface="Times New Roman" panose="02020603050405020304" pitchFamily="18" charset="0"/>
+              </a:rPr>
+              <a:t> </a:t>
+            </a:r>
+            <a:r>
+              <a:rPr lang="ru-RU" sz="2400" b="0" i="0" dirty="0" err="1">
+                <a:effectLst/>
+                <a:latin typeface="Times New Roman" panose="02020603050405020304" pitchFamily="18" charset="0"/>
+                <a:cs typeface="Times New Roman" panose="02020603050405020304" pitchFamily="18" charset="0"/>
+              </a:rPr>
+              <a:t>вирішив</a:t>
+            </a:r>
+            <a:r>
+              <a:rPr lang="ru-RU" sz="2400" b="0" i="0" dirty="0">
+                <a:effectLst/>
+                <a:latin typeface="Times New Roman" panose="02020603050405020304" pitchFamily="18" charset="0"/>
+                <a:cs typeface="Times New Roman" panose="02020603050405020304" pitchFamily="18" charset="0"/>
+              </a:rPr>
+              <a:t> </a:t>
+            </a:r>
+            <a:r>
+              <a:rPr lang="ru-RU" sz="2400" b="0" i="0" dirty="0" err="1">
+                <a:effectLst/>
+                <a:latin typeface="Times New Roman" panose="02020603050405020304" pitchFamily="18" charset="0"/>
+                <a:cs typeface="Times New Roman" panose="02020603050405020304" pitchFamily="18" charset="0"/>
+              </a:rPr>
+              <a:t>увійти</a:t>
+            </a:r>
+            <a:r>
+              <a:rPr lang="ru-RU" sz="2400" b="0" i="0" dirty="0">
+                <a:effectLst/>
+                <a:latin typeface="Times New Roman" panose="02020603050405020304" pitchFamily="18" charset="0"/>
+                <a:cs typeface="Times New Roman" panose="02020603050405020304" pitchFamily="18" charset="0"/>
+              </a:rPr>
+              <a:t> в </a:t>
+            </a:r>
+            <a:r>
+              <a:rPr lang="ru-RU" sz="2400" b="0" i="0" dirty="0" err="1">
+                <a:effectLst/>
+                <a:latin typeface="Times New Roman" panose="02020603050405020304" pitchFamily="18" charset="0"/>
+                <a:cs typeface="Times New Roman" panose="02020603050405020304" pitchFamily="18" charset="0"/>
+              </a:rPr>
+              <a:t>історію</a:t>
+            </a:r>
+            <a:r>
+              <a:rPr lang="ru-RU" sz="2400" b="0" i="0" dirty="0">
+                <a:effectLst/>
+                <a:latin typeface="Times New Roman" panose="02020603050405020304" pitchFamily="18" charset="0"/>
+                <a:cs typeface="Times New Roman" panose="02020603050405020304" pitchFamily="18" charset="0"/>
+              </a:rPr>
+              <a:t> і </a:t>
+            </a:r>
+            <a:r>
+              <a:rPr lang="ru-RU" sz="2400" b="0" i="0" dirty="0" err="1">
+                <a:effectLst/>
+                <a:latin typeface="Times New Roman" panose="02020603050405020304" pitchFamily="18" charset="0"/>
+                <a:cs typeface="Times New Roman" panose="02020603050405020304" pitchFamily="18" charset="0"/>
+              </a:rPr>
+              <a:t>самотужки</a:t>
+            </a:r>
+            <a:r>
+              <a:rPr lang="ru-RU" sz="2400" b="0" i="0" dirty="0">
+                <a:effectLst/>
+                <a:latin typeface="Times New Roman" panose="02020603050405020304" pitchFamily="18" charset="0"/>
+                <a:cs typeface="Times New Roman" panose="02020603050405020304" pitchFamily="18" charset="0"/>
+              </a:rPr>
+              <a:t> </a:t>
+            </a:r>
+            <a:r>
+              <a:rPr lang="ru-RU" sz="2400" b="0" i="0" dirty="0" err="1">
+                <a:effectLst/>
+                <a:latin typeface="Times New Roman" panose="02020603050405020304" pitchFamily="18" charset="0"/>
+                <a:cs typeface="Times New Roman" panose="02020603050405020304" pitchFamily="18" charset="0"/>
+              </a:rPr>
+              <a:t>написати</a:t>
+            </a:r>
+            <a:r>
+              <a:rPr lang="ru-RU" sz="2400" b="0" i="0" dirty="0">
+                <a:effectLst/>
+                <a:latin typeface="Times New Roman" panose="02020603050405020304" pitchFamily="18" charset="0"/>
+                <a:cs typeface="Times New Roman" panose="02020603050405020304" pitchFamily="18" charset="0"/>
+              </a:rPr>
+              <a:t> </a:t>
+            </a:r>
+            <a:r>
+              <a:rPr lang="ru-RU" sz="2400" b="0" i="0" dirty="0" err="1">
+                <a:effectLst/>
+                <a:latin typeface="Times New Roman" panose="02020603050405020304" pitchFamily="18" charset="0"/>
+                <a:cs typeface="Times New Roman" panose="02020603050405020304" pitchFamily="18" charset="0"/>
+              </a:rPr>
+              <a:t>гру</a:t>
+            </a:r>
+            <a:r>
+              <a:rPr lang="ru-RU" sz="2400" b="0" i="0" dirty="0">
+                <a:effectLst/>
+                <a:latin typeface="Times New Roman" panose="02020603050405020304" pitchFamily="18" charset="0"/>
+                <a:cs typeface="Times New Roman" panose="02020603050405020304" pitchFamily="18" charset="0"/>
+              </a:rPr>
+              <a:t> "</a:t>
+            </a:r>
+            <a:r>
+              <a:rPr lang="ru-RU" sz="2400" b="0" i="0" dirty="0" err="1">
+                <a:effectLst/>
+                <a:latin typeface="Times New Roman" panose="02020603050405020304" pitchFamily="18" charset="0"/>
+                <a:cs typeface="Times New Roman" panose="02020603050405020304" pitchFamily="18" charset="0"/>
+              </a:rPr>
+              <a:t>Відьмак</a:t>
+            </a:r>
+            <a:r>
+              <a:rPr lang="ru-RU" sz="2400" b="0" i="0" dirty="0">
+                <a:effectLst/>
+                <a:latin typeface="Times New Roman" panose="02020603050405020304" pitchFamily="18" charset="0"/>
+                <a:cs typeface="Times New Roman" panose="02020603050405020304" pitchFamily="18" charset="0"/>
+              </a:rPr>
+              <a:t> 4". </a:t>
+            </a:r>
+          </a:p>
+          <a:p>
+            <a:r>
+              <a:rPr lang="ru-RU" sz="2400" b="0" i="0" dirty="0">
+                <a:effectLst/>
+                <a:latin typeface="Times New Roman" panose="02020603050405020304" pitchFamily="18" charset="0"/>
+                <a:cs typeface="Times New Roman" panose="02020603050405020304" pitchFamily="18" charset="0"/>
+              </a:rPr>
+              <a:t>У </a:t>
+            </a:r>
+            <a:r>
+              <a:rPr lang="ru-RU" sz="2400" b="0" i="0" dirty="0" err="1">
+                <a:effectLst/>
+                <a:latin typeface="Times New Roman" panose="02020603050405020304" pitchFamily="18" charset="0"/>
+                <a:cs typeface="Times New Roman" panose="02020603050405020304" pitchFamily="18" charset="0"/>
+              </a:rPr>
+              <a:t>грі</a:t>
+            </a:r>
+            <a:r>
+              <a:rPr lang="ru-RU" sz="2400" b="0" i="0" dirty="0">
+                <a:effectLst/>
+                <a:latin typeface="Times New Roman" panose="02020603050405020304" pitchFamily="18" charset="0"/>
+                <a:cs typeface="Times New Roman" panose="02020603050405020304" pitchFamily="18" charset="0"/>
+              </a:rPr>
+              <a:t> </a:t>
+            </a:r>
+            <a:r>
+              <a:rPr lang="ru-RU" sz="2400" b="0" i="0" dirty="0" err="1">
+                <a:effectLst/>
+                <a:latin typeface="Times New Roman" panose="02020603050405020304" pitchFamily="18" charset="0"/>
+                <a:cs typeface="Times New Roman" panose="02020603050405020304" pitchFamily="18" charset="0"/>
+              </a:rPr>
+              <a:t>вочевидь</a:t>
+            </a:r>
+            <a:r>
+              <a:rPr lang="ru-RU" sz="2400" b="0" i="0" dirty="0">
+                <a:effectLst/>
+                <a:latin typeface="Times New Roman" panose="02020603050405020304" pitchFamily="18" charset="0"/>
+                <a:cs typeface="Times New Roman" panose="02020603050405020304" pitchFamily="18" charset="0"/>
+              </a:rPr>
+              <a:t> буде </a:t>
+            </a:r>
+            <a:r>
+              <a:rPr lang="ru-RU" sz="2400" b="0" i="0" dirty="0" err="1">
+                <a:effectLst/>
+                <a:latin typeface="Times New Roman" panose="02020603050405020304" pitchFamily="18" charset="0"/>
+                <a:cs typeface="Times New Roman" panose="02020603050405020304" pitchFamily="18" charset="0"/>
+              </a:rPr>
+              <a:t>постійно</a:t>
+            </a:r>
+            <a:r>
+              <a:rPr lang="ru-RU" sz="2400" b="0" i="0" dirty="0">
+                <a:effectLst/>
+                <a:latin typeface="Times New Roman" panose="02020603050405020304" pitchFamily="18" charset="0"/>
+                <a:cs typeface="Times New Roman" panose="02020603050405020304" pitchFamily="18" charset="0"/>
+              </a:rPr>
+              <a:t> </a:t>
+            </a:r>
+            <a:r>
+              <a:rPr lang="ru-RU" sz="2400" b="0" i="0" dirty="0" err="1">
+                <a:effectLst/>
+                <a:latin typeface="Times New Roman" panose="02020603050405020304" pitchFamily="18" charset="0"/>
+                <a:cs typeface="Times New Roman" panose="02020603050405020304" pitchFamily="18" charset="0"/>
+              </a:rPr>
+              <a:t>використовуватися</a:t>
+            </a:r>
+            <a:r>
+              <a:rPr lang="ru-RU" sz="2400" b="0" i="0" dirty="0">
+                <a:effectLst/>
+                <a:latin typeface="Times New Roman" panose="02020603050405020304" pitchFamily="18" charset="0"/>
+                <a:cs typeface="Times New Roman" panose="02020603050405020304" pitchFamily="18" charset="0"/>
+              </a:rPr>
+              <a:t> </a:t>
+            </a:r>
+            <a:r>
+              <a:rPr lang="ru-RU" sz="2400" b="0" i="0" dirty="0" err="1">
+                <a:effectLst/>
+                <a:latin typeface="Times New Roman" panose="02020603050405020304" pitchFamily="18" charset="0"/>
+                <a:cs typeface="Times New Roman" panose="02020603050405020304" pitchFamily="18" charset="0"/>
+              </a:rPr>
+              <a:t>ім'я</a:t>
+            </a:r>
+            <a:r>
+              <a:rPr lang="ru-RU" sz="2400" b="0" i="0" dirty="0">
+                <a:effectLst/>
+                <a:latin typeface="Times New Roman" panose="02020603050405020304" pitchFamily="18" charset="0"/>
+                <a:cs typeface="Times New Roman" panose="02020603050405020304" pitchFamily="18" charset="0"/>
+              </a:rPr>
+              <a:t> головного героя – "</a:t>
+            </a:r>
+            <a:r>
+              <a:rPr lang="ru-RU" sz="2400" b="0" i="0" dirty="0" err="1">
+                <a:effectLst/>
+                <a:latin typeface="Times New Roman" panose="02020603050405020304" pitchFamily="18" charset="0"/>
+                <a:cs typeface="Times New Roman" panose="02020603050405020304" pitchFamily="18" charset="0"/>
+              </a:rPr>
+              <a:t>Ґеральт</a:t>
+            </a:r>
+            <a:r>
+              <a:rPr lang="ru-RU" sz="2400" b="0" i="0" dirty="0">
+                <a:effectLst/>
+                <a:latin typeface="Times New Roman" panose="02020603050405020304" pitchFamily="18" charset="0"/>
+                <a:cs typeface="Times New Roman" panose="02020603050405020304" pitchFamily="18" charset="0"/>
+              </a:rPr>
+              <a:t> з </a:t>
+            </a:r>
+            <a:r>
+              <a:rPr lang="ru-RU" sz="2400" b="0" i="0" dirty="0" err="1">
+                <a:effectLst/>
+                <a:latin typeface="Times New Roman" panose="02020603050405020304" pitchFamily="18" charset="0"/>
+                <a:cs typeface="Times New Roman" panose="02020603050405020304" pitchFamily="18" charset="0"/>
+              </a:rPr>
+              <a:t>Рівії</a:t>
+            </a:r>
+            <a:r>
+              <a:rPr lang="ru-RU" sz="2400" b="0" i="0" dirty="0">
+                <a:effectLst/>
+                <a:latin typeface="Times New Roman" panose="02020603050405020304" pitchFamily="18" charset="0"/>
+                <a:cs typeface="Times New Roman" panose="02020603050405020304" pitchFamily="18" charset="0"/>
+              </a:rPr>
+              <a:t>". </a:t>
+            </a:r>
+          </a:p>
+          <a:p>
+            <a:r>
+              <a:rPr lang="ru-RU" sz="2400" b="0" i="0" dirty="0" err="1">
+                <a:effectLst/>
+                <a:latin typeface="Times New Roman" panose="02020603050405020304" pitchFamily="18" charset="0"/>
+                <a:cs typeface="Times New Roman" panose="02020603050405020304" pitchFamily="18" charset="0"/>
+              </a:rPr>
+              <a:t>Цей</a:t>
+            </a:r>
+            <a:r>
+              <a:rPr lang="ru-RU" sz="2400" b="0" i="0" dirty="0">
+                <a:effectLst/>
+                <a:latin typeface="Times New Roman" panose="02020603050405020304" pitchFamily="18" charset="0"/>
+                <a:cs typeface="Times New Roman" panose="02020603050405020304" pitchFamily="18" charset="0"/>
+              </a:rPr>
+              <a:t> рядок та </a:t>
+            </a:r>
+            <a:r>
+              <a:rPr lang="ru-RU" sz="2400" b="0" i="0" dirty="0" err="1">
+                <a:effectLst/>
+                <a:latin typeface="Times New Roman" panose="02020603050405020304" pitchFamily="18" charset="0"/>
+                <a:cs typeface="Times New Roman" panose="02020603050405020304" pitchFamily="18" charset="0"/>
+              </a:rPr>
+              <a:t>імена</a:t>
+            </a:r>
+            <a:r>
+              <a:rPr lang="ru-RU" sz="2400" b="0" i="0" dirty="0">
+                <a:effectLst/>
+                <a:latin typeface="Times New Roman" panose="02020603050405020304" pitchFamily="18" charset="0"/>
+                <a:cs typeface="Times New Roman" panose="02020603050405020304" pitchFamily="18" charset="0"/>
+              </a:rPr>
+              <a:t> </a:t>
+            </a:r>
+            <a:r>
+              <a:rPr lang="ru-RU" sz="2400" b="0" i="0" dirty="0" err="1">
+                <a:effectLst/>
+                <a:latin typeface="Times New Roman" panose="02020603050405020304" pitchFamily="18" charset="0"/>
+                <a:cs typeface="Times New Roman" panose="02020603050405020304" pitchFamily="18" charset="0"/>
+              </a:rPr>
+              <a:t>інших</a:t>
+            </a:r>
+            <a:r>
+              <a:rPr lang="ru-RU" sz="2400" b="0" i="0" dirty="0">
+                <a:effectLst/>
+                <a:latin typeface="Times New Roman" panose="02020603050405020304" pitchFamily="18" charset="0"/>
+                <a:cs typeface="Times New Roman" panose="02020603050405020304" pitchFamily="18" charset="0"/>
+              </a:rPr>
+              <a:t> </a:t>
+            </a:r>
+            <a:r>
+              <a:rPr lang="ru-RU" sz="2400" b="0" i="0" dirty="0" err="1">
+                <a:effectLst/>
+                <a:latin typeface="Times New Roman" panose="02020603050405020304" pitchFamily="18" charset="0"/>
+                <a:cs typeface="Times New Roman" panose="02020603050405020304" pitchFamily="18" charset="0"/>
+              </a:rPr>
+              <a:t>героїв</a:t>
+            </a:r>
+            <a:r>
+              <a:rPr lang="ru-RU" sz="2400" b="0" i="0" dirty="0">
+                <a:effectLst/>
+                <a:latin typeface="Times New Roman" panose="02020603050405020304" pitchFamily="18" charset="0"/>
+                <a:cs typeface="Times New Roman" panose="02020603050405020304" pitchFamily="18" charset="0"/>
+              </a:rPr>
+              <a:t> </a:t>
+            </a:r>
+            <a:r>
+              <a:rPr lang="ru-RU" sz="2400" b="0" i="0" dirty="0" err="1">
+                <a:effectLst/>
+                <a:latin typeface="Times New Roman" panose="02020603050405020304" pitchFamily="18" charset="0"/>
+                <a:cs typeface="Times New Roman" panose="02020603050405020304" pitchFamily="18" charset="0"/>
+              </a:rPr>
+              <a:t>краще</a:t>
+            </a:r>
+            <a:r>
+              <a:rPr lang="ru-RU" sz="2400" b="0" i="0" dirty="0">
+                <a:effectLst/>
+                <a:latin typeface="Times New Roman" panose="02020603050405020304" pitchFamily="18" charset="0"/>
+                <a:cs typeface="Times New Roman" panose="02020603050405020304" pitchFamily="18" charset="0"/>
+              </a:rPr>
+              <a:t> </a:t>
+            </a:r>
+            <a:r>
+              <a:rPr lang="ru-RU" sz="2400" b="0" i="0" dirty="0" err="1">
+                <a:effectLst/>
+                <a:latin typeface="Times New Roman" panose="02020603050405020304" pitchFamily="18" charset="0"/>
+                <a:cs typeface="Times New Roman" panose="02020603050405020304" pitchFamily="18" charset="0"/>
+              </a:rPr>
+              <a:t>виділити</a:t>
+            </a:r>
+            <a:r>
+              <a:rPr lang="ru-RU" sz="2400" b="0" i="0" dirty="0">
+                <a:effectLst/>
+                <a:latin typeface="Times New Roman" panose="02020603050405020304" pitchFamily="18" charset="0"/>
+                <a:cs typeface="Times New Roman" panose="02020603050405020304" pitchFamily="18" charset="0"/>
+              </a:rPr>
+              <a:t> в константу: </a:t>
+            </a:r>
+            <a:r>
+              <a:rPr lang="ru-RU" sz="2400" b="0" i="0" dirty="0" err="1">
+                <a:effectLst/>
+                <a:latin typeface="Times New Roman" panose="02020603050405020304" pitchFamily="18" charset="0"/>
+                <a:cs typeface="Times New Roman" panose="02020603050405020304" pitchFamily="18" charset="0"/>
+              </a:rPr>
+              <a:t>потрібне</a:t>
+            </a:r>
+            <a:r>
+              <a:rPr lang="ru-RU" sz="2400" b="0" i="0" dirty="0">
+                <a:effectLst/>
+                <a:latin typeface="Times New Roman" panose="02020603050405020304" pitchFamily="18" charset="0"/>
+                <a:cs typeface="Times New Roman" panose="02020603050405020304" pitchFamily="18" charset="0"/>
+              </a:rPr>
+              <a:t> </a:t>
+            </a:r>
+            <a:r>
+              <a:rPr lang="ru-RU" sz="2400" b="0" i="0" dirty="0" err="1">
+                <a:effectLst/>
+                <a:latin typeface="Times New Roman" panose="02020603050405020304" pitchFamily="18" charset="0"/>
+                <a:cs typeface="Times New Roman" panose="02020603050405020304" pitchFamily="18" charset="0"/>
+              </a:rPr>
+              <a:t>тобі</a:t>
+            </a:r>
+            <a:r>
+              <a:rPr lang="ru-RU" sz="2400" b="0" i="0" dirty="0">
+                <a:effectLst/>
+                <a:latin typeface="Times New Roman" panose="02020603050405020304" pitchFamily="18" charset="0"/>
+                <a:cs typeface="Times New Roman" panose="02020603050405020304" pitchFamily="18" charset="0"/>
+              </a:rPr>
+              <a:t> </a:t>
+            </a:r>
+            <a:r>
+              <a:rPr lang="ru-RU" sz="2400" b="0" i="0" dirty="0" err="1">
+                <a:effectLst/>
+                <a:latin typeface="Times New Roman" panose="02020603050405020304" pitchFamily="18" charset="0"/>
+                <a:cs typeface="Times New Roman" panose="02020603050405020304" pitchFamily="18" charset="0"/>
+              </a:rPr>
+              <a:t>значення</a:t>
+            </a:r>
+            <a:r>
+              <a:rPr lang="ru-RU" sz="2400" b="0" i="0" dirty="0">
+                <a:effectLst/>
+                <a:latin typeface="Times New Roman" panose="02020603050405020304" pitchFamily="18" charset="0"/>
+                <a:cs typeface="Times New Roman" panose="02020603050405020304" pitchFamily="18" charset="0"/>
+              </a:rPr>
+              <a:t> </a:t>
+            </a:r>
+            <a:r>
+              <a:rPr lang="ru-RU" sz="2400" b="0" i="0" dirty="0" err="1">
+                <a:effectLst/>
+                <a:latin typeface="Times New Roman" panose="02020603050405020304" pitchFamily="18" charset="0"/>
+                <a:cs typeface="Times New Roman" panose="02020603050405020304" pitchFamily="18" charset="0"/>
+              </a:rPr>
+              <a:t>зберігатиметься</a:t>
+            </a:r>
+            <a:r>
+              <a:rPr lang="ru-RU" sz="2400" b="0" i="0" dirty="0">
+                <a:effectLst/>
+                <a:latin typeface="Times New Roman" panose="02020603050405020304" pitchFamily="18" charset="0"/>
+                <a:cs typeface="Times New Roman" panose="02020603050405020304" pitchFamily="18" charset="0"/>
+              </a:rPr>
+              <a:t> в одному </a:t>
+            </a:r>
+            <a:r>
+              <a:rPr lang="ru-RU" sz="2400" b="0" i="0" dirty="0" err="1">
+                <a:effectLst/>
+                <a:latin typeface="Times New Roman" panose="02020603050405020304" pitchFamily="18" charset="0"/>
+                <a:cs typeface="Times New Roman" panose="02020603050405020304" pitchFamily="18" charset="0"/>
+              </a:rPr>
+              <a:t>місці</a:t>
+            </a:r>
+            <a:r>
+              <a:rPr lang="ru-RU" sz="2400" b="0" i="0" dirty="0">
+                <a:effectLst/>
+                <a:latin typeface="Times New Roman" panose="02020603050405020304" pitchFamily="18" charset="0"/>
+                <a:cs typeface="Times New Roman" panose="02020603050405020304" pitchFamily="18" charset="0"/>
+              </a:rPr>
+              <a:t>, і </a:t>
+            </a:r>
+            <a:r>
+              <a:rPr lang="ru-RU" sz="2400" b="0" i="0" dirty="0" err="1">
+                <a:effectLst/>
+                <a:latin typeface="Times New Roman" panose="02020603050405020304" pitchFamily="18" charset="0"/>
+                <a:cs typeface="Times New Roman" panose="02020603050405020304" pitchFamily="18" charset="0"/>
+              </a:rPr>
+              <a:t>ти</a:t>
+            </a:r>
+            <a:r>
+              <a:rPr lang="ru-RU" sz="2400" b="0" i="0" dirty="0">
+                <a:effectLst/>
+                <a:latin typeface="Times New Roman" panose="02020603050405020304" pitchFamily="18" charset="0"/>
+                <a:cs typeface="Times New Roman" panose="02020603050405020304" pitchFamily="18" charset="0"/>
+              </a:rPr>
+              <a:t> точно не </a:t>
+            </a:r>
+            <a:r>
+              <a:rPr lang="ru-RU" sz="2400" b="0" i="0" dirty="0" err="1">
+                <a:effectLst/>
+                <a:latin typeface="Times New Roman" panose="02020603050405020304" pitchFamily="18" charset="0"/>
+                <a:cs typeface="Times New Roman" panose="02020603050405020304" pitchFamily="18" charset="0"/>
+              </a:rPr>
+              <a:t>помилишся</a:t>
+            </a:r>
+            <a:r>
+              <a:rPr lang="ru-RU" sz="2400" b="0" i="0" dirty="0">
+                <a:effectLst/>
+                <a:latin typeface="Times New Roman" panose="02020603050405020304" pitchFamily="18" charset="0"/>
+                <a:cs typeface="Times New Roman" panose="02020603050405020304" pitchFamily="18" charset="0"/>
+              </a:rPr>
+              <a:t>, </a:t>
+            </a:r>
+            <a:r>
+              <a:rPr lang="ru-RU" sz="2400" b="0" i="0" dirty="0" err="1">
+                <a:effectLst/>
+                <a:latin typeface="Times New Roman" panose="02020603050405020304" pitchFamily="18" charset="0"/>
+                <a:cs typeface="Times New Roman" panose="02020603050405020304" pitchFamily="18" charset="0"/>
+              </a:rPr>
+              <a:t>друкуючи</a:t>
+            </a:r>
+            <a:r>
+              <a:rPr lang="ru-RU" sz="2400" b="0" i="0" dirty="0">
+                <a:effectLst/>
+                <a:latin typeface="Times New Roman" panose="02020603050405020304" pitchFamily="18" charset="0"/>
+                <a:cs typeface="Times New Roman" panose="02020603050405020304" pitchFamily="18" charset="0"/>
+              </a:rPr>
+              <a:t> </a:t>
+            </a:r>
+            <a:r>
+              <a:rPr lang="ru-RU" sz="2400" b="0" i="0" dirty="0" err="1">
+                <a:effectLst/>
+                <a:latin typeface="Times New Roman" panose="02020603050405020304" pitchFamily="18" charset="0"/>
+                <a:cs typeface="Times New Roman" panose="02020603050405020304" pitchFamily="18" charset="0"/>
+              </a:rPr>
+              <a:t>його</a:t>
+            </a:r>
+            <a:r>
+              <a:rPr lang="ru-RU" sz="2400" b="0" i="0" dirty="0">
+                <a:effectLst/>
+                <a:latin typeface="Times New Roman" panose="02020603050405020304" pitchFamily="18" charset="0"/>
+                <a:cs typeface="Times New Roman" panose="02020603050405020304" pitchFamily="18" charset="0"/>
+              </a:rPr>
+              <a:t> в </a:t>
+            </a:r>
+            <a:r>
+              <a:rPr lang="ru-RU" sz="2400" b="0" i="0" dirty="0" err="1">
+                <a:effectLst/>
+                <a:latin typeface="Times New Roman" panose="02020603050405020304" pitchFamily="18" charset="0"/>
+                <a:cs typeface="Times New Roman" panose="02020603050405020304" pitchFamily="18" charset="0"/>
+              </a:rPr>
+              <a:t>мільйонний</a:t>
+            </a:r>
+            <a:r>
+              <a:rPr lang="ru-RU" sz="2400" b="0" i="0" dirty="0">
+                <a:effectLst/>
+                <a:latin typeface="Times New Roman" panose="02020603050405020304" pitchFamily="18" charset="0"/>
+                <a:cs typeface="Times New Roman" panose="02020603050405020304" pitchFamily="18" charset="0"/>
+              </a:rPr>
+              <a:t> раз.</a:t>
+            </a:r>
+            <a:endParaRPr lang="uk-UA" sz="2400" dirty="0">
+              <a:latin typeface="Times New Roman" panose="02020603050405020304" pitchFamily="18" charset="0"/>
+              <a:cs typeface="Times New Roman" panose="02020603050405020304" pitchFamily="18" charset="0"/>
+            </a:endParaRPr>
+          </a:p>
+        </p:txBody>
+      </p:sp>
+    </p:spTree>
+    <p:extLst>
+      <p:ext uri="{BB962C8B-B14F-4D97-AF65-F5344CB8AC3E}">
+        <p14:creationId xmlns:p14="http://schemas.microsoft.com/office/powerpoint/2010/main" val="2690774504"/>
+      </p:ext>
+    </p:extLst>
+  </p:cSld>
+  <p:clrMapOvr>
+    <a:masterClrMapping/>
+  </p:clrMapOvr>
+</p:sld>
+</file>
+
+<file path=ppt/slides/slide21.xml><?xml version="1.0" encoding="utf-8"?>
+<p:sld xmlns:a="http://schemas.openxmlformats.org/drawingml/2006/main" xmlns:r="http://schemas.openxmlformats.org/officeDocument/2006/relationships" xmlns:p="http://schemas.openxmlformats.org/presentationml/2006/main">
+  <p:cSld>
+    <p:spTree>
+      <p:nvGrpSpPr>
+        <p:cNvPr id="1" name=""/>
+        <p:cNvGrpSpPr/>
+        <p:nvPr/>
+      </p:nvGrpSpPr>
+      <p:grpSpPr>
+        <a:xfrm>
+          <a:off x="0" y="0"/>
+          <a:ext cx="0" cy="0"/>
+          <a:chOff x="0" y="0"/>
+          <a:chExt cx="0" cy="0"/>
+        </a:xfrm>
+      </p:grpSpPr>
+      <p:sp>
+        <p:nvSpPr>
+          <p:cNvPr id="5" name="TextBox 4">
+            <a:extLst>
+              <a:ext uri="{FF2B5EF4-FFF2-40B4-BE49-F238E27FC236}">
                 <a16:creationId xmlns:a16="http://schemas.microsoft.com/office/drawing/2014/main" id="{5FA723CC-103D-4C6D-BD97-2747ADFF646D}"/>
               </a:ext>
             </a:extLst>
@@ -12285,7 +12585,7 @@
 </p:sld>
 </file>
 
-<file path=ppt/slides/slide21.xml><?xml version="1.0" encoding="utf-8"?>
+<file path=ppt/slides/slide22.xml><?xml version="1.0" encoding="utf-8"?>
 <p:sld xmlns:a="http://schemas.openxmlformats.org/drawingml/2006/main" xmlns:r="http://schemas.openxmlformats.org/officeDocument/2006/relationships" xmlns:p="http://schemas.openxmlformats.org/presentationml/2006/main">
   <p:cSld>
     <p:spTree>
@@ -13856,393 +14156,6 @@
     <p:extLst>
       <p:ext uri="{BB962C8B-B14F-4D97-AF65-F5344CB8AC3E}">
         <p14:creationId xmlns:p14="http://schemas.microsoft.com/office/powerpoint/2010/main" val="2031478802"/>
-      </p:ext>
-    </p:extLst>
-  </p:cSld>
-  <p:clrMapOvr>
-    <a:masterClrMapping/>
-  </p:clrMapOvr>
-</p:sld>
-</file>
-
-<file path=ppt/slides/slide22.xml><?xml version="1.0" encoding="utf-8"?>
-<p:sld xmlns:a="http://schemas.openxmlformats.org/drawingml/2006/main" xmlns:r="http://schemas.openxmlformats.org/officeDocument/2006/relationships" xmlns:p="http://schemas.openxmlformats.org/presentationml/2006/main">
-  <p:cSld>
-    <p:spTree>
-      <p:nvGrpSpPr>
-        <p:cNvPr id="1" name=""/>
-        <p:cNvGrpSpPr/>
-        <p:nvPr/>
-      </p:nvGrpSpPr>
-      <p:grpSpPr>
-        <a:xfrm>
-          <a:off x="0" y="0"/>
-          <a:ext cx="0" cy="0"/>
-          <a:chOff x="0" y="0"/>
-          <a:chExt cx="0" cy="0"/>
-        </a:xfrm>
-      </p:grpSpPr>
-      <p:sp>
-        <p:nvSpPr>
-          <p:cNvPr id="4" name="TextBox 3">
-            <a:extLst>
-              <a:ext uri="{FF2B5EF4-FFF2-40B4-BE49-F238E27FC236}">
-                <a16:creationId xmlns:a16="http://schemas.microsoft.com/office/drawing/2014/main" id="{CC1A14CC-0B70-4931-A375-B56A640BCD42}"/>
-              </a:ext>
-            </a:extLst>
-          </p:cNvPr>
-          <p:cNvSpPr txBox="1"/>
-          <p:nvPr/>
-        </p:nvSpPr>
-        <p:spPr>
-          <a:xfrm>
-            <a:off x="-1572" y="0"/>
-            <a:ext cx="12191999" cy="830997"/>
-          </a:xfrm>
-          <a:prstGeom prst="rect">
-            <a:avLst/>
-          </a:prstGeom>
-          <a:noFill/>
-        </p:spPr>
-        <p:txBody>
-          <a:bodyPr wrap="square" rtlCol="0">
-            <a:spAutoFit/>
-          </a:bodyPr>
-          <a:lstStyle/>
-          <a:p>
-            <a:pPr algn="ctr"/>
-            <a:r>
-              <a:rPr lang="uk-UA" sz="4800" dirty="0">
-                <a:latin typeface="Times New Roman" panose="02020603050405020304" pitchFamily="18" charset="0"/>
-                <a:cs typeface="Times New Roman" panose="02020603050405020304" pitchFamily="18" charset="0"/>
-              </a:rPr>
-              <a:t>Методи</a:t>
-            </a:r>
-            <a:r>
-              <a:rPr lang="en-US" sz="4800" dirty="0">
-                <a:latin typeface="Times New Roman" panose="02020603050405020304" pitchFamily="18" charset="0"/>
-                <a:cs typeface="Times New Roman" panose="02020603050405020304" pitchFamily="18" charset="0"/>
-              </a:rPr>
-              <a:t>. </a:t>
-            </a:r>
-            <a:r>
-              <a:rPr lang="uk-UA" sz="4800" dirty="0">
-                <a:latin typeface="Times New Roman" panose="02020603050405020304" pitchFamily="18" charset="0"/>
-                <a:cs typeface="Times New Roman" panose="02020603050405020304" pitchFamily="18" charset="0"/>
-              </a:rPr>
-              <a:t>Модифікатори доступу</a:t>
-            </a:r>
-            <a:r>
-              <a:rPr lang="en-US" sz="4800" dirty="0">
-                <a:latin typeface="Times New Roman" panose="02020603050405020304" pitchFamily="18" charset="0"/>
-                <a:cs typeface="Times New Roman" panose="02020603050405020304" pitchFamily="18" charset="0"/>
-              </a:rPr>
-              <a:t>. </a:t>
-            </a:r>
-            <a:r>
-              <a:rPr lang="uk-UA" sz="4800" dirty="0">
-                <a:latin typeface="Times New Roman" panose="02020603050405020304" pitchFamily="18" charset="0"/>
-                <a:cs typeface="Times New Roman" panose="02020603050405020304" pitchFamily="18" charset="0"/>
-              </a:rPr>
-              <a:t>ООП</a:t>
-            </a:r>
-          </a:p>
-        </p:txBody>
-      </p:sp>
-      <p:sp>
-        <p:nvSpPr>
-          <p:cNvPr id="6" name="TextBox 5">
-            <a:extLst>
-              <a:ext uri="{FF2B5EF4-FFF2-40B4-BE49-F238E27FC236}">
-                <a16:creationId xmlns:a16="http://schemas.microsoft.com/office/drawing/2014/main" id="{7863DFF8-3E62-4B26-8F58-4D6CF09D4A93}"/>
-              </a:ext>
-            </a:extLst>
-          </p:cNvPr>
-          <p:cNvSpPr txBox="1"/>
-          <p:nvPr/>
-        </p:nvSpPr>
-        <p:spPr>
-          <a:xfrm>
-            <a:off x="398283" y="830997"/>
-            <a:ext cx="11309808" cy="830997"/>
-          </a:xfrm>
-          <a:prstGeom prst="rect">
-            <a:avLst/>
-          </a:prstGeom>
-          <a:noFill/>
-        </p:spPr>
-        <p:txBody>
-          <a:bodyPr wrap="square">
-            <a:spAutoFit/>
-          </a:bodyPr>
-          <a:lstStyle/>
-          <a:p>
-            <a:pPr algn="just"/>
-            <a:r>
-              <a:rPr lang="ru-RU" sz="2400" b="0" i="0" dirty="0" err="1">
-                <a:effectLst/>
-                <a:latin typeface="Times New Roman" panose="02020603050405020304" pitchFamily="18" charset="0"/>
-                <a:cs typeface="Times New Roman" panose="02020603050405020304" pitchFamily="18" charset="0"/>
-              </a:rPr>
-              <a:t>Вказують</a:t>
-            </a:r>
-            <a:r>
-              <a:rPr lang="ru-RU" sz="2400" b="0" i="0" dirty="0">
-                <a:effectLst/>
-                <a:latin typeface="Times New Roman" panose="02020603050405020304" pitchFamily="18" charset="0"/>
-                <a:cs typeface="Times New Roman" panose="02020603050405020304" pitchFamily="18" charset="0"/>
-              </a:rPr>
-              <a:t> </a:t>
-            </a:r>
-            <a:r>
-              <a:rPr lang="ru-RU" sz="2400" b="0" i="0" dirty="0" err="1">
-                <a:effectLst/>
-                <a:latin typeface="Times New Roman" panose="02020603050405020304" pitchFamily="18" charset="0"/>
-                <a:cs typeface="Times New Roman" panose="02020603050405020304" pitchFamily="18" charset="0"/>
-              </a:rPr>
-              <a:t>допустиму</a:t>
-            </a:r>
-            <a:r>
-              <a:rPr lang="ru-RU" sz="2400" b="0" i="0" dirty="0">
-                <a:effectLst/>
-                <a:latin typeface="Times New Roman" panose="02020603050405020304" pitchFamily="18" charset="0"/>
-                <a:cs typeface="Times New Roman" panose="02020603050405020304" pitchFamily="18" charset="0"/>
-              </a:rPr>
-              <a:t> область </a:t>
-            </a:r>
-            <a:r>
-              <a:rPr lang="ru-RU" sz="2400" b="0" i="0" dirty="0" err="1">
-                <a:effectLst/>
-                <a:latin typeface="Times New Roman" panose="02020603050405020304" pitchFamily="18" charset="0"/>
-                <a:cs typeface="Times New Roman" panose="02020603050405020304" pitchFamily="18" charset="0"/>
-              </a:rPr>
-              <a:t>видимості</a:t>
-            </a:r>
-            <a:r>
-              <a:rPr lang="ru-RU" sz="2400" b="0" i="0" dirty="0">
-                <a:effectLst/>
-                <a:latin typeface="Times New Roman" panose="02020603050405020304" pitchFamily="18" charset="0"/>
-                <a:cs typeface="Times New Roman" panose="02020603050405020304" pitchFamily="18" charset="0"/>
-              </a:rPr>
-              <a:t> для </a:t>
-            </a:r>
-            <a:r>
-              <a:rPr lang="ru-RU" sz="2400" b="0" i="0" dirty="0" err="1">
-                <a:effectLst/>
-                <a:latin typeface="Times New Roman" panose="02020603050405020304" pitchFamily="18" charset="0"/>
-                <a:cs typeface="Times New Roman" panose="02020603050405020304" pitchFamily="18" charset="0"/>
-              </a:rPr>
-              <a:t>членів</a:t>
-            </a:r>
-            <a:r>
-              <a:rPr lang="ru-RU" sz="2400" b="0" i="0" dirty="0">
-                <a:effectLst/>
-                <a:latin typeface="Times New Roman" panose="02020603050405020304" pitchFamily="18" charset="0"/>
-                <a:cs typeface="Times New Roman" panose="02020603050405020304" pitchFamily="18" charset="0"/>
-              </a:rPr>
-              <a:t> </a:t>
-            </a:r>
-            <a:r>
-              <a:rPr lang="ru-RU" sz="2400" b="0" i="0" dirty="0" err="1">
-                <a:effectLst/>
-                <a:latin typeface="Times New Roman" panose="02020603050405020304" pitchFamily="18" charset="0"/>
-                <a:cs typeface="Times New Roman" panose="02020603050405020304" pitchFamily="18" charset="0"/>
-              </a:rPr>
-              <a:t>класу</a:t>
-            </a:r>
-            <a:r>
-              <a:rPr lang="ru-RU" sz="2400" b="0" i="0" dirty="0">
-                <a:effectLst/>
-                <a:latin typeface="Times New Roman" panose="02020603050405020304" pitchFamily="18" charset="0"/>
-                <a:cs typeface="Times New Roman" panose="02020603050405020304" pitchFamily="18" charset="0"/>
-              </a:rPr>
-              <a:t>, </a:t>
-            </a:r>
-            <a:r>
-              <a:rPr lang="ru-RU" sz="2400" b="0" i="0" dirty="0" err="1">
-                <a:effectLst/>
-                <a:latin typeface="Times New Roman" panose="02020603050405020304" pitchFamily="18" charset="0"/>
-                <a:cs typeface="Times New Roman" panose="02020603050405020304" pitchFamily="18" charset="0"/>
-              </a:rPr>
-              <a:t>тобто</a:t>
-            </a:r>
-            <a:r>
-              <a:rPr lang="ru-RU" sz="2400" b="0" i="0" dirty="0">
-                <a:effectLst/>
-                <a:latin typeface="Times New Roman" panose="02020603050405020304" pitchFamily="18" charset="0"/>
-                <a:cs typeface="Times New Roman" panose="02020603050405020304" pitchFamily="18" charset="0"/>
-              </a:rPr>
-              <a:t> </a:t>
-            </a:r>
-            <a:r>
-              <a:rPr lang="ru-RU" sz="2400" b="0" i="0" dirty="0" err="1">
-                <a:effectLst/>
-                <a:latin typeface="Times New Roman" panose="02020603050405020304" pitchFamily="18" charset="0"/>
-                <a:cs typeface="Times New Roman" panose="02020603050405020304" pitchFamily="18" charset="0"/>
-              </a:rPr>
-              <a:t>обмеження</a:t>
-            </a:r>
-            <a:r>
-              <a:rPr lang="ru-RU" sz="2400" b="0" i="0" dirty="0">
-                <a:effectLst/>
-                <a:latin typeface="Times New Roman" panose="02020603050405020304" pitchFamily="18" charset="0"/>
-                <a:cs typeface="Times New Roman" panose="02020603050405020304" pitchFamily="18" charset="0"/>
-              </a:rPr>
-              <a:t> </a:t>
-            </a:r>
-            <a:r>
-              <a:rPr lang="ru-RU" sz="2400" b="0" i="0" dirty="0" err="1">
-                <a:effectLst/>
-                <a:latin typeface="Times New Roman" panose="02020603050405020304" pitchFamily="18" charset="0"/>
-                <a:cs typeface="Times New Roman" panose="02020603050405020304" pitchFamily="18" charset="0"/>
-              </a:rPr>
-              <a:t>місць</a:t>
-            </a:r>
-            <a:r>
-              <a:rPr lang="ru-RU" sz="2400" b="0" i="0" dirty="0">
-                <a:effectLst/>
-                <a:latin typeface="Times New Roman" panose="02020603050405020304" pitchFamily="18" charset="0"/>
-                <a:cs typeface="Times New Roman" panose="02020603050405020304" pitchFamily="18" charset="0"/>
-              </a:rPr>
-              <a:t>, у </a:t>
-            </a:r>
-            <a:r>
-              <a:rPr lang="ru-RU" sz="2400" b="0" i="0" dirty="0" err="1">
-                <a:effectLst/>
-                <a:latin typeface="Times New Roman" panose="02020603050405020304" pitchFamily="18" charset="0"/>
-                <a:cs typeface="Times New Roman" panose="02020603050405020304" pitchFamily="18" charset="0"/>
-              </a:rPr>
-              <a:t>яких</a:t>
-            </a:r>
-            <a:r>
-              <a:rPr lang="ru-RU" sz="2400" b="0" i="0" dirty="0">
-                <a:effectLst/>
-                <a:latin typeface="Times New Roman" panose="02020603050405020304" pitchFamily="18" charset="0"/>
-                <a:cs typeface="Times New Roman" panose="02020603050405020304" pitchFamily="18" charset="0"/>
-              </a:rPr>
-              <a:t> </a:t>
-            </a:r>
-            <a:r>
-              <a:rPr lang="ru-RU" sz="2400" b="0" i="0" dirty="0" err="1">
-                <a:effectLst/>
-                <a:latin typeface="Times New Roman" panose="02020603050405020304" pitchFamily="18" charset="0"/>
-                <a:cs typeface="Times New Roman" panose="02020603050405020304" pitchFamily="18" charset="0"/>
-              </a:rPr>
-              <a:t>дозволяється</a:t>
-            </a:r>
-            <a:r>
-              <a:rPr lang="ru-RU" sz="2400" b="0" i="0" dirty="0">
-                <a:effectLst/>
-                <a:latin typeface="Times New Roman" panose="02020603050405020304" pitchFamily="18" charset="0"/>
-                <a:cs typeface="Times New Roman" panose="02020603050405020304" pitchFamily="18" charset="0"/>
-              </a:rPr>
-              <a:t> </a:t>
-            </a:r>
-            <a:r>
-              <a:rPr lang="ru-RU" sz="2400" b="0" i="0" dirty="0" err="1">
-                <a:effectLst/>
-                <a:latin typeface="Times New Roman" panose="02020603050405020304" pitchFamily="18" charset="0"/>
-                <a:cs typeface="Times New Roman" panose="02020603050405020304" pitchFamily="18" charset="0"/>
-              </a:rPr>
-              <a:t>використовувати</a:t>
-            </a:r>
-            <a:r>
-              <a:rPr lang="ru-RU" sz="2400" b="0" i="0" dirty="0">
-                <a:effectLst/>
-                <a:latin typeface="Times New Roman" panose="02020603050405020304" pitchFamily="18" charset="0"/>
-                <a:cs typeface="Times New Roman" panose="02020603050405020304" pitchFamily="18" charset="0"/>
-              </a:rPr>
-              <a:t> </a:t>
-            </a:r>
-            <a:r>
-              <a:rPr lang="ru-RU" sz="2400" b="0" i="0" dirty="0" err="1">
-                <a:effectLst/>
-                <a:latin typeface="Times New Roman" panose="02020603050405020304" pitchFamily="18" charset="0"/>
-                <a:cs typeface="Times New Roman" panose="02020603050405020304" pitchFamily="18" charset="0"/>
-              </a:rPr>
-              <a:t>якусь</a:t>
-            </a:r>
-            <a:r>
-              <a:rPr lang="ru-RU" sz="2400" b="0" i="0" dirty="0">
-                <a:effectLst/>
-                <a:latin typeface="Times New Roman" panose="02020603050405020304" pitchFamily="18" charset="0"/>
-                <a:cs typeface="Times New Roman" panose="02020603050405020304" pitchFamily="18" charset="0"/>
-              </a:rPr>
-              <a:t> </a:t>
-            </a:r>
-            <a:r>
-              <a:rPr lang="ru-RU" sz="2400" b="0" i="0" dirty="0" err="1">
-                <a:effectLst/>
-                <a:latin typeface="Times New Roman" panose="02020603050405020304" pitchFamily="18" charset="0"/>
-                <a:cs typeface="Times New Roman" panose="02020603050405020304" pitchFamily="18" charset="0"/>
-              </a:rPr>
-              <a:t>змінну</a:t>
-            </a:r>
-            <a:r>
-              <a:rPr lang="ru-RU" sz="2400" b="0" i="0" dirty="0">
-                <a:effectLst/>
-                <a:latin typeface="Times New Roman" panose="02020603050405020304" pitchFamily="18" charset="0"/>
-                <a:cs typeface="Times New Roman" panose="02020603050405020304" pitchFamily="18" charset="0"/>
-              </a:rPr>
-              <a:t> </a:t>
-            </a:r>
-            <a:r>
-              <a:rPr lang="ru-RU" sz="2400" b="0" i="0" dirty="0" err="1">
-                <a:effectLst/>
-                <a:latin typeface="Times New Roman" panose="02020603050405020304" pitchFamily="18" charset="0"/>
-                <a:cs typeface="Times New Roman" panose="02020603050405020304" pitchFamily="18" charset="0"/>
-              </a:rPr>
-              <a:t>чи</a:t>
-            </a:r>
-            <a:r>
-              <a:rPr lang="ru-RU" sz="2400" b="0" i="0" dirty="0">
-                <a:effectLst/>
-                <a:latin typeface="Times New Roman" panose="02020603050405020304" pitchFamily="18" charset="0"/>
-                <a:cs typeface="Times New Roman" panose="02020603050405020304" pitchFamily="18" charset="0"/>
-              </a:rPr>
-              <a:t> метод.</a:t>
-            </a:r>
-            <a:endParaRPr lang="uk-UA" sz="2400" dirty="0">
-              <a:latin typeface="Times New Roman" panose="02020603050405020304" pitchFamily="18" charset="0"/>
-              <a:cs typeface="Times New Roman" panose="02020603050405020304" pitchFamily="18" charset="0"/>
-            </a:endParaRPr>
-          </a:p>
-        </p:txBody>
-      </p:sp>
-      <p:pic>
-        <p:nvPicPr>
-          <p:cNvPr id="8" name="Рисунок 7">
-            <a:extLst>
-              <a:ext uri="{FF2B5EF4-FFF2-40B4-BE49-F238E27FC236}">
-                <a16:creationId xmlns:a16="http://schemas.microsoft.com/office/drawing/2014/main" id="{33AFE327-D9CD-4309-9B80-AEDA571D8151}"/>
-              </a:ext>
-            </a:extLst>
-          </p:cNvPr>
-          <p:cNvPicPr>
-            <a:picLocks noChangeAspect="1"/>
-          </p:cNvPicPr>
-          <p:nvPr/>
-        </p:nvPicPr>
-        <p:blipFill>
-          <a:blip r:embed="rId2"/>
-          <a:stretch>
-            <a:fillRect/>
-          </a:stretch>
-        </p:blipFill>
-        <p:spPr>
-          <a:xfrm>
-            <a:off x="2807175" y="2063586"/>
-            <a:ext cx="6181725" cy="3371850"/>
-          </a:xfrm>
-          <a:prstGeom prst="rect">
-            <a:avLst/>
-          </a:prstGeom>
-        </p:spPr>
-      </p:pic>
-    </p:spTree>
-    <p:extLst>
-      <p:ext uri="{BB962C8B-B14F-4D97-AF65-F5344CB8AC3E}">
-        <p14:creationId xmlns:p14="http://schemas.microsoft.com/office/powerpoint/2010/main" val="612587707"/>
       </p:ext>
     </p:extLst>
   </p:cSld>
@@ -19083,12 +18996,12 @@
           <a:graphicData uri="http://schemas.openxmlformats.org/presentationml/2006/ole">
             <mc:AlternateContent xmlns:mc="http://schemas.openxmlformats.org/markup-compatibility/2006">
               <mc:Choice xmlns:v="urn:schemas-microsoft-com:vml" Requires="v">
-                <p:oleObj spid="_x0000_s1053" name="Visio" r:id="rId3" imgW="3093192" imgH="2508626" progId="Visio.Drawing.11">
+                <p:oleObj name="Visio" r:id="rId2" imgW="3093192" imgH="2508626" progId="Visio.Drawing.11">
                   <p:embed/>
                 </p:oleObj>
               </mc:Choice>
               <mc:Fallback>
-                <p:oleObj name="Visio" r:id="rId3" imgW="3093192" imgH="2508626" progId="Visio.Drawing.11">
+                <p:oleObj name="Visio" r:id="rId2" imgW="3093192" imgH="2508626" progId="Visio.Drawing.11">
                   <p:embed/>
                   <p:pic>
                     <p:nvPicPr>
@@ -19099,7 +19012,7 @@
                       <p:nvPr/>
                     </p:nvPicPr>
                     <p:blipFill>
-                      <a:blip r:embed="rId4">
+                      <a:blip r:embed="rId3">
                         <a:extLst>
                           <a:ext uri="{28A0092B-C50C-407E-A947-70E740481C1C}">
                             <a14:useLocalDpi xmlns:a14="http://schemas.microsoft.com/office/drawing/2010/main" val="0"/>
@@ -19457,12 +19370,12 @@
           <a:graphicData uri="http://schemas.openxmlformats.org/presentationml/2006/ole">
             <mc:AlternateContent xmlns:mc="http://schemas.openxmlformats.org/markup-compatibility/2006">
               <mc:Choice xmlns:v="urn:schemas-microsoft-com:vml" Requires="v">
-                <p:oleObj spid="_x0000_s2102" name="Visio" r:id="rId3" imgW="3138091" imgH="3161139" progId="Visio.Drawing.11">
+                <p:oleObj name="Visio" r:id="rId2" imgW="3138091" imgH="3161139" progId="Visio.Drawing.11">
                   <p:embed/>
                 </p:oleObj>
               </mc:Choice>
               <mc:Fallback>
-                <p:oleObj name="Visio" r:id="rId3" imgW="3138091" imgH="3161139" progId="Visio.Drawing.11">
+                <p:oleObj name="Visio" r:id="rId2" imgW="3138091" imgH="3161139" progId="Visio.Drawing.11">
                   <p:embed/>
                   <p:pic>
                     <p:nvPicPr>
@@ -19473,7 +19386,7 @@
                       <p:nvPr/>
                     </p:nvPicPr>
                     <p:blipFill>
-                      <a:blip r:embed="rId4">
+                      <a:blip r:embed="rId3">
                         <a:extLst>
                           <a:ext uri="{28A0092B-C50C-407E-A947-70E740481C1C}">
                             <a14:useLocalDpi xmlns:a14="http://schemas.microsoft.com/office/drawing/2010/main" val="0"/>
@@ -19550,12 +19463,12 @@
           <a:graphicData uri="http://schemas.openxmlformats.org/presentationml/2006/ole">
             <mc:AlternateContent xmlns:mc="http://schemas.openxmlformats.org/markup-compatibility/2006">
               <mc:Choice xmlns:v="urn:schemas-microsoft-com:vml" Requires="v">
-                <p:oleObj spid="_x0000_s2103" name="Visio" r:id="rId5" imgW="1034702" imgH="966444" progId="Visio.Drawing.11">
+                <p:oleObj name="Visio" r:id="rId4" imgW="1034702" imgH="966444" progId="Visio.Drawing.11">
                   <p:embed/>
                 </p:oleObj>
               </mc:Choice>
               <mc:Fallback>
-                <p:oleObj name="Visio" r:id="rId5" imgW="1034702" imgH="966444" progId="Visio.Drawing.11">
+                <p:oleObj name="Visio" r:id="rId4" imgW="1034702" imgH="966444" progId="Visio.Drawing.11">
                   <p:embed/>
                   <p:pic>
                     <p:nvPicPr>
@@ -19566,7 +19479,7 @@
                       <p:nvPr/>
                     </p:nvPicPr>
                     <p:blipFill>
-                      <a:blip r:embed="rId6">
+                      <a:blip r:embed="rId5">
                         <a:extLst>
                           <a:ext uri="{28A0092B-C50C-407E-A947-70E740481C1C}">
                             <a14:useLocalDpi xmlns:a14="http://schemas.microsoft.com/office/drawing/2010/main" val="0"/>
@@ -19966,6 +19879,393 @@
 </file>
 
 <file path=ppt/slides/slide7.xml><?xml version="1.0" encoding="utf-8"?>
+<p:sld xmlns:a="http://schemas.openxmlformats.org/drawingml/2006/main" xmlns:r="http://schemas.openxmlformats.org/officeDocument/2006/relationships" xmlns:p="http://schemas.openxmlformats.org/presentationml/2006/main">
+  <p:cSld>
+    <p:spTree>
+      <p:nvGrpSpPr>
+        <p:cNvPr id="1" name=""/>
+        <p:cNvGrpSpPr/>
+        <p:nvPr/>
+      </p:nvGrpSpPr>
+      <p:grpSpPr>
+        <a:xfrm>
+          <a:off x="0" y="0"/>
+          <a:ext cx="0" cy="0"/>
+          <a:chOff x="0" y="0"/>
+          <a:chExt cx="0" cy="0"/>
+        </a:xfrm>
+      </p:grpSpPr>
+      <p:sp>
+        <p:nvSpPr>
+          <p:cNvPr id="4" name="TextBox 3">
+            <a:extLst>
+              <a:ext uri="{FF2B5EF4-FFF2-40B4-BE49-F238E27FC236}">
+                <a16:creationId xmlns:a16="http://schemas.microsoft.com/office/drawing/2014/main" id="{CC1A14CC-0B70-4931-A375-B56A640BCD42}"/>
+              </a:ext>
+            </a:extLst>
+          </p:cNvPr>
+          <p:cNvSpPr txBox="1"/>
+          <p:nvPr/>
+        </p:nvSpPr>
+        <p:spPr>
+          <a:xfrm>
+            <a:off x="-1572" y="0"/>
+            <a:ext cx="12191999" cy="830997"/>
+          </a:xfrm>
+          <a:prstGeom prst="rect">
+            <a:avLst/>
+          </a:prstGeom>
+          <a:noFill/>
+        </p:spPr>
+        <p:txBody>
+          <a:bodyPr wrap="square" rtlCol="0">
+            <a:spAutoFit/>
+          </a:bodyPr>
+          <a:lstStyle/>
+          <a:p>
+            <a:pPr algn="ctr"/>
+            <a:r>
+              <a:rPr lang="uk-UA" sz="4800" dirty="0">
+                <a:latin typeface="Times New Roman" panose="02020603050405020304" pitchFamily="18" charset="0"/>
+                <a:cs typeface="Times New Roman" panose="02020603050405020304" pitchFamily="18" charset="0"/>
+              </a:rPr>
+              <a:t>Методи</a:t>
+            </a:r>
+            <a:r>
+              <a:rPr lang="en-US" sz="4800" dirty="0">
+                <a:latin typeface="Times New Roman" panose="02020603050405020304" pitchFamily="18" charset="0"/>
+                <a:cs typeface="Times New Roman" panose="02020603050405020304" pitchFamily="18" charset="0"/>
+              </a:rPr>
+              <a:t>. </a:t>
+            </a:r>
+            <a:r>
+              <a:rPr lang="uk-UA" sz="4800" dirty="0">
+                <a:latin typeface="Times New Roman" panose="02020603050405020304" pitchFamily="18" charset="0"/>
+                <a:cs typeface="Times New Roman" panose="02020603050405020304" pitchFamily="18" charset="0"/>
+              </a:rPr>
+              <a:t>Модифікатори доступу</a:t>
+            </a:r>
+            <a:r>
+              <a:rPr lang="en-US" sz="4800" dirty="0">
+                <a:latin typeface="Times New Roman" panose="02020603050405020304" pitchFamily="18" charset="0"/>
+                <a:cs typeface="Times New Roman" panose="02020603050405020304" pitchFamily="18" charset="0"/>
+              </a:rPr>
+              <a:t>. </a:t>
+            </a:r>
+            <a:r>
+              <a:rPr lang="uk-UA" sz="4800" dirty="0">
+                <a:latin typeface="Times New Roman" panose="02020603050405020304" pitchFamily="18" charset="0"/>
+                <a:cs typeface="Times New Roman" panose="02020603050405020304" pitchFamily="18" charset="0"/>
+              </a:rPr>
+              <a:t>ООП</a:t>
+            </a:r>
+          </a:p>
+        </p:txBody>
+      </p:sp>
+      <p:sp>
+        <p:nvSpPr>
+          <p:cNvPr id="6" name="TextBox 5">
+            <a:extLst>
+              <a:ext uri="{FF2B5EF4-FFF2-40B4-BE49-F238E27FC236}">
+                <a16:creationId xmlns:a16="http://schemas.microsoft.com/office/drawing/2014/main" id="{7863DFF8-3E62-4B26-8F58-4D6CF09D4A93}"/>
+              </a:ext>
+            </a:extLst>
+          </p:cNvPr>
+          <p:cNvSpPr txBox="1"/>
+          <p:nvPr/>
+        </p:nvSpPr>
+        <p:spPr>
+          <a:xfrm>
+            <a:off x="398283" y="830997"/>
+            <a:ext cx="11309808" cy="830997"/>
+          </a:xfrm>
+          <a:prstGeom prst="rect">
+            <a:avLst/>
+          </a:prstGeom>
+          <a:noFill/>
+        </p:spPr>
+        <p:txBody>
+          <a:bodyPr wrap="square">
+            <a:spAutoFit/>
+          </a:bodyPr>
+          <a:lstStyle/>
+          <a:p>
+            <a:pPr algn="just"/>
+            <a:r>
+              <a:rPr lang="ru-RU" sz="2400" b="0" i="0" dirty="0" err="1">
+                <a:effectLst/>
+                <a:latin typeface="Times New Roman" panose="02020603050405020304" pitchFamily="18" charset="0"/>
+                <a:cs typeface="Times New Roman" panose="02020603050405020304" pitchFamily="18" charset="0"/>
+              </a:rPr>
+              <a:t>Вказують</a:t>
+            </a:r>
+            <a:r>
+              <a:rPr lang="ru-RU" sz="2400" b="0" i="0" dirty="0">
+                <a:effectLst/>
+                <a:latin typeface="Times New Roman" panose="02020603050405020304" pitchFamily="18" charset="0"/>
+                <a:cs typeface="Times New Roman" panose="02020603050405020304" pitchFamily="18" charset="0"/>
+              </a:rPr>
+              <a:t> </a:t>
+            </a:r>
+            <a:r>
+              <a:rPr lang="ru-RU" sz="2400" b="0" i="0" dirty="0" err="1">
+                <a:effectLst/>
+                <a:latin typeface="Times New Roman" panose="02020603050405020304" pitchFamily="18" charset="0"/>
+                <a:cs typeface="Times New Roman" panose="02020603050405020304" pitchFamily="18" charset="0"/>
+              </a:rPr>
+              <a:t>допустиму</a:t>
+            </a:r>
+            <a:r>
+              <a:rPr lang="ru-RU" sz="2400" b="0" i="0" dirty="0">
+                <a:effectLst/>
+                <a:latin typeface="Times New Roman" panose="02020603050405020304" pitchFamily="18" charset="0"/>
+                <a:cs typeface="Times New Roman" panose="02020603050405020304" pitchFamily="18" charset="0"/>
+              </a:rPr>
+              <a:t> область </a:t>
+            </a:r>
+            <a:r>
+              <a:rPr lang="ru-RU" sz="2400" b="0" i="0" dirty="0" err="1">
+                <a:effectLst/>
+                <a:latin typeface="Times New Roman" panose="02020603050405020304" pitchFamily="18" charset="0"/>
+                <a:cs typeface="Times New Roman" panose="02020603050405020304" pitchFamily="18" charset="0"/>
+              </a:rPr>
+              <a:t>видимості</a:t>
+            </a:r>
+            <a:r>
+              <a:rPr lang="ru-RU" sz="2400" b="0" i="0" dirty="0">
+                <a:effectLst/>
+                <a:latin typeface="Times New Roman" panose="02020603050405020304" pitchFamily="18" charset="0"/>
+                <a:cs typeface="Times New Roman" panose="02020603050405020304" pitchFamily="18" charset="0"/>
+              </a:rPr>
+              <a:t> для </a:t>
+            </a:r>
+            <a:r>
+              <a:rPr lang="ru-RU" sz="2400" b="0" i="0" dirty="0" err="1">
+                <a:effectLst/>
+                <a:latin typeface="Times New Roman" panose="02020603050405020304" pitchFamily="18" charset="0"/>
+                <a:cs typeface="Times New Roman" panose="02020603050405020304" pitchFamily="18" charset="0"/>
+              </a:rPr>
+              <a:t>членів</a:t>
+            </a:r>
+            <a:r>
+              <a:rPr lang="ru-RU" sz="2400" b="0" i="0" dirty="0">
+                <a:effectLst/>
+                <a:latin typeface="Times New Roman" panose="02020603050405020304" pitchFamily="18" charset="0"/>
+                <a:cs typeface="Times New Roman" panose="02020603050405020304" pitchFamily="18" charset="0"/>
+              </a:rPr>
+              <a:t> </a:t>
+            </a:r>
+            <a:r>
+              <a:rPr lang="ru-RU" sz="2400" b="0" i="0" dirty="0" err="1">
+                <a:effectLst/>
+                <a:latin typeface="Times New Roman" panose="02020603050405020304" pitchFamily="18" charset="0"/>
+                <a:cs typeface="Times New Roman" panose="02020603050405020304" pitchFamily="18" charset="0"/>
+              </a:rPr>
+              <a:t>класу</a:t>
+            </a:r>
+            <a:r>
+              <a:rPr lang="ru-RU" sz="2400" b="0" i="0" dirty="0">
+                <a:effectLst/>
+                <a:latin typeface="Times New Roman" panose="02020603050405020304" pitchFamily="18" charset="0"/>
+                <a:cs typeface="Times New Roman" panose="02020603050405020304" pitchFamily="18" charset="0"/>
+              </a:rPr>
+              <a:t>, </a:t>
+            </a:r>
+            <a:r>
+              <a:rPr lang="ru-RU" sz="2400" b="0" i="0" dirty="0" err="1">
+                <a:effectLst/>
+                <a:latin typeface="Times New Roman" panose="02020603050405020304" pitchFamily="18" charset="0"/>
+                <a:cs typeface="Times New Roman" panose="02020603050405020304" pitchFamily="18" charset="0"/>
+              </a:rPr>
+              <a:t>тобто</a:t>
+            </a:r>
+            <a:r>
+              <a:rPr lang="ru-RU" sz="2400" b="0" i="0" dirty="0">
+                <a:effectLst/>
+                <a:latin typeface="Times New Roman" panose="02020603050405020304" pitchFamily="18" charset="0"/>
+                <a:cs typeface="Times New Roman" panose="02020603050405020304" pitchFamily="18" charset="0"/>
+              </a:rPr>
+              <a:t> </a:t>
+            </a:r>
+            <a:r>
+              <a:rPr lang="ru-RU" sz="2400" b="0" i="0" dirty="0" err="1">
+                <a:effectLst/>
+                <a:latin typeface="Times New Roman" panose="02020603050405020304" pitchFamily="18" charset="0"/>
+                <a:cs typeface="Times New Roman" panose="02020603050405020304" pitchFamily="18" charset="0"/>
+              </a:rPr>
+              <a:t>обмеження</a:t>
+            </a:r>
+            <a:r>
+              <a:rPr lang="ru-RU" sz="2400" b="0" i="0" dirty="0">
+                <a:effectLst/>
+                <a:latin typeface="Times New Roman" panose="02020603050405020304" pitchFamily="18" charset="0"/>
+                <a:cs typeface="Times New Roman" panose="02020603050405020304" pitchFamily="18" charset="0"/>
+              </a:rPr>
+              <a:t> </a:t>
+            </a:r>
+            <a:r>
+              <a:rPr lang="ru-RU" sz="2400" b="0" i="0" dirty="0" err="1">
+                <a:effectLst/>
+                <a:latin typeface="Times New Roman" panose="02020603050405020304" pitchFamily="18" charset="0"/>
+                <a:cs typeface="Times New Roman" panose="02020603050405020304" pitchFamily="18" charset="0"/>
+              </a:rPr>
+              <a:t>місць</a:t>
+            </a:r>
+            <a:r>
+              <a:rPr lang="ru-RU" sz="2400" b="0" i="0" dirty="0">
+                <a:effectLst/>
+                <a:latin typeface="Times New Roman" panose="02020603050405020304" pitchFamily="18" charset="0"/>
+                <a:cs typeface="Times New Roman" panose="02020603050405020304" pitchFamily="18" charset="0"/>
+              </a:rPr>
+              <a:t>, у </a:t>
+            </a:r>
+            <a:r>
+              <a:rPr lang="ru-RU" sz="2400" b="0" i="0" dirty="0" err="1">
+                <a:effectLst/>
+                <a:latin typeface="Times New Roman" panose="02020603050405020304" pitchFamily="18" charset="0"/>
+                <a:cs typeface="Times New Roman" panose="02020603050405020304" pitchFamily="18" charset="0"/>
+              </a:rPr>
+              <a:t>яких</a:t>
+            </a:r>
+            <a:r>
+              <a:rPr lang="ru-RU" sz="2400" b="0" i="0" dirty="0">
+                <a:effectLst/>
+                <a:latin typeface="Times New Roman" panose="02020603050405020304" pitchFamily="18" charset="0"/>
+                <a:cs typeface="Times New Roman" panose="02020603050405020304" pitchFamily="18" charset="0"/>
+              </a:rPr>
+              <a:t> </a:t>
+            </a:r>
+            <a:r>
+              <a:rPr lang="ru-RU" sz="2400" b="0" i="0" dirty="0" err="1">
+                <a:effectLst/>
+                <a:latin typeface="Times New Roman" panose="02020603050405020304" pitchFamily="18" charset="0"/>
+                <a:cs typeface="Times New Roman" panose="02020603050405020304" pitchFamily="18" charset="0"/>
+              </a:rPr>
+              <a:t>дозволяється</a:t>
+            </a:r>
+            <a:r>
+              <a:rPr lang="ru-RU" sz="2400" b="0" i="0" dirty="0">
+                <a:effectLst/>
+                <a:latin typeface="Times New Roman" panose="02020603050405020304" pitchFamily="18" charset="0"/>
+                <a:cs typeface="Times New Roman" panose="02020603050405020304" pitchFamily="18" charset="0"/>
+              </a:rPr>
+              <a:t> </a:t>
+            </a:r>
+            <a:r>
+              <a:rPr lang="ru-RU" sz="2400" b="0" i="0" dirty="0" err="1">
+                <a:effectLst/>
+                <a:latin typeface="Times New Roman" panose="02020603050405020304" pitchFamily="18" charset="0"/>
+                <a:cs typeface="Times New Roman" panose="02020603050405020304" pitchFamily="18" charset="0"/>
+              </a:rPr>
+              <a:t>використовувати</a:t>
+            </a:r>
+            <a:r>
+              <a:rPr lang="ru-RU" sz="2400" b="0" i="0" dirty="0">
+                <a:effectLst/>
+                <a:latin typeface="Times New Roman" panose="02020603050405020304" pitchFamily="18" charset="0"/>
+                <a:cs typeface="Times New Roman" panose="02020603050405020304" pitchFamily="18" charset="0"/>
+              </a:rPr>
+              <a:t> </a:t>
+            </a:r>
+            <a:r>
+              <a:rPr lang="ru-RU" sz="2400" b="0" i="0" dirty="0" err="1">
+                <a:effectLst/>
+                <a:latin typeface="Times New Roman" panose="02020603050405020304" pitchFamily="18" charset="0"/>
+                <a:cs typeface="Times New Roman" panose="02020603050405020304" pitchFamily="18" charset="0"/>
+              </a:rPr>
+              <a:t>якусь</a:t>
+            </a:r>
+            <a:r>
+              <a:rPr lang="ru-RU" sz="2400" b="0" i="0" dirty="0">
+                <a:effectLst/>
+                <a:latin typeface="Times New Roman" panose="02020603050405020304" pitchFamily="18" charset="0"/>
+                <a:cs typeface="Times New Roman" panose="02020603050405020304" pitchFamily="18" charset="0"/>
+              </a:rPr>
+              <a:t> </a:t>
+            </a:r>
+            <a:r>
+              <a:rPr lang="ru-RU" sz="2400" b="0" i="0" dirty="0" err="1">
+                <a:effectLst/>
+                <a:latin typeface="Times New Roman" panose="02020603050405020304" pitchFamily="18" charset="0"/>
+                <a:cs typeface="Times New Roman" panose="02020603050405020304" pitchFamily="18" charset="0"/>
+              </a:rPr>
+              <a:t>змінну</a:t>
+            </a:r>
+            <a:r>
+              <a:rPr lang="ru-RU" sz="2400" b="0" i="0" dirty="0">
+                <a:effectLst/>
+                <a:latin typeface="Times New Roman" panose="02020603050405020304" pitchFamily="18" charset="0"/>
+                <a:cs typeface="Times New Roman" panose="02020603050405020304" pitchFamily="18" charset="0"/>
+              </a:rPr>
+              <a:t> </a:t>
+            </a:r>
+            <a:r>
+              <a:rPr lang="ru-RU" sz="2400" b="0" i="0" dirty="0" err="1">
+                <a:effectLst/>
+                <a:latin typeface="Times New Roman" panose="02020603050405020304" pitchFamily="18" charset="0"/>
+                <a:cs typeface="Times New Roman" panose="02020603050405020304" pitchFamily="18" charset="0"/>
+              </a:rPr>
+              <a:t>чи</a:t>
+            </a:r>
+            <a:r>
+              <a:rPr lang="ru-RU" sz="2400" b="0" i="0" dirty="0">
+                <a:effectLst/>
+                <a:latin typeface="Times New Roman" panose="02020603050405020304" pitchFamily="18" charset="0"/>
+                <a:cs typeface="Times New Roman" panose="02020603050405020304" pitchFamily="18" charset="0"/>
+              </a:rPr>
+              <a:t> метод.</a:t>
+            </a:r>
+            <a:endParaRPr lang="uk-UA" sz="2400" dirty="0">
+              <a:latin typeface="Times New Roman" panose="02020603050405020304" pitchFamily="18" charset="0"/>
+              <a:cs typeface="Times New Roman" panose="02020603050405020304" pitchFamily="18" charset="0"/>
+            </a:endParaRPr>
+          </a:p>
+        </p:txBody>
+      </p:sp>
+      <p:pic>
+        <p:nvPicPr>
+          <p:cNvPr id="8" name="Рисунок 7">
+            <a:extLst>
+              <a:ext uri="{FF2B5EF4-FFF2-40B4-BE49-F238E27FC236}">
+                <a16:creationId xmlns:a16="http://schemas.microsoft.com/office/drawing/2014/main" id="{33AFE327-D9CD-4309-9B80-AEDA571D8151}"/>
+              </a:ext>
+            </a:extLst>
+          </p:cNvPr>
+          <p:cNvPicPr>
+            <a:picLocks noChangeAspect="1"/>
+          </p:cNvPicPr>
+          <p:nvPr/>
+        </p:nvPicPr>
+        <p:blipFill>
+          <a:blip r:embed="rId2"/>
+          <a:stretch>
+            <a:fillRect/>
+          </a:stretch>
+        </p:blipFill>
+        <p:spPr>
+          <a:xfrm>
+            <a:off x="2807175" y="2063586"/>
+            <a:ext cx="6181725" cy="3371850"/>
+          </a:xfrm>
+          <a:prstGeom prst="rect">
+            <a:avLst/>
+          </a:prstGeom>
+        </p:spPr>
+      </p:pic>
+    </p:spTree>
+    <p:extLst>
+      <p:ext uri="{BB962C8B-B14F-4D97-AF65-F5344CB8AC3E}">
+        <p14:creationId xmlns:p14="http://schemas.microsoft.com/office/powerpoint/2010/main" val="612587707"/>
+      </p:ext>
+    </p:extLst>
+  </p:cSld>
+  <p:clrMapOvr>
+    <a:masterClrMapping/>
+  </p:clrMapOvr>
+</p:sld>
+</file>
+
+<file path=ppt/slides/slide8.xml><?xml version="1.0" encoding="utf-8"?>
 <p:sld xmlns:a="http://schemas.openxmlformats.org/drawingml/2006/main" xmlns:r="http://schemas.openxmlformats.org/officeDocument/2006/relationships" xmlns:p="http://schemas.openxmlformats.org/presentationml/2006/main">
   <p:cSld>
     <p:spTree>
@@ -25872,12 +26172,12 @@
           <a:graphicData uri="http://schemas.openxmlformats.org/presentationml/2006/ole">
             <mc:AlternateContent xmlns:mc="http://schemas.openxmlformats.org/markup-compatibility/2006">
               <mc:Choice xmlns:v="urn:schemas-microsoft-com:vml" Requires="v">
-                <p:oleObj spid="_x0000_s3100" name="Visio" r:id="rId3" imgW="3778171" imgH="3725551" progId="Visio.Drawing.11">
+                <p:oleObj name="Visio" r:id="rId2" imgW="3778171" imgH="3725551" progId="Visio.Drawing.11">
                   <p:embed/>
                 </p:oleObj>
               </mc:Choice>
               <mc:Fallback>
-                <p:oleObj name="Visio" r:id="rId3" imgW="3778171" imgH="3725551" progId="Visio.Drawing.11">
+                <p:oleObj name="Visio" r:id="rId2" imgW="3778171" imgH="3725551" progId="Visio.Drawing.11">
                   <p:embed/>
                   <p:pic>
                     <p:nvPicPr>
@@ -25888,7 +26188,7 @@
                       <p:nvPr/>
                     </p:nvPicPr>
                     <p:blipFill>
-                      <a:blip r:embed="rId4">
+                      <a:blip r:embed="rId3">
                         <a:extLst>
                           <a:ext uri="{28A0092B-C50C-407E-A947-70E740481C1C}">
                             <a14:useLocalDpi xmlns:a14="http://schemas.microsoft.com/office/drawing/2010/main" val="0"/>
@@ -25962,7 +26262,7 @@
 </p:sld>
 </file>
 
-<file path=ppt/slides/slide8.xml><?xml version="1.0" encoding="utf-8"?>
+<file path=ppt/slides/slide9.xml><?xml version="1.0" encoding="utf-8"?>
 <p:sld xmlns:a="http://schemas.openxmlformats.org/drawingml/2006/main" xmlns:r="http://schemas.openxmlformats.org/officeDocument/2006/relationships" xmlns:p="http://schemas.openxmlformats.org/presentationml/2006/main">
   <p:cSld>
     <p:spTree>
@@ -26026,12 +26326,12 @@
           <a:graphicData uri="http://schemas.openxmlformats.org/presentationml/2006/ole">
             <mc:AlternateContent xmlns:mc="http://schemas.openxmlformats.org/markup-compatibility/2006">
               <mc:Choice xmlns:v="urn:schemas-microsoft-com:vml" Requires="v">
-                <p:oleObj spid="_x0000_s4306" name="Visio" r:id="rId3" imgW="4981712" imgH="1971721" progId="Visio.Drawing.11">
+                <p:oleObj name="Visio" r:id="rId2" imgW="4981712" imgH="1971721" progId="Visio.Drawing.11">
                   <p:embed/>
                 </p:oleObj>
               </mc:Choice>
               <mc:Fallback>
-                <p:oleObj name="Visio" r:id="rId3" imgW="4981712" imgH="1971721" progId="Visio.Drawing.11">
+                <p:oleObj name="Visio" r:id="rId2" imgW="4981712" imgH="1971721" progId="Visio.Drawing.11">
                   <p:embed/>
                   <p:pic>
                     <p:nvPicPr>
@@ -26042,7 +26342,7 @@
                       <p:nvPr/>
                     </p:nvPicPr>
                     <p:blipFill>
-                      <a:blip r:embed="rId4"/>
+                      <a:blip r:embed="rId3"/>
                       <a:srcRect/>
                       <a:stretch>
                         <a:fillRect/>
@@ -26113,12 +26413,12 @@
           <a:graphicData uri="http://schemas.openxmlformats.org/presentationml/2006/ole">
             <mc:AlternateContent xmlns:mc="http://schemas.openxmlformats.org/markup-compatibility/2006">
               <mc:Choice xmlns:v="urn:schemas-microsoft-com:vml" Requires="v">
-                <p:oleObj spid="_x0000_s4307" name="Visio" r:id="rId5" imgW="3778171" imgH="2063116" progId="Visio.Drawing.11">
+                <p:oleObj name="Visio" r:id="rId4" imgW="3778171" imgH="2063116" progId="Visio.Drawing.11">
                   <p:embed/>
                 </p:oleObj>
               </mc:Choice>
               <mc:Fallback>
-                <p:oleObj name="Visio" r:id="rId5" imgW="3778171" imgH="2063116" progId="Visio.Drawing.11">
+                <p:oleObj name="Visio" r:id="rId4" imgW="3778171" imgH="2063116" progId="Visio.Drawing.11">
                   <p:embed/>
                   <p:pic>
                     <p:nvPicPr>
@@ -26129,7 +26429,7 @@
                       <p:nvPr/>
                     </p:nvPicPr>
                     <p:blipFill>
-                      <a:blip r:embed="rId6">
+                      <a:blip r:embed="rId5">
                         <a:extLst>
                           <a:ext uri="{28A0092B-C50C-407E-A947-70E740481C1C}">
                             <a14:useLocalDpi xmlns:a14="http://schemas.microsoft.com/office/drawing/2010/main" val="0"/>
@@ -26257,12 +26557,12 @@
           <a:graphicData uri="http://schemas.openxmlformats.org/presentationml/2006/ole">
             <mc:AlternateContent xmlns:mc="http://schemas.openxmlformats.org/markup-compatibility/2006">
               <mc:Choice xmlns:v="urn:schemas-microsoft-com:vml" Requires="v">
-                <p:oleObj spid="_x0000_s4308" name="Visio" r:id="rId7" imgW="368457" imgH="483627" progId="Visio.Drawing.11">
+                <p:oleObj name="Visio" r:id="rId6" imgW="368457" imgH="483627" progId="Visio.Drawing.11">
                   <p:embed/>
                 </p:oleObj>
               </mc:Choice>
               <mc:Fallback>
-                <p:oleObj name="Visio" r:id="rId7" imgW="368457" imgH="483627" progId="Visio.Drawing.11">
+                <p:oleObj name="Visio" r:id="rId6" imgW="368457" imgH="483627" progId="Visio.Drawing.11">
                   <p:embed/>
                   <p:pic>
                     <p:nvPicPr>
@@ -26273,7 +26573,7 @@
                       <p:nvPr/>
                     </p:nvPicPr>
                     <p:blipFill>
-                      <a:blip r:embed="rId8">
+                      <a:blip r:embed="rId7">
                         <a:extLst>
                           <a:ext uri="{28A0092B-C50C-407E-A947-70E740481C1C}">
                             <a14:useLocalDpi xmlns:a14="http://schemas.microsoft.com/office/drawing/2010/main" val="0"/>
@@ -26350,12 +26650,12 @@
           <a:graphicData uri="http://schemas.openxmlformats.org/presentationml/2006/ole">
             <mc:AlternateContent xmlns:mc="http://schemas.openxmlformats.org/markup-compatibility/2006">
               <mc:Choice xmlns:v="urn:schemas-microsoft-com:vml" Requires="v">
-                <p:oleObj spid="_x0000_s4309" name="Visio" r:id="rId9" imgW="368457" imgH="483627" progId="Visio.Drawing.11">
+                <p:oleObj name="Visio" r:id="rId8" imgW="368457" imgH="483627" progId="Visio.Drawing.11">
                   <p:embed/>
                 </p:oleObj>
               </mc:Choice>
               <mc:Fallback>
-                <p:oleObj name="Visio" r:id="rId9" imgW="368457" imgH="483627" progId="Visio.Drawing.11">
+                <p:oleObj name="Visio" r:id="rId8" imgW="368457" imgH="483627" progId="Visio.Drawing.11">
                   <p:embed/>
                   <p:pic>
                     <p:nvPicPr>
@@ -26366,7 +26666,7 @@
                       <p:nvPr/>
                     </p:nvPicPr>
                     <p:blipFill>
-                      <a:blip r:embed="rId8">
+                      <a:blip r:embed="rId7">
                         <a:extLst>
                           <a:ext uri="{28A0092B-C50C-407E-A947-70E740481C1C}">
                             <a14:useLocalDpi xmlns:a14="http://schemas.microsoft.com/office/drawing/2010/main" val="0"/>
@@ -26443,12 +26743,12 @@
           <a:graphicData uri="http://schemas.openxmlformats.org/presentationml/2006/ole">
             <mc:AlternateContent xmlns:mc="http://schemas.openxmlformats.org/markup-compatibility/2006">
               <mc:Choice xmlns:v="urn:schemas-microsoft-com:vml" Requires="v">
-                <p:oleObj spid="_x0000_s4310" name="Visio" r:id="rId10" imgW="368457" imgH="483627" progId="Visio.Drawing.11">
+                <p:oleObj name="Visio" r:id="rId9" imgW="368457" imgH="483627" progId="Visio.Drawing.11">
                   <p:embed/>
                 </p:oleObj>
               </mc:Choice>
               <mc:Fallback>
-                <p:oleObj name="Visio" r:id="rId10" imgW="368457" imgH="483627" progId="Visio.Drawing.11">
+                <p:oleObj name="Visio" r:id="rId9" imgW="368457" imgH="483627" progId="Visio.Drawing.11">
                   <p:embed/>
                   <p:pic>
                     <p:nvPicPr>
@@ -26459,7 +26759,7 @@
                       <p:nvPr/>
                     </p:nvPicPr>
                     <p:blipFill>
-                      <a:blip r:embed="rId8">
+                      <a:blip r:embed="rId7">
                         <a:extLst>
                           <a:ext uri="{28A0092B-C50C-407E-A947-70E740481C1C}">
                             <a14:useLocalDpi xmlns:a14="http://schemas.microsoft.com/office/drawing/2010/main" val="0"/>
@@ -26536,12 +26836,12 @@
           <a:graphicData uri="http://schemas.openxmlformats.org/presentationml/2006/ole">
             <mc:AlternateContent xmlns:mc="http://schemas.openxmlformats.org/markup-compatibility/2006">
               <mc:Choice xmlns:v="urn:schemas-microsoft-com:vml" Requires="v">
-                <p:oleObj spid="_x0000_s4311" name="Visio" r:id="rId11" imgW="440476" imgH="440398" progId="Visio.Drawing.11">
+                <p:oleObj name="Visio" r:id="rId10" imgW="440476" imgH="440398" progId="Visio.Drawing.11">
                   <p:embed/>
                 </p:oleObj>
               </mc:Choice>
               <mc:Fallback>
-                <p:oleObj name="Visio" r:id="rId11" imgW="440476" imgH="440398" progId="Visio.Drawing.11">
+                <p:oleObj name="Visio" r:id="rId10" imgW="440476" imgH="440398" progId="Visio.Drawing.11">
                   <p:embed/>
                   <p:pic>
                     <p:nvPicPr>
@@ -26552,7 +26852,7 @@
                       <p:nvPr/>
                     </p:nvPicPr>
                     <p:blipFill>
-                      <a:blip r:embed="rId12">
+                      <a:blip r:embed="rId11">
                         <a:extLst>
                           <a:ext uri="{28A0092B-C50C-407E-A947-70E740481C1C}">
                             <a14:useLocalDpi xmlns:a14="http://schemas.microsoft.com/office/drawing/2010/main" val="0"/>
@@ -26629,12 +26929,12 @@
           <a:graphicData uri="http://schemas.openxmlformats.org/presentationml/2006/ole">
             <mc:AlternateContent xmlns:mc="http://schemas.openxmlformats.org/markup-compatibility/2006">
               <mc:Choice xmlns:v="urn:schemas-microsoft-com:vml" Requires="v">
-                <p:oleObj spid="_x0000_s4312" name="Visio" r:id="rId13" imgW="368457" imgH="483627" progId="Visio.Drawing.11">
+                <p:oleObj name="Visio" r:id="rId12" imgW="368457" imgH="483627" progId="Visio.Drawing.11">
                   <p:embed/>
                 </p:oleObj>
               </mc:Choice>
               <mc:Fallback>
-                <p:oleObj name="Visio" r:id="rId13" imgW="368457" imgH="483627" progId="Visio.Drawing.11">
+                <p:oleObj name="Visio" r:id="rId12" imgW="368457" imgH="483627" progId="Visio.Drawing.11">
                   <p:embed/>
                   <p:pic>
                     <p:nvPicPr>
@@ -26645,7 +26945,7 @@
                       <p:nvPr/>
                     </p:nvPicPr>
                     <p:blipFill>
-                      <a:blip r:embed="rId8">
+                      <a:blip r:embed="rId7">
                         <a:extLst>
                           <a:ext uri="{28A0092B-C50C-407E-A947-70E740481C1C}">
                             <a14:useLocalDpi xmlns:a14="http://schemas.microsoft.com/office/drawing/2010/main" val="0"/>
@@ -26722,12 +27022,12 @@
           <a:graphicData uri="http://schemas.openxmlformats.org/presentationml/2006/ole">
             <mc:AlternateContent xmlns:mc="http://schemas.openxmlformats.org/markup-compatibility/2006">
               <mc:Choice xmlns:v="urn:schemas-microsoft-com:vml" Requires="v">
-                <p:oleObj spid="_x0000_s4313" name="Visio" r:id="rId14" imgW="440476" imgH="440398" progId="Visio.Drawing.11">
+                <p:oleObj name="Visio" r:id="rId13" imgW="440476" imgH="440398" progId="Visio.Drawing.11">
                   <p:embed/>
                 </p:oleObj>
               </mc:Choice>
               <mc:Fallback>
-                <p:oleObj name="Visio" r:id="rId14" imgW="440476" imgH="440398" progId="Visio.Drawing.11">
+                <p:oleObj name="Visio" r:id="rId13" imgW="440476" imgH="440398" progId="Visio.Drawing.11">
                   <p:embed/>
                   <p:pic>
                     <p:nvPicPr>
@@ -26738,7 +27038,7 @@
                       <p:nvPr/>
                     </p:nvPicPr>
                     <p:blipFill>
-                      <a:blip r:embed="rId12">
+                      <a:blip r:embed="rId11">
                         <a:extLst>
                           <a:ext uri="{28A0092B-C50C-407E-A947-70E740481C1C}">
                             <a14:useLocalDpi xmlns:a14="http://schemas.microsoft.com/office/drawing/2010/main" val="0"/>
@@ -26803,306 +27103,6 @@
     <p:extLst>
       <p:ext uri="{BB962C8B-B14F-4D97-AF65-F5344CB8AC3E}">
         <p14:creationId xmlns:p14="http://schemas.microsoft.com/office/powerpoint/2010/main" val="4291585958"/>
-      </p:ext>
-    </p:extLst>
-  </p:cSld>
-  <p:clrMapOvr>
-    <a:masterClrMapping/>
-  </p:clrMapOvr>
-</p:sld>
-</file>
-
-<file path=ppt/slides/slide9.xml><?xml version="1.0" encoding="utf-8"?>
-<p:sld xmlns:a="http://schemas.openxmlformats.org/drawingml/2006/main" xmlns:r="http://schemas.openxmlformats.org/officeDocument/2006/relationships" xmlns:p="http://schemas.openxmlformats.org/presentationml/2006/main">
-  <p:cSld>
-    <p:spTree>
-      <p:nvGrpSpPr>
-        <p:cNvPr id="1" name=""/>
-        <p:cNvGrpSpPr/>
-        <p:nvPr/>
-      </p:nvGrpSpPr>
-      <p:grpSpPr>
-        <a:xfrm>
-          <a:off x="0" y="0"/>
-          <a:ext cx="0" cy="0"/>
-          <a:chOff x="0" y="0"/>
-          <a:chExt cx="0" cy="0"/>
-        </a:xfrm>
-      </p:grpSpPr>
-      <p:sp>
-        <p:nvSpPr>
-          <p:cNvPr id="102402" name="Rectangle 2"/>
-          <p:cNvSpPr>
-            <a:spLocks noGrp="1"/>
-          </p:cNvSpPr>
-          <p:nvPr>
-            <p:ph type="title"/>
-          </p:nvPr>
-        </p:nvSpPr>
-        <p:spPr>
-          <a:xfrm>
-            <a:off x="0" y="1"/>
-            <a:ext cx="12192000" cy="661986"/>
-          </a:xfrm>
-        </p:spPr>
-        <p:txBody>
-          <a:bodyPr>
-            <a:noAutofit/>
-          </a:bodyPr>
-          <a:lstStyle/>
-          <a:p>
-            <a:pPr algn="ctr"/>
-            <a:r>
-              <a:rPr lang="uk-UA" altLang="ru-RU" dirty="0">
-                <a:latin typeface="Times New Roman" panose="02020603050405020304" pitchFamily="18" charset="0"/>
-                <a:cs typeface="Times New Roman" panose="02020603050405020304" pitchFamily="18" charset="0"/>
-              </a:rPr>
-              <a:t>Перевантаження методів</a:t>
-            </a:r>
-          </a:p>
-        </p:txBody>
-      </p:sp>
-      <p:graphicFrame>
-        <p:nvGraphicFramePr>
-          <p:cNvPr id="102403" name="Object 6"/>
-          <p:cNvGraphicFramePr>
-            <a:graphicFrameLocks noChangeAspect="1"/>
-          </p:cNvGraphicFramePr>
-          <p:nvPr/>
-        </p:nvGraphicFramePr>
-        <p:xfrm>
-          <a:off x="1755775" y="1425575"/>
-          <a:ext cx="4229100" cy="4770438"/>
-        </p:xfrm>
-        <a:graphic>
-          <a:graphicData uri="http://schemas.openxmlformats.org/presentationml/2006/ole">
-            <mc:AlternateContent xmlns:mc="http://schemas.openxmlformats.org/markup-compatibility/2006">
-              <mc:Choice xmlns:v="urn:schemas-microsoft-com:vml" Requires="v">
-                <p:oleObj spid="_x0000_s5174" name="Visio" r:id="rId3" imgW="3778171" imgH="4262404" progId="Visio.Drawing.11">
-                  <p:embed/>
-                </p:oleObj>
-              </mc:Choice>
-              <mc:Fallback>
-                <p:oleObj name="Visio" r:id="rId3" imgW="3778171" imgH="4262404" progId="Visio.Drawing.11">
-                  <p:embed/>
-                  <p:pic>
-                    <p:nvPicPr>
-                      <p:cNvPr id="102403" name="Object 6"/>
-                      <p:cNvPicPr>
-                        <a:picLocks noChangeAspect="1" noChangeArrowheads="1"/>
-                      </p:cNvPicPr>
-                      <p:nvPr/>
-                    </p:nvPicPr>
-                    <p:blipFill>
-                      <a:blip r:embed="rId4">
-                        <a:extLst>
-                          <a:ext uri="{28A0092B-C50C-407E-A947-70E740481C1C}">
-                            <a14:useLocalDpi xmlns:a14="http://schemas.microsoft.com/office/drawing/2010/main" val="0"/>
-                          </a:ext>
-                        </a:extLst>
-                      </a:blip>
-                      <a:srcRect/>
-                      <a:stretch>
-                        <a:fillRect/>
-                      </a:stretch>
-                    </p:blipFill>
-                    <p:spPr bwMode="auto">
-                      <a:xfrm>
-                        <a:off x="1755775" y="1425575"/>
-                        <a:ext cx="4229100" cy="4770438"/>
-                      </a:xfrm>
-                      <a:prstGeom prst="rect">
-                        <a:avLst/>
-                      </a:prstGeom>
-                      <a:noFill/>
-                      <a:ln>
-                        <a:noFill/>
-                      </a:ln>
-                      <a:effectLst/>
-                      <a:extLst>
-                        <a:ext uri="{909E8E84-426E-40DD-AFC4-6F175D3DCCD1}">
-                          <a14:hiddenFill xmlns:a14="http://schemas.microsoft.com/office/drawing/2010/main">
-                            <a:solidFill>
-                              <a:schemeClr val="accent1"/>
-                            </a:solidFill>
-                          </a14:hiddenFill>
-                        </a:ext>
-                        <a:ext uri="{91240B29-F687-4F45-9708-019B960494DF}">
-                          <a14:hiddenLine xmlns:a14="http://schemas.microsoft.com/office/drawing/2010/main" w="9525">
-                            <a:solidFill>
-                              <a:schemeClr val="tx1"/>
-                            </a:solidFill>
-                            <a:miter lim="800000"/>
-                            <a:headEnd/>
-                            <a:tailEnd/>
-                          </a14:hiddenLine>
-                        </a:ext>
-                        <a:ext uri="{AF507438-7753-43E0-B8FC-AC1667EBCBE1}">
-                          <a14:hiddenEffects xmlns:a14="http://schemas.microsoft.com/office/drawing/2010/main">
-                            <a:effectLst>
-                              <a:outerShdw dist="35921" dir="2700000" algn="ctr" rotWithShape="0">
-                                <a:schemeClr val="bg2"/>
-                              </a:outerShdw>
-                            </a:effectLst>
-                          </a14:hiddenEffects>
-                        </a:ext>
-                      </a:extLst>
-                    </p:spPr>
-                  </p:pic>
-                </p:oleObj>
-              </mc:Fallback>
-            </mc:AlternateContent>
-          </a:graphicData>
-        </a:graphic>
-      </p:graphicFrame>
-      <p:graphicFrame>
-        <p:nvGraphicFramePr>
-          <p:cNvPr id="102404" name="Object 8"/>
-          <p:cNvGraphicFramePr>
-            <a:graphicFrameLocks noChangeAspect="1"/>
-          </p:cNvGraphicFramePr>
-          <p:nvPr/>
-        </p:nvGraphicFramePr>
-        <p:xfrm>
-          <a:off x="6215064" y="2019300"/>
-          <a:ext cx="4287837" cy="3517900"/>
-        </p:xfrm>
-        <a:graphic>
-          <a:graphicData uri="http://schemas.openxmlformats.org/presentationml/2006/ole">
-            <mc:AlternateContent xmlns:mc="http://schemas.openxmlformats.org/markup-compatibility/2006">
-              <mc:Choice xmlns:v="urn:schemas-microsoft-com:vml" Requires="v">
-                <p:oleObj spid="_x0000_s5175" name="Visio" r:id="rId5" imgW="3869611" imgH="3174648" progId="Visio.Drawing.11">
-                  <p:embed/>
-                </p:oleObj>
-              </mc:Choice>
-              <mc:Fallback>
-                <p:oleObj name="Visio" r:id="rId5" imgW="3869611" imgH="3174648" progId="Visio.Drawing.11">
-                  <p:embed/>
-                  <p:pic>
-                    <p:nvPicPr>
-                      <p:cNvPr id="102404" name="Object 8"/>
-                      <p:cNvPicPr>
-                        <a:picLocks noChangeAspect="1" noChangeArrowheads="1"/>
-                      </p:cNvPicPr>
-                      <p:nvPr/>
-                    </p:nvPicPr>
-                    <p:blipFill>
-                      <a:blip r:embed="rId6">
-                        <a:extLst>
-                          <a:ext uri="{28A0092B-C50C-407E-A947-70E740481C1C}">
-                            <a14:useLocalDpi xmlns:a14="http://schemas.microsoft.com/office/drawing/2010/main" val="0"/>
-                          </a:ext>
-                        </a:extLst>
-                      </a:blip>
-                      <a:srcRect/>
-                      <a:stretch>
-                        <a:fillRect/>
-                      </a:stretch>
-                    </p:blipFill>
-                    <p:spPr bwMode="auto">
-                      <a:xfrm>
-                        <a:off x="6215064" y="2019300"/>
-                        <a:ext cx="4287837" cy="3517900"/>
-                      </a:xfrm>
-                      <a:prstGeom prst="rect">
-                        <a:avLst/>
-                      </a:prstGeom>
-                      <a:noFill/>
-                      <a:ln>
-                        <a:noFill/>
-                      </a:ln>
-                      <a:effectLst/>
-                      <a:extLst>
-                        <a:ext uri="{909E8E84-426E-40DD-AFC4-6F175D3DCCD1}">
-                          <a14:hiddenFill xmlns:a14="http://schemas.microsoft.com/office/drawing/2010/main">
-                            <a:solidFill>
-                              <a:schemeClr val="accent1"/>
-                            </a:solidFill>
-                          </a14:hiddenFill>
-                        </a:ext>
-                        <a:ext uri="{91240B29-F687-4F45-9708-019B960494DF}">
-                          <a14:hiddenLine xmlns:a14="http://schemas.microsoft.com/office/drawing/2010/main" w="9525">
-                            <a:solidFill>
-                              <a:schemeClr val="tx1"/>
-                            </a:solidFill>
-                            <a:miter lim="800000"/>
-                            <a:headEnd/>
-                            <a:tailEnd/>
-                          </a14:hiddenLine>
-                        </a:ext>
-                        <a:ext uri="{AF507438-7753-43E0-B8FC-AC1667EBCBE1}">
-                          <a14:hiddenEffects xmlns:a14="http://schemas.microsoft.com/office/drawing/2010/main">
-                            <a:effectLst>
-                              <a:outerShdw dist="35921" dir="2700000" algn="ctr" rotWithShape="0">
-                                <a:schemeClr val="bg2"/>
-                              </a:outerShdw>
-                            </a:effectLst>
-                          </a14:hiddenEffects>
-                        </a:ext>
-                      </a:extLst>
-                    </p:spPr>
-                  </p:pic>
-                </p:oleObj>
-              </mc:Fallback>
-            </mc:AlternateContent>
-          </a:graphicData>
-        </a:graphic>
-      </p:graphicFrame>
-      <p:sp>
-        <p:nvSpPr>
-          <p:cNvPr id="102405" name="Line 9"/>
-          <p:cNvSpPr>
-            <a:spLocks noChangeShapeType="1"/>
-          </p:cNvSpPr>
-          <p:nvPr/>
-        </p:nvSpPr>
-        <p:spPr bwMode="auto">
-          <a:xfrm>
-            <a:off x="6083300" y="1422400"/>
-            <a:ext cx="0" cy="4826000"/>
-          </a:xfrm>
-          <a:prstGeom prst="line">
-            <a:avLst/>
-          </a:prstGeom>
-          <a:noFill/>
-          <a:ln w="9525">
-            <a:solidFill>
-              <a:schemeClr val="tx1"/>
-            </a:solidFill>
-            <a:round/>
-            <a:headEnd/>
-            <a:tailEnd/>
-          </a:ln>
-          <a:effectLst/>
-          <a:extLst>
-            <a:ext uri="{909E8E84-426E-40DD-AFC4-6F175D3DCCD1}">
-              <a14:hiddenFill xmlns:a14="http://schemas.microsoft.com/office/drawing/2010/main">
-                <a:noFill/>
-              </a14:hiddenFill>
-            </a:ext>
-            <a:ext uri="{AF507438-7753-43E0-B8FC-AC1667EBCBE1}">
-              <a14:hiddenEffects xmlns:a14="http://schemas.microsoft.com/office/drawing/2010/main">
-                <a:effectLst>
-                  <a:outerShdw dist="35921" dir="2700000" algn="ctr" rotWithShape="0">
-                    <a:schemeClr val="bg2"/>
-                  </a:outerShdw>
-                </a:effectLst>
-              </a14:hiddenEffects>
-            </a:ext>
-          </a:extLst>
-        </p:spPr>
-        <p:txBody>
-          <a:bodyPr/>
-          <a:lstStyle/>
-          <a:p>
-            <a:endParaRPr lang="ru-RU"/>
-          </a:p>
-        </p:txBody>
-      </p:sp>
-    </p:spTree>
-    <p:extLst>
-      <p:ext uri="{BB962C8B-B14F-4D97-AF65-F5344CB8AC3E}">
-        <p14:creationId xmlns:p14="http://schemas.microsoft.com/office/powerpoint/2010/main" val="2430569736"/>
       </p:ext>
     </p:extLst>
   </p:cSld>
